--- a/산출물/프로젝트수행계획서/2360340008_박경덕_하나1PIECE조각투자중계플랫폼_수행계획서.pptx
+++ b/산출물/프로젝트수행계획서/2360340008_박경덕_하나1PIECE조각투자중계플랫폼_수행계획서.pptx
@@ -186,110 +186,486 @@
 <file path=ppt/changesInfos/changesInfo1.xml><?xml version="1.0" encoding="utf-8"?>
 <pc:chgInfo xmlns:a="http://schemas.openxmlformats.org/drawingml/2006/main" xmlns:r="http://schemas.openxmlformats.org/officeDocument/2006/relationships" xmlns:ac="http://schemas.microsoft.com/office/drawing/2013/main/command" xmlns:pc="http://schemas.microsoft.com/office/powerpoint/2013/main/command">
   <pc:docChgLst>
-    <pc:chgData name="박경덕" userId="d41f3266-5c15-4951-874e-7f7f757e9c74" providerId="ADAL" clId="{D8E3E1EC-18D4-E24E-8A68-4859438857E2}"/>
-    <pc:docChg chg="modSld">
-      <pc:chgData name="박경덕" userId="d41f3266-5c15-4951-874e-7f7f757e9c74" providerId="ADAL" clId="{D8E3E1EC-18D4-E24E-8A68-4859438857E2}" dt="2023-07-21T00:11:19.898" v="159" actId="113"/>
+    <pc:chgData name="박경덕" userId="d41f3266-5c15-4951-874e-7f7f757e9c74" providerId="ADAL" clId="{D9A30E57-EF61-FF4C-A199-51623E3550EA}"/>
+    <pc:docChg chg="undo redo custSel addSld delSld modSld">
+      <pc:chgData name="박경덕" userId="d41f3266-5c15-4951-874e-7f7f757e9c74" providerId="ADAL" clId="{D9A30E57-EF61-FF4C-A199-51623E3550EA}" dt="2023-09-04T02:29:55.503" v="4279" actId="14734"/>
       <pc:docMkLst>
         <pc:docMk/>
       </pc:docMkLst>
       <pc:sldChg chg="modSp mod">
-        <pc:chgData name="박경덕" userId="d41f3266-5c15-4951-874e-7f7f757e9c74" providerId="ADAL" clId="{D8E3E1EC-18D4-E24E-8A68-4859438857E2}" dt="2023-07-21T00:02:14.337" v="20" actId="1076"/>
+        <pc:chgData name="박경덕" userId="d41f3266-5c15-4951-874e-7f7f757e9c74" providerId="ADAL" clId="{D9A30E57-EF61-FF4C-A199-51623E3550EA}" dt="2023-09-04T00:39:17.587" v="33" actId="14100"/>
         <pc:sldMkLst>
           <pc:docMk/>
           <pc:sldMk cId="1237762600" sldId="256"/>
         </pc:sldMkLst>
         <pc:spChg chg="mod">
-          <ac:chgData name="박경덕" userId="d41f3266-5c15-4951-874e-7f7f757e9c74" providerId="ADAL" clId="{D8E3E1EC-18D4-E24E-8A68-4859438857E2}" dt="2023-07-21T00:02:10.981" v="19" actId="20577"/>
+          <ac:chgData name="박경덕" userId="d41f3266-5c15-4951-874e-7f7f757e9c74" providerId="ADAL" clId="{D9A30E57-EF61-FF4C-A199-51623E3550EA}" dt="2023-09-04T00:39:17.587" v="33" actId="14100"/>
           <ac:spMkLst>
             <pc:docMk/>
             <pc:sldMk cId="1237762600" sldId="256"/>
-            <ac:spMk id="5" creationId="{00000000-0000-0000-0000-000000000000}"/>
+            <ac:spMk id="8" creationId="{473FCFDF-F3EB-1DA2-9E10-0A4C220CD73F}"/>
           </ac:spMkLst>
         </pc:spChg>
+      </pc:sldChg>
+      <pc:sldChg chg="modSp mod">
+        <pc:chgData name="박경덕" userId="d41f3266-5c15-4951-874e-7f7f757e9c74" providerId="ADAL" clId="{D9A30E57-EF61-FF4C-A199-51623E3550EA}" dt="2023-09-04T00:41:02.553" v="278" actId="20577"/>
+        <pc:sldMkLst>
+          <pc:docMk/>
+          <pc:sldMk cId="3600264057" sldId="257"/>
+        </pc:sldMkLst>
         <pc:spChg chg="mod">
-          <ac:chgData name="박경덕" userId="d41f3266-5c15-4951-874e-7f7f757e9c74" providerId="ADAL" clId="{D8E3E1EC-18D4-E24E-8A68-4859438857E2}" dt="2023-07-21T00:00:37.591" v="0" actId="14100"/>
+          <ac:chgData name="박경덕" userId="d41f3266-5c15-4951-874e-7f7f757e9c74" providerId="ADAL" clId="{D9A30E57-EF61-FF4C-A199-51623E3550EA}" dt="2023-09-04T00:41:02.553" v="278" actId="20577"/>
           <ac:spMkLst>
             <pc:docMk/>
-            <pc:sldMk cId="1237762600" sldId="256"/>
-            <ac:spMk id="6" creationId="{00000000-0000-0000-0000-000000000000}"/>
+            <pc:sldMk cId="3600264057" sldId="257"/>
+            <ac:spMk id="4" creationId="{00000000-0000-0000-0000-000000000000}"/>
           </ac:spMkLst>
         </pc:spChg>
-        <pc:picChg chg="mod">
-          <ac:chgData name="박경덕" userId="d41f3266-5c15-4951-874e-7f7f757e9c74" providerId="ADAL" clId="{D8E3E1EC-18D4-E24E-8A68-4859438857E2}" dt="2023-07-21T00:02:14.337" v="20" actId="1076"/>
-          <ac:picMkLst>
-            <pc:docMk/>
-            <pc:sldMk cId="1237762600" sldId="256"/>
-            <ac:picMk id="7" creationId="{B48C0AF5-871F-A237-CAB5-19D3DC6D4350}"/>
-          </ac:picMkLst>
-        </pc:picChg>
       </pc:sldChg>
       <pc:sldChg chg="modSp mod">
-        <pc:chgData name="박경덕" userId="d41f3266-5c15-4951-874e-7f7f757e9c74" providerId="ADAL" clId="{D8E3E1EC-18D4-E24E-8A68-4859438857E2}" dt="2023-07-21T00:01:14.264" v="12" actId="14100"/>
+        <pc:chgData name="박경덕" userId="d41f3266-5c15-4951-874e-7f7f757e9c74" providerId="ADAL" clId="{D9A30E57-EF61-FF4C-A199-51623E3550EA}" dt="2023-09-04T00:41:17.795" v="293" actId="20577"/>
+        <pc:sldMkLst>
+          <pc:docMk/>
+          <pc:sldMk cId="639719381" sldId="268"/>
+        </pc:sldMkLst>
+        <pc:spChg chg="mod">
+          <ac:chgData name="박경덕" userId="d41f3266-5c15-4951-874e-7f7f757e9c74" providerId="ADAL" clId="{D9A30E57-EF61-FF4C-A199-51623E3550EA}" dt="2023-09-04T00:41:17.795" v="293" actId="20577"/>
+          <ac:spMkLst>
+            <pc:docMk/>
+            <pc:sldMk cId="639719381" sldId="268"/>
+            <ac:spMk id="13" creationId="{00000000-0000-0000-0000-000000000000}"/>
+          </ac:spMkLst>
+        </pc:spChg>
+      </pc:sldChg>
+      <pc:sldChg chg="modSp mod">
+        <pc:chgData name="박경덕" userId="d41f3266-5c15-4951-874e-7f7f757e9c74" providerId="ADAL" clId="{D9A30E57-EF61-FF4C-A199-51623E3550EA}" dt="2023-09-04T01:52:11.308" v="3467" actId="14100"/>
         <pc:sldMkLst>
           <pc:docMk/>
           <pc:sldMk cId="380412449" sldId="269"/>
         </pc:sldMkLst>
         <pc:spChg chg="mod">
-          <ac:chgData name="박경덕" userId="d41f3266-5c15-4951-874e-7f7f757e9c74" providerId="ADAL" clId="{D8E3E1EC-18D4-E24E-8A68-4859438857E2}" dt="2023-07-21T00:01:14.264" v="12" actId="14100"/>
+          <ac:chgData name="박경덕" userId="d41f3266-5c15-4951-874e-7f7f757e9c74" providerId="ADAL" clId="{D9A30E57-EF61-FF4C-A199-51623E3550EA}" dt="2023-09-04T01:52:11.308" v="3467" actId="14100"/>
           <ac:spMkLst>
             <pc:docMk/>
             <pc:sldMk cId="380412449" sldId="269"/>
-            <ac:spMk id="2" creationId="{D64C997E-4B23-7BD5-910B-0B2F2D9F7C8B}"/>
+            <ac:spMk id="4" creationId="{FA48D035-BF84-ECC0-7D85-3277B699CDA0}"/>
           </ac:spMkLst>
         </pc:spChg>
       </pc:sldChg>
       <pc:sldChg chg="modSp mod">
-        <pc:chgData name="박경덕" userId="d41f3266-5c15-4951-874e-7f7f757e9c74" providerId="ADAL" clId="{D8E3E1EC-18D4-E24E-8A68-4859438857E2}" dt="2023-07-21T00:03:20.433" v="23" actId="14100"/>
+        <pc:chgData name="박경덕" userId="d41f3266-5c15-4951-874e-7f7f757e9c74" providerId="ADAL" clId="{D9A30E57-EF61-FF4C-A199-51623E3550EA}" dt="2023-09-04T00:48:16.330" v="465" actId="1076"/>
         <pc:sldMkLst>
           <pc:docMk/>
           <pc:sldMk cId="3548539669" sldId="271"/>
         </pc:sldMkLst>
         <pc:spChg chg="mod">
-          <ac:chgData name="박경덕" userId="d41f3266-5c15-4951-874e-7f7f757e9c74" providerId="ADAL" clId="{D8E3E1EC-18D4-E24E-8A68-4859438857E2}" dt="2023-07-21T00:03:20.433" v="23" actId="14100"/>
+          <ac:chgData name="박경덕" userId="d41f3266-5c15-4951-874e-7f7f757e9c74" providerId="ADAL" clId="{D9A30E57-EF61-FF4C-A199-51623E3550EA}" dt="2023-09-04T00:46:34.934" v="327" actId="1076"/>
           <ac:spMkLst>
             <pc:docMk/>
             <pc:sldMk cId="3548539669" sldId="271"/>
             <ac:spMk id="5" creationId="{438A2A0A-068B-2D1D-F63B-067A434822AC}"/>
           </ac:spMkLst>
         </pc:spChg>
+        <pc:spChg chg="mod">
+          <ac:chgData name="박경덕" userId="d41f3266-5c15-4951-874e-7f7f757e9c74" providerId="ADAL" clId="{D9A30E57-EF61-FF4C-A199-51623E3550EA}" dt="2023-09-04T00:46:55.133" v="331" actId="1076"/>
+          <ac:spMkLst>
+            <pc:docMk/>
+            <pc:sldMk cId="3548539669" sldId="271"/>
+            <ac:spMk id="7" creationId="{6E5BBC9E-298D-8FFE-90B3-B304B10A34CE}"/>
+          </ac:spMkLst>
+        </pc:spChg>
+        <pc:spChg chg="mod">
+          <ac:chgData name="박경덕" userId="d41f3266-5c15-4951-874e-7f7f757e9c74" providerId="ADAL" clId="{D9A30E57-EF61-FF4C-A199-51623E3550EA}" dt="2023-09-04T00:46:34.934" v="327" actId="1076"/>
+          <ac:spMkLst>
+            <pc:docMk/>
+            <pc:sldMk cId="3548539669" sldId="271"/>
+            <ac:spMk id="8" creationId="{3006D04C-126D-E714-81E7-7A16FFB24352}"/>
+          </ac:spMkLst>
+        </pc:spChg>
+        <pc:spChg chg="mod">
+          <ac:chgData name="박경덕" userId="d41f3266-5c15-4951-874e-7f7f757e9c74" providerId="ADAL" clId="{D9A30E57-EF61-FF4C-A199-51623E3550EA}" dt="2023-09-04T00:46:34.934" v="327" actId="1076"/>
+          <ac:spMkLst>
+            <pc:docMk/>
+            <pc:sldMk cId="3548539669" sldId="271"/>
+            <ac:spMk id="10" creationId="{E0804640-5D45-5143-FA0C-484EC9C1D0D4}"/>
+          </ac:spMkLst>
+        </pc:spChg>
+        <pc:spChg chg="mod">
+          <ac:chgData name="박경덕" userId="d41f3266-5c15-4951-874e-7f7f757e9c74" providerId="ADAL" clId="{D9A30E57-EF61-FF4C-A199-51623E3550EA}" dt="2023-09-04T00:46:34.934" v="327" actId="1076"/>
+          <ac:spMkLst>
+            <pc:docMk/>
+            <pc:sldMk cId="3548539669" sldId="271"/>
+            <ac:spMk id="12" creationId="{C4EE89B8-5C37-EDA9-8196-A95859B16143}"/>
+          </ac:spMkLst>
+        </pc:spChg>
+        <pc:spChg chg="mod">
+          <ac:chgData name="박경덕" userId="d41f3266-5c15-4951-874e-7f7f757e9c74" providerId="ADAL" clId="{D9A30E57-EF61-FF4C-A199-51623E3550EA}" dt="2023-09-04T00:46:25.456" v="326" actId="20577"/>
+          <ac:spMkLst>
+            <pc:docMk/>
+            <pc:sldMk cId="3548539669" sldId="271"/>
+            <ac:spMk id="13" creationId="{00000000-0000-0000-0000-000000000000}"/>
+          </ac:spMkLst>
+        </pc:spChg>
+        <pc:spChg chg="mod">
+          <ac:chgData name="박경덕" userId="d41f3266-5c15-4951-874e-7f7f757e9c74" providerId="ADAL" clId="{D9A30E57-EF61-FF4C-A199-51623E3550EA}" dt="2023-09-04T00:46:34.934" v="327" actId="1076"/>
+          <ac:spMkLst>
+            <pc:docMk/>
+            <pc:sldMk cId="3548539669" sldId="271"/>
+            <ac:spMk id="14" creationId="{AC7170FE-3804-CCDE-4BEB-76351EB5E9C5}"/>
+          </ac:spMkLst>
+        </pc:spChg>
+        <pc:spChg chg="mod">
+          <ac:chgData name="박경덕" userId="d41f3266-5c15-4951-874e-7f7f757e9c74" providerId="ADAL" clId="{D9A30E57-EF61-FF4C-A199-51623E3550EA}" dt="2023-09-04T00:46:34.934" v="327" actId="1076"/>
+          <ac:spMkLst>
+            <pc:docMk/>
+            <pc:sldMk cId="3548539669" sldId="271"/>
+            <ac:spMk id="15" creationId="{57EF03FD-0DEE-3C8D-5BD7-76A07C07261F}"/>
+          </ac:spMkLst>
+        </pc:spChg>
+        <pc:spChg chg="mod">
+          <ac:chgData name="박경덕" userId="d41f3266-5c15-4951-874e-7f7f757e9c74" providerId="ADAL" clId="{D9A30E57-EF61-FF4C-A199-51623E3550EA}" dt="2023-09-04T00:46:34.934" v="327" actId="1076"/>
+          <ac:spMkLst>
+            <pc:docMk/>
+            <pc:sldMk cId="3548539669" sldId="271"/>
+            <ac:spMk id="16" creationId="{47963031-493B-137D-3A31-803234D11ACC}"/>
+          </ac:spMkLst>
+        </pc:spChg>
+        <pc:spChg chg="mod">
+          <ac:chgData name="박경덕" userId="d41f3266-5c15-4951-874e-7f7f757e9c74" providerId="ADAL" clId="{D9A30E57-EF61-FF4C-A199-51623E3550EA}" dt="2023-09-04T00:48:16.330" v="465" actId="1076"/>
+          <ac:spMkLst>
+            <pc:docMk/>
+            <pc:sldMk cId="3548539669" sldId="271"/>
+            <ac:spMk id="17" creationId="{532BA5F0-B9E5-2653-D3A3-8BFF27F36D59}"/>
+          </ac:spMkLst>
+        </pc:spChg>
+        <pc:picChg chg="mod">
+          <ac:chgData name="박경덕" userId="d41f3266-5c15-4951-874e-7f7f757e9c74" providerId="ADAL" clId="{D9A30E57-EF61-FF4C-A199-51623E3550EA}" dt="2023-09-04T00:46:34.934" v="327" actId="1076"/>
+          <ac:picMkLst>
+            <pc:docMk/>
+            <pc:sldMk cId="3548539669" sldId="271"/>
+            <ac:picMk id="2050" creationId="{E6BC56C2-9B51-7ADA-B9A4-26558F27FFAB}"/>
+          </ac:picMkLst>
+        </pc:picChg>
+        <pc:picChg chg="mod">
+          <ac:chgData name="박경덕" userId="d41f3266-5c15-4951-874e-7f7f757e9c74" providerId="ADAL" clId="{D9A30E57-EF61-FF4C-A199-51623E3550EA}" dt="2023-09-04T00:46:34.934" v="327" actId="1076"/>
+          <ac:picMkLst>
+            <pc:docMk/>
+            <pc:sldMk cId="3548539669" sldId="271"/>
+            <ac:picMk id="2054" creationId="{F47ED402-053C-CD1B-D6F9-5D63CAF9B267}"/>
+          </ac:picMkLst>
+        </pc:picChg>
+        <pc:picChg chg="mod">
+          <ac:chgData name="박경덕" userId="d41f3266-5c15-4951-874e-7f7f757e9c74" providerId="ADAL" clId="{D9A30E57-EF61-FF4C-A199-51623E3550EA}" dt="2023-09-04T00:46:34.934" v="327" actId="1076"/>
+          <ac:picMkLst>
+            <pc:docMk/>
+            <pc:sldMk cId="3548539669" sldId="271"/>
+            <ac:picMk id="2058" creationId="{EB34E356-E719-0F21-E97E-1A3244249F16}"/>
+          </ac:picMkLst>
+        </pc:picChg>
+        <pc:picChg chg="mod">
+          <ac:chgData name="박경덕" userId="d41f3266-5c15-4951-874e-7f7f757e9c74" providerId="ADAL" clId="{D9A30E57-EF61-FF4C-A199-51623E3550EA}" dt="2023-09-04T00:46:34.934" v="327" actId="1076"/>
+          <ac:picMkLst>
+            <pc:docMk/>
+            <pc:sldMk cId="3548539669" sldId="271"/>
+            <ac:picMk id="2062" creationId="{3C7890B3-9B96-A09D-0396-B56B00DC6F84}"/>
+          </ac:picMkLst>
+        </pc:picChg>
       </pc:sldChg>
-      <pc:sldChg chg="modSp">
-        <pc:chgData name="박경덕" userId="d41f3266-5c15-4951-874e-7f7f757e9c74" providerId="ADAL" clId="{D8E3E1EC-18D4-E24E-8A68-4859438857E2}" dt="2023-07-21T00:00:53.684" v="11" actId="1038"/>
+      <pc:sldChg chg="addSp delSp modSp mod modNotesTx">
+        <pc:chgData name="박경덕" userId="d41f3266-5c15-4951-874e-7f7f757e9c74" providerId="ADAL" clId="{D9A30E57-EF61-FF4C-A199-51623E3550EA}" dt="2023-09-04T01:55:33.116" v="3470" actId="20577"/>
+        <pc:sldMkLst>
+          <pc:docMk/>
+          <pc:sldMk cId="704178106" sldId="272"/>
+        </pc:sldMkLst>
+        <pc:spChg chg="del">
+          <ac:chgData name="박경덕" userId="d41f3266-5c15-4951-874e-7f7f757e9c74" providerId="ADAL" clId="{D9A30E57-EF61-FF4C-A199-51623E3550EA}" dt="2023-09-04T00:52:59.349" v="502" actId="478"/>
+          <ac:spMkLst>
+            <pc:docMk/>
+            <pc:sldMk cId="704178106" sldId="272"/>
+            <ac:spMk id="5" creationId="{7ADDEEE1-EF78-DA36-54F1-47E4EB4A49CB}"/>
+          </ac:spMkLst>
+        </pc:spChg>
+        <pc:spChg chg="del">
+          <ac:chgData name="박경덕" userId="d41f3266-5c15-4951-874e-7f7f757e9c74" providerId="ADAL" clId="{D9A30E57-EF61-FF4C-A199-51623E3550EA}" dt="2023-09-04T00:52:55.533" v="501" actId="478"/>
+          <ac:spMkLst>
+            <pc:docMk/>
+            <pc:sldMk cId="704178106" sldId="272"/>
+            <ac:spMk id="8" creationId="{8DCA3AF6-1B8D-8B87-E9AB-CE507EA37772}"/>
+          </ac:spMkLst>
+        </pc:spChg>
+        <pc:spChg chg="del">
+          <ac:chgData name="박경덕" userId="d41f3266-5c15-4951-874e-7f7f757e9c74" providerId="ADAL" clId="{D9A30E57-EF61-FF4C-A199-51623E3550EA}" dt="2023-09-04T00:52:55.533" v="501" actId="478"/>
+          <ac:spMkLst>
+            <pc:docMk/>
+            <pc:sldMk cId="704178106" sldId="272"/>
+            <ac:spMk id="10" creationId="{7940B059-31FC-B933-2623-32EED50A21ED}"/>
+          </ac:spMkLst>
+        </pc:spChg>
+        <pc:spChg chg="mod">
+          <ac:chgData name="박경덕" userId="d41f3266-5c15-4951-874e-7f7f757e9c74" providerId="ADAL" clId="{D9A30E57-EF61-FF4C-A199-51623E3550EA}" dt="2023-09-04T00:52:39.872" v="500" actId="20577"/>
+          <ac:spMkLst>
+            <pc:docMk/>
+            <pc:sldMk cId="704178106" sldId="272"/>
+            <ac:spMk id="13" creationId="{00000000-0000-0000-0000-000000000000}"/>
+          </ac:spMkLst>
+        </pc:spChg>
+        <pc:spChg chg="del">
+          <ac:chgData name="박경덕" userId="d41f3266-5c15-4951-874e-7f7f757e9c74" providerId="ADAL" clId="{D9A30E57-EF61-FF4C-A199-51623E3550EA}" dt="2023-09-04T00:52:55.533" v="501" actId="478"/>
+          <ac:spMkLst>
+            <pc:docMk/>
+            <pc:sldMk cId="704178106" sldId="272"/>
+            <ac:spMk id="14" creationId="{59C70ADA-BBC7-5C23-E54C-3FD8ADA091CA}"/>
+          </ac:spMkLst>
+        </pc:spChg>
+        <pc:spChg chg="del">
+          <ac:chgData name="박경덕" userId="d41f3266-5c15-4951-874e-7f7f757e9c74" providerId="ADAL" clId="{D9A30E57-EF61-FF4C-A199-51623E3550EA}" dt="2023-09-04T00:52:55.533" v="501" actId="478"/>
+          <ac:spMkLst>
+            <pc:docMk/>
+            <pc:sldMk cId="704178106" sldId="272"/>
+            <ac:spMk id="17" creationId="{20D911AE-C3C4-415E-21CD-212DE540F70D}"/>
+          </ac:spMkLst>
+        </pc:spChg>
+        <pc:spChg chg="del">
+          <ac:chgData name="박경덕" userId="d41f3266-5c15-4951-874e-7f7f757e9c74" providerId="ADAL" clId="{D9A30E57-EF61-FF4C-A199-51623E3550EA}" dt="2023-09-04T00:52:55.533" v="501" actId="478"/>
+          <ac:spMkLst>
+            <pc:docMk/>
+            <pc:sldMk cId="704178106" sldId="272"/>
+            <ac:spMk id="19" creationId="{3BE1ED3E-7A9D-547B-D8B1-6C1E3C9C4A4B}"/>
+          </ac:spMkLst>
+        </pc:spChg>
+        <pc:spChg chg="del">
+          <ac:chgData name="박경덕" userId="d41f3266-5c15-4951-874e-7f7f757e9c74" providerId="ADAL" clId="{D9A30E57-EF61-FF4C-A199-51623E3550EA}" dt="2023-09-04T00:52:55.533" v="501" actId="478"/>
+          <ac:spMkLst>
+            <pc:docMk/>
+            <pc:sldMk cId="704178106" sldId="272"/>
+            <ac:spMk id="21" creationId="{111C9267-32D4-08E4-FF81-1966529CB988}"/>
+          </ac:spMkLst>
+        </pc:spChg>
+        <pc:spChg chg="del">
+          <ac:chgData name="박경덕" userId="d41f3266-5c15-4951-874e-7f7f757e9c74" providerId="ADAL" clId="{D9A30E57-EF61-FF4C-A199-51623E3550EA}" dt="2023-09-04T00:53:00.945" v="503" actId="478"/>
+          <ac:spMkLst>
+            <pc:docMk/>
+            <pc:sldMk cId="704178106" sldId="272"/>
+            <ac:spMk id="22" creationId="{15E29C80-F633-F141-E7F4-ED70EF487DE8}"/>
+          </ac:spMkLst>
+        </pc:spChg>
+        <pc:graphicFrameChg chg="add del">
+          <ac:chgData name="박경덕" userId="d41f3266-5c15-4951-874e-7f7f757e9c74" providerId="ADAL" clId="{D9A30E57-EF61-FF4C-A199-51623E3550EA}" dt="2023-09-04T01:34:39.553" v="1882" actId="3680"/>
+          <ac:graphicFrameMkLst>
+            <pc:docMk/>
+            <pc:sldMk cId="704178106" sldId="272"/>
+            <ac:graphicFrameMk id="3" creationId="{5DC1C613-4660-D9AA-05FE-5D2EAFD9E36B}"/>
+          </ac:graphicFrameMkLst>
+        </pc:graphicFrameChg>
+        <pc:graphicFrameChg chg="add del mod modGraphic">
+          <ac:chgData name="박경덕" userId="d41f3266-5c15-4951-874e-7f7f757e9c74" providerId="ADAL" clId="{D9A30E57-EF61-FF4C-A199-51623E3550EA}" dt="2023-09-04T01:35:22.553" v="1890" actId="478"/>
+          <ac:graphicFrameMkLst>
+            <pc:docMk/>
+            <pc:sldMk cId="704178106" sldId="272"/>
+            <ac:graphicFrameMk id="7" creationId="{2403CE7A-25F2-D31D-0D1D-13FB971F6D83}"/>
+          </ac:graphicFrameMkLst>
+        </pc:graphicFrameChg>
+        <pc:graphicFrameChg chg="add mod modGraphic">
+          <ac:chgData name="박경덕" userId="d41f3266-5c15-4951-874e-7f7f757e9c74" providerId="ADAL" clId="{D9A30E57-EF61-FF4C-A199-51623E3550EA}" dt="2023-09-04T01:55:33.116" v="3470" actId="20577"/>
+          <ac:graphicFrameMkLst>
+            <pc:docMk/>
+            <pc:sldMk cId="704178106" sldId="272"/>
+            <ac:graphicFrameMk id="11" creationId="{0B84DD06-5B56-69B1-8800-08A7DC29D8FF}"/>
+          </ac:graphicFrameMkLst>
+        </pc:graphicFrameChg>
+        <pc:picChg chg="del">
+          <ac:chgData name="박경덕" userId="d41f3266-5c15-4951-874e-7f7f757e9c74" providerId="ADAL" clId="{D9A30E57-EF61-FF4C-A199-51623E3550EA}" dt="2023-09-04T00:52:55.533" v="501" actId="478"/>
+          <ac:picMkLst>
+            <pc:docMk/>
+            <pc:sldMk cId="704178106" sldId="272"/>
+            <ac:picMk id="15" creationId="{7F64C041-DAFC-D8EE-A1FD-A51F64FAF029}"/>
+          </ac:picMkLst>
+        </pc:picChg>
+        <pc:picChg chg="del">
+          <ac:chgData name="박경덕" userId="d41f3266-5c15-4951-874e-7f7f757e9c74" providerId="ADAL" clId="{D9A30E57-EF61-FF4C-A199-51623E3550EA}" dt="2023-09-04T00:52:55.533" v="501" actId="478"/>
+          <ac:picMkLst>
+            <pc:docMk/>
+            <pc:sldMk cId="704178106" sldId="272"/>
+            <ac:picMk id="5122" creationId="{3F9071E1-EA17-C2E1-8912-7770850E17F6}"/>
+          </ac:picMkLst>
+        </pc:picChg>
+      </pc:sldChg>
+      <pc:sldChg chg="modSp mod">
+        <pc:chgData name="박경덕" userId="d41f3266-5c15-4951-874e-7f7f757e9c74" providerId="ADAL" clId="{D9A30E57-EF61-FF4C-A199-51623E3550EA}" dt="2023-09-04T00:41:58.138" v="294"/>
+        <pc:sldMkLst>
+          <pc:docMk/>
+          <pc:sldMk cId="3179304596" sldId="273"/>
+        </pc:sldMkLst>
+        <pc:spChg chg="mod">
+          <ac:chgData name="박경덕" userId="d41f3266-5c15-4951-874e-7f7f757e9c74" providerId="ADAL" clId="{D9A30E57-EF61-FF4C-A199-51623E3550EA}" dt="2023-09-04T00:41:58.138" v="294"/>
+          <ac:spMkLst>
+            <pc:docMk/>
+            <pc:sldMk cId="3179304596" sldId="273"/>
+            <ac:spMk id="13" creationId="{00000000-0000-0000-0000-000000000000}"/>
+          </ac:spMkLst>
+        </pc:spChg>
+      </pc:sldChg>
+      <pc:sldChg chg="modSp mod">
+        <pc:chgData name="박경덕" userId="d41f3266-5c15-4951-874e-7f7f757e9c74" providerId="ADAL" clId="{D9A30E57-EF61-FF4C-A199-51623E3550EA}" dt="2023-09-04T00:41:59.250" v="295"/>
         <pc:sldMkLst>
           <pc:docMk/>
           <pc:sldMk cId="3731811819" sldId="274"/>
         </pc:sldMkLst>
         <pc:spChg chg="mod">
-          <ac:chgData name="박경덕" userId="d41f3266-5c15-4951-874e-7f7f757e9c74" providerId="ADAL" clId="{D8E3E1EC-18D4-E24E-8A68-4859438857E2}" dt="2023-07-21T00:00:53.684" v="11" actId="1038"/>
+          <ac:chgData name="박경덕" userId="d41f3266-5c15-4951-874e-7f7f757e9c74" providerId="ADAL" clId="{D9A30E57-EF61-FF4C-A199-51623E3550EA}" dt="2023-09-04T00:41:59.250" v="295"/>
           <ac:spMkLst>
             <pc:docMk/>
             <pc:sldMk cId="3731811819" sldId="274"/>
+            <ac:spMk id="13" creationId="{00000000-0000-0000-0000-000000000000}"/>
+          </ac:spMkLst>
+        </pc:spChg>
+      </pc:sldChg>
+      <pc:sldChg chg="new del">
+        <pc:chgData name="박경덕" userId="d41f3266-5c15-4951-874e-7f7f757e9c74" providerId="ADAL" clId="{D9A30E57-EF61-FF4C-A199-51623E3550EA}" dt="2023-09-04T00:43:09.182" v="298" actId="680"/>
+        <pc:sldMkLst>
+          <pc:docMk/>
+          <pc:sldMk cId="2099592464" sldId="275"/>
+        </pc:sldMkLst>
+      </pc:sldChg>
+      <pc:sldChg chg="addSp delSp modSp add mod">
+        <pc:chgData name="박경덕" userId="d41f3266-5c15-4951-874e-7f7f757e9c74" providerId="ADAL" clId="{D9A30E57-EF61-FF4C-A199-51623E3550EA}" dt="2023-09-04T00:46:10.626" v="322" actId="20577"/>
+        <pc:sldMkLst>
+          <pc:docMk/>
+          <pc:sldMk cId="3650421110" sldId="275"/>
+        </pc:sldMkLst>
+        <pc:spChg chg="del">
+          <ac:chgData name="박경덕" userId="d41f3266-5c15-4951-874e-7f7f757e9c74" providerId="ADAL" clId="{D9A30E57-EF61-FF4C-A199-51623E3550EA}" dt="2023-09-04T00:43:52.133" v="302" actId="478"/>
+          <ac:spMkLst>
+            <pc:docMk/>
+            <pc:sldMk cId="3650421110" sldId="275"/>
+            <ac:spMk id="5" creationId="{E492815B-7198-2763-DE87-E0CC776C85FC}"/>
+          </ac:spMkLst>
+        </pc:spChg>
+        <pc:spChg chg="mod">
+          <ac:chgData name="박경덕" userId="d41f3266-5c15-4951-874e-7f7f757e9c74" providerId="ADAL" clId="{D9A30E57-EF61-FF4C-A199-51623E3550EA}" dt="2023-09-04T00:46:10.626" v="322" actId="20577"/>
+          <ac:spMkLst>
+            <pc:docMk/>
+            <pc:sldMk cId="3650421110" sldId="275"/>
+            <ac:spMk id="13" creationId="{00000000-0000-0000-0000-000000000000}"/>
+          </ac:spMkLst>
+        </pc:spChg>
+        <pc:spChg chg="del mod">
+          <ac:chgData name="박경덕" userId="d41f3266-5c15-4951-874e-7f7f757e9c74" providerId="ADAL" clId="{D9A30E57-EF61-FF4C-A199-51623E3550EA}" dt="2023-09-04T00:43:56.532" v="304" actId="478"/>
+          <ac:spMkLst>
+            <pc:docMk/>
+            <pc:sldMk cId="3650421110" sldId="275"/>
             <ac:spMk id="15" creationId="{57814D0A-661A-3D0E-6F7E-10855805FA44}"/>
           </ac:spMkLst>
         </pc:spChg>
-        <pc:picChg chg="mod">
-          <ac:chgData name="박경덕" userId="d41f3266-5c15-4951-874e-7f7f757e9c74" providerId="ADAL" clId="{D8E3E1EC-18D4-E24E-8A68-4859438857E2}" dt="2023-07-21T00:00:53.684" v="11" actId="1038"/>
+        <pc:picChg chg="del">
+          <ac:chgData name="박경덕" userId="d41f3266-5c15-4951-874e-7f7f757e9c74" providerId="ADAL" clId="{D9A30E57-EF61-FF4C-A199-51623E3550EA}" dt="2023-09-04T00:43:49.389" v="301" actId="478"/>
           <ac:picMkLst>
             <pc:docMk/>
-            <pc:sldMk cId="3731811819" sldId="274"/>
+            <pc:sldMk cId="3650421110" sldId="275"/>
+            <ac:picMk id="3" creationId="{7AD664A0-7DD0-7909-81AC-058A5ED2FED0}"/>
+          </ac:picMkLst>
+        </pc:picChg>
+        <pc:picChg chg="del">
+          <ac:chgData name="박경덕" userId="d41f3266-5c15-4951-874e-7f7f757e9c74" providerId="ADAL" clId="{D9A30E57-EF61-FF4C-A199-51623E3550EA}" dt="2023-09-04T00:43:49.389" v="301" actId="478"/>
+          <ac:picMkLst>
+            <pc:docMk/>
+            <pc:sldMk cId="3650421110" sldId="275"/>
+            <ac:picMk id="7" creationId="{CC3F9373-5956-D838-D9CB-1AB6E1A3BFBA}"/>
+          </ac:picMkLst>
+        </pc:picChg>
+        <pc:picChg chg="del">
+          <ac:chgData name="박경덕" userId="d41f3266-5c15-4951-874e-7f7f757e9c74" providerId="ADAL" clId="{D9A30E57-EF61-FF4C-A199-51623E3550EA}" dt="2023-09-04T00:43:49.389" v="301" actId="478"/>
+          <ac:picMkLst>
+            <pc:docMk/>
+            <pc:sldMk cId="3650421110" sldId="275"/>
+            <ac:picMk id="10" creationId="{1E8029C4-F429-9428-BBE3-EF0A00C5BA10}"/>
+          </ac:picMkLst>
+        </pc:picChg>
+        <pc:picChg chg="add mod">
+          <ac:chgData name="박경덕" userId="d41f3266-5c15-4951-874e-7f7f757e9c74" providerId="ADAL" clId="{D9A30E57-EF61-FF4C-A199-51623E3550EA}" dt="2023-09-04T00:45:39.982" v="313" actId="1076"/>
+          <ac:picMkLst>
+            <pc:docMk/>
+            <pc:sldMk cId="3650421110" sldId="275"/>
+            <ac:picMk id="11" creationId="{753C2369-3B70-2168-368E-DA173B89A39C}"/>
+          </ac:picMkLst>
+        </pc:picChg>
+        <pc:picChg chg="del">
+          <ac:chgData name="박경덕" userId="d41f3266-5c15-4951-874e-7f7f757e9c74" providerId="ADAL" clId="{D9A30E57-EF61-FF4C-A199-51623E3550EA}" dt="2023-09-04T00:43:49.389" v="301" actId="478"/>
+          <ac:picMkLst>
+            <pc:docMk/>
+            <pc:sldMk cId="3650421110" sldId="275"/>
+            <ac:picMk id="12" creationId="{CC8F1DE5-2A5F-946D-4175-E2B993E8CA2F}"/>
+          </ac:picMkLst>
+        </pc:picChg>
+        <pc:picChg chg="del">
+          <ac:chgData name="박경덕" userId="d41f3266-5c15-4951-874e-7f7f757e9c74" providerId="ADAL" clId="{D9A30E57-EF61-FF4C-A199-51623E3550EA}" dt="2023-09-04T00:43:56.532" v="304" actId="478"/>
+          <ac:picMkLst>
+            <pc:docMk/>
+            <pc:sldMk cId="3650421110" sldId="275"/>
             <ac:picMk id="16" creationId="{AA3EACD1-DCBB-9D6C-FB7D-67888A9901D8}"/>
           </ac:picMkLst>
         </pc:picChg>
       </pc:sldChg>
-      <pc:sldChg chg="modSp mod">
-        <pc:chgData name="박경덕" userId="d41f3266-5c15-4951-874e-7f7f757e9c74" providerId="ADAL" clId="{D8E3E1EC-18D4-E24E-8A68-4859438857E2}" dt="2023-07-21T00:11:19.898" v="159" actId="113"/>
+      <pc:sldChg chg="del">
+        <pc:chgData name="박경덕" userId="d41f3266-5c15-4951-874e-7f7f757e9c74" providerId="ADAL" clId="{D9A30E57-EF61-FF4C-A199-51623E3550EA}" dt="2023-09-04T00:42:37.706" v="296" actId="2696"/>
         <pc:sldMkLst>
           <pc:docMk/>
           <pc:sldMk cId="3954604203" sldId="275"/>
         </pc:sldMkLst>
+      </pc:sldChg>
+      <pc:sldChg chg="addSp delSp modSp add mod">
+        <pc:chgData name="박경덕" userId="d41f3266-5c15-4951-874e-7f7f757e9c74" providerId="ADAL" clId="{D9A30E57-EF61-FF4C-A199-51623E3550EA}" dt="2023-09-04T02:28:02.184" v="4271" actId="14734"/>
+        <pc:sldMkLst>
+          <pc:docMk/>
+          <pc:sldMk cId="1842178809" sldId="276"/>
+        </pc:sldMkLst>
         <pc:spChg chg="mod">
-          <ac:chgData name="박경덕" userId="d41f3266-5c15-4951-874e-7f7f757e9c74" providerId="ADAL" clId="{D8E3E1EC-18D4-E24E-8A68-4859438857E2}" dt="2023-07-21T00:11:19.898" v="159" actId="113"/>
+          <ac:chgData name="박경덕" userId="d41f3266-5c15-4951-874e-7f7f757e9c74" providerId="ADAL" clId="{D9A30E57-EF61-FF4C-A199-51623E3550EA}" dt="2023-09-04T00:53:26.374" v="527" actId="20577"/>
           <ac:spMkLst>
             <pc:docMk/>
-            <pc:sldMk cId="3954604203" sldId="275"/>
-            <ac:spMk id="5" creationId="{E492815B-7198-2763-DE87-E0CC776C85FC}"/>
+            <pc:sldMk cId="1842178809" sldId="276"/>
+            <ac:spMk id="13" creationId="{00000000-0000-0000-0000-000000000000}"/>
           </ac:spMkLst>
         </pc:spChg>
+        <pc:graphicFrameChg chg="add del mod">
+          <ac:chgData name="박경덕" userId="d41f3266-5c15-4951-874e-7f7f757e9c74" providerId="ADAL" clId="{D9A30E57-EF61-FF4C-A199-51623E3550EA}" dt="2023-09-04T01:34:52.684" v="1884" actId="478"/>
+          <ac:graphicFrameMkLst>
+            <pc:docMk/>
+            <pc:sldMk cId="1842178809" sldId="276"/>
+            <ac:graphicFrameMk id="3" creationId="{3B6D3CDF-08EB-FEF1-31A8-98BB34061C47}"/>
+          </ac:graphicFrameMkLst>
+        </pc:graphicFrameChg>
+        <pc:graphicFrameChg chg="add mod modGraphic">
+          <ac:chgData name="박경덕" userId="d41f3266-5c15-4951-874e-7f7f757e9c74" providerId="ADAL" clId="{D9A30E57-EF61-FF4C-A199-51623E3550EA}" dt="2023-09-04T02:28:02.184" v="4271" actId="14734"/>
+          <ac:graphicFrameMkLst>
+            <pc:docMk/>
+            <pc:sldMk cId="1842178809" sldId="276"/>
+            <ac:graphicFrameMk id="5" creationId="{2FE7A955-F67D-32AD-3E07-63758A2C2AF3}"/>
+          </ac:graphicFrameMkLst>
+        </pc:graphicFrameChg>
+      </pc:sldChg>
+      <pc:sldChg chg="addSp modSp add mod">
+        <pc:chgData name="박경덕" userId="d41f3266-5c15-4951-874e-7f7f757e9c74" providerId="ADAL" clId="{D9A30E57-EF61-FF4C-A199-51623E3550EA}" dt="2023-09-04T02:29:55.503" v="4279" actId="14734"/>
+        <pc:sldMkLst>
+          <pc:docMk/>
+          <pc:sldMk cId="1573559458" sldId="277"/>
+        </pc:sldMkLst>
+        <pc:spChg chg="mod">
+          <ac:chgData name="박경덕" userId="d41f3266-5c15-4951-874e-7f7f757e9c74" providerId="ADAL" clId="{D9A30E57-EF61-FF4C-A199-51623E3550EA}" dt="2023-09-04T00:53:35.101" v="570" actId="20577"/>
+          <ac:spMkLst>
+            <pc:docMk/>
+            <pc:sldMk cId="1573559458" sldId="277"/>
+            <ac:spMk id="13" creationId="{00000000-0000-0000-0000-000000000000}"/>
+          </ac:spMkLst>
+        </pc:spChg>
+        <pc:graphicFrameChg chg="add mod modGraphic">
+          <ac:chgData name="박경덕" userId="d41f3266-5c15-4951-874e-7f7f757e9c74" providerId="ADAL" clId="{D9A30E57-EF61-FF4C-A199-51623E3550EA}" dt="2023-09-04T02:29:55.503" v="4279" actId="14734"/>
+          <ac:graphicFrameMkLst>
+            <pc:docMk/>
+            <pc:sldMk cId="1573559458" sldId="277"/>
+            <ac:graphicFrameMk id="3" creationId="{266F0B20-0EB5-4641-F45D-308D7220A93F}"/>
+          </ac:graphicFrameMkLst>
+        </pc:graphicFrameChg>
       </pc:sldChg>
     </pc:docChg>
   </pc:docChgLst>
@@ -2096,490 +2472,6 @@
             <ac:picMk id="15" creationId="{AC41242E-E87C-BA5B-FB4B-086456866E1F}"/>
           </ac:picMkLst>
         </pc:picChg>
-      </pc:sldChg>
-    </pc:docChg>
-  </pc:docChgLst>
-  <pc:docChgLst>
-    <pc:chgData name="박경덕" userId="d41f3266-5c15-4951-874e-7f7f757e9c74" providerId="ADAL" clId="{D9A30E57-EF61-FF4C-A199-51623E3550EA}"/>
-    <pc:docChg chg="undo redo custSel addSld delSld modSld">
-      <pc:chgData name="박경덕" userId="d41f3266-5c15-4951-874e-7f7f757e9c74" providerId="ADAL" clId="{D9A30E57-EF61-FF4C-A199-51623E3550EA}" dt="2023-09-04T02:29:55.503" v="4279" actId="14734"/>
-      <pc:docMkLst>
-        <pc:docMk/>
-      </pc:docMkLst>
-      <pc:sldChg chg="modSp mod">
-        <pc:chgData name="박경덕" userId="d41f3266-5c15-4951-874e-7f7f757e9c74" providerId="ADAL" clId="{D9A30E57-EF61-FF4C-A199-51623E3550EA}" dt="2023-09-04T00:39:17.587" v="33" actId="14100"/>
-        <pc:sldMkLst>
-          <pc:docMk/>
-          <pc:sldMk cId="1237762600" sldId="256"/>
-        </pc:sldMkLst>
-        <pc:spChg chg="mod">
-          <ac:chgData name="박경덕" userId="d41f3266-5c15-4951-874e-7f7f757e9c74" providerId="ADAL" clId="{D9A30E57-EF61-FF4C-A199-51623E3550EA}" dt="2023-09-04T00:39:17.587" v="33" actId="14100"/>
-          <ac:spMkLst>
-            <pc:docMk/>
-            <pc:sldMk cId="1237762600" sldId="256"/>
-            <ac:spMk id="8" creationId="{473FCFDF-F3EB-1DA2-9E10-0A4C220CD73F}"/>
-          </ac:spMkLst>
-        </pc:spChg>
-      </pc:sldChg>
-      <pc:sldChg chg="modSp mod">
-        <pc:chgData name="박경덕" userId="d41f3266-5c15-4951-874e-7f7f757e9c74" providerId="ADAL" clId="{D9A30E57-EF61-FF4C-A199-51623E3550EA}" dt="2023-09-04T00:41:02.553" v="278" actId="20577"/>
-        <pc:sldMkLst>
-          <pc:docMk/>
-          <pc:sldMk cId="3600264057" sldId="257"/>
-        </pc:sldMkLst>
-        <pc:spChg chg="mod">
-          <ac:chgData name="박경덕" userId="d41f3266-5c15-4951-874e-7f7f757e9c74" providerId="ADAL" clId="{D9A30E57-EF61-FF4C-A199-51623E3550EA}" dt="2023-09-04T00:41:02.553" v="278" actId="20577"/>
-          <ac:spMkLst>
-            <pc:docMk/>
-            <pc:sldMk cId="3600264057" sldId="257"/>
-            <ac:spMk id="4" creationId="{00000000-0000-0000-0000-000000000000}"/>
-          </ac:spMkLst>
-        </pc:spChg>
-      </pc:sldChg>
-      <pc:sldChg chg="modSp mod">
-        <pc:chgData name="박경덕" userId="d41f3266-5c15-4951-874e-7f7f757e9c74" providerId="ADAL" clId="{D9A30E57-EF61-FF4C-A199-51623E3550EA}" dt="2023-09-04T00:41:17.795" v="293" actId="20577"/>
-        <pc:sldMkLst>
-          <pc:docMk/>
-          <pc:sldMk cId="639719381" sldId="268"/>
-        </pc:sldMkLst>
-        <pc:spChg chg="mod">
-          <ac:chgData name="박경덕" userId="d41f3266-5c15-4951-874e-7f7f757e9c74" providerId="ADAL" clId="{D9A30E57-EF61-FF4C-A199-51623E3550EA}" dt="2023-09-04T00:41:17.795" v="293" actId="20577"/>
-          <ac:spMkLst>
-            <pc:docMk/>
-            <pc:sldMk cId="639719381" sldId="268"/>
-            <ac:spMk id="13" creationId="{00000000-0000-0000-0000-000000000000}"/>
-          </ac:spMkLst>
-        </pc:spChg>
-      </pc:sldChg>
-      <pc:sldChg chg="modSp mod">
-        <pc:chgData name="박경덕" userId="d41f3266-5c15-4951-874e-7f7f757e9c74" providerId="ADAL" clId="{D9A30E57-EF61-FF4C-A199-51623E3550EA}" dt="2023-09-04T01:52:11.308" v="3467" actId="14100"/>
-        <pc:sldMkLst>
-          <pc:docMk/>
-          <pc:sldMk cId="380412449" sldId="269"/>
-        </pc:sldMkLst>
-        <pc:spChg chg="mod">
-          <ac:chgData name="박경덕" userId="d41f3266-5c15-4951-874e-7f7f757e9c74" providerId="ADAL" clId="{D9A30E57-EF61-FF4C-A199-51623E3550EA}" dt="2023-09-04T01:52:11.308" v="3467" actId="14100"/>
-          <ac:spMkLst>
-            <pc:docMk/>
-            <pc:sldMk cId="380412449" sldId="269"/>
-            <ac:spMk id="4" creationId="{FA48D035-BF84-ECC0-7D85-3277B699CDA0}"/>
-          </ac:spMkLst>
-        </pc:spChg>
-      </pc:sldChg>
-      <pc:sldChg chg="modSp mod">
-        <pc:chgData name="박경덕" userId="d41f3266-5c15-4951-874e-7f7f757e9c74" providerId="ADAL" clId="{D9A30E57-EF61-FF4C-A199-51623E3550EA}" dt="2023-09-04T00:48:16.330" v="465" actId="1076"/>
-        <pc:sldMkLst>
-          <pc:docMk/>
-          <pc:sldMk cId="3548539669" sldId="271"/>
-        </pc:sldMkLst>
-        <pc:spChg chg="mod">
-          <ac:chgData name="박경덕" userId="d41f3266-5c15-4951-874e-7f7f757e9c74" providerId="ADAL" clId="{D9A30E57-EF61-FF4C-A199-51623E3550EA}" dt="2023-09-04T00:46:34.934" v="327" actId="1076"/>
-          <ac:spMkLst>
-            <pc:docMk/>
-            <pc:sldMk cId="3548539669" sldId="271"/>
-            <ac:spMk id="5" creationId="{438A2A0A-068B-2D1D-F63B-067A434822AC}"/>
-          </ac:spMkLst>
-        </pc:spChg>
-        <pc:spChg chg="mod">
-          <ac:chgData name="박경덕" userId="d41f3266-5c15-4951-874e-7f7f757e9c74" providerId="ADAL" clId="{D9A30E57-EF61-FF4C-A199-51623E3550EA}" dt="2023-09-04T00:46:55.133" v="331" actId="1076"/>
-          <ac:spMkLst>
-            <pc:docMk/>
-            <pc:sldMk cId="3548539669" sldId="271"/>
-            <ac:spMk id="7" creationId="{6E5BBC9E-298D-8FFE-90B3-B304B10A34CE}"/>
-          </ac:spMkLst>
-        </pc:spChg>
-        <pc:spChg chg="mod">
-          <ac:chgData name="박경덕" userId="d41f3266-5c15-4951-874e-7f7f757e9c74" providerId="ADAL" clId="{D9A30E57-EF61-FF4C-A199-51623E3550EA}" dt="2023-09-04T00:46:34.934" v="327" actId="1076"/>
-          <ac:spMkLst>
-            <pc:docMk/>
-            <pc:sldMk cId="3548539669" sldId="271"/>
-            <ac:spMk id="8" creationId="{3006D04C-126D-E714-81E7-7A16FFB24352}"/>
-          </ac:spMkLst>
-        </pc:spChg>
-        <pc:spChg chg="mod">
-          <ac:chgData name="박경덕" userId="d41f3266-5c15-4951-874e-7f7f757e9c74" providerId="ADAL" clId="{D9A30E57-EF61-FF4C-A199-51623E3550EA}" dt="2023-09-04T00:46:34.934" v="327" actId="1076"/>
-          <ac:spMkLst>
-            <pc:docMk/>
-            <pc:sldMk cId="3548539669" sldId="271"/>
-            <ac:spMk id="10" creationId="{E0804640-5D45-5143-FA0C-484EC9C1D0D4}"/>
-          </ac:spMkLst>
-        </pc:spChg>
-        <pc:spChg chg="mod">
-          <ac:chgData name="박경덕" userId="d41f3266-5c15-4951-874e-7f7f757e9c74" providerId="ADAL" clId="{D9A30E57-EF61-FF4C-A199-51623E3550EA}" dt="2023-09-04T00:46:34.934" v="327" actId="1076"/>
-          <ac:spMkLst>
-            <pc:docMk/>
-            <pc:sldMk cId="3548539669" sldId="271"/>
-            <ac:spMk id="12" creationId="{C4EE89B8-5C37-EDA9-8196-A95859B16143}"/>
-          </ac:spMkLst>
-        </pc:spChg>
-        <pc:spChg chg="mod">
-          <ac:chgData name="박경덕" userId="d41f3266-5c15-4951-874e-7f7f757e9c74" providerId="ADAL" clId="{D9A30E57-EF61-FF4C-A199-51623E3550EA}" dt="2023-09-04T00:46:25.456" v="326" actId="20577"/>
-          <ac:spMkLst>
-            <pc:docMk/>
-            <pc:sldMk cId="3548539669" sldId="271"/>
-            <ac:spMk id="13" creationId="{00000000-0000-0000-0000-000000000000}"/>
-          </ac:spMkLst>
-        </pc:spChg>
-        <pc:spChg chg="mod">
-          <ac:chgData name="박경덕" userId="d41f3266-5c15-4951-874e-7f7f757e9c74" providerId="ADAL" clId="{D9A30E57-EF61-FF4C-A199-51623E3550EA}" dt="2023-09-04T00:46:34.934" v="327" actId="1076"/>
-          <ac:spMkLst>
-            <pc:docMk/>
-            <pc:sldMk cId="3548539669" sldId="271"/>
-            <ac:spMk id="14" creationId="{AC7170FE-3804-CCDE-4BEB-76351EB5E9C5}"/>
-          </ac:spMkLst>
-        </pc:spChg>
-        <pc:spChg chg="mod">
-          <ac:chgData name="박경덕" userId="d41f3266-5c15-4951-874e-7f7f757e9c74" providerId="ADAL" clId="{D9A30E57-EF61-FF4C-A199-51623E3550EA}" dt="2023-09-04T00:46:34.934" v="327" actId="1076"/>
-          <ac:spMkLst>
-            <pc:docMk/>
-            <pc:sldMk cId="3548539669" sldId="271"/>
-            <ac:spMk id="15" creationId="{57EF03FD-0DEE-3C8D-5BD7-76A07C07261F}"/>
-          </ac:spMkLst>
-        </pc:spChg>
-        <pc:spChg chg="mod">
-          <ac:chgData name="박경덕" userId="d41f3266-5c15-4951-874e-7f7f757e9c74" providerId="ADAL" clId="{D9A30E57-EF61-FF4C-A199-51623E3550EA}" dt="2023-09-04T00:46:34.934" v="327" actId="1076"/>
-          <ac:spMkLst>
-            <pc:docMk/>
-            <pc:sldMk cId="3548539669" sldId="271"/>
-            <ac:spMk id="16" creationId="{47963031-493B-137D-3A31-803234D11ACC}"/>
-          </ac:spMkLst>
-        </pc:spChg>
-        <pc:spChg chg="mod">
-          <ac:chgData name="박경덕" userId="d41f3266-5c15-4951-874e-7f7f757e9c74" providerId="ADAL" clId="{D9A30E57-EF61-FF4C-A199-51623E3550EA}" dt="2023-09-04T00:48:16.330" v="465" actId="1076"/>
-          <ac:spMkLst>
-            <pc:docMk/>
-            <pc:sldMk cId="3548539669" sldId="271"/>
-            <ac:spMk id="17" creationId="{532BA5F0-B9E5-2653-D3A3-8BFF27F36D59}"/>
-          </ac:spMkLst>
-        </pc:spChg>
-        <pc:picChg chg="mod">
-          <ac:chgData name="박경덕" userId="d41f3266-5c15-4951-874e-7f7f757e9c74" providerId="ADAL" clId="{D9A30E57-EF61-FF4C-A199-51623E3550EA}" dt="2023-09-04T00:46:34.934" v="327" actId="1076"/>
-          <ac:picMkLst>
-            <pc:docMk/>
-            <pc:sldMk cId="3548539669" sldId="271"/>
-            <ac:picMk id="2050" creationId="{E6BC56C2-9B51-7ADA-B9A4-26558F27FFAB}"/>
-          </ac:picMkLst>
-        </pc:picChg>
-        <pc:picChg chg="mod">
-          <ac:chgData name="박경덕" userId="d41f3266-5c15-4951-874e-7f7f757e9c74" providerId="ADAL" clId="{D9A30E57-EF61-FF4C-A199-51623E3550EA}" dt="2023-09-04T00:46:34.934" v="327" actId="1076"/>
-          <ac:picMkLst>
-            <pc:docMk/>
-            <pc:sldMk cId="3548539669" sldId="271"/>
-            <ac:picMk id="2054" creationId="{F47ED402-053C-CD1B-D6F9-5D63CAF9B267}"/>
-          </ac:picMkLst>
-        </pc:picChg>
-        <pc:picChg chg="mod">
-          <ac:chgData name="박경덕" userId="d41f3266-5c15-4951-874e-7f7f757e9c74" providerId="ADAL" clId="{D9A30E57-EF61-FF4C-A199-51623E3550EA}" dt="2023-09-04T00:46:34.934" v="327" actId="1076"/>
-          <ac:picMkLst>
-            <pc:docMk/>
-            <pc:sldMk cId="3548539669" sldId="271"/>
-            <ac:picMk id="2058" creationId="{EB34E356-E719-0F21-E97E-1A3244249F16}"/>
-          </ac:picMkLst>
-        </pc:picChg>
-        <pc:picChg chg="mod">
-          <ac:chgData name="박경덕" userId="d41f3266-5c15-4951-874e-7f7f757e9c74" providerId="ADAL" clId="{D9A30E57-EF61-FF4C-A199-51623E3550EA}" dt="2023-09-04T00:46:34.934" v="327" actId="1076"/>
-          <ac:picMkLst>
-            <pc:docMk/>
-            <pc:sldMk cId="3548539669" sldId="271"/>
-            <ac:picMk id="2062" creationId="{3C7890B3-9B96-A09D-0396-B56B00DC6F84}"/>
-          </ac:picMkLst>
-        </pc:picChg>
-      </pc:sldChg>
-      <pc:sldChg chg="addSp delSp modSp mod modNotesTx">
-        <pc:chgData name="박경덕" userId="d41f3266-5c15-4951-874e-7f7f757e9c74" providerId="ADAL" clId="{D9A30E57-EF61-FF4C-A199-51623E3550EA}" dt="2023-09-04T01:55:33.116" v="3470" actId="20577"/>
-        <pc:sldMkLst>
-          <pc:docMk/>
-          <pc:sldMk cId="704178106" sldId="272"/>
-        </pc:sldMkLst>
-        <pc:spChg chg="del">
-          <ac:chgData name="박경덕" userId="d41f3266-5c15-4951-874e-7f7f757e9c74" providerId="ADAL" clId="{D9A30E57-EF61-FF4C-A199-51623E3550EA}" dt="2023-09-04T00:52:59.349" v="502" actId="478"/>
-          <ac:spMkLst>
-            <pc:docMk/>
-            <pc:sldMk cId="704178106" sldId="272"/>
-            <ac:spMk id="5" creationId="{7ADDEEE1-EF78-DA36-54F1-47E4EB4A49CB}"/>
-          </ac:spMkLst>
-        </pc:spChg>
-        <pc:spChg chg="del">
-          <ac:chgData name="박경덕" userId="d41f3266-5c15-4951-874e-7f7f757e9c74" providerId="ADAL" clId="{D9A30E57-EF61-FF4C-A199-51623E3550EA}" dt="2023-09-04T00:52:55.533" v="501" actId="478"/>
-          <ac:spMkLst>
-            <pc:docMk/>
-            <pc:sldMk cId="704178106" sldId="272"/>
-            <ac:spMk id="8" creationId="{8DCA3AF6-1B8D-8B87-E9AB-CE507EA37772}"/>
-          </ac:spMkLst>
-        </pc:spChg>
-        <pc:spChg chg="del">
-          <ac:chgData name="박경덕" userId="d41f3266-5c15-4951-874e-7f7f757e9c74" providerId="ADAL" clId="{D9A30E57-EF61-FF4C-A199-51623E3550EA}" dt="2023-09-04T00:52:55.533" v="501" actId="478"/>
-          <ac:spMkLst>
-            <pc:docMk/>
-            <pc:sldMk cId="704178106" sldId="272"/>
-            <ac:spMk id="10" creationId="{7940B059-31FC-B933-2623-32EED50A21ED}"/>
-          </ac:spMkLst>
-        </pc:spChg>
-        <pc:spChg chg="mod">
-          <ac:chgData name="박경덕" userId="d41f3266-5c15-4951-874e-7f7f757e9c74" providerId="ADAL" clId="{D9A30E57-EF61-FF4C-A199-51623E3550EA}" dt="2023-09-04T00:52:39.872" v="500" actId="20577"/>
-          <ac:spMkLst>
-            <pc:docMk/>
-            <pc:sldMk cId="704178106" sldId="272"/>
-            <ac:spMk id="13" creationId="{00000000-0000-0000-0000-000000000000}"/>
-          </ac:spMkLst>
-        </pc:spChg>
-        <pc:spChg chg="del">
-          <ac:chgData name="박경덕" userId="d41f3266-5c15-4951-874e-7f7f757e9c74" providerId="ADAL" clId="{D9A30E57-EF61-FF4C-A199-51623E3550EA}" dt="2023-09-04T00:52:55.533" v="501" actId="478"/>
-          <ac:spMkLst>
-            <pc:docMk/>
-            <pc:sldMk cId="704178106" sldId="272"/>
-            <ac:spMk id="14" creationId="{59C70ADA-BBC7-5C23-E54C-3FD8ADA091CA}"/>
-          </ac:spMkLst>
-        </pc:spChg>
-        <pc:spChg chg="del">
-          <ac:chgData name="박경덕" userId="d41f3266-5c15-4951-874e-7f7f757e9c74" providerId="ADAL" clId="{D9A30E57-EF61-FF4C-A199-51623E3550EA}" dt="2023-09-04T00:52:55.533" v="501" actId="478"/>
-          <ac:spMkLst>
-            <pc:docMk/>
-            <pc:sldMk cId="704178106" sldId="272"/>
-            <ac:spMk id="17" creationId="{20D911AE-C3C4-415E-21CD-212DE540F70D}"/>
-          </ac:spMkLst>
-        </pc:spChg>
-        <pc:spChg chg="del">
-          <ac:chgData name="박경덕" userId="d41f3266-5c15-4951-874e-7f7f757e9c74" providerId="ADAL" clId="{D9A30E57-EF61-FF4C-A199-51623E3550EA}" dt="2023-09-04T00:52:55.533" v="501" actId="478"/>
-          <ac:spMkLst>
-            <pc:docMk/>
-            <pc:sldMk cId="704178106" sldId="272"/>
-            <ac:spMk id="19" creationId="{3BE1ED3E-7A9D-547B-D8B1-6C1E3C9C4A4B}"/>
-          </ac:spMkLst>
-        </pc:spChg>
-        <pc:spChg chg="del">
-          <ac:chgData name="박경덕" userId="d41f3266-5c15-4951-874e-7f7f757e9c74" providerId="ADAL" clId="{D9A30E57-EF61-FF4C-A199-51623E3550EA}" dt="2023-09-04T00:52:55.533" v="501" actId="478"/>
-          <ac:spMkLst>
-            <pc:docMk/>
-            <pc:sldMk cId="704178106" sldId="272"/>
-            <ac:spMk id="21" creationId="{111C9267-32D4-08E4-FF81-1966529CB988}"/>
-          </ac:spMkLst>
-        </pc:spChg>
-        <pc:spChg chg="del">
-          <ac:chgData name="박경덕" userId="d41f3266-5c15-4951-874e-7f7f757e9c74" providerId="ADAL" clId="{D9A30E57-EF61-FF4C-A199-51623E3550EA}" dt="2023-09-04T00:53:00.945" v="503" actId="478"/>
-          <ac:spMkLst>
-            <pc:docMk/>
-            <pc:sldMk cId="704178106" sldId="272"/>
-            <ac:spMk id="22" creationId="{15E29C80-F633-F141-E7F4-ED70EF487DE8}"/>
-          </ac:spMkLst>
-        </pc:spChg>
-        <pc:graphicFrameChg chg="add del">
-          <ac:chgData name="박경덕" userId="d41f3266-5c15-4951-874e-7f7f757e9c74" providerId="ADAL" clId="{D9A30E57-EF61-FF4C-A199-51623E3550EA}" dt="2023-09-04T01:34:39.553" v="1882" actId="3680"/>
-          <ac:graphicFrameMkLst>
-            <pc:docMk/>
-            <pc:sldMk cId="704178106" sldId="272"/>
-            <ac:graphicFrameMk id="3" creationId="{5DC1C613-4660-D9AA-05FE-5D2EAFD9E36B}"/>
-          </ac:graphicFrameMkLst>
-        </pc:graphicFrameChg>
-        <pc:graphicFrameChg chg="add del mod modGraphic">
-          <ac:chgData name="박경덕" userId="d41f3266-5c15-4951-874e-7f7f757e9c74" providerId="ADAL" clId="{D9A30E57-EF61-FF4C-A199-51623E3550EA}" dt="2023-09-04T01:35:22.553" v="1890" actId="478"/>
-          <ac:graphicFrameMkLst>
-            <pc:docMk/>
-            <pc:sldMk cId="704178106" sldId="272"/>
-            <ac:graphicFrameMk id="7" creationId="{2403CE7A-25F2-D31D-0D1D-13FB971F6D83}"/>
-          </ac:graphicFrameMkLst>
-        </pc:graphicFrameChg>
-        <pc:graphicFrameChg chg="add mod modGraphic">
-          <ac:chgData name="박경덕" userId="d41f3266-5c15-4951-874e-7f7f757e9c74" providerId="ADAL" clId="{D9A30E57-EF61-FF4C-A199-51623E3550EA}" dt="2023-09-04T01:55:33.116" v="3470" actId="20577"/>
-          <ac:graphicFrameMkLst>
-            <pc:docMk/>
-            <pc:sldMk cId="704178106" sldId="272"/>
-            <ac:graphicFrameMk id="11" creationId="{0B84DD06-5B56-69B1-8800-08A7DC29D8FF}"/>
-          </ac:graphicFrameMkLst>
-        </pc:graphicFrameChg>
-        <pc:picChg chg="del">
-          <ac:chgData name="박경덕" userId="d41f3266-5c15-4951-874e-7f7f757e9c74" providerId="ADAL" clId="{D9A30E57-EF61-FF4C-A199-51623E3550EA}" dt="2023-09-04T00:52:55.533" v="501" actId="478"/>
-          <ac:picMkLst>
-            <pc:docMk/>
-            <pc:sldMk cId="704178106" sldId="272"/>
-            <ac:picMk id="15" creationId="{7F64C041-DAFC-D8EE-A1FD-A51F64FAF029}"/>
-          </ac:picMkLst>
-        </pc:picChg>
-        <pc:picChg chg="del">
-          <ac:chgData name="박경덕" userId="d41f3266-5c15-4951-874e-7f7f757e9c74" providerId="ADAL" clId="{D9A30E57-EF61-FF4C-A199-51623E3550EA}" dt="2023-09-04T00:52:55.533" v="501" actId="478"/>
-          <ac:picMkLst>
-            <pc:docMk/>
-            <pc:sldMk cId="704178106" sldId="272"/>
-            <ac:picMk id="5122" creationId="{3F9071E1-EA17-C2E1-8912-7770850E17F6}"/>
-          </ac:picMkLst>
-        </pc:picChg>
-      </pc:sldChg>
-      <pc:sldChg chg="modSp mod">
-        <pc:chgData name="박경덕" userId="d41f3266-5c15-4951-874e-7f7f757e9c74" providerId="ADAL" clId="{D9A30E57-EF61-FF4C-A199-51623E3550EA}" dt="2023-09-04T00:41:58.138" v="294"/>
-        <pc:sldMkLst>
-          <pc:docMk/>
-          <pc:sldMk cId="3179304596" sldId="273"/>
-        </pc:sldMkLst>
-        <pc:spChg chg="mod">
-          <ac:chgData name="박경덕" userId="d41f3266-5c15-4951-874e-7f7f757e9c74" providerId="ADAL" clId="{D9A30E57-EF61-FF4C-A199-51623E3550EA}" dt="2023-09-04T00:41:58.138" v="294"/>
-          <ac:spMkLst>
-            <pc:docMk/>
-            <pc:sldMk cId="3179304596" sldId="273"/>
-            <ac:spMk id="13" creationId="{00000000-0000-0000-0000-000000000000}"/>
-          </ac:spMkLst>
-        </pc:spChg>
-      </pc:sldChg>
-      <pc:sldChg chg="modSp mod">
-        <pc:chgData name="박경덕" userId="d41f3266-5c15-4951-874e-7f7f757e9c74" providerId="ADAL" clId="{D9A30E57-EF61-FF4C-A199-51623E3550EA}" dt="2023-09-04T00:41:59.250" v="295"/>
-        <pc:sldMkLst>
-          <pc:docMk/>
-          <pc:sldMk cId="3731811819" sldId="274"/>
-        </pc:sldMkLst>
-        <pc:spChg chg="mod">
-          <ac:chgData name="박경덕" userId="d41f3266-5c15-4951-874e-7f7f757e9c74" providerId="ADAL" clId="{D9A30E57-EF61-FF4C-A199-51623E3550EA}" dt="2023-09-04T00:41:59.250" v="295"/>
-          <ac:spMkLst>
-            <pc:docMk/>
-            <pc:sldMk cId="3731811819" sldId="274"/>
-            <ac:spMk id="13" creationId="{00000000-0000-0000-0000-000000000000}"/>
-          </ac:spMkLst>
-        </pc:spChg>
-      </pc:sldChg>
-      <pc:sldChg chg="new del">
-        <pc:chgData name="박경덕" userId="d41f3266-5c15-4951-874e-7f7f757e9c74" providerId="ADAL" clId="{D9A30E57-EF61-FF4C-A199-51623E3550EA}" dt="2023-09-04T00:43:09.182" v="298" actId="680"/>
-        <pc:sldMkLst>
-          <pc:docMk/>
-          <pc:sldMk cId="2099592464" sldId="275"/>
-        </pc:sldMkLst>
-      </pc:sldChg>
-      <pc:sldChg chg="addSp delSp modSp add mod">
-        <pc:chgData name="박경덕" userId="d41f3266-5c15-4951-874e-7f7f757e9c74" providerId="ADAL" clId="{D9A30E57-EF61-FF4C-A199-51623E3550EA}" dt="2023-09-04T00:46:10.626" v="322" actId="20577"/>
-        <pc:sldMkLst>
-          <pc:docMk/>
-          <pc:sldMk cId="3650421110" sldId="275"/>
-        </pc:sldMkLst>
-        <pc:spChg chg="del">
-          <ac:chgData name="박경덕" userId="d41f3266-5c15-4951-874e-7f7f757e9c74" providerId="ADAL" clId="{D9A30E57-EF61-FF4C-A199-51623E3550EA}" dt="2023-09-04T00:43:52.133" v="302" actId="478"/>
-          <ac:spMkLst>
-            <pc:docMk/>
-            <pc:sldMk cId="3650421110" sldId="275"/>
-            <ac:spMk id="5" creationId="{E492815B-7198-2763-DE87-E0CC776C85FC}"/>
-          </ac:spMkLst>
-        </pc:spChg>
-        <pc:spChg chg="mod">
-          <ac:chgData name="박경덕" userId="d41f3266-5c15-4951-874e-7f7f757e9c74" providerId="ADAL" clId="{D9A30E57-EF61-FF4C-A199-51623E3550EA}" dt="2023-09-04T00:46:10.626" v="322" actId="20577"/>
-          <ac:spMkLst>
-            <pc:docMk/>
-            <pc:sldMk cId="3650421110" sldId="275"/>
-            <ac:spMk id="13" creationId="{00000000-0000-0000-0000-000000000000}"/>
-          </ac:spMkLst>
-        </pc:spChg>
-        <pc:spChg chg="del mod">
-          <ac:chgData name="박경덕" userId="d41f3266-5c15-4951-874e-7f7f757e9c74" providerId="ADAL" clId="{D9A30E57-EF61-FF4C-A199-51623E3550EA}" dt="2023-09-04T00:43:56.532" v="304" actId="478"/>
-          <ac:spMkLst>
-            <pc:docMk/>
-            <pc:sldMk cId="3650421110" sldId="275"/>
-            <ac:spMk id="15" creationId="{57814D0A-661A-3D0E-6F7E-10855805FA44}"/>
-          </ac:spMkLst>
-        </pc:spChg>
-        <pc:picChg chg="del">
-          <ac:chgData name="박경덕" userId="d41f3266-5c15-4951-874e-7f7f757e9c74" providerId="ADAL" clId="{D9A30E57-EF61-FF4C-A199-51623E3550EA}" dt="2023-09-04T00:43:49.389" v="301" actId="478"/>
-          <ac:picMkLst>
-            <pc:docMk/>
-            <pc:sldMk cId="3650421110" sldId="275"/>
-            <ac:picMk id="3" creationId="{7AD664A0-7DD0-7909-81AC-058A5ED2FED0}"/>
-          </ac:picMkLst>
-        </pc:picChg>
-        <pc:picChg chg="del">
-          <ac:chgData name="박경덕" userId="d41f3266-5c15-4951-874e-7f7f757e9c74" providerId="ADAL" clId="{D9A30E57-EF61-FF4C-A199-51623E3550EA}" dt="2023-09-04T00:43:49.389" v="301" actId="478"/>
-          <ac:picMkLst>
-            <pc:docMk/>
-            <pc:sldMk cId="3650421110" sldId="275"/>
-            <ac:picMk id="7" creationId="{CC3F9373-5956-D838-D9CB-1AB6E1A3BFBA}"/>
-          </ac:picMkLst>
-        </pc:picChg>
-        <pc:picChg chg="del">
-          <ac:chgData name="박경덕" userId="d41f3266-5c15-4951-874e-7f7f757e9c74" providerId="ADAL" clId="{D9A30E57-EF61-FF4C-A199-51623E3550EA}" dt="2023-09-04T00:43:49.389" v="301" actId="478"/>
-          <ac:picMkLst>
-            <pc:docMk/>
-            <pc:sldMk cId="3650421110" sldId="275"/>
-            <ac:picMk id="10" creationId="{1E8029C4-F429-9428-BBE3-EF0A00C5BA10}"/>
-          </ac:picMkLst>
-        </pc:picChg>
-        <pc:picChg chg="add mod">
-          <ac:chgData name="박경덕" userId="d41f3266-5c15-4951-874e-7f7f757e9c74" providerId="ADAL" clId="{D9A30E57-EF61-FF4C-A199-51623E3550EA}" dt="2023-09-04T00:45:39.982" v="313" actId="1076"/>
-          <ac:picMkLst>
-            <pc:docMk/>
-            <pc:sldMk cId="3650421110" sldId="275"/>
-            <ac:picMk id="11" creationId="{753C2369-3B70-2168-368E-DA173B89A39C}"/>
-          </ac:picMkLst>
-        </pc:picChg>
-        <pc:picChg chg="del">
-          <ac:chgData name="박경덕" userId="d41f3266-5c15-4951-874e-7f7f757e9c74" providerId="ADAL" clId="{D9A30E57-EF61-FF4C-A199-51623E3550EA}" dt="2023-09-04T00:43:49.389" v="301" actId="478"/>
-          <ac:picMkLst>
-            <pc:docMk/>
-            <pc:sldMk cId="3650421110" sldId="275"/>
-            <ac:picMk id="12" creationId="{CC8F1DE5-2A5F-946D-4175-E2B993E8CA2F}"/>
-          </ac:picMkLst>
-        </pc:picChg>
-        <pc:picChg chg="del">
-          <ac:chgData name="박경덕" userId="d41f3266-5c15-4951-874e-7f7f757e9c74" providerId="ADAL" clId="{D9A30E57-EF61-FF4C-A199-51623E3550EA}" dt="2023-09-04T00:43:56.532" v="304" actId="478"/>
-          <ac:picMkLst>
-            <pc:docMk/>
-            <pc:sldMk cId="3650421110" sldId="275"/>
-            <ac:picMk id="16" creationId="{AA3EACD1-DCBB-9D6C-FB7D-67888A9901D8}"/>
-          </ac:picMkLst>
-        </pc:picChg>
-      </pc:sldChg>
-      <pc:sldChg chg="del">
-        <pc:chgData name="박경덕" userId="d41f3266-5c15-4951-874e-7f7f757e9c74" providerId="ADAL" clId="{D9A30E57-EF61-FF4C-A199-51623E3550EA}" dt="2023-09-04T00:42:37.706" v="296" actId="2696"/>
-        <pc:sldMkLst>
-          <pc:docMk/>
-          <pc:sldMk cId="3954604203" sldId="275"/>
-        </pc:sldMkLst>
-      </pc:sldChg>
-      <pc:sldChg chg="addSp delSp modSp add mod">
-        <pc:chgData name="박경덕" userId="d41f3266-5c15-4951-874e-7f7f757e9c74" providerId="ADAL" clId="{D9A30E57-EF61-FF4C-A199-51623E3550EA}" dt="2023-09-04T02:28:02.184" v="4271" actId="14734"/>
-        <pc:sldMkLst>
-          <pc:docMk/>
-          <pc:sldMk cId="1842178809" sldId="276"/>
-        </pc:sldMkLst>
-        <pc:spChg chg="mod">
-          <ac:chgData name="박경덕" userId="d41f3266-5c15-4951-874e-7f7f757e9c74" providerId="ADAL" clId="{D9A30E57-EF61-FF4C-A199-51623E3550EA}" dt="2023-09-04T00:53:26.374" v="527" actId="20577"/>
-          <ac:spMkLst>
-            <pc:docMk/>
-            <pc:sldMk cId="1842178809" sldId="276"/>
-            <ac:spMk id="13" creationId="{00000000-0000-0000-0000-000000000000}"/>
-          </ac:spMkLst>
-        </pc:spChg>
-        <pc:graphicFrameChg chg="add del mod">
-          <ac:chgData name="박경덕" userId="d41f3266-5c15-4951-874e-7f7f757e9c74" providerId="ADAL" clId="{D9A30E57-EF61-FF4C-A199-51623E3550EA}" dt="2023-09-04T01:34:52.684" v="1884" actId="478"/>
-          <ac:graphicFrameMkLst>
-            <pc:docMk/>
-            <pc:sldMk cId="1842178809" sldId="276"/>
-            <ac:graphicFrameMk id="3" creationId="{3B6D3CDF-08EB-FEF1-31A8-98BB34061C47}"/>
-          </ac:graphicFrameMkLst>
-        </pc:graphicFrameChg>
-        <pc:graphicFrameChg chg="add mod modGraphic">
-          <ac:chgData name="박경덕" userId="d41f3266-5c15-4951-874e-7f7f757e9c74" providerId="ADAL" clId="{D9A30E57-EF61-FF4C-A199-51623E3550EA}" dt="2023-09-04T02:28:02.184" v="4271" actId="14734"/>
-          <ac:graphicFrameMkLst>
-            <pc:docMk/>
-            <pc:sldMk cId="1842178809" sldId="276"/>
-            <ac:graphicFrameMk id="5" creationId="{2FE7A955-F67D-32AD-3E07-63758A2C2AF3}"/>
-          </ac:graphicFrameMkLst>
-        </pc:graphicFrameChg>
-      </pc:sldChg>
-      <pc:sldChg chg="addSp modSp add mod">
-        <pc:chgData name="박경덕" userId="d41f3266-5c15-4951-874e-7f7f757e9c74" providerId="ADAL" clId="{D9A30E57-EF61-FF4C-A199-51623E3550EA}" dt="2023-09-04T02:29:55.503" v="4279" actId="14734"/>
-        <pc:sldMkLst>
-          <pc:docMk/>
-          <pc:sldMk cId="1573559458" sldId="277"/>
-        </pc:sldMkLst>
-        <pc:spChg chg="mod">
-          <ac:chgData name="박경덕" userId="d41f3266-5c15-4951-874e-7f7f757e9c74" providerId="ADAL" clId="{D9A30E57-EF61-FF4C-A199-51623E3550EA}" dt="2023-09-04T00:53:35.101" v="570" actId="20577"/>
-          <ac:spMkLst>
-            <pc:docMk/>
-            <pc:sldMk cId="1573559458" sldId="277"/>
-            <ac:spMk id="13" creationId="{00000000-0000-0000-0000-000000000000}"/>
-          </ac:spMkLst>
-        </pc:spChg>
-        <pc:graphicFrameChg chg="add mod modGraphic">
-          <ac:chgData name="박경덕" userId="d41f3266-5c15-4951-874e-7f7f757e9c74" providerId="ADAL" clId="{D9A30E57-EF61-FF4C-A199-51623E3550EA}" dt="2023-09-04T02:29:55.503" v="4279" actId="14734"/>
-          <ac:graphicFrameMkLst>
-            <pc:docMk/>
-            <pc:sldMk cId="1573559458" sldId="277"/>
-            <ac:graphicFrameMk id="3" creationId="{266F0B20-0EB5-4641-F45D-308D7220A93F}"/>
-          </ac:graphicFrameMkLst>
-        </pc:graphicFrameChg>
       </pc:sldChg>
     </pc:docChg>
   </pc:docChgLst>
@@ -4702,6 +4594,114 @@
       </pc:sldChg>
     </pc:docChg>
   </pc:docChgLst>
+  <pc:docChgLst>
+    <pc:chgData name="박경덕" userId="d41f3266-5c15-4951-874e-7f7f757e9c74" providerId="ADAL" clId="{D8E3E1EC-18D4-E24E-8A68-4859438857E2}"/>
+    <pc:docChg chg="modSld">
+      <pc:chgData name="박경덕" userId="d41f3266-5c15-4951-874e-7f7f757e9c74" providerId="ADAL" clId="{D8E3E1EC-18D4-E24E-8A68-4859438857E2}" dt="2023-07-21T00:11:19.898" v="159" actId="113"/>
+      <pc:docMkLst>
+        <pc:docMk/>
+      </pc:docMkLst>
+      <pc:sldChg chg="modSp mod">
+        <pc:chgData name="박경덕" userId="d41f3266-5c15-4951-874e-7f7f757e9c74" providerId="ADAL" clId="{D8E3E1EC-18D4-E24E-8A68-4859438857E2}" dt="2023-07-21T00:02:14.337" v="20" actId="1076"/>
+        <pc:sldMkLst>
+          <pc:docMk/>
+          <pc:sldMk cId="1237762600" sldId="256"/>
+        </pc:sldMkLst>
+        <pc:spChg chg="mod">
+          <ac:chgData name="박경덕" userId="d41f3266-5c15-4951-874e-7f7f757e9c74" providerId="ADAL" clId="{D8E3E1EC-18D4-E24E-8A68-4859438857E2}" dt="2023-07-21T00:02:10.981" v="19" actId="20577"/>
+          <ac:spMkLst>
+            <pc:docMk/>
+            <pc:sldMk cId="1237762600" sldId="256"/>
+            <ac:spMk id="5" creationId="{00000000-0000-0000-0000-000000000000}"/>
+          </ac:spMkLst>
+        </pc:spChg>
+        <pc:spChg chg="mod">
+          <ac:chgData name="박경덕" userId="d41f3266-5c15-4951-874e-7f7f757e9c74" providerId="ADAL" clId="{D8E3E1EC-18D4-E24E-8A68-4859438857E2}" dt="2023-07-21T00:00:37.591" v="0" actId="14100"/>
+          <ac:spMkLst>
+            <pc:docMk/>
+            <pc:sldMk cId="1237762600" sldId="256"/>
+            <ac:spMk id="6" creationId="{00000000-0000-0000-0000-000000000000}"/>
+          </ac:spMkLst>
+        </pc:spChg>
+        <pc:picChg chg="mod">
+          <ac:chgData name="박경덕" userId="d41f3266-5c15-4951-874e-7f7f757e9c74" providerId="ADAL" clId="{D8E3E1EC-18D4-E24E-8A68-4859438857E2}" dt="2023-07-21T00:02:14.337" v="20" actId="1076"/>
+          <ac:picMkLst>
+            <pc:docMk/>
+            <pc:sldMk cId="1237762600" sldId="256"/>
+            <ac:picMk id="7" creationId="{B48C0AF5-871F-A237-CAB5-19D3DC6D4350}"/>
+          </ac:picMkLst>
+        </pc:picChg>
+      </pc:sldChg>
+      <pc:sldChg chg="modSp mod">
+        <pc:chgData name="박경덕" userId="d41f3266-5c15-4951-874e-7f7f757e9c74" providerId="ADAL" clId="{D8E3E1EC-18D4-E24E-8A68-4859438857E2}" dt="2023-07-21T00:01:14.264" v="12" actId="14100"/>
+        <pc:sldMkLst>
+          <pc:docMk/>
+          <pc:sldMk cId="380412449" sldId="269"/>
+        </pc:sldMkLst>
+        <pc:spChg chg="mod">
+          <ac:chgData name="박경덕" userId="d41f3266-5c15-4951-874e-7f7f757e9c74" providerId="ADAL" clId="{D8E3E1EC-18D4-E24E-8A68-4859438857E2}" dt="2023-07-21T00:01:14.264" v="12" actId="14100"/>
+          <ac:spMkLst>
+            <pc:docMk/>
+            <pc:sldMk cId="380412449" sldId="269"/>
+            <ac:spMk id="2" creationId="{D64C997E-4B23-7BD5-910B-0B2F2D9F7C8B}"/>
+          </ac:spMkLst>
+        </pc:spChg>
+      </pc:sldChg>
+      <pc:sldChg chg="modSp mod">
+        <pc:chgData name="박경덕" userId="d41f3266-5c15-4951-874e-7f7f757e9c74" providerId="ADAL" clId="{D8E3E1EC-18D4-E24E-8A68-4859438857E2}" dt="2023-07-21T00:03:20.433" v="23" actId="14100"/>
+        <pc:sldMkLst>
+          <pc:docMk/>
+          <pc:sldMk cId="3548539669" sldId="271"/>
+        </pc:sldMkLst>
+        <pc:spChg chg="mod">
+          <ac:chgData name="박경덕" userId="d41f3266-5c15-4951-874e-7f7f757e9c74" providerId="ADAL" clId="{D8E3E1EC-18D4-E24E-8A68-4859438857E2}" dt="2023-07-21T00:03:20.433" v="23" actId="14100"/>
+          <ac:spMkLst>
+            <pc:docMk/>
+            <pc:sldMk cId="3548539669" sldId="271"/>
+            <ac:spMk id="5" creationId="{438A2A0A-068B-2D1D-F63B-067A434822AC}"/>
+          </ac:spMkLst>
+        </pc:spChg>
+      </pc:sldChg>
+      <pc:sldChg chg="modSp">
+        <pc:chgData name="박경덕" userId="d41f3266-5c15-4951-874e-7f7f757e9c74" providerId="ADAL" clId="{D8E3E1EC-18D4-E24E-8A68-4859438857E2}" dt="2023-07-21T00:00:53.684" v="11" actId="1038"/>
+        <pc:sldMkLst>
+          <pc:docMk/>
+          <pc:sldMk cId="3731811819" sldId="274"/>
+        </pc:sldMkLst>
+        <pc:spChg chg="mod">
+          <ac:chgData name="박경덕" userId="d41f3266-5c15-4951-874e-7f7f757e9c74" providerId="ADAL" clId="{D8E3E1EC-18D4-E24E-8A68-4859438857E2}" dt="2023-07-21T00:00:53.684" v="11" actId="1038"/>
+          <ac:spMkLst>
+            <pc:docMk/>
+            <pc:sldMk cId="3731811819" sldId="274"/>
+            <ac:spMk id="15" creationId="{57814D0A-661A-3D0E-6F7E-10855805FA44}"/>
+          </ac:spMkLst>
+        </pc:spChg>
+        <pc:picChg chg="mod">
+          <ac:chgData name="박경덕" userId="d41f3266-5c15-4951-874e-7f7f757e9c74" providerId="ADAL" clId="{D8E3E1EC-18D4-E24E-8A68-4859438857E2}" dt="2023-07-21T00:00:53.684" v="11" actId="1038"/>
+          <ac:picMkLst>
+            <pc:docMk/>
+            <pc:sldMk cId="3731811819" sldId="274"/>
+            <ac:picMk id="16" creationId="{AA3EACD1-DCBB-9D6C-FB7D-67888A9901D8}"/>
+          </ac:picMkLst>
+        </pc:picChg>
+      </pc:sldChg>
+      <pc:sldChg chg="modSp mod">
+        <pc:chgData name="박경덕" userId="d41f3266-5c15-4951-874e-7f7f757e9c74" providerId="ADAL" clId="{D8E3E1EC-18D4-E24E-8A68-4859438857E2}" dt="2023-07-21T00:11:19.898" v="159" actId="113"/>
+        <pc:sldMkLst>
+          <pc:docMk/>
+          <pc:sldMk cId="3954604203" sldId="275"/>
+        </pc:sldMkLst>
+        <pc:spChg chg="mod">
+          <ac:chgData name="박경덕" userId="d41f3266-5c15-4951-874e-7f7f757e9c74" providerId="ADAL" clId="{D8E3E1EC-18D4-E24E-8A68-4859438857E2}" dt="2023-07-21T00:11:19.898" v="159" actId="113"/>
+          <ac:spMkLst>
+            <pc:docMk/>
+            <pc:sldMk cId="3954604203" sldId="275"/>
+            <ac:spMk id="5" creationId="{E492815B-7198-2763-DE87-E0CC776C85FC}"/>
+          </ac:spMkLst>
+        </pc:spChg>
+      </pc:sldChg>
+    </pc:docChg>
+  </pc:docChgLst>
 </pc:chgInfo>
 </file>
 
@@ -4787,7 +4787,7 @@
           <a:p>
             <a:fld id="{D98176AE-3205-4E7D-B089-FD8D21DBE7C1}" type="datetimeFigureOut">
               <a:rPr lang="ko-KR" altLang="en-US" smtClean="0"/>
-              <a:t>2023. 9. 4.</a:t>
+              <a:t>2023. 9. 5.</a:t>
             </a:fld>
             <a:endParaRPr lang="ko-KR" altLang="en-US"/>
           </a:p>
@@ -5267,7 +5267,7 @@
           <a:p>
             <a:fld id="{79EB7834-6C3D-41E2-9A4C-A32B382F41BC}" type="datetimeFigureOut">
               <a:rPr lang="ko-KR" altLang="en-US" smtClean="0"/>
-              <a:t>2023. 9. 4.</a:t>
+              <a:t>2023. 9. 5.</a:t>
             </a:fld>
             <a:endParaRPr lang="ko-KR" altLang="en-US"/>
           </a:p>
@@ -5435,7 +5435,7 @@
           <a:p>
             <a:fld id="{79EB7834-6C3D-41E2-9A4C-A32B382F41BC}" type="datetimeFigureOut">
               <a:rPr lang="ko-KR" altLang="en-US" smtClean="0"/>
-              <a:t>2023. 9. 4.</a:t>
+              <a:t>2023. 9. 5.</a:t>
             </a:fld>
             <a:endParaRPr lang="ko-KR" altLang="en-US"/>
           </a:p>
@@ -5613,7 +5613,7 @@
           <a:p>
             <a:fld id="{79EB7834-6C3D-41E2-9A4C-A32B382F41BC}" type="datetimeFigureOut">
               <a:rPr lang="ko-KR" altLang="en-US" smtClean="0"/>
-              <a:t>2023. 9. 4.</a:t>
+              <a:t>2023. 9. 5.</a:t>
             </a:fld>
             <a:endParaRPr lang="ko-KR" altLang="en-US"/>
           </a:p>
@@ -5781,7 +5781,7 @@
           <a:p>
             <a:fld id="{79EB7834-6C3D-41E2-9A4C-A32B382F41BC}" type="datetimeFigureOut">
               <a:rPr lang="ko-KR" altLang="en-US" smtClean="0"/>
-              <a:t>2023. 9. 4.</a:t>
+              <a:t>2023. 9. 5.</a:t>
             </a:fld>
             <a:endParaRPr lang="ko-KR" altLang="en-US"/>
           </a:p>
@@ -6026,7 +6026,7 @@
           <a:p>
             <a:fld id="{79EB7834-6C3D-41E2-9A4C-A32B382F41BC}" type="datetimeFigureOut">
               <a:rPr lang="ko-KR" altLang="en-US" smtClean="0"/>
-              <a:t>2023. 9. 4.</a:t>
+              <a:t>2023. 9. 5.</a:t>
             </a:fld>
             <a:endParaRPr lang="ko-KR" altLang="en-US"/>
           </a:p>
@@ -6255,7 +6255,7 @@
           <a:p>
             <a:fld id="{79EB7834-6C3D-41E2-9A4C-A32B382F41BC}" type="datetimeFigureOut">
               <a:rPr lang="ko-KR" altLang="en-US" smtClean="0"/>
-              <a:t>2023. 9. 4.</a:t>
+              <a:t>2023. 9. 5.</a:t>
             </a:fld>
             <a:endParaRPr lang="ko-KR" altLang="en-US"/>
           </a:p>
@@ -6619,7 +6619,7 @@
           <a:p>
             <a:fld id="{79EB7834-6C3D-41E2-9A4C-A32B382F41BC}" type="datetimeFigureOut">
               <a:rPr lang="ko-KR" altLang="en-US" smtClean="0"/>
-              <a:t>2023. 9. 4.</a:t>
+              <a:t>2023. 9. 5.</a:t>
             </a:fld>
             <a:endParaRPr lang="ko-KR" altLang="en-US"/>
           </a:p>
@@ -6736,7 +6736,7 @@
           <a:p>
             <a:fld id="{79EB7834-6C3D-41E2-9A4C-A32B382F41BC}" type="datetimeFigureOut">
               <a:rPr lang="ko-KR" altLang="en-US" smtClean="0"/>
-              <a:t>2023. 9. 4.</a:t>
+              <a:t>2023. 9. 5.</a:t>
             </a:fld>
             <a:endParaRPr lang="ko-KR" altLang="en-US"/>
           </a:p>
@@ -6831,7 +6831,7 @@
           <a:p>
             <a:fld id="{79EB7834-6C3D-41E2-9A4C-A32B382F41BC}" type="datetimeFigureOut">
               <a:rPr lang="ko-KR" altLang="en-US" smtClean="0"/>
-              <a:t>2023. 9. 4.</a:t>
+              <a:t>2023. 9. 5.</a:t>
             </a:fld>
             <a:endParaRPr lang="ko-KR" altLang="en-US"/>
           </a:p>
@@ -7106,7 +7106,7 @@
           <a:p>
             <a:fld id="{79EB7834-6C3D-41E2-9A4C-A32B382F41BC}" type="datetimeFigureOut">
               <a:rPr lang="ko-KR" altLang="en-US" smtClean="0"/>
-              <a:t>2023. 9. 4.</a:t>
+              <a:t>2023. 9. 5.</a:t>
             </a:fld>
             <a:endParaRPr lang="ko-KR" altLang="en-US"/>
           </a:p>
@@ -7358,7 +7358,7 @@
           <a:p>
             <a:fld id="{79EB7834-6C3D-41E2-9A4C-A32B382F41BC}" type="datetimeFigureOut">
               <a:rPr lang="ko-KR" altLang="en-US" smtClean="0"/>
-              <a:t>2023. 9. 4.</a:t>
+              <a:t>2023. 9. 5.</a:t>
             </a:fld>
             <a:endParaRPr lang="ko-KR" altLang="en-US"/>
           </a:p>
@@ -7569,7 +7569,7 @@
           <a:p>
             <a:fld id="{79EB7834-6C3D-41E2-9A4C-A32B382F41BC}" type="datetimeFigureOut">
               <a:rPr lang="ko-KR" altLang="en-US" smtClean="0"/>
-              <a:t>2023. 9. 4.</a:t>
+              <a:t>2023. 9. 5.</a:t>
             </a:fld>
             <a:endParaRPr lang="ko-KR" altLang="en-US"/>
           </a:p>
@@ -8601,13 +8601,13 @@
           <p:nvPr>
             <p:extLst>
               <p:ext uri="{D42A27DB-BD31-4B8C-83A1-F6EECF244321}">
-                <p14:modId xmlns:p14="http://schemas.microsoft.com/office/powerpoint/2010/main" val="1814351186"/>
+                <p14:modId xmlns:p14="http://schemas.microsoft.com/office/powerpoint/2010/main" val="3443692581"/>
               </p:ext>
             </p:extLst>
           </p:nvPr>
         </p:nvGraphicFramePr>
         <p:xfrm>
-          <a:off x="961308" y="787640"/>
+          <a:off x="1329921" y="787640"/>
           <a:ext cx="9532158" cy="5519685"/>
         </p:xfrm>
         <a:graphic>
@@ -22359,10 +22359,10 @@
       </p:pic>
       <p:pic>
         <p:nvPicPr>
-          <p:cNvPr id="11" name="그림 10" descr="텍스트, 도표, 폰트, 스크린샷이(가) 표시된 사진&#10;&#10;자동 생성된 설명">
+          <p:cNvPr id="5" name="그림 4" descr="텍스트, 소프트웨어, 폰트, 컴퓨터 아이콘이(가) 표시된 사진&#10;&#10;자동 생성된 설명">
             <a:extLst>
               <a:ext uri="{FF2B5EF4-FFF2-40B4-BE49-F238E27FC236}">
-                <a16:creationId xmlns:a16="http://schemas.microsoft.com/office/drawing/2014/main" id="{753C2369-3B70-2168-368E-DA173B89A39C}"/>
+                <a16:creationId xmlns:a16="http://schemas.microsoft.com/office/drawing/2014/main" id="{D0DC30CA-2BB2-E63C-BC2D-7202463AB206}"/>
               </a:ext>
             </a:extLst>
           </p:cNvPr>
@@ -22385,8 +22385,8 @@
         </p:blipFill>
         <p:spPr>
           <a:xfrm>
-            <a:off x="731349" y="746615"/>
-            <a:ext cx="10729302" cy="5873323"/>
+            <a:off x="384106" y="792844"/>
+            <a:ext cx="11423787" cy="5934477"/>
           </a:xfrm>
           <a:prstGeom prst="rect">
             <a:avLst/>
@@ -23907,7 +23907,7 @@
           <p:nvPr>
             <p:extLst>
               <p:ext uri="{D42A27DB-BD31-4B8C-83A1-F6EECF244321}">
-                <p14:modId xmlns:p14="http://schemas.microsoft.com/office/powerpoint/2010/main" val="4018044186"/>
+                <p14:modId xmlns:p14="http://schemas.microsoft.com/office/powerpoint/2010/main" val="2784267602"/>
               </p:ext>
             </p:extLst>
           </p:nvPr>
@@ -25027,6 +25027,46 @@
                     <a:p>
                       <a:pPr algn="l"/>
                       <a:r>
+                        <a:rPr lang="ko-KR" altLang="en-US" sz="1600" b="0" dirty="0">
+                          <a:solidFill>
+                            <a:srgbClr val="595959"/>
+                          </a:solidFill>
+                        </a:rPr>
+                        <a:t>매일 </a:t>
+                      </a:r>
+                      <a:r>
+                        <a:rPr lang="en-US" altLang="ko-KR" sz="1600" b="0" dirty="0">
+                          <a:solidFill>
+                            <a:srgbClr val="595959"/>
+                          </a:solidFill>
+                        </a:rPr>
+                        <a:t>09</a:t>
+                      </a:r>
+                      <a:r>
+                        <a:rPr lang="ko-KR" altLang="en-US" sz="1600" b="0" dirty="0">
+                          <a:solidFill>
+                            <a:srgbClr val="595959"/>
+                          </a:solidFill>
+                        </a:rPr>
+                        <a:t>시 예약 주문 기능 </a:t>
+                      </a:r>
+                      <a:r>
+                        <a:rPr lang="en-US" altLang="ko-KR" sz="1600" b="0" dirty="0">
+                          <a:solidFill>
+                            <a:srgbClr val="595959"/>
+                          </a:solidFill>
+                        </a:rPr>
+                        <a:t>:</a:t>
+                      </a:r>
+                      <a:r>
+                        <a:rPr lang="ko-KR" altLang="en-US" sz="1600" b="0" dirty="0">
+                          <a:solidFill>
+                            <a:srgbClr val="595959"/>
+                          </a:solidFill>
+                        </a:rPr>
+                        <a:t> </a:t>
+                      </a:r>
+                      <a:r>
                         <a:rPr lang="en-US" altLang="ko-Kore-KR" sz="1600" b="0" dirty="0">
                           <a:solidFill>
                             <a:srgbClr val="595959"/>
@@ -25056,23 +25096,7 @@
                             <a:srgbClr val="595959"/>
                           </a:solidFill>
                         </a:rPr>
-                        <a:t> 매일 </a:t>
-                      </a:r>
-                      <a:r>
-                        <a:rPr lang="en-US" altLang="ko-KR" sz="1600" b="0" dirty="0">
-                          <a:solidFill>
-                            <a:srgbClr val="595959"/>
-                          </a:solidFill>
-                        </a:rPr>
-                        <a:t>09</a:t>
-                      </a:r>
-                      <a:r>
-                        <a:rPr lang="ko-KR" altLang="en-US" sz="1600" b="0" dirty="0">
-                          <a:solidFill>
-                            <a:srgbClr val="595959"/>
-                          </a:solidFill>
-                        </a:rPr>
-                        <a:t>시 예약 주문 기능</a:t>
+                        <a:t> </a:t>
                       </a:r>
                       <a:endParaRPr lang="ko-Kore-KR" altLang="en-US" sz="1600" b="0" dirty="0">
                         <a:solidFill>
@@ -25497,7 +25521,7 @@
                             <a:srgbClr val="595959"/>
                           </a:solidFill>
                         </a:rPr>
-                        <a:t>안드로이드 앱 알림</a:t>
+                        <a:t>안드로이드 앱</a:t>
                       </a:r>
                       <a:endParaRPr lang="ko-Kore-KR" altLang="en-US" sz="1600" dirty="0">
                         <a:solidFill>
@@ -25552,6 +25576,22 @@
                     <a:lstStyle/>
                     <a:p>
                       <a:pPr algn="l"/>
+                      <a:r>
+                        <a:rPr lang="ko-Kore-KR" altLang="en-US" sz="1600" dirty="0">
+                          <a:solidFill>
+                            <a:srgbClr val="595959"/>
+                          </a:solidFill>
+                        </a:rPr>
+                        <a:t>웹</a:t>
+                      </a:r>
+                      <a:r>
+                        <a:rPr lang="ko-KR" altLang="en-US" sz="1600" dirty="0">
+                          <a:solidFill>
+                            <a:srgbClr val="595959"/>
+                          </a:solidFill>
+                        </a:rPr>
+                        <a:t> 뷰 및 </a:t>
+                      </a:r>
                       <a:r>
                         <a:rPr lang="ko-Kore-KR" altLang="en-US" sz="1600" dirty="0">
                           <a:solidFill>
@@ -26247,14 +26287,14 @@
           <p:nvPr>
             <p:extLst>
               <p:ext uri="{D42A27DB-BD31-4B8C-83A1-F6EECF244321}">
-                <p14:modId xmlns:p14="http://schemas.microsoft.com/office/powerpoint/2010/main" val="2030490882"/>
+                <p14:modId xmlns:p14="http://schemas.microsoft.com/office/powerpoint/2010/main" val="1904079035"/>
               </p:ext>
             </p:extLst>
           </p:nvPr>
         </p:nvGraphicFramePr>
         <p:xfrm>
-          <a:off x="1572883" y="1203960"/>
-          <a:ext cx="9046233" cy="4450080"/>
+          <a:off x="1572883" y="944877"/>
+          <a:ext cx="9046233" cy="5562600"/>
         </p:xfrm>
         <a:graphic>
           <a:graphicData uri="http://schemas.openxmlformats.org/drawingml/2006/table">
@@ -28092,7 +28132,569 @@
                 </a:extLst>
               </a:tr>
               <a:tr h="370840">
-                <a:tc rowSpan="3">
+                <a:tc rowSpan="2">
+                  <a:txBody>
+                    <a:bodyPr/>
+                    <a:lstStyle/>
+                    <a:p>
+                      <a:pPr algn="ctr"/>
+                      <a:r>
+                        <a:rPr lang="en-US" altLang="ko-Kore-KR" sz="1600" dirty="0">
+                          <a:solidFill>
+                            <a:srgbClr val="595959"/>
+                          </a:solidFill>
+                        </a:rPr>
+                        <a:t>Android-App</a:t>
+                      </a:r>
+                      <a:endParaRPr lang="ko-Kore-KR" altLang="en-US" sz="1600" dirty="0">
+                        <a:solidFill>
+                          <a:srgbClr val="595959"/>
+                        </a:solidFill>
+                      </a:endParaRPr>
+                    </a:p>
+                  </a:txBody>
+                  <a:tcPr anchor="ctr">
+                    <a:lnL w="12700" cap="flat" cmpd="sng" algn="ctr">
+                      <a:solidFill>
+                        <a:srgbClr val="C5C5C5"/>
+                      </a:solidFill>
+                      <a:prstDash val="solid"/>
+                      <a:round/>
+                      <a:headEnd type="none" w="med" len="med"/>
+                      <a:tailEnd type="none" w="med" len="med"/>
+                    </a:lnL>
+                    <a:lnR w="12700" cap="flat" cmpd="sng" algn="ctr">
+                      <a:solidFill>
+                        <a:srgbClr val="C5C5C5"/>
+                      </a:solidFill>
+                      <a:prstDash val="solid"/>
+                      <a:round/>
+                      <a:headEnd type="none" w="med" len="med"/>
+                      <a:tailEnd type="none" w="med" len="med"/>
+                    </a:lnR>
+                    <a:lnT w="12700" cap="flat" cmpd="sng" algn="ctr">
+                      <a:solidFill>
+                        <a:srgbClr val="C5C5C5"/>
+                      </a:solidFill>
+                      <a:prstDash val="solid"/>
+                      <a:round/>
+                      <a:headEnd type="none" w="med" len="med"/>
+                      <a:tailEnd type="none" w="med" len="med"/>
+                    </a:lnT>
+                    <a:lnB w="12700" cap="flat" cmpd="sng" algn="ctr">
+                      <a:solidFill>
+                        <a:srgbClr val="C5C5C5"/>
+                      </a:solidFill>
+                      <a:prstDash val="solid"/>
+                      <a:round/>
+                      <a:headEnd type="none" w="med" len="med"/>
+                      <a:tailEnd type="none" w="med" len="med"/>
+                    </a:lnB>
+                    <a:noFill/>
+                  </a:tcPr>
+                </a:tc>
+                <a:tc>
+                  <a:txBody>
+                    <a:bodyPr/>
+                    <a:lstStyle/>
+                    <a:p>
+                      <a:pPr algn="ctr"/>
+                      <a:r>
+                        <a:rPr lang="en-US" altLang="ko-Kore-KR" sz="1600" dirty="0">
+                          <a:solidFill>
+                            <a:srgbClr val="595959"/>
+                          </a:solidFill>
+                        </a:rPr>
+                        <a:t>Language</a:t>
+                      </a:r>
+                      <a:endParaRPr lang="ko-Kore-KR" altLang="en-US" sz="1600" dirty="0">
+                        <a:solidFill>
+                          <a:srgbClr val="595959"/>
+                        </a:solidFill>
+                      </a:endParaRPr>
+                    </a:p>
+                  </a:txBody>
+                  <a:tcPr anchor="ctr">
+                    <a:lnL w="12700" cap="flat" cmpd="sng" algn="ctr">
+                      <a:solidFill>
+                        <a:srgbClr val="C5C5C5"/>
+                      </a:solidFill>
+                      <a:prstDash val="solid"/>
+                      <a:round/>
+                      <a:headEnd type="none" w="med" len="med"/>
+                      <a:tailEnd type="none" w="med" len="med"/>
+                    </a:lnL>
+                    <a:lnR w="12700" cap="flat" cmpd="sng" algn="ctr">
+                      <a:solidFill>
+                        <a:srgbClr val="C5C5C5"/>
+                      </a:solidFill>
+                      <a:prstDash val="solid"/>
+                      <a:round/>
+                      <a:headEnd type="none" w="med" len="med"/>
+                      <a:tailEnd type="none" w="med" len="med"/>
+                    </a:lnR>
+                    <a:lnT w="12700" cap="flat" cmpd="sng" algn="ctr">
+                      <a:solidFill>
+                        <a:srgbClr val="C5C5C5"/>
+                      </a:solidFill>
+                      <a:prstDash val="solid"/>
+                      <a:round/>
+                      <a:headEnd type="none" w="med" len="med"/>
+                      <a:tailEnd type="none" w="med" len="med"/>
+                    </a:lnT>
+                    <a:lnB w="12700" cap="flat" cmpd="sng" algn="ctr">
+                      <a:solidFill>
+                        <a:srgbClr val="C5C5C5"/>
+                      </a:solidFill>
+                      <a:prstDash val="solid"/>
+                      <a:round/>
+                      <a:headEnd type="none" w="med" len="med"/>
+                      <a:tailEnd type="none" w="med" len="med"/>
+                    </a:lnB>
+                    <a:noFill/>
+                  </a:tcPr>
+                </a:tc>
+                <a:tc>
+                  <a:txBody>
+                    <a:bodyPr/>
+                    <a:lstStyle/>
+                    <a:p>
+                      <a:pPr algn="l"/>
+                      <a:r>
+                        <a:rPr lang="en-US" altLang="ko-Kore-KR" sz="1600" dirty="0">
+                          <a:solidFill>
+                            <a:srgbClr val="595959"/>
+                          </a:solidFill>
+                        </a:rPr>
+                        <a:t>Kotlin</a:t>
+                      </a:r>
+                      <a:endParaRPr lang="ko-Kore-KR" altLang="en-US" sz="1600" dirty="0">
+                        <a:solidFill>
+                          <a:srgbClr val="595959"/>
+                        </a:solidFill>
+                      </a:endParaRPr>
+                    </a:p>
+                  </a:txBody>
+                  <a:tcPr anchor="ctr">
+                    <a:lnL w="12700" cap="flat" cmpd="sng" algn="ctr">
+                      <a:solidFill>
+                        <a:srgbClr val="C5C5C5"/>
+                      </a:solidFill>
+                      <a:prstDash val="solid"/>
+                      <a:round/>
+                      <a:headEnd type="none" w="med" len="med"/>
+                      <a:tailEnd type="none" w="med" len="med"/>
+                    </a:lnL>
+                    <a:lnR w="12700" cap="flat" cmpd="sng" algn="ctr">
+                      <a:solidFill>
+                        <a:srgbClr val="C5C5C5"/>
+                      </a:solidFill>
+                      <a:prstDash val="solid"/>
+                      <a:round/>
+                      <a:headEnd type="none" w="med" len="med"/>
+                      <a:tailEnd type="none" w="med" len="med"/>
+                    </a:lnR>
+                    <a:lnT w="12700" cap="flat" cmpd="sng" algn="ctr">
+                      <a:solidFill>
+                        <a:srgbClr val="C5C5C5"/>
+                      </a:solidFill>
+                      <a:prstDash val="solid"/>
+                      <a:round/>
+                      <a:headEnd type="none" w="med" len="med"/>
+                      <a:tailEnd type="none" w="med" len="med"/>
+                    </a:lnT>
+                    <a:lnB w="12700" cap="flat" cmpd="sng" algn="ctr">
+                      <a:solidFill>
+                        <a:srgbClr val="C5C5C5"/>
+                      </a:solidFill>
+                      <a:prstDash val="solid"/>
+                      <a:round/>
+                      <a:headEnd type="none" w="med" len="med"/>
+                      <a:tailEnd type="none" w="med" len="med"/>
+                    </a:lnB>
+                    <a:noFill/>
+                  </a:tcPr>
+                </a:tc>
+                <a:extLst>
+                  <a:ext uri="{0D108BD9-81ED-4DB2-BD59-A6C34878D82A}">
+                    <a16:rowId xmlns:a16="http://schemas.microsoft.com/office/drawing/2014/main" val="4087639680"/>
+                  </a:ext>
+                </a:extLst>
+              </a:tr>
+              <a:tr h="370840">
+                <a:tc vMerge="1">
+                  <a:txBody>
+                    <a:bodyPr/>
+                    <a:lstStyle/>
+                    <a:p>
+                      <a:pPr algn="ctr"/>
+                      <a:endParaRPr lang="ko-Kore-KR" altLang="en-US" sz="1600" dirty="0">
+                        <a:solidFill>
+                          <a:srgbClr val="595959"/>
+                        </a:solidFill>
+                      </a:endParaRPr>
+                    </a:p>
+                  </a:txBody>
+                  <a:tcPr anchor="ctr">
+                    <a:lnL w="12700" cap="flat" cmpd="sng" algn="ctr">
+                      <a:solidFill>
+                        <a:srgbClr val="C5C5C5"/>
+                      </a:solidFill>
+                      <a:prstDash val="solid"/>
+                      <a:round/>
+                      <a:headEnd type="none" w="med" len="med"/>
+                      <a:tailEnd type="none" w="med" len="med"/>
+                    </a:lnL>
+                    <a:lnR w="12700" cap="flat" cmpd="sng" algn="ctr">
+                      <a:solidFill>
+                        <a:srgbClr val="C5C5C5"/>
+                      </a:solidFill>
+                      <a:prstDash val="solid"/>
+                      <a:round/>
+                      <a:headEnd type="none" w="med" len="med"/>
+                      <a:tailEnd type="none" w="med" len="med"/>
+                    </a:lnR>
+                    <a:lnT w="12700" cap="flat" cmpd="sng" algn="ctr">
+                      <a:solidFill>
+                        <a:srgbClr val="C5C5C5"/>
+                      </a:solidFill>
+                      <a:prstDash val="solid"/>
+                      <a:round/>
+                      <a:headEnd type="none" w="med" len="med"/>
+                      <a:tailEnd type="none" w="med" len="med"/>
+                    </a:lnT>
+                    <a:lnB w="12700" cap="flat" cmpd="sng" algn="ctr">
+                      <a:solidFill>
+                        <a:srgbClr val="C5C5C5"/>
+                      </a:solidFill>
+                      <a:prstDash val="solid"/>
+                      <a:round/>
+                      <a:headEnd type="none" w="med" len="med"/>
+                      <a:tailEnd type="none" w="med" len="med"/>
+                    </a:lnB>
+                    <a:noFill/>
+                  </a:tcPr>
+                </a:tc>
+                <a:tc>
+                  <a:txBody>
+                    <a:bodyPr/>
+                    <a:lstStyle/>
+                    <a:p>
+                      <a:pPr algn="ctr"/>
+                      <a:r>
+                        <a:rPr lang="en-US" altLang="ko-Kore-KR" sz="1600" dirty="0">
+                          <a:solidFill>
+                            <a:srgbClr val="595959"/>
+                          </a:solidFill>
+                        </a:rPr>
+                        <a:t>Tools</a:t>
+                      </a:r>
+                      <a:endParaRPr lang="ko-Kore-KR" altLang="en-US" sz="1600" dirty="0">
+                        <a:solidFill>
+                          <a:srgbClr val="595959"/>
+                        </a:solidFill>
+                      </a:endParaRPr>
+                    </a:p>
+                  </a:txBody>
+                  <a:tcPr anchor="ctr">
+                    <a:lnL w="12700" cap="flat" cmpd="sng" algn="ctr">
+                      <a:solidFill>
+                        <a:srgbClr val="C5C5C5"/>
+                      </a:solidFill>
+                      <a:prstDash val="solid"/>
+                      <a:round/>
+                      <a:headEnd type="none" w="med" len="med"/>
+                      <a:tailEnd type="none" w="med" len="med"/>
+                    </a:lnL>
+                    <a:lnR w="12700" cap="flat" cmpd="sng" algn="ctr">
+                      <a:solidFill>
+                        <a:srgbClr val="C5C5C5"/>
+                      </a:solidFill>
+                      <a:prstDash val="solid"/>
+                      <a:round/>
+                      <a:headEnd type="none" w="med" len="med"/>
+                      <a:tailEnd type="none" w="med" len="med"/>
+                    </a:lnR>
+                    <a:lnT w="12700" cap="flat" cmpd="sng" algn="ctr">
+                      <a:solidFill>
+                        <a:srgbClr val="C5C5C5"/>
+                      </a:solidFill>
+                      <a:prstDash val="solid"/>
+                      <a:round/>
+                      <a:headEnd type="none" w="med" len="med"/>
+                      <a:tailEnd type="none" w="med" len="med"/>
+                    </a:lnT>
+                    <a:lnB w="12700" cap="flat" cmpd="sng" algn="ctr">
+                      <a:solidFill>
+                        <a:srgbClr val="C5C5C5"/>
+                      </a:solidFill>
+                      <a:prstDash val="solid"/>
+                      <a:round/>
+                      <a:headEnd type="none" w="med" len="med"/>
+                      <a:tailEnd type="none" w="med" len="med"/>
+                    </a:lnB>
+                    <a:noFill/>
+                  </a:tcPr>
+                </a:tc>
+                <a:tc>
+                  <a:txBody>
+                    <a:bodyPr/>
+                    <a:lstStyle/>
+                    <a:p>
+                      <a:pPr algn="l"/>
+                      <a:r>
+                        <a:rPr lang="en-US" altLang="ko-Kore-KR" sz="1600" dirty="0">
+                          <a:solidFill>
+                            <a:srgbClr val="595959"/>
+                          </a:solidFill>
+                        </a:rPr>
+                        <a:t>Android Studio, Firebase</a:t>
+                      </a:r>
+                      <a:endParaRPr lang="ko-Kore-KR" altLang="en-US" sz="1600" dirty="0">
+                        <a:solidFill>
+                          <a:srgbClr val="595959"/>
+                        </a:solidFill>
+                      </a:endParaRPr>
+                    </a:p>
+                  </a:txBody>
+                  <a:tcPr anchor="ctr">
+                    <a:lnL w="12700" cap="flat" cmpd="sng" algn="ctr">
+                      <a:solidFill>
+                        <a:srgbClr val="C5C5C5"/>
+                      </a:solidFill>
+                      <a:prstDash val="solid"/>
+                      <a:round/>
+                      <a:headEnd type="none" w="med" len="med"/>
+                      <a:tailEnd type="none" w="med" len="med"/>
+                    </a:lnL>
+                    <a:lnR w="12700" cap="flat" cmpd="sng" algn="ctr">
+                      <a:solidFill>
+                        <a:srgbClr val="C5C5C5"/>
+                      </a:solidFill>
+                      <a:prstDash val="solid"/>
+                      <a:round/>
+                      <a:headEnd type="none" w="med" len="med"/>
+                      <a:tailEnd type="none" w="med" len="med"/>
+                    </a:lnR>
+                    <a:lnT w="12700" cap="flat" cmpd="sng" algn="ctr">
+                      <a:solidFill>
+                        <a:srgbClr val="C5C5C5"/>
+                      </a:solidFill>
+                      <a:prstDash val="solid"/>
+                      <a:round/>
+                      <a:headEnd type="none" w="med" len="med"/>
+                      <a:tailEnd type="none" w="med" len="med"/>
+                    </a:lnT>
+                    <a:lnB w="12700" cap="flat" cmpd="sng" algn="ctr">
+                      <a:solidFill>
+                        <a:srgbClr val="C5C5C5"/>
+                      </a:solidFill>
+                      <a:prstDash val="solid"/>
+                      <a:round/>
+                      <a:headEnd type="none" w="med" len="med"/>
+                      <a:tailEnd type="none" w="med" len="med"/>
+                    </a:lnB>
+                    <a:noFill/>
+                  </a:tcPr>
+                </a:tc>
+                <a:extLst>
+                  <a:ext uri="{0D108BD9-81ED-4DB2-BD59-A6C34878D82A}">
+                    <a16:rowId xmlns:a16="http://schemas.microsoft.com/office/drawing/2014/main" val="50511879"/>
+                  </a:ext>
+                </a:extLst>
+              </a:tr>
+              <a:tr h="370840">
+                <a:tc rowSpan="4">
+                  <a:txBody>
+                    <a:bodyPr/>
+                    <a:lstStyle/>
+                    <a:p>
+                      <a:pPr algn="ctr"/>
+                      <a:r>
+                        <a:rPr lang="en-US" altLang="ko-Kore-KR" sz="1600" dirty="0">
+                          <a:solidFill>
+                            <a:srgbClr val="595959"/>
+                          </a:solidFill>
+                        </a:rPr>
+                        <a:t>Infra</a:t>
+                      </a:r>
+                      <a:endParaRPr lang="ko-Kore-KR" altLang="en-US" sz="1600" dirty="0">
+                        <a:solidFill>
+                          <a:srgbClr val="595959"/>
+                        </a:solidFill>
+                      </a:endParaRPr>
+                    </a:p>
+                  </a:txBody>
+                  <a:tcPr anchor="ctr">
+                    <a:lnL w="12700" cap="flat" cmpd="sng" algn="ctr">
+                      <a:solidFill>
+                        <a:srgbClr val="C5C5C5"/>
+                      </a:solidFill>
+                      <a:prstDash val="solid"/>
+                      <a:round/>
+                      <a:headEnd type="none" w="med" len="med"/>
+                      <a:tailEnd type="none" w="med" len="med"/>
+                    </a:lnL>
+                    <a:lnR w="12700" cap="flat" cmpd="sng" algn="ctr">
+                      <a:solidFill>
+                        <a:srgbClr val="C5C5C5"/>
+                      </a:solidFill>
+                      <a:prstDash val="solid"/>
+                      <a:round/>
+                      <a:headEnd type="none" w="med" len="med"/>
+                      <a:tailEnd type="none" w="med" len="med"/>
+                    </a:lnR>
+                    <a:lnT w="12700" cap="flat" cmpd="sng" algn="ctr">
+                      <a:solidFill>
+                        <a:srgbClr val="C5C5C5"/>
+                      </a:solidFill>
+                      <a:prstDash val="solid"/>
+                      <a:round/>
+                      <a:headEnd type="none" w="med" len="med"/>
+                      <a:tailEnd type="none" w="med" len="med"/>
+                    </a:lnT>
+                    <a:lnB w="12700" cap="flat" cmpd="sng" algn="ctr">
+                      <a:solidFill>
+                        <a:srgbClr val="C5C5C5"/>
+                      </a:solidFill>
+                      <a:prstDash val="solid"/>
+                      <a:round/>
+                      <a:headEnd type="none" w="med" len="med"/>
+                      <a:tailEnd type="none" w="med" len="med"/>
+                    </a:lnB>
+                    <a:noFill/>
+                  </a:tcPr>
+                </a:tc>
+                <a:tc>
+                  <a:txBody>
+                    <a:bodyPr/>
+                    <a:lstStyle/>
+                    <a:p>
+                      <a:pPr algn="ctr"/>
+                      <a:r>
+                        <a:rPr lang="en-US" altLang="ko-Kore-KR" sz="1600" dirty="0">
+                          <a:solidFill>
+                            <a:srgbClr val="595959"/>
+                          </a:solidFill>
+                        </a:rPr>
+                        <a:t>OS</a:t>
+                      </a:r>
+                      <a:endParaRPr lang="ko-Kore-KR" altLang="en-US" sz="1600" dirty="0">
+                        <a:solidFill>
+                          <a:srgbClr val="595959"/>
+                        </a:solidFill>
+                      </a:endParaRPr>
+                    </a:p>
+                  </a:txBody>
+                  <a:tcPr anchor="ctr">
+                    <a:lnL w="12700" cap="flat" cmpd="sng" algn="ctr">
+                      <a:solidFill>
+                        <a:srgbClr val="C5C5C5"/>
+                      </a:solidFill>
+                      <a:prstDash val="solid"/>
+                      <a:round/>
+                      <a:headEnd type="none" w="med" len="med"/>
+                      <a:tailEnd type="none" w="med" len="med"/>
+                    </a:lnL>
+                    <a:lnR w="12700" cap="flat" cmpd="sng" algn="ctr">
+                      <a:solidFill>
+                        <a:srgbClr val="C5C5C5"/>
+                      </a:solidFill>
+                      <a:prstDash val="solid"/>
+                      <a:round/>
+                      <a:headEnd type="none" w="med" len="med"/>
+                      <a:tailEnd type="none" w="med" len="med"/>
+                    </a:lnR>
+                    <a:lnT w="12700" cap="flat" cmpd="sng" algn="ctr">
+                      <a:solidFill>
+                        <a:srgbClr val="C5C5C5"/>
+                      </a:solidFill>
+                      <a:prstDash val="solid"/>
+                      <a:round/>
+                      <a:headEnd type="none" w="med" len="med"/>
+                      <a:tailEnd type="none" w="med" len="med"/>
+                    </a:lnT>
+                    <a:lnB w="12700" cap="flat" cmpd="sng" algn="ctr">
+                      <a:solidFill>
+                        <a:srgbClr val="C5C5C5"/>
+                      </a:solidFill>
+                      <a:prstDash val="solid"/>
+                      <a:round/>
+                      <a:headEnd type="none" w="med" len="med"/>
+                      <a:tailEnd type="none" w="med" len="med"/>
+                    </a:lnB>
+                    <a:noFill/>
+                  </a:tcPr>
+                </a:tc>
+                <a:tc>
+                  <a:txBody>
+                    <a:bodyPr/>
+                    <a:lstStyle/>
+                    <a:p>
+                      <a:pPr algn="l"/>
+                      <a:r>
+                        <a:rPr lang="en-US" altLang="ko-Kore-KR" sz="1600" dirty="0">
+                          <a:solidFill>
+                            <a:srgbClr val="595959"/>
+                          </a:solidFill>
+                        </a:rPr>
+                        <a:t>Ubuntu : [Microsoft Azure VM]</a:t>
+                      </a:r>
+                      <a:endParaRPr lang="ko-Kore-KR" altLang="en-US" sz="1600" dirty="0">
+                        <a:solidFill>
+                          <a:srgbClr val="595959"/>
+                        </a:solidFill>
+                      </a:endParaRPr>
+                    </a:p>
+                  </a:txBody>
+                  <a:tcPr anchor="ctr">
+                    <a:lnL w="12700" cap="flat" cmpd="sng" algn="ctr">
+                      <a:solidFill>
+                        <a:srgbClr val="C5C5C5"/>
+                      </a:solidFill>
+                      <a:prstDash val="solid"/>
+                      <a:round/>
+                      <a:headEnd type="none" w="med" len="med"/>
+                      <a:tailEnd type="none" w="med" len="med"/>
+                    </a:lnL>
+                    <a:lnR w="12700" cap="flat" cmpd="sng" algn="ctr">
+                      <a:solidFill>
+                        <a:srgbClr val="C5C5C5"/>
+                      </a:solidFill>
+                      <a:prstDash val="solid"/>
+                      <a:round/>
+                      <a:headEnd type="none" w="med" len="med"/>
+                      <a:tailEnd type="none" w="med" len="med"/>
+                    </a:lnR>
+                    <a:lnT w="12700" cap="flat" cmpd="sng" algn="ctr">
+                      <a:solidFill>
+                        <a:srgbClr val="C5C5C5"/>
+                      </a:solidFill>
+                      <a:prstDash val="solid"/>
+                      <a:round/>
+                      <a:headEnd type="none" w="med" len="med"/>
+                      <a:tailEnd type="none" w="med" len="med"/>
+                    </a:lnT>
+                    <a:lnB w="12700" cap="flat" cmpd="sng" algn="ctr">
+                      <a:solidFill>
+                        <a:srgbClr val="C5C5C5"/>
+                      </a:solidFill>
+                      <a:prstDash val="solid"/>
+                      <a:round/>
+                      <a:headEnd type="none" w="med" len="med"/>
+                      <a:tailEnd type="none" w="med" len="med"/>
+                    </a:lnB>
+                    <a:noFill/>
+                  </a:tcPr>
+                </a:tc>
+                <a:extLst>
+                  <a:ext uri="{0D108BD9-81ED-4DB2-BD59-A6C34878D82A}">
+                    <a16:rowId xmlns:a16="http://schemas.microsoft.com/office/drawing/2014/main" val="4142777848"/>
+                  </a:ext>
+                </a:extLst>
+              </a:tr>
+              <a:tr h="370840">
+                <a:tc vMerge="1">
                   <a:txBody>
                     <a:bodyPr/>
                     <a:lstStyle/>
@@ -28606,7 +29208,7 @@
                             <a:srgbClr val="595959"/>
                           </a:solidFill>
                         </a:rPr>
-                        <a:t>Oracle 19c</a:t>
+                        <a:t>Oracle 19c : [Oracle Cloud Database]</a:t>
                       </a:r>
                       <a:endParaRPr lang="ko-Kore-KR" altLang="en-US" sz="1600" dirty="0">
                         <a:solidFill>

--- a/산출물/프로젝트수행계획서/2360340008_박경덕_하나1PIECE조각투자중계플랫폼_수행계획서.pptx
+++ b/산출물/프로젝트수행계획서/2360340008_박경덕_하나1PIECE조각투자중계플랫폼_수행계획서.pptx
@@ -5,7 +5,7 @@
     <p:sldMasterId id="2147483648" r:id="rId1"/>
   </p:sldMasterIdLst>
   <p:notesMasterIdLst>
-    <p:notesMasterId r:id="rId13"/>
+    <p:notesMasterId r:id="rId14"/>
   </p:notesMasterIdLst>
   <p:sldIdLst>
     <p:sldId id="256" r:id="rId2"/>
@@ -14,39 +14,40 @@
     <p:sldId id="273" r:id="rId5"/>
     <p:sldId id="274" r:id="rId6"/>
     <p:sldId id="275" r:id="rId7"/>
-    <p:sldId id="271" r:id="rId8"/>
-    <p:sldId id="272" r:id="rId9"/>
-    <p:sldId id="276" r:id="rId10"/>
-    <p:sldId id="277" r:id="rId11"/>
-    <p:sldId id="269" r:id="rId12"/>
+    <p:sldId id="279" r:id="rId8"/>
+    <p:sldId id="271" r:id="rId9"/>
+    <p:sldId id="272" r:id="rId10"/>
+    <p:sldId id="276" r:id="rId11"/>
+    <p:sldId id="277" r:id="rId12"/>
+    <p:sldId id="269" r:id="rId13"/>
   </p:sldIdLst>
   <p:sldSz cx="12192000" cy="6858000"/>
   <p:notesSz cx="6858000" cy="9144000"/>
   <p:embeddedFontLst>
     <p:embeddedFont>
       <p:font typeface="맑은 고딕" panose="020B0503020000020004" pitchFamily="34" charset="-127"/>
-      <p:regular r:id="rId14"/>
-      <p:bold r:id="rId15"/>
+      <p:regular r:id="rId15"/>
+      <p:bold r:id="rId16"/>
     </p:embeddedFont>
     <p:embeddedFont>
       <p:font typeface="하나2.0 B" panose="020B0303000000000000" pitchFamily="34" charset="-127"/>
-      <p:regular r:id="rId16"/>
+      <p:regular r:id="rId17"/>
     </p:embeddedFont>
     <p:embeddedFont>
       <p:font typeface="하나2.0 L" panose="020B0203000000000000" pitchFamily="34" charset="-127"/>
-      <p:regular r:id="rId17"/>
+      <p:regular r:id="rId18"/>
     </p:embeddedFont>
     <p:embeddedFont>
       <p:font typeface="하나2.0 M" panose="020B0603000000000000" pitchFamily="34" charset="-127"/>
-      <p:regular r:id="rId18"/>
+      <p:regular r:id="rId19"/>
     </p:embeddedFont>
     <p:embeddedFont>
       <p:font typeface="하나2.0 R" panose="020B0303000000000000" pitchFamily="34" charset="-127"/>
-      <p:regular r:id="rId19"/>
+      <p:regular r:id="rId20"/>
     </p:embeddedFont>
     <p:embeddedFont>
       <p:font typeface="Hana2.0 M" panose="020B0603000000000000" pitchFamily="34" charset="-127"/>
-      <p:regular r:id="rId20"/>
+      <p:regular r:id="rId21"/>
     </p:embeddedFont>
   </p:embeddedFontLst>
   <p:defaultTextStyle>
@@ -4787,7 +4788,7 @@
           <a:p>
             <a:fld id="{D98176AE-3205-4E7D-B089-FD8D21DBE7C1}" type="datetimeFigureOut">
               <a:rPr lang="ko-KR" altLang="en-US" smtClean="0"/>
-              <a:t>2023. 9. 5.</a:t>
+              <a:t>2023. 9. 6.</a:t>
             </a:fld>
             <a:endParaRPr lang="ko-KR" altLang="en-US"/>
           </a:p>
@@ -5119,7 +5120,7 @@
           <a:p>
             <a:fld id="{AB0F060D-AC9A-4FAD-B838-D159359C262A}" type="slidenum">
               <a:rPr lang="ko-KR" altLang="en-US" smtClean="0"/>
-              <a:t>8</a:t>
+              <a:t>9</a:t>
             </a:fld>
             <a:endParaRPr lang="ko-KR" altLang="en-US"/>
           </a:p>
@@ -5267,7 +5268,7 @@
           <a:p>
             <a:fld id="{79EB7834-6C3D-41E2-9A4C-A32B382F41BC}" type="datetimeFigureOut">
               <a:rPr lang="ko-KR" altLang="en-US" smtClean="0"/>
-              <a:t>2023. 9. 5.</a:t>
+              <a:t>2023. 9. 6.</a:t>
             </a:fld>
             <a:endParaRPr lang="ko-KR" altLang="en-US"/>
           </a:p>
@@ -5435,7 +5436,7 @@
           <a:p>
             <a:fld id="{79EB7834-6C3D-41E2-9A4C-A32B382F41BC}" type="datetimeFigureOut">
               <a:rPr lang="ko-KR" altLang="en-US" smtClean="0"/>
-              <a:t>2023. 9. 5.</a:t>
+              <a:t>2023. 9. 6.</a:t>
             </a:fld>
             <a:endParaRPr lang="ko-KR" altLang="en-US"/>
           </a:p>
@@ -5613,7 +5614,7 @@
           <a:p>
             <a:fld id="{79EB7834-6C3D-41E2-9A4C-A32B382F41BC}" type="datetimeFigureOut">
               <a:rPr lang="ko-KR" altLang="en-US" smtClean="0"/>
-              <a:t>2023. 9. 5.</a:t>
+              <a:t>2023. 9. 6.</a:t>
             </a:fld>
             <a:endParaRPr lang="ko-KR" altLang="en-US"/>
           </a:p>
@@ -5781,7 +5782,7 @@
           <a:p>
             <a:fld id="{79EB7834-6C3D-41E2-9A4C-A32B382F41BC}" type="datetimeFigureOut">
               <a:rPr lang="ko-KR" altLang="en-US" smtClean="0"/>
-              <a:t>2023. 9. 5.</a:t>
+              <a:t>2023. 9. 6.</a:t>
             </a:fld>
             <a:endParaRPr lang="ko-KR" altLang="en-US"/>
           </a:p>
@@ -6026,7 +6027,7 @@
           <a:p>
             <a:fld id="{79EB7834-6C3D-41E2-9A4C-A32B382F41BC}" type="datetimeFigureOut">
               <a:rPr lang="ko-KR" altLang="en-US" smtClean="0"/>
-              <a:t>2023. 9. 5.</a:t>
+              <a:t>2023. 9. 6.</a:t>
             </a:fld>
             <a:endParaRPr lang="ko-KR" altLang="en-US"/>
           </a:p>
@@ -6255,7 +6256,7 @@
           <a:p>
             <a:fld id="{79EB7834-6C3D-41E2-9A4C-A32B382F41BC}" type="datetimeFigureOut">
               <a:rPr lang="ko-KR" altLang="en-US" smtClean="0"/>
-              <a:t>2023. 9. 5.</a:t>
+              <a:t>2023. 9. 6.</a:t>
             </a:fld>
             <a:endParaRPr lang="ko-KR" altLang="en-US"/>
           </a:p>
@@ -6619,7 +6620,7 @@
           <a:p>
             <a:fld id="{79EB7834-6C3D-41E2-9A4C-A32B382F41BC}" type="datetimeFigureOut">
               <a:rPr lang="ko-KR" altLang="en-US" smtClean="0"/>
-              <a:t>2023. 9. 5.</a:t>
+              <a:t>2023. 9. 6.</a:t>
             </a:fld>
             <a:endParaRPr lang="ko-KR" altLang="en-US"/>
           </a:p>
@@ -6736,7 +6737,7 @@
           <a:p>
             <a:fld id="{79EB7834-6C3D-41E2-9A4C-A32B382F41BC}" type="datetimeFigureOut">
               <a:rPr lang="ko-KR" altLang="en-US" smtClean="0"/>
-              <a:t>2023. 9. 5.</a:t>
+              <a:t>2023. 9. 6.</a:t>
             </a:fld>
             <a:endParaRPr lang="ko-KR" altLang="en-US"/>
           </a:p>
@@ -6831,7 +6832,7 @@
           <a:p>
             <a:fld id="{79EB7834-6C3D-41E2-9A4C-A32B382F41BC}" type="datetimeFigureOut">
               <a:rPr lang="ko-KR" altLang="en-US" smtClean="0"/>
-              <a:t>2023. 9. 5.</a:t>
+              <a:t>2023. 9. 6.</a:t>
             </a:fld>
             <a:endParaRPr lang="ko-KR" altLang="en-US"/>
           </a:p>
@@ -7106,7 +7107,7 @@
           <a:p>
             <a:fld id="{79EB7834-6C3D-41E2-9A4C-A32B382F41BC}" type="datetimeFigureOut">
               <a:rPr lang="ko-KR" altLang="en-US" smtClean="0"/>
-              <a:t>2023. 9. 5.</a:t>
+              <a:t>2023. 9. 6.</a:t>
             </a:fld>
             <a:endParaRPr lang="ko-KR" altLang="en-US"/>
           </a:p>
@@ -7358,7 +7359,7 @@
           <a:p>
             <a:fld id="{79EB7834-6C3D-41E2-9A4C-A32B382F41BC}" type="datetimeFigureOut">
               <a:rPr lang="ko-KR" altLang="en-US" smtClean="0"/>
-              <a:t>2023. 9. 5.</a:t>
+              <a:t>2023. 9. 6.</a:t>
             </a:fld>
             <a:endParaRPr lang="ko-KR" altLang="en-US"/>
           </a:p>
@@ -7569,7 +7570,7 @@
           <a:p>
             <a:fld id="{79EB7834-6C3D-41E2-9A4C-A32B382F41BC}" type="datetimeFigureOut">
               <a:rPr lang="ko-KR" altLang="en-US" smtClean="0"/>
-              <a:t>2023. 9. 5.</a:t>
+              <a:t>2023. 9. 6.</a:t>
             </a:fld>
             <a:endParaRPr lang="ko-KR" altLang="en-US"/>
           </a:p>
@@ -8433,6 +8434,3267 @@
         <p:spPr>
           <a:xfrm>
             <a:off x="188390" y="153410"/>
+            <a:ext cx="1498808" cy="385490"/>
+          </a:xfrm>
+          <a:prstGeom prst="rect">
+            <a:avLst/>
+          </a:prstGeom>
+          <a:noFill/>
+        </p:spPr>
+        <p:txBody>
+          <a:bodyPr wrap="none" lIns="0" tIns="0" rIns="0" rtlCol="0">
+            <a:spAutoFit/>
+          </a:bodyPr>
+          <a:lstStyle/>
+          <a:p>
+            <a:pPr>
+              <a:lnSpc>
+                <a:spcPct val="130000"/>
+              </a:lnSpc>
+              <a:tabLst/>
+            </a:pPr>
+            <a:r>
+              <a:rPr lang="en-US" altLang="ko-KR" dirty="0">
+                <a:solidFill>
+                  <a:srgbClr val="000000"/>
+                </a:solidFill>
+                <a:latin typeface="하나2.0 M" panose="020B0603000000000000" pitchFamily="50" charset="-127"/>
+                <a:ea typeface="하나2.0 M" panose="020B0603000000000000" pitchFamily="50" charset="-127"/>
+                <a:cs typeface="하나 M" pitchFamily="18" charset="0"/>
+              </a:rPr>
+              <a:t>02-5</a:t>
+            </a:r>
+            <a:r>
+              <a:rPr lang="ko-KR" altLang="en-US" dirty="0">
+                <a:solidFill>
+                  <a:srgbClr val="000000"/>
+                </a:solidFill>
+                <a:latin typeface="하나2.0 M" panose="020B0603000000000000" pitchFamily="50" charset="-127"/>
+                <a:ea typeface="하나2.0 M" panose="020B0603000000000000" pitchFamily="50" charset="-127"/>
+                <a:cs typeface="하나 M" pitchFamily="18" charset="0"/>
+              </a:rPr>
+              <a:t> 관련 기술</a:t>
+            </a:r>
+            <a:endParaRPr lang="en-US" altLang="zh-CN" dirty="0">
+              <a:latin typeface="하나2.0 M" panose="020B0603000000000000" pitchFamily="50" charset="-127"/>
+              <a:ea typeface="하나2.0 M" panose="020B0603000000000000" pitchFamily="50" charset="-127"/>
+            </a:endParaRPr>
+          </a:p>
+        </p:txBody>
+      </p:sp>
+      <p:sp>
+        <p:nvSpPr>
+          <p:cNvPr id="2" name="직사각형 1">
+            <a:extLst>
+              <a:ext uri="{FF2B5EF4-FFF2-40B4-BE49-F238E27FC236}">
+                <a16:creationId xmlns:a16="http://schemas.microsoft.com/office/drawing/2014/main" id="{30255397-3B57-81F5-C1E5-5035F227D715}"/>
+              </a:ext>
+            </a:extLst>
+          </p:cNvPr>
+          <p:cNvSpPr/>
+          <p:nvPr/>
+        </p:nvSpPr>
+        <p:spPr>
+          <a:xfrm>
+            <a:off x="10418165" y="130679"/>
+            <a:ext cx="1618938" cy="400110"/>
+          </a:xfrm>
+          <a:prstGeom prst="rect">
+            <a:avLst/>
+          </a:prstGeom>
+        </p:spPr>
+        <p:txBody>
+          <a:bodyPr wrap="square">
+            <a:spAutoFit/>
+          </a:bodyPr>
+          <a:lstStyle/>
+          <a:p>
+            <a:pPr algn="ctr"/>
+            <a:r>
+              <a:rPr lang="ko-KR" altLang="en-US" sz="2000" dirty="0">
+                <a:latin typeface="하나2.0 B" panose="020B0303000000000000" pitchFamily="50" charset="-127"/>
+                <a:ea typeface="하나2.0 B" panose="020B0303000000000000" pitchFamily="50" charset="-127"/>
+              </a:rPr>
+              <a:t>하나</a:t>
+            </a:r>
+            <a:r>
+              <a:rPr lang="en-US" altLang="ko-KR" sz="2000" dirty="0">
+                <a:solidFill>
+                  <a:srgbClr val="FF0066"/>
+                </a:solidFill>
+                <a:latin typeface="하나2.0 B" panose="020B0303000000000000" pitchFamily="50" charset="-127"/>
+                <a:ea typeface="하나2.0 B" panose="020B0303000000000000" pitchFamily="50" charset="-127"/>
+              </a:rPr>
+              <a:t>1</a:t>
+            </a:r>
+            <a:r>
+              <a:rPr lang="en-US" altLang="ko-KR" sz="2000" dirty="0">
+                <a:solidFill>
+                  <a:srgbClr val="008485"/>
+                </a:solidFill>
+                <a:latin typeface="하나2.0 B" panose="020B0303000000000000" pitchFamily="50" charset="-127"/>
+                <a:ea typeface="하나2.0 B" panose="020B0303000000000000" pitchFamily="50" charset="-127"/>
+              </a:rPr>
+              <a:t>PIECE</a:t>
+            </a:r>
+          </a:p>
+        </p:txBody>
+      </p:sp>
+      <p:pic>
+        <p:nvPicPr>
+          <p:cNvPr id="4" name="Picture 2" descr="하나금융그룹-CI&amp;하나서체">
+            <a:extLst>
+              <a:ext uri="{FF2B5EF4-FFF2-40B4-BE49-F238E27FC236}">
+                <a16:creationId xmlns:a16="http://schemas.microsoft.com/office/drawing/2014/main" id="{E7446160-7265-2BE2-779C-DBEDC98A21DF}"/>
+              </a:ext>
+            </a:extLst>
+          </p:cNvPr>
+          <p:cNvPicPr>
+            <a:picLocks noChangeAspect="1" noChangeArrowheads="1"/>
+          </p:cNvPicPr>
+          <p:nvPr/>
+        </p:nvPicPr>
+        <p:blipFill>
+          <a:blip r:embed="rId2">
+            <a:extLst>
+              <a:ext uri="{28A0092B-C50C-407E-A947-70E740481C1C}">
+                <a14:useLocalDpi xmlns:a14="http://schemas.microsoft.com/office/drawing/2010/main" val="0"/>
+              </a:ext>
+            </a:extLst>
+          </a:blip>
+          <a:srcRect/>
+          <a:stretch>
+            <a:fillRect/>
+          </a:stretch>
+        </p:blipFill>
+        <p:spPr bwMode="auto">
+          <a:xfrm>
+            <a:off x="10176850" y="44053"/>
+            <a:ext cx="482629" cy="457665"/>
+          </a:xfrm>
+          <a:prstGeom prst="rect">
+            <a:avLst/>
+          </a:prstGeom>
+          <a:noFill/>
+          <a:extLst>
+            <a:ext uri="{909E8E84-426E-40DD-AFC4-6F175D3DCCD1}">
+              <a14:hiddenFill xmlns:a14="http://schemas.microsoft.com/office/drawing/2010/main">
+                <a:solidFill>
+                  <a:srgbClr val="FFFFFF"/>
+                </a:solidFill>
+              </a14:hiddenFill>
+            </a:ext>
+          </a:extLst>
+        </p:spPr>
+      </p:pic>
+      <p:graphicFrame>
+        <p:nvGraphicFramePr>
+          <p:cNvPr id="5" name="표 11">
+            <a:extLst>
+              <a:ext uri="{FF2B5EF4-FFF2-40B4-BE49-F238E27FC236}">
+                <a16:creationId xmlns:a16="http://schemas.microsoft.com/office/drawing/2014/main" id="{2FE7A955-F67D-32AD-3E07-63758A2C2AF3}"/>
+              </a:ext>
+            </a:extLst>
+          </p:cNvPr>
+          <p:cNvGraphicFramePr>
+            <a:graphicFrameLocks noGrp="1"/>
+          </p:cNvGraphicFramePr>
+          <p:nvPr>
+            <p:extLst>
+              <p:ext uri="{D42A27DB-BD31-4B8C-83A1-F6EECF244321}">
+                <p14:modId xmlns:p14="http://schemas.microsoft.com/office/powerpoint/2010/main" val="1904079035"/>
+              </p:ext>
+            </p:extLst>
+          </p:nvPr>
+        </p:nvGraphicFramePr>
+        <p:xfrm>
+          <a:off x="1572883" y="944877"/>
+          <a:ext cx="9046233" cy="5562600"/>
+        </p:xfrm>
+        <a:graphic>
+          <a:graphicData uri="http://schemas.openxmlformats.org/drawingml/2006/table">
+            <a:tbl>
+              <a:tblPr firstRow="1" bandRow="1">
+                <a:tableStyleId>{5C22544A-7EE6-4342-B048-85BDC9FD1C3A}</a:tableStyleId>
+              </a:tblPr>
+              <a:tblGrid>
+                <a:gridCol w="1589320">
+                  <a:extLst>
+                    <a:ext uri="{9D8B030D-6E8A-4147-A177-3AD203B41FA5}">
+                      <a16:colId xmlns:a16="http://schemas.microsoft.com/office/drawing/2014/main" val="4091875216"/>
+                    </a:ext>
+                  </a:extLst>
+                </a:gridCol>
+                <a:gridCol w="1902372">
+                  <a:extLst>
+                    <a:ext uri="{9D8B030D-6E8A-4147-A177-3AD203B41FA5}">
+                      <a16:colId xmlns:a16="http://schemas.microsoft.com/office/drawing/2014/main" val="3284921506"/>
+                    </a:ext>
+                  </a:extLst>
+                </a:gridCol>
+                <a:gridCol w="5554541">
+                  <a:extLst>
+                    <a:ext uri="{9D8B030D-6E8A-4147-A177-3AD203B41FA5}">
+                      <a16:colId xmlns:a16="http://schemas.microsoft.com/office/drawing/2014/main" val="57178564"/>
+                    </a:ext>
+                  </a:extLst>
+                </a:gridCol>
+              </a:tblGrid>
+              <a:tr h="370840">
+                <a:tc>
+                  <a:txBody>
+                    <a:bodyPr/>
+                    <a:lstStyle/>
+                    <a:p>
+                      <a:pPr algn="ctr"/>
+                      <a:r>
+                        <a:rPr lang="ko-Kore-KR" altLang="en-US" dirty="0">
+                          <a:solidFill>
+                            <a:schemeClr val="bg1"/>
+                          </a:solidFill>
+                        </a:rPr>
+                        <a:t>업무</a:t>
+                      </a:r>
+                    </a:p>
+                  </a:txBody>
+                  <a:tcPr>
+                    <a:lnL w="12700" cap="flat" cmpd="sng" algn="ctr">
+                      <a:solidFill>
+                        <a:srgbClr val="C5C5C5"/>
+                      </a:solidFill>
+                      <a:prstDash val="solid"/>
+                      <a:round/>
+                      <a:headEnd type="none" w="med" len="med"/>
+                      <a:tailEnd type="none" w="med" len="med"/>
+                    </a:lnL>
+                    <a:lnR w="12700" cap="flat" cmpd="sng" algn="ctr">
+                      <a:solidFill>
+                        <a:srgbClr val="C5C5C5"/>
+                      </a:solidFill>
+                      <a:prstDash val="solid"/>
+                      <a:round/>
+                      <a:headEnd type="none" w="med" len="med"/>
+                      <a:tailEnd type="none" w="med" len="med"/>
+                    </a:lnR>
+                    <a:lnT w="12700" cap="flat" cmpd="sng" algn="ctr">
+                      <a:solidFill>
+                        <a:srgbClr val="C5C5C5"/>
+                      </a:solidFill>
+                      <a:prstDash val="solid"/>
+                      <a:round/>
+                      <a:headEnd type="none" w="med" len="med"/>
+                      <a:tailEnd type="none" w="med" len="med"/>
+                    </a:lnT>
+                    <a:lnB w="12700" cap="flat" cmpd="sng" algn="ctr">
+                      <a:solidFill>
+                        <a:srgbClr val="C5C5C5"/>
+                      </a:solidFill>
+                      <a:prstDash val="solid"/>
+                      <a:round/>
+                      <a:headEnd type="none" w="med" len="med"/>
+                      <a:tailEnd type="none" w="med" len="med"/>
+                    </a:lnB>
+                    <a:solidFill>
+                      <a:srgbClr val="008C8C"/>
+                    </a:solidFill>
+                  </a:tcPr>
+                </a:tc>
+                <a:tc>
+                  <a:txBody>
+                    <a:bodyPr/>
+                    <a:lstStyle/>
+                    <a:p>
+                      <a:pPr algn="ctr"/>
+                      <a:r>
+                        <a:rPr lang="ko-Kore-KR" altLang="en-US" dirty="0">
+                          <a:solidFill>
+                            <a:schemeClr val="bg1"/>
+                          </a:solidFill>
+                        </a:rPr>
+                        <a:t>분류</a:t>
+                      </a:r>
+                    </a:p>
+                  </a:txBody>
+                  <a:tcPr>
+                    <a:lnL w="12700" cap="flat" cmpd="sng" algn="ctr">
+                      <a:solidFill>
+                        <a:srgbClr val="C5C5C5"/>
+                      </a:solidFill>
+                      <a:prstDash val="solid"/>
+                      <a:round/>
+                      <a:headEnd type="none" w="med" len="med"/>
+                      <a:tailEnd type="none" w="med" len="med"/>
+                    </a:lnL>
+                    <a:lnR w="12700" cap="flat" cmpd="sng" algn="ctr">
+                      <a:solidFill>
+                        <a:srgbClr val="C5C5C5"/>
+                      </a:solidFill>
+                      <a:prstDash val="solid"/>
+                      <a:round/>
+                      <a:headEnd type="none" w="med" len="med"/>
+                      <a:tailEnd type="none" w="med" len="med"/>
+                    </a:lnR>
+                    <a:lnT w="12700" cap="flat" cmpd="sng" algn="ctr">
+                      <a:solidFill>
+                        <a:srgbClr val="C5C5C5"/>
+                      </a:solidFill>
+                      <a:prstDash val="solid"/>
+                      <a:round/>
+                      <a:headEnd type="none" w="med" len="med"/>
+                      <a:tailEnd type="none" w="med" len="med"/>
+                    </a:lnT>
+                    <a:lnB w="12700" cap="flat" cmpd="sng" algn="ctr">
+                      <a:solidFill>
+                        <a:srgbClr val="C5C5C5"/>
+                      </a:solidFill>
+                      <a:prstDash val="solid"/>
+                      <a:round/>
+                      <a:headEnd type="none" w="med" len="med"/>
+                      <a:tailEnd type="none" w="med" len="med"/>
+                    </a:lnB>
+                    <a:solidFill>
+                      <a:srgbClr val="008C8C"/>
+                    </a:solidFill>
+                  </a:tcPr>
+                </a:tc>
+                <a:tc>
+                  <a:txBody>
+                    <a:bodyPr/>
+                    <a:lstStyle/>
+                    <a:p>
+                      <a:pPr algn="ctr"/>
+                      <a:r>
+                        <a:rPr lang="ko-Kore-KR" altLang="en-US" dirty="0">
+                          <a:solidFill>
+                            <a:schemeClr val="bg1"/>
+                          </a:solidFill>
+                        </a:rPr>
+                        <a:t>개발</a:t>
+                      </a:r>
+                      <a:r>
+                        <a:rPr lang="ko-KR" altLang="en-US" dirty="0">
+                          <a:solidFill>
+                            <a:schemeClr val="bg1"/>
+                          </a:solidFill>
+                        </a:rPr>
+                        <a:t> 환경</a:t>
+                      </a:r>
+                      <a:endParaRPr lang="ko-Kore-KR" altLang="en-US" dirty="0">
+                        <a:solidFill>
+                          <a:schemeClr val="bg1"/>
+                        </a:solidFill>
+                      </a:endParaRPr>
+                    </a:p>
+                  </a:txBody>
+                  <a:tcPr>
+                    <a:lnL w="12700" cap="flat" cmpd="sng" algn="ctr">
+                      <a:solidFill>
+                        <a:srgbClr val="C5C5C5"/>
+                      </a:solidFill>
+                      <a:prstDash val="solid"/>
+                      <a:round/>
+                      <a:headEnd type="none" w="med" len="med"/>
+                      <a:tailEnd type="none" w="med" len="med"/>
+                    </a:lnL>
+                    <a:lnR w="12700" cap="flat" cmpd="sng" algn="ctr">
+                      <a:solidFill>
+                        <a:srgbClr val="C5C5C5"/>
+                      </a:solidFill>
+                      <a:prstDash val="solid"/>
+                      <a:round/>
+                      <a:headEnd type="none" w="med" len="med"/>
+                      <a:tailEnd type="none" w="med" len="med"/>
+                    </a:lnR>
+                    <a:lnT w="12700" cap="flat" cmpd="sng" algn="ctr">
+                      <a:solidFill>
+                        <a:srgbClr val="C5C5C5"/>
+                      </a:solidFill>
+                      <a:prstDash val="solid"/>
+                      <a:round/>
+                      <a:headEnd type="none" w="med" len="med"/>
+                      <a:tailEnd type="none" w="med" len="med"/>
+                    </a:lnT>
+                    <a:lnB w="12700" cap="flat" cmpd="sng" algn="ctr">
+                      <a:solidFill>
+                        <a:srgbClr val="C5C5C5"/>
+                      </a:solidFill>
+                      <a:prstDash val="solid"/>
+                      <a:round/>
+                      <a:headEnd type="none" w="med" len="med"/>
+                      <a:tailEnd type="none" w="med" len="med"/>
+                    </a:lnB>
+                    <a:solidFill>
+                      <a:srgbClr val="008C8C"/>
+                    </a:solidFill>
+                  </a:tcPr>
+                </a:tc>
+                <a:extLst>
+                  <a:ext uri="{0D108BD9-81ED-4DB2-BD59-A6C34878D82A}">
+                    <a16:rowId xmlns:a16="http://schemas.microsoft.com/office/drawing/2014/main" val="37226797"/>
+                  </a:ext>
+                </a:extLst>
+              </a:tr>
+              <a:tr h="370840">
+                <a:tc rowSpan="4">
+                  <a:txBody>
+                    <a:bodyPr/>
+                    <a:lstStyle/>
+                    <a:p>
+                      <a:pPr algn="ctr"/>
+                      <a:r>
+                        <a:rPr lang="en-US" altLang="ko-Kore-KR" sz="1600" dirty="0">
+                          <a:solidFill>
+                            <a:srgbClr val="595959"/>
+                          </a:solidFill>
+                        </a:rPr>
+                        <a:t>Front-End</a:t>
+                      </a:r>
+                      <a:endParaRPr lang="ko-Kore-KR" altLang="en-US" sz="1600" dirty="0">
+                        <a:solidFill>
+                          <a:srgbClr val="595959"/>
+                        </a:solidFill>
+                      </a:endParaRPr>
+                    </a:p>
+                  </a:txBody>
+                  <a:tcPr anchor="ctr">
+                    <a:lnL w="12700" cap="flat" cmpd="sng" algn="ctr">
+                      <a:solidFill>
+                        <a:srgbClr val="C5C5C5"/>
+                      </a:solidFill>
+                      <a:prstDash val="solid"/>
+                      <a:round/>
+                      <a:headEnd type="none" w="med" len="med"/>
+                      <a:tailEnd type="none" w="med" len="med"/>
+                    </a:lnL>
+                    <a:lnR w="12700" cap="flat" cmpd="sng" algn="ctr">
+                      <a:solidFill>
+                        <a:srgbClr val="C5C5C5"/>
+                      </a:solidFill>
+                      <a:prstDash val="solid"/>
+                      <a:round/>
+                      <a:headEnd type="none" w="med" len="med"/>
+                      <a:tailEnd type="none" w="med" len="med"/>
+                    </a:lnR>
+                    <a:lnT w="12700" cap="flat" cmpd="sng" algn="ctr">
+                      <a:solidFill>
+                        <a:srgbClr val="C5C5C5"/>
+                      </a:solidFill>
+                      <a:prstDash val="solid"/>
+                      <a:round/>
+                      <a:headEnd type="none" w="med" len="med"/>
+                      <a:tailEnd type="none" w="med" len="med"/>
+                    </a:lnT>
+                    <a:lnB w="12700" cap="flat" cmpd="sng" algn="ctr">
+                      <a:solidFill>
+                        <a:srgbClr val="C5C5C5"/>
+                      </a:solidFill>
+                      <a:prstDash val="solid"/>
+                      <a:round/>
+                      <a:headEnd type="none" w="med" len="med"/>
+                      <a:tailEnd type="none" w="med" len="med"/>
+                    </a:lnB>
+                    <a:noFill/>
+                  </a:tcPr>
+                </a:tc>
+                <a:tc>
+                  <a:txBody>
+                    <a:bodyPr/>
+                    <a:lstStyle/>
+                    <a:p>
+                      <a:pPr algn="ctr"/>
+                      <a:r>
+                        <a:rPr lang="en-US" altLang="ko-Kore-KR" sz="1600" dirty="0">
+                          <a:solidFill>
+                            <a:srgbClr val="595959"/>
+                          </a:solidFill>
+                        </a:rPr>
+                        <a:t>Language</a:t>
+                      </a:r>
+                      <a:endParaRPr lang="ko-Kore-KR" altLang="en-US" sz="1600" dirty="0">
+                        <a:solidFill>
+                          <a:srgbClr val="595959"/>
+                        </a:solidFill>
+                      </a:endParaRPr>
+                    </a:p>
+                  </a:txBody>
+                  <a:tcPr anchor="ctr">
+                    <a:lnL w="12700" cap="flat" cmpd="sng" algn="ctr">
+                      <a:solidFill>
+                        <a:srgbClr val="C5C5C5"/>
+                      </a:solidFill>
+                      <a:prstDash val="solid"/>
+                      <a:round/>
+                      <a:headEnd type="none" w="med" len="med"/>
+                      <a:tailEnd type="none" w="med" len="med"/>
+                    </a:lnL>
+                    <a:lnR w="12700" cap="flat" cmpd="sng" algn="ctr">
+                      <a:solidFill>
+                        <a:srgbClr val="C5C5C5"/>
+                      </a:solidFill>
+                      <a:prstDash val="solid"/>
+                      <a:round/>
+                      <a:headEnd type="none" w="med" len="med"/>
+                      <a:tailEnd type="none" w="med" len="med"/>
+                    </a:lnR>
+                    <a:lnT w="12700" cap="flat" cmpd="sng" algn="ctr">
+                      <a:solidFill>
+                        <a:srgbClr val="C5C5C5"/>
+                      </a:solidFill>
+                      <a:prstDash val="solid"/>
+                      <a:round/>
+                      <a:headEnd type="none" w="med" len="med"/>
+                      <a:tailEnd type="none" w="med" len="med"/>
+                    </a:lnT>
+                    <a:lnB w="12700" cap="flat" cmpd="sng" algn="ctr">
+                      <a:solidFill>
+                        <a:srgbClr val="C5C5C5"/>
+                      </a:solidFill>
+                      <a:prstDash val="solid"/>
+                      <a:round/>
+                      <a:headEnd type="none" w="med" len="med"/>
+                      <a:tailEnd type="none" w="med" len="med"/>
+                    </a:lnB>
+                    <a:noFill/>
+                  </a:tcPr>
+                </a:tc>
+                <a:tc>
+                  <a:txBody>
+                    <a:bodyPr/>
+                    <a:lstStyle/>
+                    <a:p>
+                      <a:pPr algn="l"/>
+                      <a:r>
+                        <a:rPr lang="en-US" altLang="ko-Kore-KR" sz="1600" dirty="0">
+                          <a:solidFill>
+                            <a:srgbClr val="595959"/>
+                          </a:solidFill>
+                        </a:rPr>
+                        <a:t>HTML5, CSS3, </a:t>
+                      </a:r>
+                      <a:r>
+                        <a:rPr lang="en-US" altLang="ko-Kore-KR" sz="1600" dirty="0" err="1">
+                          <a:solidFill>
+                            <a:srgbClr val="595959"/>
+                          </a:solidFill>
+                        </a:rPr>
+                        <a:t>Javascript</a:t>
+                      </a:r>
+                      <a:endParaRPr lang="ko-Kore-KR" altLang="en-US" sz="1600" dirty="0">
+                        <a:solidFill>
+                          <a:srgbClr val="595959"/>
+                        </a:solidFill>
+                      </a:endParaRPr>
+                    </a:p>
+                  </a:txBody>
+                  <a:tcPr anchor="ctr">
+                    <a:lnL w="12700" cap="flat" cmpd="sng" algn="ctr">
+                      <a:solidFill>
+                        <a:srgbClr val="C5C5C5"/>
+                      </a:solidFill>
+                      <a:prstDash val="solid"/>
+                      <a:round/>
+                      <a:headEnd type="none" w="med" len="med"/>
+                      <a:tailEnd type="none" w="med" len="med"/>
+                    </a:lnL>
+                    <a:lnR w="12700" cap="flat" cmpd="sng" algn="ctr">
+                      <a:solidFill>
+                        <a:srgbClr val="C5C5C5"/>
+                      </a:solidFill>
+                      <a:prstDash val="solid"/>
+                      <a:round/>
+                      <a:headEnd type="none" w="med" len="med"/>
+                      <a:tailEnd type="none" w="med" len="med"/>
+                    </a:lnR>
+                    <a:lnT w="12700" cap="flat" cmpd="sng" algn="ctr">
+                      <a:solidFill>
+                        <a:srgbClr val="C5C5C5"/>
+                      </a:solidFill>
+                      <a:prstDash val="solid"/>
+                      <a:round/>
+                      <a:headEnd type="none" w="med" len="med"/>
+                      <a:tailEnd type="none" w="med" len="med"/>
+                    </a:lnT>
+                    <a:lnB w="12700" cap="flat" cmpd="sng" algn="ctr">
+                      <a:solidFill>
+                        <a:srgbClr val="C5C5C5"/>
+                      </a:solidFill>
+                      <a:prstDash val="solid"/>
+                      <a:round/>
+                      <a:headEnd type="none" w="med" len="med"/>
+                      <a:tailEnd type="none" w="med" len="med"/>
+                    </a:lnB>
+                    <a:noFill/>
+                  </a:tcPr>
+                </a:tc>
+                <a:extLst>
+                  <a:ext uri="{0D108BD9-81ED-4DB2-BD59-A6C34878D82A}">
+                    <a16:rowId xmlns:a16="http://schemas.microsoft.com/office/drawing/2014/main" val="1900723684"/>
+                  </a:ext>
+                </a:extLst>
+              </a:tr>
+              <a:tr h="370840">
+                <a:tc vMerge="1">
+                  <a:txBody>
+                    <a:bodyPr/>
+                    <a:lstStyle/>
+                    <a:p>
+                      <a:pPr algn="ctr"/>
+                      <a:endParaRPr lang="ko-Kore-KR" altLang="en-US" sz="1600" dirty="0">
+                        <a:solidFill>
+                          <a:srgbClr val="595959"/>
+                        </a:solidFill>
+                      </a:endParaRPr>
+                    </a:p>
+                  </a:txBody>
+                  <a:tcPr anchor="ctr">
+                    <a:lnL w="12700" cap="flat" cmpd="sng" algn="ctr">
+                      <a:solidFill>
+                        <a:srgbClr val="C5C5C5"/>
+                      </a:solidFill>
+                      <a:prstDash val="solid"/>
+                      <a:round/>
+                      <a:headEnd type="none" w="med" len="med"/>
+                      <a:tailEnd type="none" w="med" len="med"/>
+                    </a:lnL>
+                    <a:lnR w="12700" cap="flat" cmpd="sng" algn="ctr">
+                      <a:solidFill>
+                        <a:srgbClr val="C5C5C5"/>
+                      </a:solidFill>
+                      <a:prstDash val="solid"/>
+                      <a:round/>
+                      <a:headEnd type="none" w="med" len="med"/>
+                      <a:tailEnd type="none" w="med" len="med"/>
+                    </a:lnR>
+                    <a:lnT w="12700" cap="flat" cmpd="sng" algn="ctr">
+                      <a:solidFill>
+                        <a:srgbClr val="C5C5C5"/>
+                      </a:solidFill>
+                      <a:prstDash val="solid"/>
+                      <a:round/>
+                      <a:headEnd type="none" w="med" len="med"/>
+                      <a:tailEnd type="none" w="med" len="med"/>
+                    </a:lnT>
+                    <a:lnB w="12700" cap="flat" cmpd="sng" algn="ctr">
+                      <a:solidFill>
+                        <a:srgbClr val="C5C5C5"/>
+                      </a:solidFill>
+                      <a:prstDash val="solid"/>
+                      <a:round/>
+                      <a:headEnd type="none" w="med" len="med"/>
+                      <a:tailEnd type="none" w="med" len="med"/>
+                    </a:lnB>
+                    <a:noFill/>
+                  </a:tcPr>
+                </a:tc>
+                <a:tc>
+                  <a:txBody>
+                    <a:bodyPr/>
+                    <a:lstStyle/>
+                    <a:p>
+                      <a:pPr algn="ctr"/>
+                      <a:r>
+                        <a:rPr lang="en-US" altLang="ko-Kore-KR" sz="1600" dirty="0">
+                          <a:solidFill>
+                            <a:srgbClr val="595959"/>
+                          </a:solidFill>
+                        </a:rPr>
+                        <a:t>Framework</a:t>
+                      </a:r>
+                      <a:endParaRPr lang="ko-Kore-KR" altLang="en-US" sz="1600" dirty="0">
+                        <a:solidFill>
+                          <a:srgbClr val="595959"/>
+                        </a:solidFill>
+                      </a:endParaRPr>
+                    </a:p>
+                  </a:txBody>
+                  <a:tcPr anchor="ctr">
+                    <a:lnL w="12700" cap="flat" cmpd="sng" algn="ctr">
+                      <a:solidFill>
+                        <a:srgbClr val="C5C5C5"/>
+                      </a:solidFill>
+                      <a:prstDash val="solid"/>
+                      <a:round/>
+                      <a:headEnd type="none" w="med" len="med"/>
+                      <a:tailEnd type="none" w="med" len="med"/>
+                    </a:lnL>
+                    <a:lnR w="12700" cap="flat" cmpd="sng" algn="ctr">
+                      <a:solidFill>
+                        <a:srgbClr val="C5C5C5"/>
+                      </a:solidFill>
+                      <a:prstDash val="solid"/>
+                      <a:round/>
+                      <a:headEnd type="none" w="med" len="med"/>
+                      <a:tailEnd type="none" w="med" len="med"/>
+                    </a:lnR>
+                    <a:lnT w="12700" cap="flat" cmpd="sng" algn="ctr">
+                      <a:solidFill>
+                        <a:srgbClr val="C5C5C5"/>
+                      </a:solidFill>
+                      <a:prstDash val="solid"/>
+                      <a:round/>
+                      <a:headEnd type="none" w="med" len="med"/>
+                      <a:tailEnd type="none" w="med" len="med"/>
+                    </a:lnT>
+                    <a:lnB w="12700" cap="flat" cmpd="sng" algn="ctr">
+                      <a:solidFill>
+                        <a:srgbClr val="C5C5C5"/>
+                      </a:solidFill>
+                      <a:prstDash val="solid"/>
+                      <a:round/>
+                      <a:headEnd type="none" w="med" len="med"/>
+                      <a:tailEnd type="none" w="med" len="med"/>
+                    </a:lnB>
+                    <a:noFill/>
+                  </a:tcPr>
+                </a:tc>
+                <a:tc>
+                  <a:txBody>
+                    <a:bodyPr/>
+                    <a:lstStyle/>
+                    <a:p>
+                      <a:pPr marL="0" marR="0" lvl="0" indent="0" algn="l" defTabSz="914400" rtl="0" eaLnBrk="1" fontAlgn="auto" latinLnBrk="1" hangingPunct="1">
+                        <a:lnSpc>
+                          <a:spcPct val="100000"/>
+                        </a:lnSpc>
+                        <a:spcBef>
+                          <a:spcPts val="0"/>
+                        </a:spcBef>
+                        <a:spcAft>
+                          <a:spcPts val="0"/>
+                        </a:spcAft>
+                        <a:buClrTx/>
+                        <a:buSzTx/>
+                        <a:buFontTx/>
+                        <a:buNone/>
+                        <a:tabLst/>
+                        <a:defRPr/>
+                      </a:pPr>
+                      <a:r>
+                        <a:rPr lang="en-US" altLang="ko-KR" sz="1600" b="0" dirty="0">
+                          <a:solidFill>
+                            <a:srgbClr val="595959"/>
+                          </a:solidFill>
+                        </a:rPr>
+                        <a:t>Bootstrap</a:t>
+                      </a:r>
+                      <a:endParaRPr lang="ko-KR" altLang="en-US" sz="1600" b="0" dirty="0">
+                        <a:solidFill>
+                          <a:srgbClr val="595959"/>
+                        </a:solidFill>
+                      </a:endParaRPr>
+                    </a:p>
+                  </a:txBody>
+                  <a:tcPr anchor="ctr">
+                    <a:lnL w="12700" cap="flat" cmpd="sng" algn="ctr">
+                      <a:solidFill>
+                        <a:srgbClr val="C5C5C5"/>
+                      </a:solidFill>
+                      <a:prstDash val="solid"/>
+                      <a:round/>
+                      <a:headEnd type="none" w="med" len="med"/>
+                      <a:tailEnd type="none" w="med" len="med"/>
+                    </a:lnL>
+                    <a:lnR w="12700" cap="flat" cmpd="sng" algn="ctr">
+                      <a:solidFill>
+                        <a:srgbClr val="C5C5C5"/>
+                      </a:solidFill>
+                      <a:prstDash val="solid"/>
+                      <a:round/>
+                      <a:headEnd type="none" w="med" len="med"/>
+                      <a:tailEnd type="none" w="med" len="med"/>
+                    </a:lnR>
+                    <a:lnT w="12700" cap="flat" cmpd="sng" algn="ctr">
+                      <a:solidFill>
+                        <a:srgbClr val="C5C5C5"/>
+                      </a:solidFill>
+                      <a:prstDash val="solid"/>
+                      <a:round/>
+                      <a:headEnd type="none" w="med" len="med"/>
+                      <a:tailEnd type="none" w="med" len="med"/>
+                    </a:lnT>
+                    <a:lnB w="12700" cap="flat" cmpd="sng" algn="ctr">
+                      <a:solidFill>
+                        <a:srgbClr val="C5C5C5"/>
+                      </a:solidFill>
+                      <a:prstDash val="solid"/>
+                      <a:round/>
+                      <a:headEnd type="none" w="med" len="med"/>
+                      <a:tailEnd type="none" w="med" len="med"/>
+                    </a:lnB>
+                    <a:noFill/>
+                  </a:tcPr>
+                </a:tc>
+                <a:extLst>
+                  <a:ext uri="{0D108BD9-81ED-4DB2-BD59-A6C34878D82A}">
+                    <a16:rowId xmlns:a16="http://schemas.microsoft.com/office/drawing/2014/main" val="780796844"/>
+                  </a:ext>
+                </a:extLst>
+              </a:tr>
+              <a:tr h="370840">
+                <a:tc vMerge="1">
+                  <a:txBody>
+                    <a:bodyPr/>
+                    <a:lstStyle/>
+                    <a:p>
+                      <a:pPr algn="ctr"/>
+                      <a:endParaRPr lang="ko-Kore-KR" altLang="en-US" sz="1600" dirty="0">
+                        <a:solidFill>
+                          <a:srgbClr val="595959"/>
+                        </a:solidFill>
+                      </a:endParaRPr>
+                    </a:p>
+                  </a:txBody>
+                  <a:tcPr anchor="ctr">
+                    <a:lnL w="12700" cap="flat" cmpd="sng" algn="ctr">
+                      <a:solidFill>
+                        <a:srgbClr val="C5C5C5"/>
+                      </a:solidFill>
+                      <a:prstDash val="solid"/>
+                      <a:round/>
+                      <a:headEnd type="none" w="med" len="med"/>
+                      <a:tailEnd type="none" w="med" len="med"/>
+                    </a:lnL>
+                    <a:lnR w="12700" cap="flat" cmpd="sng" algn="ctr">
+                      <a:solidFill>
+                        <a:srgbClr val="C5C5C5"/>
+                      </a:solidFill>
+                      <a:prstDash val="solid"/>
+                      <a:round/>
+                      <a:headEnd type="none" w="med" len="med"/>
+                      <a:tailEnd type="none" w="med" len="med"/>
+                    </a:lnR>
+                    <a:lnT w="12700" cap="flat" cmpd="sng" algn="ctr">
+                      <a:solidFill>
+                        <a:srgbClr val="C5C5C5"/>
+                      </a:solidFill>
+                      <a:prstDash val="solid"/>
+                      <a:round/>
+                      <a:headEnd type="none" w="med" len="med"/>
+                      <a:tailEnd type="none" w="med" len="med"/>
+                    </a:lnT>
+                    <a:lnB w="12700" cap="flat" cmpd="sng" algn="ctr">
+                      <a:solidFill>
+                        <a:srgbClr val="C5C5C5"/>
+                      </a:solidFill>
+                      <a:prstDash val="solid"/>
+                      <a:round/>
+                      <a:headEnd type="none" w="med" len="med"/>
+                      <a:tailEnd type="none" w="med" len="med"/>
+                    </a:lnB>
+                    <a:noFill/>
+                  </a:tcPr>
+                </a:tc>
+                <a:tc>
+                  <a:txBody>
+                    <a:bodyPr/>
+                    <a:lstStyle/>
+                    <a:p>
+                      <a:pPr algn="ctr"/>
+                      <a:r>
+                        <a:rPr lang="en-US" altLang="ko-Kore-KR" sz="1600" dirty="0">
+                          <a:solidFill>
+                            <a:srgbClr val="595959"/>
+                          </a:solidFill>
+                        </a:rPr>
+                        <a:t>Library</a:t>
+                      </a:r>
+                      <a:endParaRPr lang="ko-Kore-KR" altLang="en-US" sz="1600" dirty="0">
+                        <a:solidFill>
+                          <a:srgbClr val="595959"/>
+                        </a:solidFill>
+                      </a:endParaRPr>
+                    </a:p>
+                  </a:txBody>
+                  <a:tcPr anchor="ctr">
+                    <a:lnL w="12700" cap="flat" cmpd="sng" algn="ctr">
+                      <a:solidFill>
+                        <a:srgbClr val="C5C5C5"/>
+                      </a:solidFill>
+                      <a:prstDash val="solid"/>
+                      <a:round/>
+                      <a:headEnd type="none" w="med" len="med"/>
+                      <a:tailEnd type="none" w="med" len="med"/>
+                    </a:lnL>
+                    <a:lnR w="12700" cap="flat" cmpd="sng" algn="ctr">
+                      <a:solidFill>
+                        <a:srgbClr val="C5C5C5"/>
+                      </a:solidFill>
+                      <a:prstDash val="solid"/>
+                      <a:round/>
+                      <a:headEnd type="none" w="med" len="med"/>
+                      <a:tailEnd type="none" w="med" len="med"/>
+                    </a:lnR>
+                    <a:lnT w="12700" cap="flat" cmpd="sng" algn="ctr">
+                      <a:solidFill>
+                        <a:srgbClr val="C5C5C5"/>
+                      </a:solidFill>
+                      <a:prstDash val="solid"/>
+                      <a:round/>
+                      <a:headEnd type="none" w="med" len="med"/>
+                      <a:tailEnd type="none" w="med" len="med"/>
+                    </a:lnT>
+                    <a:lnB w="12700" cap="flat" cmpd="sng" algn="ctr">
+                      <a:solidFill>
+                        <a:srgbClr val="C5C5C5"/>
+                      </a:solidFill>
+                      <a:prstDash val="solid"/>
+                      <a:round/>
+                      <a:headEnd type="none" w="med" len="med"/>
+                      <a:tailEnd type="none" w="med" len="med"/>
+                    </a:lnB>
+                    <a:noFill/>
+                  </a:tcPr>
+                </a:tc>
+                <a:tc>
+                  <a:txBody>
+                    <a:bodyPr/>
+                    <a:lstStyle/>
+                    <a:p>
+                      <a:pPr marL="0" marR="0" lvl="0" indent="0" algn="l" defTabSz="914400" rtl="0" eaLnBrk="1" fontAlgn="auto" latinLnBrk="1" hangingPunct="1">
+                        <a:lnSpc>
+                          <a:spcPct val="100000"/>
+                        </a:lnSpc>
+                        <a:spcBef>
+                          <a:spcPts val="0"/>
+                        </a:spcBef>
+                        <a:spcAft>
+                          <a:spcPts val="0"/>
+                        </a:spcAft>
+                        <a:buClrTx/>
+                        <a:buSzTx/>
+                        <a:buFontTx/>
+                        <a:buNone/>
+                        <a:tabLst/>
+                        <a:defRPr/>
+                      </a:pPr>
+                      <a:r>
+                        <a:rPr lang="en-US" altLang="ko-KR" sz="1600" b="0" dirty="0">
+                          <a:solidFill>
+                            <a:srgbClr val="595959"/>
+                          </a:solidFill>
+                        </a:rPr>
+                        <a:t>jQuery</a:t>
+                      </a:r>
+                      <a:endParaRPr lang="ko-KR" altLang="en-US" sz="1600" b="0" dirty="0">
+                        <a:solidFill>
+                          <a:srgbClr val="595959"/>
+                        </a:solidFill>
+                      </a:endParaRPr>
+                    </a:p>
+                  </a:txBody>
+                  <a:tcPr anchor="ctr">
+                    <a:lnL w="12700" cap="flat" cmpd="sng" algn="ctr">
+                      <a:solidFill>
+                        <a:srgbClr val="C5C5C5"/>
+                      </a:solidFill>
+                      <a:prstDash val="solid"/>
+                      <a:round/>
+                      <a:headEnd type="none" w="med" len="med"/>
+                      <a:tailEnd type="none" w="med" len="med"/>
+                    </a:lnL>
+                    <a:lnR w="12700" cap="flat" cmpd="sng" algn="ctr">
+                      <a:solidFill>
+                        <a:srgbClr val="C5C5C5"/>
+                      </a:solidFill>
+                      <a:prstDash val="solid"/>
+                      <a:round/>
+                      <a:headEnd type="none" w="med" len="med"/>
+                      <a:tailEnd type="none" w="med" len="med"/>
+                    </a:lnR>
+                    <a:lnT w="12700" cap="flat" cmpd="sng" algn="ctr">
+                      <a:solidFill>
+                        <a:srgbClr val="C5C5C5"/>
+                      </a:solidFill>
+                      <a:prstDash val="solid"/>
+                      <a:round/>
+                      <a:headEnd type="none" w="med" len="med"/>
+                      <a:tailEnd type="none" w="med" len="med"/>
+                    </a:lnT>
+                    <a:lnB w="12700" cap="flat" cmpd="sng" algn="ctr">
+                      <a:solidFill>
+                        <a:srgbClr val="C5C5C5"/>
+                      </a:solidFill>
+                      <a:prstDash val="solid"/>
+                      <a:round/>
+                      <a:headEnd type="none" w="med" len="med"/>
+                      <a:tailEnd type="none" w="med" len="med"/>
+                    </a:lnB>
+                    <a:noFill/>
+                  </a:tcPr>
+                </a:tc>
+                <a:extLst>
+                  <a:ext uri="{0D108BD9-81ED-4DB2-BD59-A6C34878D82A}">
+                    <a16:rowId xmlns:a16="http://schemas.microsoft.com/office/drawing/2014/main" val="1128453005"/>
+                  </a:ext>
+                </a:extLst>
+              </a:tr>
+              <a:tr h="370840">
+                <a:tc vMerge="1">
+                  <a:txBody>
+                    <a:bodyPr/>
+                    <a:lstStyle/>
+                    <a:p>
+                      <a:pPr algn="ctr"/>
+                      <a:endParaRPr lang="ko-Kore-KR" altLang="en-US" sz="1600" dirty="0">
+                        <a:solidFill>
+                          <a:srgbClr val="595959"/>
+                        </a:solidFill>
+                      </a:endParaRPr>
+                    </a:p>
+                  </a:txBody>
+                  <a:tcPr anchor="ctr">
+                    <a:lnL w="12700" cap="flat" cmpd="sng" algn="ctr">
+                      <a:solidFill>
+                        <a:srgbClr val="C5C5C5"/>
+                      </a:solidFill>
+                      <a:prstDash val="solid"/>
+                      <a:round/>
+                      <a:headEnd type="none" w="med" len="med"/>
+                      <a:tailEnd type="none" w="med" len="med"/>
+                    </a:lnL>
+                    <a:lnR w="12700" cap="flat" cmpd="sng" algn="ctr">
+                      <a:solidFill>
+                        <a:srgbClr val="C5C5C5"/>
+                      </a:solidFill>
+                      <a:prstDash val="solid"/>
+                      <a:round/>
+                      <a:headEnd type="none" w="med" len="med"/>
+                      <a:tailEnd type="none" w="med" len="med"/>
+                    </a:lnR>
+                    <a:lnT w="12700" cap="flat" cmpd="sng" algn="ctr">
+                      <a:solidFill>
+                        <a:srgbClr val="C5C5C5"/>
+                      </a:solidFill>
+                      <a:prstDash val="solid"/>
+                      <a:round/>
+                      <a:headEnd type="none" w="med" len="med"/>
+                      <a:tailEnd type="none" w="med" len="med"/>
+                    </a:lnT>
+                    <a:lnB w="12700" cap="flat" cmpd="sng" algn="ctr">
+                      <a:solidFill>
+                        <a:srgbClr val="C5C5C5"/>
+                      </a:solidFill>
+                      <a:prstDash val="solid"/>
+                      <a:round/>
+                      <a:headEnd type="none" w="med" len="med"/>
+                      <a:tailEnd type="none" w="med" len="med"/>
+                    </a:lnB>
+                    <a:noFill/>
+                  </a:tcPr>
+                </a:tc>
+                <a:tc>
+                  <a:txBody>
+                    <a:bodyPr/>
+                    <a:lstStyle/>
+                    <a:p>
+                      <a:pPr algn="ctr"/>
+                      <a:r>
+                        <a:rPr lang="en-US" altLang="ko-Kore-KR" sz="1600" dirty="0">
+                          <a:solidFill>
+                            <a:srgbClr val="595959"/>
+                          </a:solidFill>
+                        </a:rPr>
+                        <a:t>Tools</a:t>
+                      </a:r>
+                      <a:endParaRPr lang="ko-Kore-KR" altLang="en-US" sz="1600" dirty="0">
+                        <a:solidFill>
+                          <a:srgbClr val="595959"/>
+                        </a:solidFill>
+                      </a:endParaRPr>
+                    </a:p>
+                  </a:txBody>
+                  <a:tcPr anchor="ctr">
+                    <a:lnL w="12700" cap="flat" cmpd="sng" algn="ctr">
+                      <a:solidFill>
+                        <a:srgbClr val="C5C5C5"/>
+                      </a:solidFill>
+                      <a:prstDash val="solid"/>
+                      <a:round/>
+                      <a:headEnd type="none" w="med" len="med"/>
+                      <a:tailEnd type="none" w="med" len="med"/>
+                    </a:lnL>
+                    <a:lnR w="12700" cap="flat" cmpd="sng" algn="ctr">
+                      <a:solidFill>
+                        <a:srgbClr val="C5C5C5"/>
+                      </a:solidFill>
+                      <a:prstDash val="solid"/>
+                      <a:round/>
+                      <a:headEnd type="none" w="med" len="med"/>
+                      <a:tailEnd type="none" w="med" len="med"/>
+                    </a:lnR>
+                    <a:lnT w="12700" cap="flat" cmpd="sng" algn="ctr">
+                      <a:solidFill>
+                        <a:srgbClr val="C5C5C5"/>
+                      </a:solidFill>
+                      <a:prstDash val="solid"/>
+                      <a:round/>
+                      <a:headEnd type="none" w="med" len="med"/>
+                      <a:tailEnd type="none" w="med" len="med"/>
+                    </a:lnT>
+                    <a:lnB w="12700" cap="flat" cmpd="sng" algn="ctr">
+                      <a:solidFill>
+                        <a:srgbClr val="C5C5C5"/>
+                      </a:solidFill>
+                      <a:prstDash val="solid"/>
+                      <a:round/>
+                      <a:headEnd type="none" w="med" len="med"/>
+                      <a:tailEnd type="none" w="med" len="med"/>
+                    </a:lnB>
+                    <a:noFill/>
+                  </a:tcPr>
+                </a:tc>
+                <a:tc>
+                  <a:txBody>
+                    <a:bodyPr/>
+                    <a:lstStyle/>
+                    <a:p>
+                      <a:pPr marL="0" marR="0" lvl="0" indent="0" algn="l" defTabSz="914400" rtl="0" eaLnBrk="1" fontAlgn="auto" latinLnBrk="1" hangingPunct="1">
+                        <a:lnSpc>
+                          <a:spcPct val="100000"/>
+                        </a:lnSpc>
+                        <a:spcBef>
+                          <a:spcPts val="0"/>
+                        </a:spcBef>
+                        <a:spcAft>
+                          <a:spcPts val="0"/>
+                        </a:spcAft>
+                        <a:buClrTx/>
+                        <a:buSzTx/>
+                        <a:buFontTx/>
+                        <a:buNone/>
+                        <a:tabLst/>
+                        <a:defRPr/>
+                      </a:pPr>
+                      <a:r>
+                        <a:rPr lang="en-US" altLang="ko-KR" sz="1600" b="0" dirty="0">
+                          <a:solidFill>
+                            <a:srgbClr val="595959"/>
+                          </a:solidFill>
+                        </a:rPr>
+                        <a:t>Visual Studio Code</a:t>
+                      </a:r>
+                      <a:endParaRPr lang="ko-KR" altLang="en-US" sz="1600" b="0" dirty="0">
+                        <a:solidFill>
+                          <a:srgbClr val="595959"/>
+                        </a:solidFill>
+                      </a:endParaRPr>
+                    </a:p>
+                  </a:txBody>
+                  <a:tcPr anchor="ctr">
+                    <a:lnL w="12700" cap="flat" cmpd="sng" algn="ctr">
+                      <a:solidFill>
+                        <a:srgbClr val="C5C5C5"/>
+                      </a:solidFill>
+                      <a:prstDash val="solid"/>
+                      <a:round/>
+                      <a:headEnd type="none" w="med" len="med"/>
+                      <a:tailEnd type="none" w="med" len="med"/>
+                    </a:lnL>
+                    <a:lnR w="12700" cap="flat" cmpd="sng" algn="ctr">
+                      <a:solidFill>
+                        <a:srgbClr val="C5C5C5"/>
+                      </a:solidFill>
+                      <a:prstDash val="solid"/>
+                      <a:round/>
+                      <a:headEnd type="none" w="med" len="med"/>
+                      <a:tailEnd type="none" w="med" len="med"/>
+                    </a:lnR>
+                    <a:lnT w="12700" cap="flat" cmpd="sng" algn="ctr">
+                      <a:solidFill>
+                        <a:srgbClr val="C5C5C5"/>
+                      </a:solidFill>
+                      <a:prstDash val="solid"/>
+                      <a:round/>
+                      <a:headEnd type="none" w="med" len="med"/>
+                      <a:tailEnd type="none" w="med" len="med"/>
+                    </a:lnT>
+                    <a:lnB w="12700" cap="flat" cmpd="sng" algn="ctr">
+                      <a:solidFill>
+                        <a:srgbClr val="C5C5C5"/>
+                      </a:solidFill>
+                      <a:prstDash val="solid"/>
+                      <a:round/>
+                      <a:headEnd type="none" w="med" len="med"/>
+                      <a:tailEnd type="none" w="med" len="med"/>
+                    </a:lnB>
+                    <a:noFill/>
+                  </a:tcPr>
+                </a:tc>
+                <a:extLst>
+                  <a:ext uri="{0D108BD9-81ED-4DB2-BD59-A6C34878D82A}">
+                    <a16:rowId xmlns:a16="http://schemas.microsoft.com/office/drawing/2014/main" val="120877991"/>
+                  </a:ext>
+                </a:extLst>
+              </a:tr>
+              <a:tr h="370840">
+                <a:tc rowSpan="4">
+                  <a:txBody>
+                    <a:bodyPr/>
+                    <a:lstStyle/>
+                    <a:p>
+                      <a:pPr algn="ctr"/>
+                      <a:r>
+                        <a:rPr lang="en-US" altLang="ko-Kore-KR" sz="1600" dirty="0">
+                          <a:solidFill>
+                            <a:srgbClr val="595959"/>
+                          </a:solidFill>
+                        </a:rPr>
+                        <a:t>Back-End</a:t>
+                      </a:r>
+                      <a:endParaRPr lang="ko-Kore-KR" altLang="en-US" sz="1600" dirty="0">
+                        <a:solidFill>
+                          <a:srgbClr val="595959"/>
+                        </a:solidFill>
+                      </a:endParaRPr>
+                    </a:p>
+                  </a:txBody>
+                  <a:tcPr anchor="ctr">
+                    <a:lnL w="12700" cap="flat" cmpd="sng" algn="ctr">
+                      <a:solidFill>
+                        <a:srgbClr val="C5C5C5"/>
+                      </a:solidFill>
+                      <a:prstDash val="solid"/>
+                      <a:round/>
+                      <a:headEnd type="none" w="med" len="med"/>
+                      <a:tailEnd type="none" w="med" len="med"/>
+                    </a:lnL>
+                    <a:lnR w="12700" cap="flat" cmpd="sng" algn="ctr">
+                      <a:solidFill>
+                        <a:srgbClr val="C5C5C5"/>
+                      </a:solidFill>
+                      <a:prstDash val="solid"/>
+                      <a:round/>
+                      <a:headEnd type="none" w="med" len="med"/>
+                      <a:tailEnd type="none" w="med" len="med"/>
+                    </a:lnR>
+                    <a:lnT w="12700" cap="flat" cmpd="sng" algn="ctr">
+                      <a:solidFill>
+                        <a:srgbClr val="C5C5C5"/>
+                      </a:solidFill>
+                      <a:prstDash val="solid"/>
+                      <a:round/>
+                      <a:headEnd type="none" w="med" len="med"/>
+                      <a:tailEnd type="none" w="med" len="med"/>
+                    </a:lnT>
+                    <a:lnB w="12700" cap="flat" cmpd="sng" algn="ctr">
+                      <a:solidFill>
+                        <a:srgbClr val="C5C5C5"/>
+                      </a:solidFill>
+                      <a:prstDash val="solid"/>
+                      <a:round/>
+                      <a:headEnd type="none" w="med" len="med"/>
+                      <a:tailEnd type="none" w="med" len="med"/>
+                    </a:lnB>
+                    <a:noFill/>
+                  </a:tcPr>
+                </a:tc>
+                <a:tc>
+                  <a:txBody>
+                    <a:bodyPr/>
+                    <a:lstStyle/>
+                    <a:p>
+                      <a:pPr algn="ctr"/>
+                      <a:r>
+                        <a:rPr lang="en-US" altLang="ko-Kore-KR" sz="1600" dirty="0">
+                          <a:solidFill>
+                            <a:srgbClr val="595959"/>
+                          </a:solidFill>
+                        </a:rPr>
+                        <a:t>Language</a:t>
+                      </a:r>
+                      <a:endParaRPr lang="ko-Kore-KR" altLang="en-US" sz="1600" dirty="0">
+                        <a:solidFill>
+                          <a:srgbClr val="595959"/>
+                        </a:solidFill>
+                      </a:endParaRPr>
+                    </a:p>
+                  </a:txBody>
+                  <a:tcPr anchor="ctr">
+                    <a:lnL w="12700" cap="flat" cmpd="sng" algn="ctr">
+                      <a:solidFill>
+                        <a:srgbClr val="C5C5C5"/>
+                      </a:solidFill>
+                      <a:prstDash val="solid"/>
+                      <a:round/>
+                      <a:headEnd type="none" w="med" len="med"/>
+                      <a:tailEnd type="none" w="med" len="med"/>
+                    </a:lnL>
+                    <a:lnR w="12700" cap="flat" cmpd="sng" algn="ctr">
+                      <a:solidFill>
+                        <a:srgbClr val="C5C5C5"/>
+                      </a:solidFill>
+                      <a:prstDash val="solid"/>
+                      <a:round/>
+                      <a:headEnd type="none" w="med" len="med"/>
+                      <a:tailEnd type="none" w="med" len="med"/>
+                    </a:lnR>
+                    <a:lnT w="12700" cap="flat" cmpd="sng" algn="ctr">
+                      <a:solidFill>
+                        <a:srgbClr val="C5C5C5"/>
+                      </a:solidFill>
+                      <a:prstDash val="solid"/>
+                      <a:round/>
+                      <a:headEnd type="none" w="med" len="med"/>
+                      <a:tailEnd type="none" w="med" len="med"/>
+                    </a:lnT>
+                    <a:lnB w="12700" cap="flat" cmpd="sng" algn="ctr">
+                      <a:solidFill>
+                        <a:srgbClr val="C5C5C5"/>
+                      </a:solidFill>
+                      <a:prstDash val="solid"/>
+                      <a:round/>
+                      <a:headEnd type="none" w="med" len="med"/>
+                      <a:tailEnd type="none" w="med" len="med"/>
+                    </a:lnB>
+                    <a:noFill/>
+                  </a:tcPr>
+                </a:tc>
+                <a:tc>
+                  <a:txBody>
+                    <a:bodyPr/>
+                    <a:lstStyle/>
+                    <a:p>
+                      <a:pPr algn="l"/>
+                      <a:r>
+                        <a:rPr lang="en-US" altLang="ko-Kore-KR" sz="1600" b="0" dirty="0">
+                          <a:solidFill>
+                            <a:srgbClr val="595959"/>
+                          </a:solidFill>
+                        </a:rPr>
+                        <a:t>Java(JDK-11), JSP, Python(3.9)</a:t>
+                      </a:r>
+                      <a:endParaRPr lang="ko-Kore-KR" altLang="en-US" sz="1600" b="0" dirty="0">
+                        <a:solidFill>
+                          <a:srgbClr val="595959"/>
+                        </a:solidFill>
+                      </a:endParaRPr>
+                    </a:p>
+                  </a:txBody>
+                  <a:tcPr anchor="ctr">
+                    <a:lnL w="12700" cap="flat" cmpd="sng" algn="ctr">
+                      <a:solidFill>
+                        <a:srgbClr val="C5C5C5"/>
+                      </a:solidFill>
+                      <a:prstDash val="solid"/>
+                      <a:round/>
+                      <a:headEnd type="none" w="med" len="med"/>
+                      <a:tailEnd type="none" w="med" len="med"/>
+                    </a:lnL>
+                    <a:lnR w="12700" cap="flat" cmpd="sng" algn="ctr">
+                      <a:solidFill>
+                        <a:srgbClr val="C5C5C5"/>
+                      </a:solidFill>
+                      <a:prstDash val="solid"/>
+                      <a:round/>
+                      <a:headEnd type="none" w="med" len="med"/>
+                      <a:tailEnd type="none" w="med" len="med"/>
+                    </a:lnR>
+                    <a:lnT w="12700" cap="flat" cmpd="sng" algn="ctr">
+                      <a:solidFill>
+                        <a:srgbClr val="C5C5C5"/>
+                      </a:solidFill>
+                      <a:prstDash val="solid"/>
+                      <a:round/>
+                      <a:headEnd type="none" w="med" len="med"/>
+                      <a:tailEnd type="none" w="med" len="med"/>
+                    </a:lnT>
+                    <a:lnB w="12700" cap="flat" cmpd="sng" algn="ctr">
+                      <a:solidFill>
+                        <a:srgbClr val="C5C5C5"/>
+                      </a:solidFill>
+                      <a:prstDash val="solid"/>
+                      <a:round/>
+                      <a:headEnd type="none" w="med" len="med"/>
+                      <a:tailEnd type="none" w="med" len="med"/>
+                    </a:lnB>
+                    <a:noFill/>
+                  </a:tcPr>
+                </a:tc>
+                <a:extLst>
+                  <a:ext uri="{0D108BD9-81ED-4DB2-BD59-A6C34878D82A}">
+                    <a16:rowId xmlns:a16="http://schemas.microsoft.com/office/drawing/2014/main" val="874734321"/>
+                  </a:ext>
+                </a:extLst>
+              </a:tr>
+              <a:tr h="370840">
+                <a:tc vMerge="1">
+                  <a:txBody>
+                    <a:bodyPr/>
+                    <a:lstStyle/>
+                    <a:p>
+                      <a:pPr algn="ctr"/>
+                      <a:endParaRPr lang="ko-Kore-KR" altLang="en-US" sz="1600" dirty="0">
+                        <a:solidFill>
+                          <a:srgbClr val="595959"/>
+                        </a:solidFill>
+                      </a:endParaRPr>
+                    </a:p>
+                  </a:txBody>
+                  <a:tcPr anchor="ctr">
+                    <a:lnL w="12700" cap="flat" cmpd="sng" algn="ctr">
+                      <a:solidFill>
+                        <a:srgbClr val="C5C5C5"/>
+                      </a:solidFill>
+                      <a:prstDash val="solid"/>
+                      <a:round/>
+                      <a:headEnd type="none" w="med" len="med"/>
+                      <a:tailEnd type="none" w="med" len="med"/>
+                    </a:lnL>
+                    <a:lnR w="12700" cap="flat" cmpd="sng" algn="ctr">
+                      <a:solidFill>
+                        <a:srgbClr val="C5C5C5"/>
+                      </a:solidFill>
+                      <a:prstDash val="solid"/>
+                      <a:round/>
+                      <a:headEnd type="none" w="med" len="med"/>
+                      <a:tailEnd type="none" w="med" len="med"/>
+                    </a:lnR>
+                    <a:lnT w="12700" cap="flat" cmpd="sng" algn="ctr">
+                      <a:solidFill>
+                        <a:srgbClr val="C5C5C5"/>
+                      </a:solidFill>
+                      <a:prstDash val="solid"/>
+                      <a:round/>
+                      <a:headEnd type="none" w="med" len="med"/>
+                      <a:tailEnd type="none" w="med" len="med"/>
+                    </a:lnT>
+                    <a:lnB w="12700" cap="flat" cmpd="sng" algn="ctr">
+                      <a:solidFill>
+                        <a:srgbClr val="C5C5C5"/>
+                      </a:solidFill>
+                      <a:prstDash val="solid"/>
+                      <a:round/>
+                      <a:headEnd type="none" w="med" len="med"/>
+                      <a:tailEnd type="none" w="med" len="med"/>
+                    </a:lnB>
+                    <a:noFill/>
+                  </a:tcPr>
+                </a:tc>
+                <a:tc>
+                  <a:txBody>
+                    <a:bodyPr/>
+                    <a:lstStyle/>
+                    <a:p>
+                      <a:pPr algn="ctr"/>
+                      <a:r>
+                        <a:rPr lang="en-US" altLang="ko-Kore-KR" sz="1600" dirty="0">
+                          <a:solidFill>
+                            <a:srgbClr val="595959"/>
+                          </a:solidFill>
+                        </a:rPr>
+                        <a:t>Framework</a:t>
+                      </a:r>
+                      <a:endParaRPr lang="ko-Kore-KR" altLang="en-US" sz="1600" dirty="0">
+                        <a:solidFill>
+                          <a:srgbClr val="595959"/>
+                        </a:solidFill>
+                      </a:endParaRPr>
+                    </a:p>
+                  </a:txBody>
+                  <a:tcPr anchor="ctr">
+                    <a:lnL w="12700" cap="flat" cmpd="sng" algn="ctr">
+                      <a:solidFill>
+                        <a:srgbClr val="C5C5C5"/>
+                      </a:solidFill>
+                      <a:prstDash val="solid"/>
+                      <a:round/>
+                      <a:headEnd type="none" w="med" len="med"/>
+                      <a:tailEnd type="none" w="med" len="med"/>
+                    </a:lnL>
+                    <a:lnR w="12700" cap="flat" cmpd="sng" algn="ctr">
+                      <a:solidFill>
+                        <a:srgbClr val="C5C5C5"/>
+                      </a:solidFill>
+                      <a:prstDash val="solid"/>
+                      <a:round/>
+                      <a:headEnd type="none" w="med" len="med"/>
+                      <a:tailEnd type="none" w="med" len="med"/>
+                    </a:lnR>
+                    <a:lnT w="12700" cap="flat" cmpd="sng" algn="ctr">
+                      <a:solidFill>
+                        <a:srgbClr val="C5C5C5"/>
+                      </a:solidFill>
+                      <a:prstDash val="solid"/>
+                      <a:round/>
+                      <a:headEnd type="none" w="med" len="med"/>
+                      <a:tailEnd type="none" w="med" len="med"/>
+                    </a:lnT>
+                    <a:lnB w="12700" cap="flat" cmpd="sng" algn="ctr">
+                      <a:solidFill>
+                        <a:srgbClr val="C5C5C5"/>
+                      </a:solidFill>
+                      <a:prstDash val="solid"/>
+                      <a:round/>
+                      <a:headEnd type="none" w="med" len="med"/>
+                      <a:tailEnd type="none" w="med" len="med"/>
+                    </a:lnB>
+                    <a:noFill/>
+                  </a:tcPr>
+                </a:tc>
+                <a:tc>
+                  <a:txBody>
+                    <a:bodyPr/>
+                    <a:lstStyle/>
+                    <a:p>
+                      <a:pPr marL="0" marR="0" lvl="0" indent="0" algn="l" defTabSz="914400" rtl="0" eaLnBrk="1" fontAlgn="auto" latinLnBrk="1" hangingPunct="1">
+                        <a:lnSpc>
+                          <a:spcPct val="100000"/>
+                        </a:lnSpc>
+                        <a:spcBef>
+                          <a:spcPts val="0"/>
+                        </a:spcBef>
+                        <a:spcAft>
+                          <a:spcPts val="0"/>
+                        </a:spcAft>
+                        <a:buClrTx/>
+                        <a:buSzTx/>
+                        <a:buFontTx/>
+                        <a:buNone/>
+                        <a:tabLst/>
+                        <a:defRPr/>
+                      </a:pPr>
+                      <a:r>
+                        <a:rPr lang="en-US" altLang="ko-Kore-KR" sz="1600" b="0" dirty="0">
+                          <a:solidFill>
+                            <a:srgbClr val="595959"/>
+                          </a:solidFill>
+                        </a:rPr>
+                        <a:t>Spring boot</a:t>
+                      </a:r>
+                      <a:r>
+                        <a:rPr lang="en-US" altLang="ko-KR" sz="1600" b="0" dirty="0">
+                          <a:solidFill>
+                            <a:srgbClr val="595959"/>
+                          </a:solidFill>
+                        </a:rPr>
+                        <a:t>(2.7.14),</a:t>
+                      </a:r>
+                      <a:r>
+                        <a:rPr lang="ko-KR" altLang="en-US" sz="1600" b="0" dirty="0">
+                          <a:solidFill>
+                            <a:srgbClr val="595959"/>
+                          </a:solidFill>
+                        </a:rPr>
+                        <a:t> </a:t>
+                      </a:r>
+                      <a:r>
+                        <a:rPr lang="en-US" altLang="ko-KR" sz="1600" b="0" dirty="0" err="1">
+                          <a:solidFill>
+                            <a:srgbClr val="595959"/>
+                          </a:solidFill>
+                        </a:rPr>
+                        <a:t>Mybatis</a:t>
+                      </a:r>
+                      <a:r>
+                        <a:rPr lang="en-US" altLang="ko-KR" sz="1600" b="0" dirty="0">
+                          <a:solidFill>
+                            <a:srgbClr val="595959"/>
+                          </a:solidFill>
+                        </a:rPr>
+                        <a:t>, Flask</a:t>
+                      </a:r>
+                      <a:endParaRPr lang="ko-Kore-KR" altLang="en-US" sz="1800" kern="1200" dirty="0">
+                        <a:solidFill>
+                          <a:schemeClr val="dk1"/>
+                        </a:solidFill>
+                        <a:effectLst/>
+                        <a:latin typeface="+mn-lt"/>
+                        <a:ea typeface="+mn-ea"/>
+                        <a:cs typeface="+mn-cs"/>
+                      </a:endParaRPr>
+                    </a:p>
+                  </a:txBody>
+                  <a:tcPr anchor="ctr">
+                    <a:lnL w="12700" cap="flat" cmpd="sng" algn="ctr">
+                      <a:solidFill>
+                        <a:srgbClr val="C5C5C5"/>
+                      </a:solidFill>
+                      <a:prstDash val="solid"/>
+                      <a:round/>
+                      <a:headEnd type="none" w="med" len="med"/>
+                      <a:tailEnd type="none" w="med" len="med"/>
+                    </a:lnL>
+                    <a:lnR w="12700" cap="flat" cmpd="sng" algn="ctr">
+                      <a:solidFill>
+                        <a:srgbClr val="C5C5C5"/>
+                      </a:solidFill>
+                      <a:prstDash val="solid"/>
+                      <a:round/>
+                      <a:headEnd type="none" w="med" len="med"/>
+                      <a:tailEnd type="none" w="med" len="med"/>
+                    </a:lnR>
+                    <a:lnT w="12700" cap="flat" cmpd="sng" algn="ctr">
+                      <a:solidFill>
+                        <a:srgbClr val="C5C5C5"/>
+                      </a:solidFill>
+                      <a:prstDash val="solid"/>
+                      <a:round/>
+                      <a:headEnd type="none" w="med" len="med"/>
+                      <a:tailEnd type="none" w="med" len="med"/>
+                    </a:lnT>
+                    <a:lnB w="12700" cap="flat" cmpd="sng" algn="ctr">
+                      <a:solidFill>
+                        <a:srgbClr val="C5C5C5"/>
+                      </a:solidFill>
+                      <a:prstDash val="solid"/>
+                      <a:round/>
+                      <a:headEnd type="none" w="med" len="med"/>
+                      <a:tailEnd type="none" w="med" len="med"/>
+                    </a:lnB>
+                    <a:noFill/>
+                  </a:tcPr>
+                </a:tc>
+                <a:extLst>
+                  <a:ext uri="{0D108BD9-81ED-4DB2-BD59-A6C34878D82A}">
+                    <a16:rowId xmlns:a16="http://schemas.microsoft.com/office/drawing/2014/main" val="534194472"/>
+                  </a:ext>
+                </a:extLst>
+              </a:tr>
+              <a:tr h="370840">
+                <a:tc vMerge="1">
+                  <a:txBody>
+                    <a:bodyPr/>
+                    <a:lstStyle/>
+                    <a:p>
+                      <a:pPr algn="ctr"/>
+                      <a:endParaRPr lang="ko-Kore-KR" altLang="en-US" sz="1600" dirty="0">
+                        <a:solidFill>
+                          <a:srgbClr val="595959"/>
+                        </a:solidFill>
+                      </a:endParaRPr>
+                    </a:p>
+                  </a:txBody>
+                  <a:tcPr anchor="ctr">
+                    <a:lnL w="12700" cap="flat" cmpd="sng" algn="ctr">
+                      <a:solidFill>
+                        <a:srgbClr val="C5C5C5"/>
+                      </a:solidFill>
+                      <a:prstDash val="solid"/>
+                      <a:round/>
+                      <a:headEnd type="none" w="med" len="med"/>
+                      <a:tailEnd type="none" w="med" len="med"/>
+                    </a:lnL>
+                    <a:lnR w="12700" cap="flat" cmpd="sng" algn="ctr">
+                      <a:solidFill>
+                        <a:srgbClr val="C5C5C5"/>
+                      </a:solidFill>
+                      <a:prstDash val="solid"/>
+                      <a:round/>
+                      <a:headEnd type="none" w="med" len="med"/>
+                      <a:tailEnd type="none" w="med" len="med"/>
+                    </a:lnR>
+                    <a:lnT w="12700" cap="flat" cmpd="sng" algn="ctr">
+                      <a:solidFill>
+                        <a:srgbClr val="C5C5C5"/>
+                      </a:solidFill>
+                      <a:prstDash val="solid"/>
+                      <a:round/>
+                      <a:headEnd type="none" w="med" len="med"/>
+                      <a:tailEnd type="none" w="med" len="med"/>
+                    </a:lnT>
+                    <a:lnB w="12700" cap="flat" cmpd="sng" algn="ctr">
+                      <a:solidFill>
+                        <a:srgbClr val="C5C5C5"/>
+                      </a:solidFill>
+                      <a:prstDash val="solid"/>
+                      <a:round/>
+                      <a:headEnd type="none" w="med" len="med"/>
+                      <a:tailEnd type="none" w="med" len="med"/>
+                    </a:lnB>
+                    <a:noFill/>
+                  </a:tcPr>
+                </a:tc>
+                <a:tc>
+                  <a:txBody>
+                    <a:bodyPr/>
+                    <a:lstStyle/>
+                    <a:p>
+                      <a:pPr algn="ctr"/>
+                      <a:r>
+                        <a:rPr lang="en-US" altLang="ko-Kore-KR" sz="1600" dirty="0">
+                          <a:solidFill>
+                            <a:srgbClr val="595959"/>
+                          </a:solidFill>
+                        </a:rPr>
+                        <a:t>Library</a:t>
+                      </a:r>
+                      <a:endParaRPr lang="ko-Kore-KR" altLang="en-US" sz="1600" dirty="0">
+                        <a:solidFill>
+                          <a:srgbClr val="595959"/>
+                        </a:solidFill>
+                      </a:endParaRPr>
+                    </a:p>
+                  </a:txBody>
+                  <a:tcPr anchor="ctr">
+                    <a:lnL w="12700" cap="flat" cmpd="sng" algn="ctr">
+                      <a:solidFill>
+                        <a:srgbClr val="C5C5C5"/>
+                      </a:solidFill>
+                      <a:prstDash val="solid"/>
+                      <a:round/>
+                      <a:headEnd type="none" w="med" len="med"/>
+                      <a:tailEnd type="none" w="med" len="med"/>
+                    </a:lnL>
+                    <a:lnR w="12700" cap="flat" cmpd="sng" algn="ctr">
+                      <a:solidFill>
+                        <a:srgbClr val="C5C5C5"/>
+                      </a:solidFill>
+                      <a:prstDash val="solid"/>
+                      <a:round/>
+                      <a:headEnd type="none" w="med" len="med"/>
+                      <a:tailEnd type="none" w="med" len="med"/>
+                    </a:lnR>
+                    <a:lnT w="12700" cap="flat" cmpd="sng" algn="ctr">
+                      <a:solidFill>
+                        <a:srgbClr val="C5C5C5"/>
+                      </a:solidFill>
+                      <a:prstDash val="solid"/>
+                      <a:round/>
+                      <a:headEnd type="none" w="med" len="med"/>
+                      <a:tailEnd type="none" w="med" len="med"/>
+                    </a:lnT>
+                    <a:lnB w="12700" cap="flat" cmpd="sng" algn="ctr">
+                      <a:solidFill>
+                        <a:srgbClr val="C5C5C5"/>
+                      </a:solidFill>
+                      <a:prstDash val="solid"/>
+                      <a:round/>
+                      <a:headEnd type="none" w="med" len="med"/>
+                      <a:tailEnd type="none" w="med" len="med"/>
+                    </a:lnB>
+                    <a:noFill/>
+                  </a:tcPr>
+                </a:tc>
+                <a:tc>
+                  <a:txBody>
+                    <a:bodyPr/>
+                    <a:lstStyle/>
+                    <a:p>
+                      <a:pPr marL="0" marR="0" lvl="0" indent="0" algn="l" defTabSz="914400" rtl="0" eaLnBrk="1" fontAlgn="auto" latinLnBrk="1" hangingPunct="1">
+                        <a:lnSpc>
+                          <a:spcPct val="100000"/>
+                        </a:lnSpc>
+                        <a:spcBef>
+                          <a:spcPts val="0"/>
+                        </a:spcBef>
+                        <a:spcAft>
+                          <a:spcPts val="0"/>
+                        </a:spcAft>
+                        <a:buClrTx/>
+                        <a:buSzTx/>
+                        <a:buFontTx/>
+                        <a:buNone/>
+                        <a:tabLst/>
+                        <a:defRPr/>
+                      </a:pPr>
+                      <a:r>
+                        <a:rPr lang="en-US" altLang="ko-KR" sz="1600" b="0" dirty="0">
+                          <a:solidFill>
+                            <a:srgbClr val="595959"/>
+                          </a:solidFill>
+                        </a:rPr>
+                        <a:t>JSTL, Selenium</a:t>
+                      </a:r>
+                      <a:endParaRPr lang="ko-KR" altLang="en-US" sz="1600" b="0" dirty="0">
+                        <a:solidFill>
+                          <a:srgbClr val="595959"/>
+                        </a:solidFill>
+                      </a:endParaRPr>
+                    </a:p>
+                  </a:txBody>
+                  <a:tcPr anchor="ctr">
+                    <a:lnL w="12700" cap="flat" cmpd="sng" algn="ctr">
+                      <a:solidFill>
+                        <a:srgbClr val="C5C5C5"/>
+                      </a:solidFill>
+                      <a:prstDash val="solid"/>
+                      <a:round/>
+                      <a:headEnd type="none" w="med" len="med"/>
+                      <a:tailEnd type="none" w="med" len="med"/>
+                    </a:lnL>
+                    <a:lnR w="12700" cap="flat" cmpd="sng" algn="ctr">
+                      <a:solidFill>
+                        <a:srgbClr val="C5C5C5"/>
+                      </a:solidFill>
+                      <a:prstDash val="solid"/>
+                      <a:round/>
+                      <a:headEnd type="none" w="med" len="med"/>
+                      <a:tailEnd type="none" w="med" len="med"/>
+                    </a:lnR>
+                    <a:lnT w="12700" cap="flat" cmpd="sng" algn="ctr">
+                      <a:solidFill>
+                        <a:srgbClr val="C5C5C5"/>
+                      </a:solidFill>
+                      <a:prstDash val="solid"/>
+                      <a:round/>
+                      <a:headEnd type="none" w="med" len="med"/>
+                      <a:tailEnd type="none" w="med" len="med"/>
+                    </a:lnT>
+                    <a:lnB w="12700" cap="flat" cmpd="sng" algn="ctr">
+                      <a:solidFill>
+                        <a:srgbClr val="C5C5C5"/>
+                      </a:solidFill>
+                      <a:prstDash val="solid"/>
+                      <a:round/>
+                      <a:headEnd type="none" w="med" len="med"/>
+                      <a:tailEnd type="none" w="med" len="med"/>
+                    </a:lnB>
+                    <a:noFill/>
+                  </a:tcPr>
+                </a:tc>
+                <a:extLst>
+                  <a:ext uri="{0D108BD9-81ED-4DB2-BD59-A6C34878D82A}">
+                    <a16:rowId xmlns:a16="http://schemas.microsoft.com/office/drawing/2014/main" val="1052451115"/>
+                  </a:ext>
+                </a:extLst>
+              </a:tr>
+              <a:tr h="370840">
+                <a:tc vMerge="1">
+                  <a:txBody>
+                    <a:bodyPr/>
+                    <a:lstStyle/>
+                    <a:p>
+                      <a:pPr algn="ctr"/>
+                      <a:endParaRPr lang="ko-Kore-KR" altLang="en-US" sz="1600" dirty="0">
+                        <a:solidFill>
+                          <a:srgbClr val="595959"/>
+                        </a:solidFill>
+                      </a:endParaRPr>
+                    </a:p>
+                  </a:txBody>
+                  <a:tcPr anchor="ctr">
+                    <a:lnL w="12700" cap="flat" cmpd="sng" algn="ctr">
+                      <a:solidFill>
+                        <a:srgbClr val="C5C5C5"/>
+                      </a:solidFill>
+                      <a:prstDash val="solid"/>
+                      <a:round/>
+                      <a:headEnd type="none" w="med" len="med"/>
+                      <a:tailEnd type="none" w="med" len="med"/>
+                    </a:lnL>
+                    <a:lnR w="12700" cap="flat" cmpd="sng" algn="ctr">
+                      <a:solidFill>
+                        <a:srgbClr val="C5C5C5"/>
+                      </a:solidFill>
+                      <a:prstDash val="solid"/>
+                      <a:round/>
+                      <a:headEnd type="none" w="med" len="med"/>
+                      <a:tailEnd type="none" w="med" len="med"/>
+                    </a:lnR>
+                    <a:lnT w="12700" cap="flat" cmpd="sng" algn="ctr">
+                      <a:solidFill>
+                        <a:srgbClr val="C5C5C5"/>
+                      </a:solidFill>
+                      <a:prstDash val="solid"/>
+                      <a:round/>
+                      <a:headEnd type="none" w="med" len="med"/>
+                      <a:tailEnd type="none" w="med" len="med"/>
+                    </a:lnT>
+                    <a:lnB w="12700" cap="flat" cmpd="sng" algn="ctr">
+                      <a:solidFill>
+                        <a:srgbClr val="C5C5C5"/>
+                      </a:solidFill>
+                      <a:prstDash val="solid"/>
+                      <a:round/>
+                      <a:headEnd type="none" w="med" len="med"/>
+                      <a:tailEnd type="none" w="med" len="med"/>
+                    </a:lnB>
+                    <a:noFill/>
+                  </a:tcPr>
+                </a:tc>
+                <a:tc>
+                  <a:txBody>
+                    <a:bodyPr/>
+                    <a:lstStyle/>
+                    <a:p>
+                      <a:pPr algn="ctr"/>
+                      <a:r>
+                        <a:rPr lang="en-US" altLang="ko-Kore-KR" sz="1600" dirty="0">
+                          <a:solidFill>
+                            <a:srgbClr val="595959"/>
+                          </a:solidFill>
+                        </a:rPr>
+                        <a:t>Tools</a:t>
+                      </a:r>
+                      <a:endParaRPr lang="ko-Kore-KR" altLang="en-US" sz="1600" dirty="0">
+                        <a:solidFill>
+                          <a:srgbClr val="595959"/>
+                        </a:solidFill>
+                      </a:endParaRPr>
+                    </a:p>
+                  </a:txBody>
+                  <a:tcPr anchor="ctr">
+                    <a:lnL w="12700" cap="flat" cmpd="sng" algn="ctr">
+                      <a:solidFill>
+                        <a:srgbClr val="C5C5C5"/>
+                      </a:solidFill>
+                      <a:prstDash val="solid"/>
+                      <a:round/>
+                      <a:headEnd type="none" w="med" len="med"/>
+                      <a:tailEnd type="none" w="med" len="med"/>
+                    </a:lnL>
+                    <a:lnR w="12700" cap="flat" cmpd="sng" algn="ctr">
+                      <a:solidFill>
+                        <a:srgbClr val="C5C5C5"/>
+                      </a:solidFill>
+                      <a:prstDash val="solid"/>
+                      <a:round/>
+                      <a:headEnd type="none" w="med" len="med"/>
+                      <a:tailEnd type="none" w="med" len="med"/>
+                    </a:lnR>
+                    <a:lnT w="12700" cap="flat" cmpd="sng" algn="ctr">
+                      <a:solidFill>
+                        <a:srgbClr val="C5C5C5"/>
+                      </a:solidFill>
+                      <a:prstDash val="solid"/>
+                      <a:round/>
+                      <a:headEnd type="none" w="med" len="med"/>
+                      <a:tailEnd type="none" w="med" len="med"/>
+                    </a:lnT>
+                    <a:lnB w="12700" cap="flat" cmpd="sng" algn="ctr">
+                      <a:solidFill>
+                        <a:srgbClr val="C5C5C5"/>
+                      </a:solidFill>
+                      <a:prstDash val="solid"/>
+                      <a:round/>
+                      <a:headEnd type="none" w="med" len="med"/>
+                      <a:tailEnd type="none" w="med" len="med"/>
+                    </a:lnB>
+                    <a:noFill/>
+                  </a:tcPr>
+                </a:tc>
+                <a:tc>
+                  <a:txBody>
+                    <a:bodyPr/>
+                    <a:lstStyle/>
+                    <a:p>
+                      <a:pPr algn="l"/>
+                      <a:r>
+                        <a:rPr lang="en-US" altLang="ko-Kore-KR" sz="1600" dirty="0">
+                          <a:solidFill>
+                            <a:srgbClr val="595959"/>
+                          </a:solidFill>
+                        </a:rPr>
+                        <a:t>IntelliJ, </a:t>
+                      </a:r>
+                      <a:r>
+                        <a:rPr lang="en-US" altLang="ko-Kore-KR" sz="1600" dirty="0" err="1">
+                          <a:solidFill>
+                            <a:srgbClr val="595959"/>
+                          </a:solidFill>
+                        </a:rPr>
+                        <a:t>Pycharm</a:t>
+                      </a:r>
+                      <a:r>
+                        <a:rPr lang="en-US" altLang="ko-Kore-KR" sz="1600" dirty="0">
+                          <a:solidFill>
+                            <a:srgbClr val="595959"/>
+                          </a:solidFill>
+                        </a:rPr>
+                        <a:t>, SQL developer</a:t>
+                      </a:r>
+                      <a:endParaRPr lang="ko-Kore-KR" altLang="en-US" sz="1600" dirty="0">
+                        <a:solidFill>
+                          <a:srgbClr val="595959"/>
+                        </a:solidFill>
+                      </a:endParaRPr>
+                    </a:p>
+                  </a:txBody>
+                  <a:tcPr anchor="ctr">
+                    <a:lnL w="12700" cap="flat" cmpd="sng" algn="ctr">
+                      <a:solidFill>
+                        <a:srgbClr val="C5C5C5"/>
+                      </a:solidFill>
+                      <a:prstDash val="solid"/>
+                      <a:round/>
+                      <a:headEnd type="none" w="med" len="med"/>
+                      <a:tailEnd type="none" w="med" len="med"/>
+                    </a:lnL>
+                    <a:lnR w="12700" cap="flat" cmpd="sng" algn="ctr">
+                      <a:solidFill>
+                        <a:srgbClr val="C5C5C5"/>
+                      </a:solidFill>
+                      <a:prstDash val="solid"/>
+                      <a:round/>
+                      <a:headEnd type="none" w="med" len="med"/>
+                      <a:tailEnd type="none" w="med" len="med"/>
+                    </a:lnR>
+                    <a:lnT w="12700" cap="flat" cmpd="sng" algn="ctr">
+                      <a:solidFill>
+                        <a:srgbClr val="C5C5C5"/>
+                      </a:solidFill>
+                      <a:prstDash val="solid"/>
+                      <a:round/>
+                      <a:headEnd type="none" w="med" len="med"/>
+                      <a:tailEnd type="none" w="med" len="med"/>
+                    </a:lnT>
+                    <a:lnB w="12700" cap="flat" cmpd="sng" algn="ctr">
+                      <a:solidFill>
+                        <a:srgbClr val="C5C5C5"/>
+                      </a:solidFill>
+                      <a:prstDash val="solid"/>
+                      <a:round/>
+                      <a:headEnd type="none" w="med" len="med"/>
+                      <a:tailEnd type="none" w="med" len="med"/>
+                    </a:lnB>
+                    <a:noFill/>
+                  </a:tcPr>
+                </a:tc>
+                <a:extLst>
+                  <a:ext uri="{0D108BD9-81ED-4DB2-BD59-A6C34878D82A}">
+                    <a16:rowId xmlns:a16="http://schemas.microsoft.com/office/drawing/2014/main" val="1797149604"/>
+                  </a:ext>
+                </a:extLst>
+              </a:tr>
+              <a:tr h="370840">
+                <a:tc rowSpan="2">
+                  <a:txBody>
+                    <a:bodyPr/>
+                    <a:lstStyle/>
+                    <a:p>
+                      <a:pPr algn="ctr"/>
+                      <a:r>
+                        <a:rPr lang="en-US" altLang="ko-Kore-KR" sz="1600" dirty="0">
+                          <a:solidFill>
+                            <a:srgbClr val="595959"/>
+                          </a:solidFill>
+                        </a:rPr>
+                        <a:t>Android-App</a:t>
+                      </a:r>
+                      <a:endParaRPr lang="ko-Kore-KR" altLang="en-US" sz="1600" dirty="0">
+                        <a:solidFill>
+                          <a:srgbClr val="595959"/>
+                        </a:solidFill>
+                      </a:endParaRPr>
+                    </a:p>
+                  </a:txBody>
+                  <a:tcPr anchor="ctr">
+                    <a:lnL w="12700" cap="flat" cmpd="sng" algn="ctr">
+                      <a:solidFill>
+                        <a:srgbClr val="C5C5C5"/>
+                      </a:solidFill>
+                      <a:prstDash val="solid"/>
+                      <a:round/>
+                      <a:headEnd type="none" w="med" len="med"/>
+                      <a:tailEnd type="none" w="med" len="med"/>
+                    </a:lnL>
+                    <a:lnR w="12700" cap="flat" cmpd="sng" algn="ctr">
+                      <a:solidFill>
+                        <a:srgbClr val="C5C5C5"/>
+                      </a:solidFill>
+                      <a:prstDash val="solid"/>
+                      <a:round/>
+                      <a:headEnd type="none" w="med" len="med"/>
+                      <a:tailEnd type="none" w="med" len="med"/>
+                    </a:lnR>
+                    <a:lnT w="12700" cap="flat" cmpd="sng" algn="ctr">
+                      <a:solidFill>
+                        <a:srgbClr val="C5C5C5"/>
+                      </a:solidFill>
+                      <a:prstDash val="solid"/>
+                      <a:round/>
+                      <a:headEnd type="none" w="med" len="med"/>
+                      <a:tailEnd type="none" w="med" len="med"/>
+                    </a:lnT>
+                    <a:lnB w="12700" cap="flat" cmpd="sng" algn="ctr">
+                      <a:solidFill>
+                        <a:srgbClr val="C5C5C5"/>
+                      </a:solidFill>
+                      <a:prstDash val="solid"/>
+                      <a:round/>
+                      <a:headEnd type="none" w="med" len="med"/>
+                      <a:tailEnd type="none" w="med" len="med"/>
+                    </a:lnB>
+                    <a:noFill/>
+                  </a:tcPr>
+                </a:tc>
+                <a:tc>
+                  <a:txBody>
+                    <a:bodyPr/>
+                    <a:lstStyle/>
+                    <a:p>
+                      <a:pPr algn="ctr"/>
+                      <a:r>
+                        <a:rPr lang="en-US" altLang="ko-Kore-KR" sz="1600" dirty="0">
+                          <a:solidFill>
+                            <a:srgbClr val="595959"/>
+                          </a:solidFill>
+                        </a:rPr>
+                        <a:t>Language</a:t>
+                      </a:r>
+                      <a:endParaRPr lang="ko-Kore-KR" altLang="en-US" sz="1600" dirty="0">
+                        <a:solidFill>
+                          <a:srgbClr val="595959"/>
+                        </a:solidFill>
+                      </a:endParaRPr>
+                    </a:p>
+                  </a:txBody>
+                  <a:tcPr anchor="ctr">
+                    <a:lnL w="12700" cap="flat" cmpd="sng" algn="ctr">
+                      <a:solidFill>
+                        <a:srgbClr val="C5C5C5"/>
+                      </a:solidFill>
+                      <a:prstDash val="solid"/>
+                      <a:round/>
+                      <a:headEnd type="none" w="med" len="med"/>
+                      <a:tailEnd type="none" w="med" len="med"/>
+                    </a:lnL>
+                    <a:lnR w="12700" cap="flat" cmpd="sng" algn="ctr">
+                      <a:solidFill>
+                        <a:srgbClr val="C5C5C5"/>
+                      </a:solidFill>
+                      <a:prstDash val="solid"/>
+                      <a:round/>
+                      <a:headEnd type="none" w="med" len="med"/>
+                      <a:tailEnd type="none" w="med" len="med"/>
+                    </a:lnR>
+                    <a:lnT w="12700" cap="flat" cmpd="sng" algn="ctr">
+                      <a:solidFill>
+                        <a:srgbClr val="C5C5C5"/>
+                      </a:solidFill>
+                      <a:prstDash val="solid"/>
+                      <a:round/>
+                      <a:headEnd type="none" w="med" len="med"/>
+                      <a:tailEnd type="none" w="med" len="med"/>
+                    </a:lnT>
+                    <a:lnB w="12700" cap="flat" cmpd="sng" algn="ctr">
+                      <a:solidFill>
+                        <a:srgbClr val="C5C5C5"/>
+                      </a:solidFill>
+                      <a:prstDash val="solid"/>
+                      <a:round/>
+                      <a:headEnd type="none" w="med" len="med"/>
+                      <a:tailEnd type="none" w="med" len="med"/>
+                    </a:lnB>
+                    <a:noFill/>
+                  </a:tcPr>
+                </a:tc>
+                <a:tc>
+                  <a:txBody>
+                    <a:bodyPr/>
+                    <a:lstStyle/>
+                    <a:p>
+                      <a:pPr algn="l"/>
+                      <a:r>
+                        <a:rPr lang="en-US" altLang="ko-Kore-KR" sz="1600" dirty="0">
+                          <a:solidFill>
+                            <a:srgbClr val="595959"/>
+                          </a:solidFill>
+                        </a:rPr>
+                        <a:t>Kotlin</a:t>
+                      </a:r>
+                      <a:endParaRPr lang="ko-Kore-KR" altLang="en-US" sz="1600" dirty="0">
+                        <a:solidFill>
+                          <a:srgbClr val="595959"/>
+                        </a:solidFill>
+                      </a:endParaRPr>
+                    </a:p>
+                  </a:txBody>
+                  <a:tcPr anchor="ctr">
+                    <a:lnL w="12700" cap="flat" cmpd="sng" algn="ctr">
+                      <a:solidFill>
+                        <a:srgbClr val="C5C5C5"/>
+                      </a:solidFill>
+                      <a:prstDash val="solid"/>
+                      <a:round/>
+                      <a:headEnd type="none" w="med" len="med"/>
+                      <a:tailEnd type="none" w="med" len="med"/>
+                    </a:lnL>
+                    <a:lnR w="12700" cap="flat" cmpd="sng" algn="ctr">
+                      <a:solidFill>
+                        <a:srgbClr val="C5C5C5"/>
+                      </a:solidFill>
+                      <a:prstDash val="solid"/>
+                      <a:round/>
+                      <a:headEnd type="none" w="med" len="med"/>
+                      <a:tailEnd type="none" w="med" len="med"/>
+                    </a:lnR>
+                    <a:lnT w="12700" cap="flat" cmpd="sng" algn="ctr">
+                      <a:solidFill>
+                        <a:srgbClr val="C5C5C5"/>
+                      </a:solidFill>
+                      <a:prstDash val="solid"/>
+                      <a:round/>
+                      <a:headEnd type="none" w="med" len="med"/>
+                      <a:tailEnd type="none" w="med" len="med"/>
+                    </a:lnT>
+                    <a:lnB w="12700" cap="flat" cmpd="sng" algn="ctr">
+                      <a:solidFill>
+                        <a:srgbClr val="C5C5C5"/>
+                      </a:solidFill>
+                      <a:prstDash val="solid"/>
+                      <a:round/>
+                      <a:headEnd type="none" w="med" len="med"/>
+                      <a:tailEnd type="none" w="med" len="med"/>
+                    </a:lnB>
+                    <a:noFill/>
+                  </a:tcPr>
+                </a:tc>
+                <a:extLst>
+                  <a:ext uri="{0D108BD9-81ED-4DB2-BD59-A6C34878D82A}">
+                    <a16:rowId xmlns:a16="http://schemas.microsoft.com/office/drawing/2014/main" val="4087639680"/>
+                  </a:ext>
+                </a:extLst>
+              </a:tr>
+              <a:tr h="370840">
+                <a:tc vMerge="1">
+                  <a:txBody>
+                    <a:bodyPr/>
+                    <a:lstStyle/>
+                    <a:p>
+                      <a:pPr algn="ctr"/>
+                      <a:endParaRPr lang="ko-Kore-KR" altLang="en-US" sz="1600" dirty="0">
+                        <a:solidFill>
+                          <a:srgbClr val="595959"/>
+                        </a:solidFill>
+                      </a:endParaRPr>
+                    </a:p>
+                  </a:txBody>
+                  <a:tcPr anchor="ctr">
+                    <a:lnL w="12700" cap="flat" cmpd="sng" algn="ctr">
+                      <a:solidFill>
+                        <a:srgbClr val="C5C5C5"/>
+                      </a:solidFill>
+                      <a:prstDash val="solid"/>
+                      <a:round/>
+                      <a:headEnd type="none" w="med" len="med"/>
+                      <a:tailEnd type="none" w="med" len="med"/>
+                    </a:lnL>
+                    <a:lnR w="12700" cap="flat" cmpd="sng" algn="ctr">
+                      <a:solidFill>
+                        <a:srgbClr val="C5C5C5"/>
+                      </a:solidFill>
+                      <a:prstDash val="solid"/>
+                      <a:round/>
+                      <a:headEnd type="none" w="med" len="med"/>
+                      <a:tailEnd type="none" w="med" len="med"/>
+                    </a:lnR>
+                    <a:lnT w="12700" cap="flat" cmpd="sng" algn="ctr">
+                      <a:solidFill>
+                        <a:srgbClr val="C5C5C5"/>
+                      </a:solidFill>
+                      <a:prstDash val="solid"/>
+                      <a:round/>
+                      <a:headEnd type="none" w="med" len="med"/>
+                      <a:tailEnd type="none" w="med" len="med"/>
+                    </a:lnT>
+                    <a:lnB w="12700" cap="flat" cmpd="sng" algn="ctr">
+                      <a:solidFill>
+                        <a:srgbClr val="C5C5C5"/>
+                      </a:solidFill>
+                      <a:prstDash val="solid"/>
+                      <a:round/>
+                      <a:headEnd type="none" w="med" len="med"/>
+                      <a:tailEnd type="none" w="med" len="med"/>
+                    </a:lnB>
+                    <a:noFill/>
+                  </a:tcPr>
+                </a:tc>
+                <a:tc>
+                  <a:txBody>
+                    <a:bodyPr/>
+                    <a:lstStyle/>
+                    <a:p>
+                      <a:pPr algn="ctr"/>
+                      <a:r>
+                        <a:rPr lang="en-US" altLang="ko-Kore-KR" sz="1600" dirty="0">
+                          <a:solidFill>
+                            <a:srgbClr val="595959"/>
+                          </a:solidFill>
+                        </a:rPr>
+                        <a:t>Tools</a:t>
+                      </a:r>
+                      <a:endParaRPr lang="ko-Kore-KR" altLang="en-US" sz="1600" dirty="0">
+                        <a:solidFill>
+                          <a:srgbClr val="595959"/>
+                        </a:solidFill>
+                      </a:endParaRPr>
+                    </a:p>
+                  </a:txBody>
+                  <a:tcPr anchor="ctr">
+                    <a:lnL w="12700" cap="flat" cmpd="sng" algn="ctr">
+                      <a:solidFill>
+                        <a:srgbClr val="C5C5C5"/>
+                      </a:solidFill>
+                      <a:prstDash val="solid"/>
+                      <a:round/>
+                      <a:headEnd type="none" w="med" len="med"/>
+                      <a:tailEnd type="none" w="med" len="med"/>
+                    </a:lnL>
+                    <a:lnR w="12700" cap="flat" cmpd="sng" algn="ctr">
+                      <a:solidFill>
+                        <a:srgbClr val="C5C5C5"/>
+                      </a:solidFill>
+                      <a:prstDash val="solid"/>
+                      <a:round/>
+                      <a:headEnd type="none" w="med" len="med"/>
+                      <a:tailEnd type="none" w="med" len="med"/>
+                    </a:lnR>
+                    <a:lnT w="12700" cap="flat" cmpd="sng" algn="ctr">
+                      <a:solidFill>
+                        <a:srgbClr val="C5C5C5"/>
+                      </a:solidFill>
+                      <a:prstDash val="solid"/>
+                      <a:round/>
+                      <a:headEnd type="none" w="med" len="med"/>
+                      <a:tailEnd type="none" w="med" len="med"/>
+                    </a:lnT>
+                    <a:lnB w="12700" cap="flat" cmpd="sng" algn="ctr">
+                      <a:solidFill>
+                        <a:srgbClr val="C5C5C5"/>
+                      </a:solidFill>
+                      <a:prstDash val="solid"/>
+                      <a:round/>
+                      <a:headEnd type="none" w="med" len="med"/>
+                      <a:tailEnd type="none" w="med" len="med"/>
+                    </a:lnB>
+                    <a:noFill/>
+                  </a:tcPr>
+                </a:tc>
+                <a:tc>
+                  <a:txBody>
+                    <a:bodyPr/>
+                    <a:lstStyle/>
+                    <a:p>
+                      <a:pPr algn="l"/>
+                      <a:r>
+                        <a:rPr lang="en-US" altLang="ko-Kore-KR" sz="1600" dirty="0">
+                          <a:solidFill>
+                            <a:srgbClr val="595959"/>
+                          </a:solidFill>
+                        </a:rPr>
+                        <a:t>Android Studio, Firebase</a:t>
+                      </a:r>
+                      <a:endParaRPr lang="ko-Kore-KR" altLang="en-US" sz="1600" dirty="0">
+                        <a:solidFill>
+                          <a:srgbClr val="595959"/>
+                        </a:solidFill>
+                      </a:endParaRPr>
+                    </a:p>
+                  </a:txBody>
+                  <a:tcPr anchor="ctr">
+                    <a:lnL w="12700" cap="flat" cmpd="sng" algn="ctr">
+                      <a:solidFill>
+                        <a:srgbClr val="C5C5C5"/>
+                      </a:solidFill>
+                      <a:prstDash val="solid"/>
+                      <a:round/>
+                      <a:headEnd type="none" w="med" len="med"/>
+                      <a:tailEnd type="none" w="med" len="med"/>
+                    </a:lnL>
+                    <a:lnR w="12700" cap="flat" cmpd="sng" algn="ctr">
+                      <a:solidFill>
+                        <a:srgbClr val="C5C5C5"/>
+                      </a:solidFill>
+                      <a:prstDash val="solid"/>
+                      <a:round/>
+                      <a:headEnd type="none" w="med" len="med"/>
+                      <a:tailEnd type="none" w="med" len="med"/>
+                    </a:lnR>
+                    <a:lnT w="12700" cap="flat" cmpd="sng" algn="ctr">
+                      <a:solidFill>
+                        <a:srgbClr val="C5C5C5"/>
+                      </a:solidFill>
+                      <a:prstDash val="solid"/>
+                      <a:round/>
+                      <a:headEnd type="none" w="med" len="med"/>
+                      <a:tailEnd type="none" w="med" len="med"/>
+                    </a:lnT>
+                    <a:lnB w="12700" cap="flat" cmpd="sng" algn="ctr">
+                      <a:solidFill>
+                        <a:srgbClr val="C5C5C5"/>
+                      </a:solidFill>
+                      <a:prstDash val="solid"/>
+                      <a:round/>
+                      <a:headEnd type="none" w="med" len="med"/>
+                      <a:tailEnd type="none" w="med" len="med"/>
+                    </a:lnB>
+                    <a:noFill/>
+                  </a:tcPr>
+                </a:tc>
+                <a:extLst>
+                  <a:ext uri="{0D108BD9-81ED-4DB2-BD59-A6C34878D82A}">
+                    <a16:rowId xmlns:a16="http://schemas.microsoft.com/office/drawing/2014/main" val="50511879"/>
+                  </a:ext>
+                </a:extLst>
+              </a:tr>
+              <a:tr h="370840">
+                <a:tc rowSpan="4">
+                  <a:txBody>
+                    <a:bodyPr/>
+                    <a:lstStyle/>
+                    <a:p>
+                      <a:pPr algn="ctr"/>
+                      <a:r>
+                        <a:rPr lang="en-US" altLang="ko-Kore-KR" sz="1600" dirty="0">
+                          <a:solidFill>
+                            <a:srgbClr val="595959"/>
+                          </a:solidFill>
+                        </a:rPr>
+                        <a:t>Infra</a:t>
+                      </a:r>
+                      <a:endParaRPr lang="ko-Kore-KR" altLang="en-US" sz="1600" dirty="0">
+                        <a:solidFill>
+                          <a:srgbClr val="595959"/>
+                        </a:solidFill>
+                      </a:endParaRPr>
+                    </a:p>
+                  </a:txBody>
+                  <a:tcPr anchor="ctr">
+                    <a:lnL w="12700" cap="flat" cmpd="sng" algn="ctr">
+                      <a:solidFill>
+                        <a:srgbClr val="C5C5C5"/>
+                      </a:solidFill>
+                      <a:prstDash val="solid"/>
+                      <a:round/>
+                      <a:headEnd type="none" w="med" len="med"/>
+                      <a:tailEnd type="none" w="med" len="med"/>
+                    </a:lnL>
+                    <a:lnR w="12700" cap="flat" cmpd="sng" algn="ctr">
+                      <a:solidFill>
+                        <a:srgbClr val="C5C5C5"/>
+                      </a:solidFill>
+                      <a:prstDash val="solid"/>
+                      <a:round/>
+                      <a:headEnd type="none" w="med" len="med"/>
+                      <a:tailEnd type="none" w="med" len="med"/>
+                    </a:lnR>
+                    <a:lnT w="12700" cap="flat" cmpd="sng" algn="ctr">
+                      <a:solidFill>
+                        <a:srgbClr val="C5C5C5"/>
+                      </a:solidFill>
+                      <a:prstDash val="solid"/>
+                      <a:round/>
+                      <a:headEnd type="none" w="med" len="med"/>
+                      <a:tailEnd type="none" w="med" len="med"/>
+                    </a:lnT>
+                    <a:lnB w="12700" cap="flat" cmpd="sng" algn="ctr">
+                      <a:solidFill>
+                        <a:srgbClr val="C5C5C5"/>
+                      </a:solidFill>
+                      <a:prstDash val="solid"/>
+                      <a:round/>
+                      <a:headEnd type="none" w="med" len="med"/>
+                      <a:tailEnd type="none" w="med" len="med"/>
+                    </a:lnB>
+                    <a:noFill/>
+                  </a:tcPr>
+                </a:tc>
+                <a:tc>
+                  <a:txBody>
+                    <a:bodyPr/>
+                    <a:lstStyle/>
+                    <a:p>
+                      <a:pPr algn="ctr"/>
+                      <a:r>
+                        <a:rPr lang="en-US" altLang="ko-Kore-KR" sz="1600" dirty="0">
+                          <a:solidFill>
+                            <a:srgbClr val="595959"/>
+                          </a:solidFill>
+                        </a:rPr>
+                        <a:t>OS</a:t>
+                      </a:r>
+                      <a:endParaRPr lang="ko-Kore-KR" altLang="en-US" sz="1600" dirty="0">
+                        <a:solidFill>
+                          <a:srgbClr val="595959"/>
+                        </a:solidFill>
+                      </a:endParaRPr>
+                    </a:p>
+                  </a:txBody>
+                  <a:tcPr anchor="ctr">
+                    <a:lnL w="12700" cap="flat" cmpd="sng" algn="ctr">
+                      <a:solidFill>
+                        <a:srgbClr val="C5C5C5"/>
+                      </a:solidFill>
+                      <a:prstDash val="solid"/>
+                      <a:round/>
+                      <a:headEnd type="none" w="med" len="med"/>
+                      <a:tailEnd type="none" w="med" len="med"/>
+                    </a:lnL>
+                    <a:lnR w="12700" cap="flat" cmpd="sng" algn="ctr">
+                      <a:solidFill>
+                        <a:srgbClr val="C5C5C5"/>
+                      </a:solidFill>
+                      <a:prstDash val="solid"/>
+                      <a:round/>
+                      <a:headEnd type="none" w="med" len="med"/>
+                      <a:tailEnd type="none" w="med" len="med"/>
+                    </a:lnR>
+                    <a:lnT w="12700" cap="flat" cmpd="sng" algn="ctr">
+                      <a:solidFill>
+                        <a:srgbClr val="C5C5C5"/>
+                      </a:solidFill>
+                      <a:prstDash val="solid"/>
+                      <a:round/>
+                      <a:headEnd type="none" w="med" len="med"/>
+                      <a:tailEnd type="none" w="med" len="med"/>
+                    </a:lnT>
+                    <a:lnB w="12700" cap="flat" cmpd="sng" algn="ctr">
+                      <a:solidFill>
+                        <a:srgbClr val="C5C5C5"/>
+                      </a:solidFill>
+                      <a:prstDash val="solid"/>
+                      <a:round/>
+                      <a:headEnd type="none" w="med" len="med"/>
+                      <a:tailEnd type="none" w="med" len="med"/>
+                    </a:lnB>
+                    <a:noFill/>
+                  </a:tcPr>
+                </a:tc>
+                <a:tc>
+                  <a:txBody>
+                    <a:bodyPr/>
+                    <a:lstStyle/>
+                    <a:p>
+                      <a:pPr algn="l"/>
+                      <a:r>
+                        <a:rPr lang="en-US" altLang="ko-Kore-KR" sz="1600" dirty="0">
+                          <a:solidFill>
+                            <a:srgbClr val="595959"/>
+                          </a:solidFill>
+                        </a:rPr>
+                        <a:t>Ubuntu : [Microsoft Azure VM]</a:t>
+                      </a:r>
+                      <a:endParaRPr lang="ko-Kore-KR" altLang="en-US" sz="1600" dirty="0">
+                        <a:solidFill>
+                          <a:srgbClr val="595959"/>
+                        </a:solidFill>
+                      </a:endParaRPr>
+                    </a:p>
+                  </a:txBody>
+                  <a:tcPr anchor="ctr">
+                    <a:lnL w="12700" cap="flat" cmpd="sng" algn="ctr">
+                      <a:solidFill>
+                        <a:srgbClr val="C5C5C5"/>
+                      </a:solidFill>
+                      <a:prstDash val="solid"/>
+                      <a:round/>
+                      <a:headEnd type="none" w="med" len="med"/>
+                      <a:tailEnd type="none" w="med" len="med"/>
+                    </a:lnL>
+                    <a:lnR w="12700" cap="flat" cmpd="sng" algn="ctr">
+                      <a:solidFill>
+                        <a:srgbClr val="C5C5C5"/>
+                      </a:solidFill>
+                      <a:prstDash val="solid"/>
+                      <a:round/>
+                      <a:headEnd type="none" w="med" len="med"/>
+                      <a:tailEnd type="none" w="med" len="med"/>
+                    </a:lnR>
+                    <a:lnT w="12700" cap="flat" cmpd="sng" algn="ctr">
+                      <a:solidFill>
+                        <a:srgbClr val="C5C5C5"/>
+                      </a:solidFill>
+                      <a:prstDash val="solid"/>
+                      <a:round/>
+                      <a:headEnd type="none" w="med" len="med"/>
+                      <a:tailEnd type="none" w="med" len="med"/>
+                    </a:lnT>
+                    <a:lnB w="12700" cap="flat" cmpd="sng" algn="ctr">
+                      <a:solidFill>
+                        <a:srgbClr val="C5C5C5"/>
+                      </a:solidFill>
+                      <a:prstDash val="solid"/>
+                      <a:round/>
+                      <a:headEnd type="none" w="med" len="med"/>
+                      <a:tailEnd type="none" w="med" len="med"/>
+                    </a:lnB>
+                    <a:noFill/>
+                  </a:tcPr>
+                </a:tc>
+                <a:extLst>
+                  <a:ext uri="{0D108BD9-81ED-4DB2-BD59-A6C34878D82A}">
+                    <a16:rowId xmlns:a16="http://schemas.microsoft.com/office/drawing/2014/main" val="4142777848"/>
+                  </a:ext>
+                </a:extLst>
+              </a:tr>
+              <a:tr h="370840">
+                <a:tc vMerge="1">
+                  <a:txBody>
+                    <a:bodyPr/>
+                    <a:lstStyle/>
+                    <a:p>
+                      <a:pPr algn="ctr"/>
+                      <a:r>
+                        <a:rPr lang="en-US" altLang="ko-Kore-KR" sz="1600" dirty="0">
+                          <a:solidFill>
+                            <a:srgbClr val="595959"/>
+                          </a:solidFill>
+                        </a:rPr>
+                        <a:t>Infra</a:t>
+                      </a:r>
+                      <a:endParaRPr lang="ko-Kore-KR" altLang="en-US" sz="1600" dirty="0">
+                        <a:solidFill>
+                          <a:srgbClr val="595959"/>
+                        </a:solidFill>
+                      </a:endParaRPr>
+                    </a:p>
+                  </a:txBody>
+                  <a:tcPr anchor="ctr">
+                    <a:lnL w="12700" cap="flat" cmpd="sng" algn="ctr">
+                      <a:solidFill>
+                        <a:srgbClr val="C5C5C5"/>
+                      </a:solidFill>
+                      <a:prstDash val="solid"/>
+                      <a:round/>
+                      <a:headEnd type="none" w="med" len="med"/>
+                      <a:tailEnd type="none" w="med" len="med"/>
+                    </a:lnL>
+                    <a:lnR w="12700" cap="flat" cmpd="sng" algn="ctr">
+                      <a:solidFill>
+                        <a:srgbClr val="C5C5C5"/>
+                      </a:solidFill>
+                      <a:prstDash val="solid"/>
+                      <a:round/>
+                      <a:headEnd type="none" w="med" len="med"/>
+                      <a:tailEnd type="none" w="med" len="med"/>
+                    </a:lnR>
+                    <a:lnT w="12700" cap="flat" cmpd="sng" algn="ctr">
+                      <a:solidFill>
+                        <a:srgbClr val="C5C5C5"/>
+                      </a:solidFill>
+                      <a:prstDash val="solid"/>
+                      <a:round/>
+                      <a:headEnd type="none" w="med" len="med"/>
+                      <a:tailEnd type="none" w="med" len="med"/>
+                    </a:lnT>
+                    <a:lnB w="12700" cap="flat" cmpd="sng" algn="ctr">
+                      <a:solidFill>
+                        <a:srgbClr val="C5C5C5"/>
+                      </a:solidFill>
+                      <a:prstDash val="solid"/>
+                      <a:round/>
+                      <a:headEnd type="none" w="med" len="med"/>
+                      <a:tailEnd type="none" w="med" len="med"/>
+                    </a:lnB>
+                    <a:noFill/>
+                  </a:tcPr>
+                </a:tc>
+                <a:tc>
+                  <a:txBody>
+                    <a:bodyPr/>
+                    <a:lstStyle/>
+                    <a:p>
+                      <a:pPr algn="ctr"/>
+                      <a:r>
+                        <a:rPr lang="en-US" altLang="ko-Kore-KR" sz="1600" dirty="0">
+                          <a:solidFill>
+                            <a:srgbClr val="595959"/>
+                          </a:solidFill>
+                        </a:rPr>
+                        <a:t>Web Server</a:t>
+                      </a:r>
+                      <a:endParaRPr lang="ko-Kore-KR" altLang="en-US" sz="1600" dirty="0">
+                        <a:solidFill>
+                          <a:srgbClr val="595959"/>
+                        </a:solidFill>
+                      </a:endParaRPr>
+                    </a:p>
+                  </a:txBody>
+                  <a:tcPr anchor="ctr">
+                    <a:lnL w="12700" cap="flat" cmpd="sng" algn="ctr">
+                      <a:solidFill>
+                        <a:srgbClr val="C5C5C5"/>
+                      </a:solidFill>
+                      <a:prstDash val="solid"/>
+                      <a:round/>
+                      <a:headEnd type="none" w="med" len="med"/>
+                      <a:tailEnd type="none" w="med" len="med"/>
+                    </a:lnL>
+                    <a:lnR w="12700" cap="flat" cmpd="sng" algn="ctr">
+                      <a:solidFill>
+                        <a:srgbClr val="C5C5C5"/>
+                      </a:solidFill>
+                      <a:prstDash val="solid"/>
+                      <a:round/>
+                      <a:headEnd type="none" w="med" len="med"/>
+                      <a:tailEnd type="none" w="med" len="med"/>
+                    </a:lnR>
+                    <a:lnT w="12700" cap="flat" cmpd="sng" algn="ctr">
+                      <a:solidFill>
+                        <a:srgbClr val="C5C5C5"/>
+                      </a:solidFill>
+                      <a:prstDash val="solid"/>
+                      <a:round/>
+                      <a:headEnd type="none" w="med" len="med"/>
+                      <a:tailEnd type="none" w="med" len="med"/>
+                    </a:lnT>
+                    <a:lnB w="12700" cap="flat" cmpd="sng" algn="ctr">
+                      <a:solidFill>
+                        <a:srgbClr val="C5C5C5"/>
+                      </a:solidFill>
+                      <a:prstDash val="solid"/>
+                      <a:round/>
+                      <a:headEnd type="none" w="med" len="med"/>
+                      <a:tailEnd type="none" w="med" len="med"/>
+                    </a:lnB>
+                    <a:noFill/>
+                  </a:tcPr>
+                </a:tc>
+                <a:tc>
+                  <a:txBody>
+                    <a:bodyPr/>
+                    <a:lstStyle/>
+                    <a:p>
+                      <a:pPr algn="l"/>
+                      <a:r>
+                        <a:rPr lang="en-US" altLang="ko-Kore-KR" sz="1600" dirty="0">
+                          <a:solidFill>
+                            <a:srgbClr val="595959"/>
+                          </a:solidFill>
+                        </a:rPr>
+                        <a:t>Nginx</a:t>
+                      </a:r>
+                      <a:endParaRPr lang="ko-Kore-KR" altLang="en-US" sz="1600" dirty="0">
+                        <a:solidFill>
+                          <a:srgbClr val="595959"/>
+                        </a:solidFill>
+                      </a:endParaRPr>
+                    </a:p>
+                  </a:txBody>
+                  <a:tcPr anchor="ctr">
+                    <a:lnL w="12700" cap="flat" cmpd="sng" algn="ctr">
+                      <a:solidFill>
+                        <a:srgbClr val="C5C5C5"/>
+                      </a:solidFill>
+                      <a:prstDash val="solid"/>
+                      <a:round/>
+                      <a:headEnd type="none" w="med" len="med"/>
+                      <a:tailEnd type="none" w="med" len="med"/>
+                    </a:lnL>
+                    <a:lnR w="12700" cap="flat" cmpd="sng" algn="ctr">
+                      <a:solidFill>
+                        <a:srgbClr val="C5C5C5"/>
+                      </a:solidFill>
+                      <a:prstDash val="solid"/>
+                      <a:round/>
+                      <a:headEnd type="none" w="med" len="med"/>
+                      <a:tailEnd type="none" w="med" len="med"/>
+                    </a:lnR>
+                    <a:lnT w="12700" cap="flat" cmpd="sng" algn="ctr">
+                      <a:solidFill>
+                        <a:srgbClr val="C5C5C5"/>
+                      </a:solidFill>
+                      <a:prstDash val="solid"/>
+                      <a:round/>
+                      <a:headEnd type="none" w="med" len="med"/>
+                      <a:tailEnd type="none" w="med" len="med"/>
+                    </a:lnT>
+                    <a:lnB w="12700" cap="flat" cmpd="sng" algn="ctr">
+                      <a:solidFill>
+                        <a:srgbClr val="C5C5C5"/>
+                      </a:solidFill>
+                      <a:prstDash val="solid"/>
+                      <a:round/>
+                      <a:headEnd type="none" w="med" len="med"/>
+                      <a:tailEnd type="none" w="med" len="med"/>
+                    </a:lnB>
+                    <a:noFill/>
+                  </a:tcPr>
+                </a:tc>
+                <a:extLst>
+                  <a:ext uri="{0D108BD9-81ED-4DB2-BD59-A6C34878D82A}">
+                    <a16:rowId xmlns:a16="http://schemas.microsoft.com/office/drawing/2014/main" val="2343218528"/>
+                  </a:ext>
+                </a:extLst>
+              </a:tr>
+              <a:tr h="370840">
+                <a:tc vMerge="1">
+                  <a:txBody>
+                    <a:bodyPr/>
+                    <a:lstStyle/>
+                    <a:p>
+                      <a:pPr algn="ctr"/>
+                      <a:endParaRPr lang="ko-Kore-KR" altLang="en-US" sz="1600" dirty="0">
+                        <a:solidFill>
+                          <a:srgbClr val="595959"/>
+                        </a:solidFill>
+                      </a:endParaRPr>
+                    </a:p>
+                  </a:txBody>
+                  <a:tcPr anchor="ctr">
+                    <a:lnL w="12700" cap="flat" cmpd="sng" algn="ctr">
+                      <a:solidFill>
+                        <a:srgbClr val="C5C5C5"/>
+                      </a:solidFill>
+                      <a:prstDash val="solid"/>
+                      <a:round/>
+                      <a:headEnd type="none" w="med" len="med"/>
+                      <a:tailEnd type="none" w="med" len="med"/>
+                    </a:lnL>
+                    <a:lnR w="12700" cap="flat" cmpd="sng" algn="ctr">
+                      <a:solidFill>
+                        <a:srgbClr val="C5C5C5"/>
+                      </a:solidFill>
+                      <a:prstDash val="solid"/>
+                      <a:round/>
+                      <a:headEnd type="none" w="med" len="med"/>
+                      <a:tailEnd type="none" w="med" len="med"/>
+                    </a:lnR>
+                    <a:lnT w="12700" cap="flat" cmpd="sng" algn="ctr">
+                      <a:solidFill>
+                        <a:srgbClr val="C5C5C5"/>
+                      </a:solidFill>
+                      <a:prstDash val="solid"/>
+                      <a:round/>
+                      <a:headEnd type="none" w="med" len="med"/>
+                      <a:tailEnd type="none" w="med" len="med"/>
+                    </a:lnT>
+                    <a:lnB w="12700" cap="flat" cmpd="sng" algn="ctr">
+                      <a:solidFill>
+                        <a:srgbClr val="C5C5C5"/>
+                      </a:solidFill>
+                      <a:prstDash val="solid"/>
+                      <a:round/>
+                      <a:headEnd type="none" w="med" len="med"/>
+                      <a:tailEnd type="none" w="med" len="med"/>
+                    </a:lnB>
+                    <a:noFill/>
+                  </a:tcPr>
+                </a:tc>
+                <a:tc>
+                  <a:txBody>
+                    <a:bodyPr/>
+                    <a:lstStyle/>
+                    <a:p>
+                      <a:pPr algn="ctr"/>
+                      <a:r>
+                        <a:rPr lang="en-US" altLang="ko-Kore-KR" sz="1600" dirty="0">
+                          <a:solidFill>
+                            <a:srgbClr val="595959"/>
+                          </a:solidFill>
+                        </a:rPr>
+                        <a:t>WAS</a:t>
+                      </a:r>
+                      <a:endParaRPr lang="ko-Kore-KR" altLang="en-US" sz="1600" dirty="0">
+                        <a:solidFill>
+                          <a:srgbClr val="595959"/>
+                        </a:solidFill>
+                      </a:endParaRPr>
+                    </a:p>
+                  </a:txBody>
+                  <a:tcPr anchor="ctr">
+                    <a:lnL w="12700" cap="flat" cmpd="sng" algn="ctr">
+                      <a:solidFill>
+                        <a:srgbClr val="C5C5C5"/>
+                      </a:solidFill>
+                      <a:prstDash val="solid"/>
+                      <a:round/>
+                      <a:headEnd type="none" w="med" len="med"/>
+                      <a:tailEnd type="none" w="med" len="med"/>
+                    </a:lnL>
+                    <a:lnR w="12700" cap="flat" cmpd="sng" algn="ctr">
+                      <a:solidFill>
+                        <a:srgbClr val="C5C5C5"/>
+                      </a:solidFill>
+                      <a:prstDash val="solid"/>
+                      <a:round/>
+                      <a:headEnd type="none" w="med" len="med"/>
+                      <a:tailEnd type="none" w="med" len="med"/>
+                    </a:lnR>
+                    <a:lnT w="12700" cap="flat" cmpd="sng" algn="ctr">
+                      <a:solidFill>
+                        <a:srgbClr val="C5C5C5"/>
+                      </a:solidFill>
+                      <a:prstDash val="solid"/>
+                      <a:round/>
+                      <a:headEnd type="none" w="med" len="med"/>
+                      <a:tailEnd type="none" w="med" len="med"/>
+                    </a:lnT>
+                    <a:lnB w="12700" cap="flat" cmpd="sng" algn="ctr">
+                      <a:solidFill>
+                        <a:srgbClr val="C5C5C5"/>
+                      </a:solidFill>
+                      <a:prstDash val="solid"/>
+                      <a:round/>
+                      <a:headEnd type="none" w="med" len="med"/>
+                      <a:tailEnd type="none" w="med" len="med"/>
+                    </a:lnB>
+                    <a:noFill/>
+                  </a:tcPr>
+                </a:tc>
+                <a:tc>
+                  <a:txBody>
+                    <a:bodyPr/>
+                    <a:lstStyle/>
+                    <a:p>
+                      <a:pPr marL="0" marR="0" lvl="0" indent="0" algn="l" defTabSz="914400" rtl="0" eaLnBrk="1" fontAlgn="auto" latinLnBrk="1" hangingPunct="1">
+                        <a:lnSpc>
+                          <a:spcPct val="100000"/>
+                        </a:lnSpc>
+                        <a:spcBef>
+                          <a:spcPts val="0"/>
+                        </a:spcBef>
+                        <a:spcAft>
+                          <a:spcPts val="0"/>
+                        </a:spcAft>
+                        <a:buClrTx/>
+                        <a:buSzTx/>
+                        <a:buFontTx/>
+                        <a:buNone/>
+                        <a:tabLst/>
+                        <a:defRPr/>
+                      </a:pPr>
+                      <a:r>
+                        <a:rPr lang="en-US" altLang="ko-KR" sz="1600" b="0" dirty="0">
+                          <a:solidFill>
+                            <a:srgbClr val="595959"/>
+                          </a:solidFill>
+                        </a:rPr>
+                        <a:t>Tomcat 9.0.78</a:t>
+                      </a:r>
+                      <a:endParaRPr lang="ko-KR" altLang="en-US" sz="1600" b="0" dirty="0">
+                        <a:solidFill>
+                          <a:srgbClr val="595959"/>
+                        </a:solidFill>
+                      </a:endParaRPr>
+                    </a:p>
+                  </a:txBody>
+                  <a:tcPr anchor="ctr">
+                    <a:lnL w="12700" cap="flat" cmpd="sng" algn="ctr">
+                      <a:solidFill>
+                        <a:srgbClr val="C5C5C5"/>
+                      </a:solidFill>
+                      <a:prstDash val="solid"/>
+                      <a:round/>
+                      <a:headEnd type="none" w="med" len="med"/>
+                      <a:tailEnd type="none" w="med" len="med"/>
+                    </a:lnL>
+                    <a:lnR w="12700" cap="flat" cmpd="sng" algn="ctr">
+                      <a:solidFill>
+                        <a:srgbClr val="C5C5C5"/>
+                      </a:solidFill>
+                      <a:prstDash val="solid"/>
+                      <a:round/>
+                      <a:headEnd type="none" w="med" len="med"/>
+                      <a:tailEnd type="none" w="med" len="med"/>
+                    </a:lnR>
+                    <a:lnT w="12700" cap="flat" cmpd="sng" algn="ctr">
+                      <a:solidFill>
+                        <a:srgbClr val="C5C5C5"/>
+                      </a:solidFill>
+                      <a:prstDash val="solid"/>
+                      <a:round/>
+                      <a:headEnd type="none" w="med" len="med"/>
+                      <a:tailEnd type="none" w="med" len="med"/>
+                    </a:lnT>
+                    <a:lnB w="12700" cap="flat" cmpd="sng" algn="ctr">
+                      <a:solidFill>
+                        <a:srgbClr val="C5C5C5"/>
+                      </a:solidFill>
+                      <a:prstDash val="solid"/>
+                      <a:round/>
+                      <a:headEnd type="none" w="med" len="med"/>
+                      <a:tailEnd type="none" w="med" len="med"/>
+                    </a:lnB>
+                    <a:noFill/>
+                  </a:tcPr>
+                </a:tc>
+                <a:extLst>
+                  <a:ext uri="{0D108BD9-81ED-4DB2-BD59-A6C34878D82A}">
+                    <a16:rowId xmlns:a16="http://schemas.microsoft.com/office/drawing/2014/main" val="1016534799"/>
+                  </a:ext>
+                </a:extLst>
+              </a:tr>
+              <a:tr h="370840">
+                <a:tc vMerge="1">
+                  <a:txBody>
+                    <a:bodyPr/>
+                    <a:lstStyle/>
+                    <a:p>
+                      <a:pPr algn="ctr"/>
+                      <a:endParaRPr lang="ko-Kore-KR" altLang="en-US" sz="1600" dirty="0">
+                        <a:solidFill>
+                          <a:srgbClr val="595959"/>
+                        </a:solidFill>
+                      </a:endParaRPr>
+                    </a:p>
+                  </a:txBody>
+                  <a:tcPr anchor="ctr">
+                    <a:lnL w="12700" cap="flat" cmpd="sng" algn="ctr">
+                      <a:solidFill>
+                        <a:srgbClr val="C5C5C5"/>
+                      </a:solidFill>
+                      <a:prstDash val="solid"/>
+                      <a:round/>
+                      <a:headEnd type="none" w="med" len="med"/>
+                      <a:tailEnd type="none" w="med" len="med"/>
+                    </a:lnL>
+                    <a:lnR w="12700" cap="flat" cmpd="sng" algn="ctr">
+                      <a:solidFill>
+                        <a:srgbClr val="C5C5C5"/>
+                      </a:solidFill>
+                      <a:prstDash val="solid"/>
+                      <a:round/>
+                      <a:headEnd type="none" w="med" len="med"/>
+                      <a:tailEnd type="none" w="med" len="med"/>
+                    </a:lnR>
+                    <a:lnT w="12700" cap="flat" cmpd="sng" algn="ctr">
+                      <a:solidFill>
+                        <a:srgbClr val="C5C5C5"/>
+                      </a:solidFill>
+                      <a:prstDash val="solid"/>
+                      <a:round/>
+                      <a:headEnd type="none" w="med" len="med"/>
+                      <a:tailEnd type="none" w="med" len="med"/>
+                    </a:lnT>
+                    <a:lnB w="12700" cap="flat" cmpd="sng" algn="ctr">
+                      <a:solidFill>
+                        <a:srgbClr val="C5C5C5"/>
+                      </a:solidFill>
+                      <a:prstDash val="solid"/>
+                      <a:round/>
+                      <a:headEnd type="none" w="med" len="med"/>
+                      <a:tailEnd type="none" w="med" len="med"/>
+                    </a:lnB>
+                    <a:noFill/>
+                  </a:tcPr>
+                </a:tc>
+                <a:tc>
+                  <a:txBody>
+                    <a:bodyPr/>
+                    <a:lstStyle/>
+                    <a:p>
+                      <a:pPr algn="ctr"/>
+                      <a:r>
+                        <a:rPr lang="en-US" altLang="ko-Kore-KR" sz="1600" dirty="0">
+                          <a:solidFill>
+                            <a:srgbClr val="595959"/>
+                          </a:solidFill>
+                        </a:rPr>
+                        <a:t>DBMS</a:t>
+                      </a:r>
+                      <a:endParaRPr lang="ko-Kore-KR" altLang="en-US" sz="1600" dirty="0">
+                        <a:solidFill>
+                          <a:srgbClr val="595959"/>
+                        </a:solidFill>
+                      </a:endParaRPr>
+                    </a:p>
+                  </a:txBody>
+                  <a:tcPr anchor="ctr">
+                    <a:lnL w="12700" cap="flat" cmpd="sng" algn="ctr">
+                      <a:solidFill>
+                        <a:srgbClr val="C5C5C5"/>
+                      </a:solidFill>
+                      <a:prstDash val="solid"/>
+                      <a:round/>
+                      <a:headEnd type="none" w="med" len="med"/>
+                      <a:tailEnd type="none" w="med" len="med"/>
+                    </a:lnL>
+                    <a:lnR w="12700" cap="flat" cmpd="sng" algn="ctr">
+                      <a:solidFill>
+                        <a:srgbClr val="C5C5C5"/>
+                      </a:solidFill>
+                      <a:prstDash val="solid"/>
+                      <a:round/>
+                      <a:headEnd type="none" w="med" len="med"/>
+                      <a:tailEnd type="none" w="med" len="med"/>
+                    </a:lnR>
+                    <a:lnT w="12700" cap="flat" cmpd="sng" algn="ctr">
+                      <a:solidFill>
+                        <a:srgbClr val="C5C5C5"/>
+                      </a:solidFill>
+                      <a:prstDash val="solid"/>
+                      <a:round/>
+                      <a:headEnd type="none" w="med" len="med"/>
+                      <a:tailEnd type="none" w="med" len="med"/>
+                    </a:lnT>
+                    <a:lnB w="12700" cap="flat" cmpd="sng" algn="ctr">
+                      <a:solidFill>
+                        <a:srgbClr val="C5C5C5"/>
+                      </a:solidFill>
+                      <a:prstDash val="solid"/>
+                      <a:round/>
+                      <a:headEnd type="none" w="med" len="med"/>
+                      <a:tailEnd type="none" w="med" len="med"/>
+                    </a:lnB>
+                    <a:noFill/>
+                  </a:tcPr>
+                </a:tc>
+                <a:tc>
+                  <a:txBody>
+                    <a:bodyPr/>
+                    <a:lstStyle/>
+                    <a:p>
+                      <a:pPr algn="l"/>
+                      <a:r>
+                        <a:rPr lang="en-US" altLang="ko-Kore-KR" sz="1600" dirty="0">
+                          <a:solidFill>
+                            <a:srgbClr val="595959"/>
+                          </a:solidFill>
+                        </a:rPr>
+                        <a:t>Oracle 19c : [Oracle Cloud Database]</a:t>
+                      </a:r>
+                      <a:endParaRPr lang="ko-Kore-KR" altLang="en-US" sz="1600" dirty="0">
+                        <a:solidFill>
+                          <a:srgbClr val="595959"/>
+                        </a:solidFill>
+                      </a:endParaRPr>
+                    </a:p>
+                  </a:txBody>
+                  <a:tcPr anchor="ctr">
+                    <a:lnL w="12700" cap="flat" cmpd="sng" algn="ctr">
+                      <a:solidFill>
+                        <a:srgbClr val="C5C5C5"/>
+                      </a:solidFill>
+                      <a:prstDash val="solid"/>
+                      <a:round/>
+                      <a:headEnd type="none" w="med" len="med"/>
+                      <a:tailEnd type="none" w="med" len="med"/>
+                    </a:lnL>
+                    <a:lnR w="12700" cap="flat" cmpd="sng" algn="ctr">
+                      <a:solidFill>
+                        <a:srgbClr val="C5C5C5"/>
+                      </a:solidFill>
+                      <a:prstDash val="solid"/>
+                      <a:round/>
+                      <a:headEnd type="none" w="med" len="med"/>
+                      <a:tailEnd type="none" w="med" len="med"/>
+                    </a:lnR>
+                    <a:lnT w="12700" cap="flat" cmpd="sng" algn="ctr">
+                      <a:solidFill>
+                        <a:srgbClr val="C5C5C5"/>
+                      </a:solidFill>
+                      <a:prstDash val="solid"/>
+                      <a:round/>
+                      <a:headEnd type="none" w="med" len="med"/>
+                      <a:tailEnd type="none" w="med" len="med"/>
+                    </a:lnT>
+                    <a:lnB w="12700" cap="flat" cmpd="sng" algn="ctr">
+                      <a:solidFill>
+                        <a:srgbClr val="C5C5C5"/>
+                      </a:solidFill>
+                      <a:prstDash val="solid"/>
+                      <a:round/>
+                      <a:headEnd type="none" w="med" len="med"/>
+                      <a:tailEnd type="none" w="med" len="med"/>
+                    </a:lnB>
+                    <a:noFill/>
+                  </a:tcPr>
+                </a:tc>
+                <a:extLst>
+                  <a:ext uri="{0D108BD9-81ED-4DB2-BD59-A6C34878D82A}">
+                    <a16:rowId xmlns:a16="http://schemas.microsoft.com/office/drawing/2014/main" val="1122303396"/>
+                  </a:ext>
+                </a:extLst>
+              </a:tr>
+            </a:tbl>
+          </a:graphicData>
+        </a:graphic>
+      </p:graphicFrame>
+    </p:spTree>
+    <p:extLst>
+      <p:ext uri="{BB962C8B-B14F-4D97-AF65-F5344CB8AC3E}">
+        <p14:creationId xmlns:p14="http://schemas.microsoft.com/office/powerpoint/2010/main" val="1842178809"/>
+      </p:ext>
+    </p:extLst>
+  </p:cSld>
+  <p:clrMapOvr>
+    <a:masterClrMapping/>
+  </p:clrMapOvr>
+</p:sld>
+</file>
+
+<file path=ppt/slides/slide11.xml><?xml version="1.0" encoding="utf-8"?>
+<p:sld xmlns:a="http://schemas.openxmlformats.org/drawingml/2006/main" xmlns:r="http://schemas.openxmlformats.org/officeDocument/2006/relationships" xmlns:p="http://schemas.openxmlformats.org/presentationml/2006/main">
+  <p:cSld>
+    <p:spTree>
+      <p:nvGrpSpPr>
+        <p:cNvPr id="1" name=""/>
+        <p:cNvGrpSpPr/>
+        <p:nvPr/>
+      </p:nvGrpSpPr>
+      <p:grpSpPr>
+        <a:xfrm>
+          <a:off x="0" y="0"/>
+          <a:ext cx="0" cy="0"/>
+          <a:chOff x="0" y="0"/>
+          <a:chExt cx="0" cy="0"/>
+        </a:xfrm>
+      </p:grpSpPr>
+      <p:cxnSp>
+        <p:nvCxnSpPr>
+          <p:cNvPr id="6" name="직선 연결선 5"/>
+          <p:cNvCxnSpPr>
+            <a:cxnSpLocks/>
+          </p:cNvCxnSpPr>
+          <p:nvPr/>
+        </p:nvCxnSpPr>
+        <p:spPr>
+          <a:xfrm>
+            <a:off x="1839483" y="550675"/>
+            <a:ext cx="10079990" cy="0"/>
+          </a:xfrm>
+          <a:prstGeom prst="line">
+            <a:avLst/>
+          </a:prstGeom>
+          <a:ln w="28575">
+            <a:solidFill>
+              <a:srgbClr val="00AAAA"/>
+            </a:solidFill>
+          </a:ln>
+        </p:spPr>
+        <p:style>
+          <a:lnRef idx="1">
+            <a:schemeClr val="accent1"/>
+          </a:lnRef>
+          <a:fillRef idx="0">
+            <a:schemeClr val="accent1"/>
+          </a:fillRef>
+          <a:effectRef idx="0">
+            <a:schemeClr val="accent1"/>
+          </a:effectRef>
+          <a:fontRef idx="minor">
+            <a:schemeClr val="tx1"/>
+          </a:fontRef>
+        </p:style>
+      </p:cxnSp>
+      <p:cxnSp>
+        <p:nvCxnSpPr>
+          <p:cNvPr id="9" name="직선 연결선 8"/>
+          <p:cNvCxnSpPr>
+            <a:cxnSpLocks/>
+          </p:cNvCxnSpPr>
+          <p:nvPr/>
+        </p:nvCxnSpPr>
+        <p:spPr>
+          <a:xfrm>
+            <a:off x="211612" y="550675"/>
+            <a:ext cx="1737229" cy="0"/>
+          </a:xfrm>
+          <a:prstGeom prst="line">
+            <a:avLst/>
+          </a:prstGeom>
+          <a:ln w="76200">
+            <a:solidFill>
+              <a:srgbClr val="00AAAA"/>
+            </a:solidFill>
+          </a:ln>
+        </p:spPr>
+        <p:style>
+          <a:lnRef idx="1">
+            <a:schemeClr val="accent1"/>
+          </a:lnRef>
+          <a:fillRef idx="0">
+            <a:schemeClr val="accent1"/>
+          </a:fillRef>
+          <a:effectRef idx="0">
+            <a:schemeClr val="accent1"/>
+          </a:effectRef>
+          <a:fontRef idx="minor">
+            <a:schemeClr val="tx1"/>
+          </a:fontRef>
+        </p:style>
+      </p:cxnSp>
+      <p:sp>
+        <p:nvSpPr>
+          <p:cNvPr id="13" name="TextBox 12"/>
+          <p:cNvSpPr txBox="1"/>
+          <p:nvPr/>
+        </p:nvSpPr>
+        <p:spPr>
+          <a:xfrm>
+            <a:off x="188390" y="153410"/>
             <a:ext cx="2205732" cy="385490"/>
           </a:xfrm>
           <a:prstGeom prst="rect">
@@ -19361,7 +22623,7 @@
 </p:sld>
 </file>
 
-<file path=ppt/slides/slide11.xml><?xml version="1.0" encoding="utf-8"?>
+<file path=ppt/slides/slide12.xml><?xml version="1.0" encoding="utf-8"?>
 <p:sld xmlns:a="http://schemas.openxmlformats.org/drawingml/2006/main" xmlns:r="http://schemas.openxmlformats.org/officeDocument/2006/relationships" xmlns:p="http://schemas.openxmlformats.org/presentationml/2006/main">
   <p:cSld>
     <p:spTree>
@@ -19700,7 +22962,7 @@
         <p:spPr>
           <a:xfrm>
             <a:off x="1105118" y="2021691"/>
-            <a:ext cx="10343686" cy="3934923"/>
+            <a:ext cx="10343686" cy="4495077"/>
           </a:xfrm>
           <a:prstGeom prst="rect">
             <a:avLst/>
@@ -19720,6 +22982,17 @@
               <a:tabLst/>
             </a:pPr>
             <a:r>
+              <a:rPr lang="en-US" altLang="ko-KR" sz="2800" dirty="0">
+                <a:solidFill>
+                  <a:srgbClr val="000000"/>
+                </a:solidFill>
+                <a:latin typeface="하나2.0 M" panose="020B0603000000000000" pitchFamily="50" charset="-127"/>
+                <a:ea typeface="하나2.0 M" panose="020B0603000000000000" pitchFamily="50" charset="-127"/>
+                <a:cs typeface="하나 M" pitchFamily="18" charset="0"/>
+              </a:rPr>
+              <a:t>0</a:t>
+            </a:r>
+            <a:r>
               <a:rPr lang="en-US" altLang="zh-CN" sz="2800" dirty="0">
                 <a:solidFill>
                   <a:srgbClr val="000000"/>
@@ -19728,7 +23001,7 @@
                 <a:ea typeface="하나2.0 M" panose="020B0603000000000000" pitchFamily="50" charset="-127"/>
                 <a:cs typeface="하나 M" pitchFamily="18" charset="0"/>
               </a:rPr>
-              <a:t>01.</a:t>
+              <a:t>1.</a:t>
             </a:r>
             <a:r>
               <a:rPr lang="en-US" altLang="zh-CN" sz="2800" dirty="0">
@@ -19774,6 +23047,17 @@
               <a:tabLst/>
             </a:pPr>
             <a:r>
+              <a:rPr lang="en-US" altLang="ko-KR" sz="2800" dirty="0">
+                <a:solidFill>
+                  <a:srgbClr val="000000"/>
+                </a:solidFill>
+                <a:latin typeface="하나2.0 M" panose="020B0603000000000000" pitchFamily="50" charset="-127"/>
+                <a:ea typeface="하나2.0 M" panose="020B0603000000000000" pitchFamily="50" charset="-127"/>
+                <a:cs typeface="하나 M" pitchFamily="18" charset="0"/>
+              </a:rPr>
+              <a:t>0</a:t>
+            </a:r>
+            <a:r>
               <a:rPr lang="en-US" altLang="zh-CN" sz="2800" dirty="0">
                 <a:solidFill>
                   <a:srgbClr val="000000"/>
@@ -19782,7 +23066,7 @@
                 <a:ea typeface="하나2.0 M" panose="020B0603000000000000" pitchFamily="50" charset="-127"/>
                 <a:cs typeface="하나 M" pitchFamily="18" charset="0"/>
               </a:rPr>
-              <a:t>02. </a:t>
+              <a:t>2. </a:t>
             </a:r>
             <a:r>
               <a:rPr lang="ko-KR" altLang="en-US" sz="2800" dirty="0">
@@ -19891,7 +23175,7 @@
                 <a:ea typeface="하나2.0 M" panose="020B0603000000000000" pitchFamily="50" charset="-127"/>
                 <a:cs typeface="하나 M" pitchFamily="18" charset="0"/>
               </a:rPr>
-              <a:t> 주요 기능</a:t>
+              <a:t> 전체 서비스 구성도</a:t>
             </a:r>
             <a:endParaRPr lang="en-US" altLang="ko-KR" sz="2800" dirty="0">
               <a:solidFill>
@@ -19940,7 +23224,7 @@
                 <a:ea typeface="하나2.0 M" panose="020B0603000000000000" pitchFamily="50" charset="-127"/>
                 <a:cs typeface="하나 M" pitchFamily="18" charset="0"/>
               </a:rPr>
-              <a:t> 기능별 상세내역</a:t>
+              <a:t> 주요 기능</a:t>
             </a:r>
             <a:endParaRPr lang="en-US" altLang="ko-KR" sz="2800" dirty="0">
               <a:solidFill>
@@ -19989,6 +23273,55 @@
                 <a:ea typeface="하나2.0 M" panose="020B0603000000000000" pitchFamily="50" charset="-127"/>
                 <a:cs typeface="하나 M" pitchFamily="18" charset="0"/>
               </a:rPr>
+              <a:t> 기능별 상세내역</a:t>
+            </a:r>
+            <a:endParaRPr lang="en-US" altLang="ko-KR" sz="2800" dirty="0">
+              <a:solidFill>
+                <a:srgbClr val="000000"/>
+              </a:solidFill>
+              <a:latin typeface="하나2.0 M" panose="020B0603000000000000" pitchFamily="50" charset="-127"/>
+              <a:ea typeface="하나2.0 M" panose="020B0603000000000000" pitchFamily="50" charset="-127"/>
+              <a:cs typeface="하나 M" pitchFamily="18" charset="0"/>
+            </a:endParaRPr>
+          </a:p>
+          <a:p>
+            <a:pPr>
+              <a:lnSpc>
+                <a:spcPct val="130000"/>
+              </a:lnSpc>
+              <a:tabLst/>
+            </a:pPr>
+            <a:r>
+              <a:rPr lang="ko-KR" altLang="en-US" sz="2800" dirty="0">
+                <a:solidFill>
+                  <a:srgbClr val="000000"/>
+                </a:solidFill>
+                <a:latin typeface="하나2.0 M" panose="020B0603000000000000" pitchFamily="50" charset="-127"/>
+                <a:ea typeface="하나2.0 M" panose="020B0603000000000000" pitchFamily="50" charset="-127"/>
+                <a:cs typeface="하나 M" pitchFamily="18" charset="0"/>
+              </a:rPr>
+              <a:t>    </a:t>
+            </a:r>
+            <a:r>
+              <a:rPr lang="en-US" altLang="ko-KR" sz="2800" dirty="0">
+                <a:solidFill>
+                  <a:srgbClr val="000000"/>
+                </a:solidFill>
+                <a:latin typeface="하나2.0 M" panose="020B0603000000000000" pitchFamily="50" charset="-127"/>
+                <a:ea typeface="하나2.0 M" panose="020B0603000000000000" pitchFamily="50" charset="-127"/>
+                <a:cs typeface="하나 M" pitchFamily="18" charset="0"/>
+              </a:rPr>
+              <a:t>02-5.</a:t>
+            </a:r>
+            <a:r>
+              <a:rPr lang="ko-KR" altLang="en-US" sz="2800" dirty="0">
+                <a:solidFill>
+                  <a:srgbClr val="000000"/>
+                </a:solidFill>
+                <a:latin typeface="하나2.0 M" panose="020B0603000000000000" pitchFamily="50" charset="-127"/>
+                <a:ea typeface="하나2.0 M" panose="020B0603000000000000" pitchFamily="50" charset="-127"/>
+                <a:cs typeface="하나 M" pitchFamily="18" charset="0"/>
+              </a:rPr>
               <a:t> 관련 기술</a:t>
             </a:r>
             <a:endParaRPr lang="en-US" altLang="ko-KR" sz="2800" dirty="0">
@@ -20008,6 +23341,17 @@
               <a:tabLst/>
             </a:pPr>
             <a:r>
+              <a:rPr lang="en-US" altLang="ko-KR" sz="2800" dirty="0">
+                <a:solidFill>
+                  <a:srgbClr val="000000"/>
+                </a:solidFill>
+                <a:latin typeface="하나2.0 M" panose="020B0603000000000000" pitchFamily="50" charset="-127"/>
+                <a:ea typeface="하나2.0 M" panose="020B0603000000000000" pitchFamily="50" charset="-127"/>
+                <a:cs typeface="Times New Roman" pitchFamily="18" charset="0"/>
+              </a:rPr>
+              <a:t>0</a:t>
+            </a:r>
+            <a:r>
               <a:rPr lang="en-US" altLang="zh-CN" sz="2800" dirty="0">
                 <a:solidFill>
                   <a:srgbClr val="000000"/>
@@ -20016,7 +23360,7 @@
                 <a:ea typeface="하나2.0 M" panose="020B0603000000000000" pitchFamily="50" charset="-127"/>
                 <a:cs typeface="Times New Roman" pitchFamily="18" charset="0"/>
               </a:rPr>
-              <a:t>03. </a:t>
+              <a:t>3. </a:t>
             </a:r>
             <a:r>
               <a:rPr lang="ko-KR" altLang="en-US" sz="2800" dirty="0">
@@ -22506,6 +25850,306 @@
         <p:spPr>
           <a:xfrm>
             <a:off x="188390" y="153410"/>
+            <a:ext cx="2401298" cy="385490"/>
+          </a:xfrm>
+          <a:prstGeom prst="rect">
+            <a:avLst/>
+          </a:prstGeom>
+          <a:noFill/>
+        </p:spPr>
+        <p:txBody>
+          <a:bodyPr wrap="none" lIns="0" tIns="0" rIns="0" rtlCol="0">
+            <a:spAutoFit/>
+          </a:bodyPr>
+          <a:lstStyle/>
+          <a:p>
+            <a:pPr>
+              <a:lnSpc>
+                <a:spcPct val="130000"/>
+              </a:lnSpc>
+              <a:tabLst/>
+            </a:pPr>
+            <a:r>
+              <a:rPr lang="en-US" altLang="ko-KR" sz="1800" dirty="0">
+                <a:solidFill>
+                  <a:srgbClr val="000000"/>
+                </a:solidFill>
+                <a:latin typeface="하나2.0 M" panose="020B0603000000000000" pitchFamily="50" charset="-127"/>
+                <a:ea typeface="하나2.0 M" panose="020B0603000000000000" pitchFamily="50" charset="-127"/>
+                <a:cs typeface="하나 M" pitchFamily="18" charset="0"/>
+              </a:rPr>
+              <a:t>02-2</a:t>
+            </a:r>
+            <a:r>
+              <a:rPr lang="ko-KR" altLang="en-US" sz="1800" dirty="0">
+                <a:solidFill>
+                  <a:srgbClr val="000000"/>
+                </a:solidFill>
+                <a:latin typeface="하나2.0 M" panose="020B0603000000000000" pitchFamily="50" charset="-127"/>
+                <a:ea typeface="하나2.0 M" panose="020B0603000000000000" pitchFamily="50" charset="-127"/>
+                <a:cs typeface="하나 M" pitchFamily="18" charset="0"/>
+              </a:rPr>
+              <a:t> 전체 서비스 구성도</a:t>
+            </a:r>
+            <a:endParaRPr lang="en-US" altLang="ko-KR" sz="1800" dirty="0">
+              <a:solidFill>
+                <a:srgbClr val="000000"/>
+              </a:solidFill>
+              <a:latin typeface="하나2.0 M" panose="020B0603000000000000" pitchFamily="50" charset="-127"/>
+              <a:ea typeface="하나2.0 M" panose="020B0603000000000000" pitchFamily="50" charset="-127"/>
+              <a:cs typeface="하나 M" pitchFamily="18" charset="0"/>
+            </a:endParaRPr>
+          </a:p>
+        </p:txBody>
+      </p:sp>
+      <p:sp>
+        <p:nvSpPr>
+          <p:cNvPr id="2" name="직사각형 1">
+            <a:extLst>
+              <a:ext uri="{FF2B5EF4-FFF2-40B4-BE49-F238E27FC236}">
+                <a16:creationId xmlns:a16="http://schemas.microsoft.com/office/drawing/2014/main" id="{30255397-3B57-81F5-C1E5-5035F227D715}"/>
+              </a:ext>
+            </a:extLst>
+          </p:cNvPr>
+          <p:cNvSpPr/>
+          <p:nvPr/>
+        </p:nvSpPr>
+        <p:spPr>
+          <a:xfrm>
+            <a:off x="10418165" y="130679"/>
+            <a:ext cx="1618938" cy="400110"/>
+          </a:xfrm>
+          <a:prstGeom prst="rect">
+            <a:avLst/>
+          </a:prstGeom>
+        </p:spPr>
+        <p:txBody>
+          <a:bodyPr wrap="square">
+            <a:spAutoFit/>
+          </a:bodyPr>
+          <a:lstStyle/>
+          <a:p>
+            <a:pPr algn="ctr"/>
+            <a:r>
+              <a:rPr lang="ko-KR" altLang="en-US" sz="2000" dirty="0">
+                <a:latin typeface="하나2.0 B" panose="020B0303000000000000" pitchFamily="50" charset="-127"/>
+                <a:ea typeface="하나2.0 B" panose="020B0303000000000000" pitchFamily="50" charset="-127"/>
+              </a:rPr>
+              <a:t>하나</a:t>
+            </a:r>
+            <a:r>
+              <a:rPr lang="en-US" altLang="ko-KR" sz="2000" dirty="0">
+                <a:solidFill>
+                  <a:srgbClr val="FF0066"/>
+                </a:solidFill>
+                <a:latin typeface="하나2.0 B" panose="020B0303000000000000" pitchFamily="50" charset="-127"/>
+                <a:ea typeface="하나2.0 B" panose="020B0303000000000000" pitchFamily="50" charset="-127"/>
+              </a:rPr>
+              <a:t>1</a:t>
+            </a:r>
+            <a:r>
+              <a:rPr lang="en-US" altLang="ko-KR" sz="2000" dirty="0">
+                <a:solidFill>
+                  <a:srgbClr val="008485"/>
+                </a:solidFill>
+                <a:latin typeface="하나2.0 B" panose="020B0303000000000000" pitchFamily="50" charset="-127"/>
+                <a:ea typeface="하나2.0 B" panose="020B0303000000000000" pitchFamily="50" charset="-127"/>
+              </a:rPr>
+              <a:t>PIECE</a:t>
+            </a:r>
+          </a:p>
+        </p:txBody>
+      </p:sp>
+      <p:pic>
+        <p:nvPicPr>
+          <p:cNvPr id="4" name="Picture 2" descr="하나금융그룹-CI&amp;하나서체">
+            <a:extLst>
+              <a:ext uri="{FF2B5EF4-FFF2-40B4-BE49-F238E27FC236}">
+                <a16:creationId xmlns:a16="http://schemas.microsoft.com/office/drawing/2014/main" id="{E7446160-7265-2BE2-779C-DBEDC98A21DF}"/>
+              </a:ext>
+            </a:extLst>
+          </p:cNvPr>
+          <p:cNvPicPr>
+            <a:picLocks noChangeAspect="1" noChangeArrowheads="1"/>
+          </p:cNvPicPr>
+          <p:nvPr/>
+        </p:nvPicPr>
+        <p:blipFill>
+          <a:blip r:embed="rId2">
+            <a:extLst>
+              <a:ext uri="{28A0092B-C50C-407E-A947-70E740481C1C}">
+                <a14:useLocalDpi xmlns:a14="http://schemas.microsoft.com/office/drawing/2010/main" val="0"/>
+              </a:ext>
+            </a:extLst>
+          </a:blip>
+          <a:srcRect/>
+          <a:stretch>
+            <a:fillRect/>
+          </a:stretch>
+        </p:blipFill>
+        <p:spPr bwMode="auto">
+          <a:xfrm>
+            <a:off x="10176850" y="44053"/>
+            <a:ext cx="482629" cy="457665"/>
+          </a:xfrm>
+          <a:prstGeom prst="rect">
+            <a:avLst/>
+          </a:prstGeom>
+          <a:noFill/>
+          <a:extLst>
+            <a:ext uri="{909E8E84-426E-40DD-AFC4-6F175D3DCCD1}">
+              <a14:hiddenFill xmlns:a14="http://schemas.microsoft.com/office/drawing/2010/main">
+                <a:solidFill>
+                  <a:srgbClr val="FFFFFF"/>
+                </a:solidFill>
+              </a14:hiddenFill>
+            </a:ext>
+          </a:extLst>
+        </p:spPr>
+      </p:pic>
+      <p:pic>
+        <p:nvPicPr>
+          <p:cNvPr id="5" name="그림 4">
+            <a:extLst>
+              <a:ext uri="{FF2B5EF4-FFF2-40B4-BE49-F238E27FC236}">
+                <a16:creationId xmlns:a16="http://schemas.microsoft.com/office/drawing/2014/main" id="{53CCCE67-FF65-7C0D-2EC0-57FC6F335014}"/>
+              </a:ext>
+            </a:extLst>
+          </p:cNvPr>
+          <p:cNvPicPr>
+            <a:picLocks noChangeAspect="1"/>
+          </p:cNvPicPr>
+          <p:nvPr/>
+        </p:nvPicPr>
+        <p:blipFill>
+          <a:blip r:embed="rId3"/>
+          <a:stretch>
+            <a:fillRect/>
+          </a:stretch>
+        </p:blipFill>
+        <p:spPr>
+          <a:xfrm>
+            <a:off x="487771" y="682894"/>
+            <a:ext cx="11216457" cy="6175106"/>
+          </a:xfrm>
+          <a:prstGeom prst="rect">
+            <a:avLst/>
+          </a:prstGeom>
+        </p:spPr>
+      </p:pic>
+    </p:spTree>
+    <p:extLst>
+      <p:ext uri="{BB962C8B-B14F-4D97-AF65-F5344CB8AC3E}">
+        <p14:creationId xmlns:p14="http://schemas.microsoft.com/office/powerpoint/2010/main" val="2840730465"/>
+      </p:ext>
+    </p:extLst>
+  </p:cSld>
+  <p:clrMapOvr>
+    <a:masterClrMapping/>
+  </p:clrMapOvr>
+</p:sld>
+</file>
+
+<file path=ppt/slides/slide8.xml><?xml version="1.0" encoding="utf-8"?>
+<p:sld xmlns:a="http://schemas.openxmlformats.org/drawingml/2006/main" xmlns:r="http://schemas.openxmlformats.org/officeDocument/2006/relationships" xmlns:p="http://schemas.openxmlformats.org/presentationml/2006/main">
+  <p:cSld>
+    <p:spTree>
+      <p:nvGrpSpPr>
+        <p:cNvPr id="1" name=""/>
+        <p:cNvGrpSpPr/>
+        <p:nvPr/>
+      </p:nvGrpSpPr>
+      <p:grpSpPr>
+        <a:xfrm>
+          <a:off x="0" y="0"/>
+          <a:ext cx="0" cy="0"/>
+          <a:chOff x="0" y="0"/>
+          <a:chExt cx="0" cy="0"/>
+        </a:xfrm>
+      </p:grpSpPr>
+      <p:cxnSp>
+        <p:nvCxnSpPr>
+          <p:cNvPr id="6" name="직선 연결선 5"/>
+          <p:cNvCxnSpPr>
+            <a:cxnSpLocks/>
+          </p:cNvCxnSpPr>
+          <p:nvPr/>
+        </p:nvCxnSpPr>
+        <p:spPr>
+          <a:xfrm>
+            <a:off x="1839483" y="550675"/>
+            <a:ext cx="10079990" cy="0"/>
+          </a:xfrm>
+          <a:prstGeom prst="line">
+            <a:avLst/>
+          </a:prstGeom>
+          <a:ln w="28575">
+            <a:solidFill>
+              <a:srgbClr val="00AAAA"/>
+            </a:solidFill>
+          </a:ln>
+        </p:spPr>
+        <p:style>
+          <a:lnRef idx="1">
+            <a:schemeClr val="accent1"/>
+          </a:lnRef>
+          <a:fillRef idx="0">
+            <a:schemeClr val="accent1"/>
+          </a:fillRef>
+          <a:effectRef idx="0">
+            <a:schemeClr val="accent1"/>
+          </a:effectRef>
+          <a:fontRef idx="minor">
+            <a:schemeClr val="tx1"/>
+          </a:fontRef>
+        </p:style>
+      </p:cxnSp>
+      <p:cxnSp>
+        <p:nvCxnSpPr>
+          <p:cNvPr id="9" name="직선 연결선 8"/>
+          <p:cNvCxnSpPr>
+            <a:cxnSpLocks/>
+          </p:cNvCxnSpPr>
+          <p:nvPr/>
+        </p:nvCxnSpPr>
+        <p:spPr>
+          <a:xfrm>
+            <a:off x="211612" y="550675"/>
+            <a:ext cx="1737229" cy="0"/>
+          </a:xfrm>
+          <a:prstGeom prst="line">
+            <a:avLst/>
+          </a:prstGeom>
+          <a:ln w="76200">
+            <a:solidFill>
+              <a:srgbClr val="00AAAA"/>
+            </a:solidFill>
+          </a:ln>
+        </p:spPr>
+        <p:style>
+          <a:lnRef idx="1">
+            <a:schemeClr val="accent1"/>
+          </a:lnRef>
+          <a:fillRef idx="0">
+            <a:schemeClr val="accent1"/>
+          </a:fillRef>
+          <a:effectRef idx="0">
+            <a:schemeClr val="accent1"/>
+          </a:effectRef>
+          <a:fontRef idx="minor">
+            <a:schemeClr val="tx1"/>
+          </a:fontRef>
+        </p:style>
+      </p:cxnSp>
+      <p:sp>
+        <p:nvSpPr>
+          <p:cNvPr id="13" name="TextBox 12"/>
+          <p:cNvSpPr txBox="1"/>
+          <p:nvPr/>
+        </p:nvSpPr>
+        <p:spPr>
+          <a:xfrm>
+            <a:off x="188390" y="153410"/>
             <a:ext cx="1498808" cy="385490"/>
           </a:xfrm>
           <a:prstGeom prst="rect">
@@ -22534,7 +26178,18 @@
                 <a:ea typeface="하나2.0 M" panose="020B0603000000000000" pitchFamily="50" charset="-127"/>
                 <a:cs typeface="하나 M" pitchFamily="18" charset="0"/>
               </a:rPr>
-              <a:t>02-2</a:t>
+              <a:t>02-</a:t>
+            </a:r>
+            <a:r>
+              <a:rPr lang="en-US" altLang="ko-KR" dirty="0">
+                <a:solidFill>
+                  <a:srgbClr val="000000"/>
+                </a:solidFill>
+                <a:latin typeface="하나2.0 M" panose="020B0603000000000000" pitchFamily="50" charset="-127"/>
+                <a:ea typeface="하나2.0 M" panose="020B0603000000000000" pitchFamily="50" charset="-127"/>
+                <a:cs typeface="하나 M" pitchFamily="18" charset="0"/>
+              </a:rPr>
+              <a:t>3</a:t>
             </a:r>
             <a:r>
               <a:rPr lang="en-US" altLang="zh-CN" dirty="0">
@@ -23639,7 +27294,7 @@
 </p:sld>
 </file>
 
-<file path=ppt/slides/slide8.xml><?xml version="1.0" encoding="utf-8"?>
+<file path=ppt/slides/slide9.xml><?xml version="1.0" encoding="utf-8"?>
 <p:sld xmlns:a="http://schemas.openxmlformats.org/drawingml/2006/main" xmlns:r="http://schemas.openxmlformats.org/officeDocument/2006/relationships" xmlns:p="http://schemas.openxmlformats.org/presentationml/2006/main">
   <p:cSld>
     <p:spTree>
@@ -23739,7 +27394,7 @@
         <p:spPr>
           <a:xfrm>
             <a:off x="188390" y="153410"/>
-            <a:ext cx="2192908" cy="385490"/>
+            <a:ext cx="2123979" cy="385490"/>
           </a:xfrm>
           <a:prstGeom prst="rect">
             <a:avLst/>
@@ -23767,7 +27422,7 @@
                 <a:ea typeface="하나2.0 M" panose="020B0603000000000000" pitchFamily="50" charset="-127"/>
                 <a:cs typeface="하나 M" pitchFamily="18" charset="0"/>
               </a:rPr>
-              <a:t>02-3</a:t>
+              <a:t>02-4</a:t>
             </a:r>
             <a:r>
               <a:rPr lang="ko-KR" altLang="en-US" dirty="0">
@@ -26010,3267 +29665,6 @@
     <p:extLst>
       <p:ext uri="{BB962C8B-B14F-4D97-AF65-F5344CB8AC3E}">
         <p14:creationId xmlns:p14="http://schemas.microsoft.com/office/powerpoint/2010/main" val="704178106"/>
-      </p:ext>
-    </p:extLst>
-  </p:cSld>
-  <p:clrMapOvr>
-    <a:masterClrMapping/>
-  </p:clrMapOvr>
-</p:sld>
-</file>
-
-<file path=ppt/slides/slide9.xml><?xml version="1.0" encoding="utf-8"?>
-<p:sld xmlns:a="http://schemas.openxmlformats.org/drawingml/2006/main" xmlns:r="http://schemas.openxmlformats.org/officeDocument/2006/relationships" xmlns:p="http://schemas.openxmlformats.org/presentationml/2006/main">
-  <p:cSld>
-    <p:spTree>
-      <p:nvGrpSpPr>
-        <p:cNvPr id="1" name=""/>
-        <p:cNvGrpSpPr/>
-        <p:nvPr/>
-      </p:nvGrpSpPr>
-      <p:grpSpPr>
-        <a:xfrm>
-          <a:off x="0" y="0"/>
-          <a:ext cx="0" cy="0"/>
-          <a:chOff x="0" y="0"/>
-          <a:chExt cx="0" cy="0"/>
-        </a:xfrm>
-      </p:grpSpPr>
-      <p:cxnSp>
-        <p:nvCxnSpPr>
-          <p:cNvPr id="6" name="직선 연결선 5"/>
-          <p:cNvCxnSpPr>
-            <a:cxnSpLocks/>
-          </p:cNvCxnSpPr>
-          <p:nvPr/>
-        </p:nvCxnSpPr>
-        <p:spPr>
-          <a:xfrm>
-            <a:off x="1839483" y="550675"/>
-            <a:ext cx="10079990" cy="0"/>
-          </a:xfrm>
-          <a:prstGeom prst="line">
-            <a:avLst/>
-          </a:prstGeom>
-          <a:ln w="28575">
-            <a:solidFill>
-              <a:srgbClr val="00AAAA"/>
-            </a:solidFill>
-          </a:ln>
-        </p:spPr>
-        <p:style>
-          <a:lnRef idx="1">
-            <a:schemeClr val="accent1"/>
-          </a:lnRef>
-          <a:fillRef idx="0">
-            <a:schemeClr val="accent1"/>
-          </a:fillRef>
-          <a:effectRef idx="0">
-            <a:schemeClr val="accent1"/>
-          </a:effectRef>
-          <a:fontRef idx="minor">
-            <a:schemeClr val="tx1"/>
-          </a:fontRef>
-        </p:style>
-      </p:cxnSp>
-      <p:cxnSp>
-        <p:nvCxnSpPr>
-          <p:cNvPr id="9" name="직선 연결선 8"/>
-          <p:cNvCxnSpPr>
-            <a:cxnSpLocks/>
-          </p:cNvCxnSpPr>
-          <p:nvPr/>
-        </p:nvCxnSpPr>
-        <p:spPr>
-          <a:xfrm>
-            <a:off x="211612" y="550675"/>
-            <a:ext cx="1737229" cy="0"/>
-          </a:xfrm>
-          <a:prstGeom prst="line">
-            <a:avLst/>
-          </a:prstGeom>
-          <a:ln w="76200">
-            <a:solidFill>
-              <a:srgbClr val="00AAAA"/>
-            </a:solidFill>
-          </a:ln>
-        </p:spPr>
-        <p:style>
-          <a:lnRef idx="1">
-            <a:schemeClr val="accent1"/>
-          </a:lnRef>
-          <a:fillRef idx="0">
-            <a:schemeClr val="accent1"/>
-          </a:fillRef>
-          <a:effectRef idx="0">
-            <a:schemeClr val="accent1"/>
-          </a:effectRef>
-          <a:fontRef idx="minor">
-            <a:schemeClr val="tx1"/>
-          </a:fontRef>
-        </p:style>
-      </p:cxnSp>
-      <p:sp>
-        <p:nvSpPr>
-          <p:cNvPr id="13" name="TextBox 12"/>
-          <p:cNvSpPr txBox="1"/>
-          <p:nvPr/>
-        </p:nvSpPr>
-        <p:spPr>
-          <a:xfrm>
-            <a:off x="188390" y="153410"/>
-            <a:ext cx="1498808" cy="385490"/>
-          </a:xfrm>
-          <a:prstGeom prst="rect">
-            <a:avLst/>
-          </a:prstGeom>
-          <a:noFill/>
-        </p:spPr>
-        <p:txBody>
-          <a:bodyPr wrap="none" lIns="0" tIns="0" rIns="0" rtlCol="0">
-            <a:spAutoFit/>
-          </a:bodyPr>
-          <a:lstStyle/>
-          <a:p>
-            <a:pPr>
-              <a:lnSpc>
-                <a:spcPct val="130000"/>
-              </a:lnSpc>
-              <a:tabLst/>
-            </a:pPr>
-            <a:r>
-              <a:rPr lang="en-US" altLang="ko-KR" dirty="0">
-                <a:solidFill>
-                  <a:srgbClr val="000000"/>
-                </a:solidFill>
-                <a:latin typeface="하나2.0 M" panose="020B0603000000000000" pitchFamily="50" charset="-127"/>
-                <a:ea typeface="하나2.0 M" panose="020B0603000000000000" pitchFamily="50" charset="-127"/>
-                <a:cs typeface="하나 M" pitchFamily="18" charset="0"/>
-              </a:rPr>
-              <a:t>02-4</a:t>
-            </a:r>
-            <a:r>
-              <a:rPr lang="ko-KR" altLang="en-US" dirty="0">
-                <a:solidFill>
-                  <a:srgbClr val="000000"/>
-                </a:solidFill>
-                <a:latin typeface="하나2.0 M" panose="020B0603000000000000" pitchFamily="50" charset="-127"/>
-                <a:ea typeface="하나2.0 M" panose="020B0603000000000000" pitchFamily="50" charset="-127"/>
-                <a:cs typeface="하나 M" pitchFamily="18" charset="0"/>
-              </a:rPr>
-              <a:t> 관련 기술</a:t>
-            </a:r>
-            <a:endParaRPr lang="en-US" altLang="zh-CN" dirty="0">
-              <a:latin typeface="하나2.0 M" panose="020B0603000000000000" pitchFamily="50" charset="-127"/>
-              <a:ea typeface="하나2.0 M" panose="020B0603000000000000" pitchFamily="50" charset="-127"/>
-            </a:endParaRPr>
-          </a:p>
-        </p:txBody>
-      </p:sp>
-      <p:sp>
-        <p:nvSpPr>
-          <p:cNvPr id="2" name="직사각형 1">
-            <a:extLst>
-              <a:ext uri="{FF2B5EF4-FFF2-40B4-BE49-F238E27FC236}">
-                <a16:creationId xmlns:a16="http://schemas.microsoft.com/office/drawing/2014/main" id="{30255397-3B57-81F5-C1E5-5035F227D715}"/>
-              </a:ext>
-            </a:extLst>
-          </p:cNvPr>
-          <p:cNvSpPr/>
-          <p:nvPr/>
-        </p:nvSpPr>
-        <p:spPr>
-          <a:xfrm>
-            <a:off x="10418165" y="130679"/>
-            <a:ext cx="1618938" cy="400110"/>
-          </a:xfrm>
-          <a:prstGeom prst="rect">
-            <a:avLst/>
-          </a:prstGeom>
-        </p:spPr>
-        <p:txBody>
-          <a:bodyPr wrap="square">
-            <a:spAutoFit/>
-          </a:bodyPr>
-          <a:lstStyle/>
-          <a:p>
-            <a:pPr algn="ctr"/>
-            <a:r>
-              <a:rPr lang="ko-KR" altLang="en-US" sz="2000" dirty="0">
-                <a:latin typeface="하나2.0 B" panose="020B0303000000000000" pitchFamily="50" charset="-127"/>
-                <a:ea typeface="하나2.0 B" panose="020B0303000000000000" pitchFamily="50" charset="-127"/>
-              </a:rPr>
-              <a:t>하나</a:t>
-            </a:r>
-            <a:r>
-              <a:rPr lang="en-US" altLang="ko-KR" sz="2000" dirty="0">
-                <a:solidFill>
-                  <a:srgbClr val="FF0066"/>
-                </a:solidFill>
-                <a:latin typeface="하나2.0 B" panose="020B0303000000000000" pitchFamily="50" charset="-127"/>
-                <a:ea typeface="하나2.0 B" panose="020B0303000000000000" pitchFamily="50" charset="-127"/>
-              </a:rPr>
-              <a:t>1</a:t>
-            </a:r>
-            <a:r>
-              <a:rPr lang="en-US" altLang="ko-KR" sz="2000" dirty="0">
-                <a:solidFill>
-                  <a:srgbClr val="008485"/>
-                </a:solidFill>
-                <a:latin typeface="하나2.0 B" panose="020B0303000000000000" pitchFamily="50" charset="-127"/>
-                <a:ea typeface="하나2.0 B" panose="020B0303000000000000" pitchFamily="50" charset="-127"/>
-              </a:rPr>
-              <a:t>PIECE</a:t>
-            </a:r>
-          </a:p>
-        </p:txBody>
-      </p:sp>
-      <p:pic>
-        <p:nvPicPr>
-          <p:cNvPr id="4" name="Picture 2" descr="하나금융그룹-CI&amp;하나서체">
-            <a:extLst>
-              <a:ext uri="{FF2B5EF4-FFF2-40B4-BE49-F238E27FC236}">
-                <a16:creationId xmlns:a16="http://schemas.microsoft.com/office/drawing/2014/main" id="{E7446160-7265-2BE2-779C-DBEDC98A21DF}"/>
-              </a:ext>
-            </a:extLst>
-          </p:cNvPr>
-          <p:cNvPicPr>
-            <a:picLocks noChangeAspect="1" noChangeArrowheads="1"/>
-          </p:cNvPicPr>
-          <p:nvPr/>
-        </p:nvPicPr>
-        <p:blipFill>
-          <a:blip r:embed="rId2">
-            <a:extLst>
-              <a:ext uri="{28A0092B-C50C-407E-A947-70E740481C1C}">
-                <a14:useLocalDpi xmlns:a14="http://schemas.microsoft.com/office/drawing/2010/main" val="0"/>
-              </a:ext>
-            </a:extLst>
-          </a:blip>
-          <a:srcRect/>
-          <a:stretch>
-            <a:fillRect/>
-          </a:stretch>
-        </p:blipFill>
-        <p:spPr bwMode="auto">
-          <a:xfrm>
-            <a:off x="10176850" y="44053"/>
-            <a:ext cx="482629" cy="457665"/>
-          </a:xfrm>
-          <a:prstGeom prst="rect">
-            <a:avLst/>
-          </a:prstGeom>
-          <a:noFill/>
-          <a:extLst>
-            <a:ext uri="{909E8E84-426E-40DD-AFC4-6F175D3DCCD1}">
-              <a14:hiddenFill xmlns:a14="http://schemas.microsoft.com/office/drawing/2010/main">
-                <a:solidFill>
-                  <a:srgbClr val="FFFFFF"/>
-                </a:solidFill>
-              </a14:hiddenFill>
-            </a:ext>
-          </a:extLst>
-        </p:spPr>
-      </p:pic>
-      <p:graphicFrame>
-        <p:nvGraphicFramePr>
-          <p:cNvPr id="5" name="표 11">
-            <a:extLst>
-              <a:ext uri="{FF2B5EF4-FFF2-40B4-BE49-F238E27FC236}">
-                <a16:creationId xmlns:a16="http://schemas.microsoft.com/office/drawing/2014/main" id="{2FE7A955-F67D-32AD-3E07-63758A2C2AF3}"/>
-              </a:ext>
-            </a:extLst>
-          </p:cNvPr>
-          <p:cNvGraphicFramePr>
-            <a:graphicFrameLocks noGrp="1"/>
-          </p:cNvGraphicFramePr>
-          <p:nvPr>
-            <p:extLst>
-              <p:ext uri="{D42A27DB-BD31-4B8C-83A1-F6EECF244321}">
-                <p14:modId xmlns:p14="http://schemas.microsoft.com/office/powerpoint/2010/main" val="1904079035"/>
-              </p:ext>
-            </p:extLst>
-          </p:nvPr>
-        </p:nvGraphicFramePr>
-        <p:xfrm>
-          <a:off x="1572883" y="944877"/>
-          <a:ext cx="9046233" cy="5562600"/>
-        </p:xfrm>
-        <a:graphic>
-          <a:graphicData uri="http://schemas.openxmlformats.org/drawingml/2006/table">
-            <a:tbl>
-              <a:tblPr firstRow="1" bandRow="1">
-                <a:tableStyleId>{5C22544A-7EE6-4342-B048-85BDC9FD1C3A}</a:tableStyleId>
-              </a:tblPr>
-              <a:tblGrid>
-                <a:gridCol w="1589320">
-                  <a:extLst>
-                    <a:ext uri="{9D8B030D-6E8A-4147-A177-3AD203B41FA5}">
-                      <a16:colId xmlns:a16="http://schemas.microsoft.com/office/drawing/2014/main" val="4091875216"/>
-                    </a:ext>
-                  </a:extLst>
-                </a:gridCol>
-                <a:gridCol w="1902372">
-                  <a:extLst>
-                    <a:ext uri="{9D8B030D-6E8A-4147-A177-3AD203B41FA5}">
-                      <a16:colId xmlns:a16="http://schemas.microsoft.com/office/drawing/2014/main" val="3284921506"/>
-                    </a:ext>
-                  </a:extLst>
-                </a:gridCol>
-                <a:gridCol w="5554541">
-                  <a:extLst>
-                    <a:ext uri="{9D8B030D-6E8A-4147-A177-3AD203B41FA5}">
-                      <a16:colId xmlns:a16="http://schemas.microsoft.com/office/drawing/2014/main" val="57178564"/>
-                    </a:ext>
-                  </a:extLst>
-                </a:gridCol>
-              </a:tblGrid>
-              <a:tr h="370840">
-                <a:tc>
-                  <a:txBody>
-                    <a:bodyPr/>
-                    <a:lstStyle/>
-                    <a:p>
-                      <a:pPr algn="ctr"/>
-                      <a:r>
-                        <a:rPr lang="ko-Kore-KR" altLang="en-US" dirty="0">
-                          <a:solidFill>
-                            <a:schemeClr val="bg1"/>
-                          </a:solidFill>
-                        </a:rPr>
-                        <a:t>업무</a:t>
-                      </a:r>
-                    </a:p>
-                  </a:txBody>
-                  <a:tcPr>
-                    <a:lnL w="12700" cap="flat" cmpd="sng" algn="ctr">
-                      <a:solidFill>
-                        <a:srgbClr val="C5C5C5"/>
-                      </a:solidFill>
-                      <a:prstDash val="solid"/>
-                      <a:round/>
-                      <a:headEnd type="none" w="med" len="med"/>
-                      <a:tailEnd type="none" w="med" len="med"/>
-                    </a:lnL>
-                    <a:lnR w="12700" cap="flat" cmpd="sng" algn="ctr">
-                      <a:solidFill>
-                        <a:srgbClr val="C5C5C5"/>
-                      </a:solidFill>
-                      <a:prstDash val="solid"/>
-                      <a:round/>
-                      <a:headEnd type="none" w="med" len="med"/>
-                      <a:tailEnd type="none" w="med" len="med"/>
-                    </a:lnR>
-                    <a:lnT w="12700" cap="flat" cmpd="sng" algn="ctr">
-                      <a:solidFill>
-                        <a:srgbClr val="C5C5C5"/>
-                      </a:solidFill>
-                      <a:prstDash val="solid"/>
-                      <a:round/>
-                      <a:headEnd type="none" w="med" len="med"/>
-                      <a:tailEnd type="none" w="med" len="med"/>
-                    </a:lnT>
-                    <a:lnB w="12700" cap="flat" cmpd="sng" algn="ctr">
-                      <a:solidFill>
-                        <a:srgbClr val="C5C5C5"/>
-                      </a:solidFill>
-                      <a:prstDash val="solid"/>
-                      <a:round/>
-                      <a:headEnd type="none" w="med" len="med"/>
-                      <a:tailEnd type="none" w="med" len="med"/>
-                    </a:lnB>
-                    <a:solidFill>
-                      <a:srgbClr val="008C8C"/>
-                    </a:solidFill>
-                  </a:tcPr>
-                </a:tc>
-                <a:tc>
-                  <a:txBody>
-                    <a:bodyPr/>
-                    <a:lstStyle/>
-                    <a:p>
-                      <a:pPr algn="ctr"/>
-                      <a:r>
-                        <a:rPr lang="ko-Kore-KR" altLang="en-US" dirty="0">
-                          <a:solidFill>
-                            <a:schemeClr val="bg1"/>
-                          </a:solidFill>
-                        </a:rPr>
-                        <a:t>분류</a:t>
-                      </a:r>
-                    </a:p>
-                  </a:txBody>
-                  <a:tcPr>
-                    <a:lnL w="12700" cap="flat" cmpd="sng" algn="ctr">
-                      <a:solidFill>
-                        <a:srgbClr val="C5C5C5"/>
-                      </a:solidFill>
-                      <a:prstDash val="solid"/>
-                      <a:round/>
-                      <a:headEnd type="none" w="med" len="med"/>
-                      <a:tailEnd type="none" w="med" len="med"/>
-                    </a:lnL>
-                    <a:lnR w="12700" cap="flat" cmpd="sng" algn="ctr">
-                      <a:solidFill>
-                        <a:srgbClr val="C5C5C5"/>
-                      </a:solidFill>
-                      <a:prstDash val="solid"/>
-                      <a:round/>
-                      <a:headEnd type="none" w="med" len="med"/>
-                      <a:tailEnd type="none" w="med" len="med"/>
-                    </a:lnR>
-                    <a:lnT w="12700" cap="flat" cmpd="sng" algn="ctr">
-                      <a:solidFill>
-                        <a:srgbClr val="C5C5C5"/>
-                      </a:solidFill>
-                      <a:prstDash val="solid"/>
-                      <a:round/>
-                      <a:headEnd type="none" w="med" len="med"/>
-                      <a:tailEnd type="none" w="med" len="med"/>
-                    </a:lnT>
-                    <a:lnB w="12700" cap="flat" cmpd="sng" algn="ctr">
-                      <a:solidFill>
-                        <a:srgbClr val="C5C5C5"/>
-                      </a:solidFill>
-                      <a:prstDash val="solid"/>
-                      <a:round/>
-                      <a:headEnd type="none" w="med" len="med"/>
-                      <a:tailEnd type="none" w="med" len="med"/>
-                    </a:lnB>
-                    <a:solidFill>
-                      <a:srgbClr val="008C8C"/>
-                    </a:solidFill>
-                  </a:tcPr>
-                </a:tc>
-                <a:tc>
-                  <a:txBody>
-                    <a:bodyPr/>
-                    <a:lstStyle/>
-                    <a:p>
-                      <a:pPr algn="ctr"/>
-                      <a:r>
-                        <a:rPr lang="ko-Kore-KR" altLang="en-US" dirty="0">
-                          <a:solidFill>
-                            <a:schemeClr val="bg1"/>
-                          </a:solidFill>
-                        </a:rPr>
-                        <a:t>개발</a:t>
-                      </a:r>
-                      <a:r>
-                        <a:rPr lang="ko-KR" altLang="en-US" dirty="0">
-                          <a:solidFill>
-                            <a:schemeClr val="bg1"/>
-                          </a:solidFill>
-                        </a:rPr>
-                        <a:t> 환경</a:t>
-                      </a:r>
-                      <a:endParaRPr lang="ko-Kore-KR" altLang="en-US" dirty="0">
-                        <a:solidFill>
-                          <a:schemeClr val="bg1"/>
-                        </a:solidFill>
-                      </a:endParaRPr>
-                    </a:p>
-                  </a:txBody>
-                  <a:tcPr>
-                    <a:lnL w="12700" cap="flat" cmpd="sng" algn="ctr">
-                      <a:solidFill>
-                        <a:srgbClr val="C5C5C5"/>
-                      </a:solidFill>
-                      <a:prstDash val="solid"/>
-                      <a:round/>
-                      <a:headEnd type="none" w="med" len="med"/>
-                      <a:tailEnd type="none" w="med" len="med"/>
-                    </a:lnL>
-                    <a:lnR w="12700" cap="flat" cmpd="sng" algn="ctr">
-                      <a:solidFill>
-                        <a:srgbClr val="C5C5C5"/>
-                      </a:solidFill>
-                      <a:prstDash val="solid"/>
-                      <a:round/>
-                      <a:headEnd type="none" w="med" len="med"/>
-                      <a:tailEnd type="none" w="med" len="med"/>
-                    </a:lnR>
-                    <a:lnT w="12700" cap="flat" cmpd="sng" algn="ctr">
-                      <a:solidFill>
-                        <a:srgbClr val="C5C5C5"/>
-                      </a:solidFill>
-                      <a:prstDash val="solid"/>
-                      <a:round/>
-                      <a:headEnd type="none" w="med" len="med"/>
-                      <a:tailEnd type="none" w="med" len="med"/>
-                    </a:lnT>
-                    <a:lnB w="12700" cap="flat" cmpd="sng" algn="ctr">
-                      <a:solidFill>
-                        <a:srgbClr val="C5C5C5"/>
-                      </a:solidFill>
-                      <a:prstDash val="solid"/>
-                      <a:round/>
-                      <a:headEnd type="none" w="med" len="med"/>
-                      <a:tailEnd type="none" w="med" len="med"/>
-                    </a:lnB>
-                    <a:solidFill>
-                      <a:srgbClr val="008C8C"/>
-                    </a:solidFill>
-                  </a:tcPr>
-                </a:tc>
-                <a:extLst>
-                  <a:ext uri="{0D108BD9-81ED-4DB2-BD59-A6C34878D82A}">
-                    <a16:rowId xmlns:a16="http://schemas.microsoft.com/office/drawing/2014/main" val="37226797"/>
-                  </a:ext>
-                </a:extLst>
-              </a:tr>
-              <a:tr h="370840">
-                <a:tc rowSpan="4">
-                  <a:txBody>
-                    <a:bodyPr/>
-                    <a:lstStyle/>
-                    <a:p>
-                      <a:pPr algn="ctr"/>
-                      <a:r>
-                        <a:rPr lang="en-US" altLang="ko-Kore-KR" sz="1600" dirty="0">
-                          <a:solidFill>
-                            <a:srgbClr val="595959"/>
-                          </a:solidFill>
-                        </a:rPr>
-                        <a:t>Front-End</a:t>
-                      </a:r>
-                      <a:endParaRPr lang="ko-Kore-KR" altLang="en-US" sz="1600" dirty="0">
-                        <a:solidFill>
-                          <a:srgbClr val="595959"/>
-                        </a:solidFill>
-                      </a:endParaRPr>
-                    </a:p>
-                  </a:txBody>
-                  <a:tcPr anchor="ctr">
-                    <a:lnL w="12700" cap="flat" cmpd="sng" algn="ctr">
-                      <a:solidFill>
-                        <a:srgbClr val="C5C5C5"/>
-                      </a:solidFill>
-                      <a:prstDash val="solid"/>
-                      <a:round/>
-                      <a:headEnd type="none" w="med" len="med"/>
-                      <a:tailEnd type="none" w="med" len="med"/>
-                    </a:lnL>
-                    <a:lnR w="12700" cap="flat" cmpd="sng" algn="ctr">
-                      <a:solidFill>
-                        <a:srgbClr val="C5C5C5"/>
-                      </a:solidFill>
-                      <a:prstDash val="solid"/>
-                      <a:round/>
-                      <a:headEnd type="none" w="med" len="med"/>
-                      <a:tailEnd type="none" w="med" len="med"/>
-                    </a:lnR>
-                    <a:lnT w="12700" cap="flat" cmpd="sng" algn="ctr">
-                      <a:solidFill>
-                        <a:srgbClr val="C5C5C5"/>
-                      </a:solidFill>
-                      <a:prstDash val="solid"/>
-                      <a:round/>
-                      <a:headEnd type="none" w="med" len="med"/>
-                      <a:tailEnd type="none" w="med" len="med"/>
-                    </a:lnT>
-                    <a:lnB w="12700" cap="flat" cmpd="sng" algn="ctr">
-                      <a:solidFill>
-                        <a:srgbClr val="C5C5C5"/>
-                      </a:solidFill>
-                      <a:prstDash val="solid"/>
-                      <a:round/>
-                      <a:headEnd type="none" w="med" len="med"/>
-                      <a:tailEnd type="none" w="med" len="med"/>
-                    </a:lnB>
-                    <a:noFill/>
-                  </a:tcPr>
-                </a:tc>
-                <a:tc>
-                  <a:txBody>
-                    <a:bodyPr/>
-                    <a:lstStyle/>
-                    <a:p>
-                      <a:pPr algn="ctr"/>
-                      <a:r>
-                        <a:rPr lang="en-US" altLang="ko-Kore-KR" sz="1600" dirty="0">
-                          <a:solidFill>
-                            <a:srgbClr val="595959"/>
-                          </a:solidFill>
-                        </a:rPr>
-                        <a:t>Language</a:t>
-                      </a:r>
-                      <a:endParaRPr lang="ko-Kore-KR" altLang="en-US" sz="1600" dirty="0">
-                        <a:solidFill>
-                          <a:srgbClr val="595959"/>
-                        </a:solidFill>
-                      </a:endParaRPr>
-                    </a:p>
-                  </a:txBody>
-                  <a:tcPr anchor="ctr">
-                    <a:lnL w="12700" cap="flat" cmpd="sng" algn="ctr">
-                      <a:solidFill>
-                        <a:srgbClr val="C5C5C5"/>
-                      </a:solidFill>
-                      <a:prstDash val="solid"/>
-                      <a:round/>
-                      <a:headEnd type="none" w="med" len="med"/>
-                      <a:tailEnd type="none" w="med" len="med"/>
-                    </a:lnL>
-                    <a:lnR w="12700" cap="flat" cmpd="sng" algn="ctr">
-                      <a:solidFill>
-                        <a:srgbClr val="C5C5C5"/>
-                      </a:solidFill>
-                      <a:prstDash val="solid"/>
-                      <a:round/>
-                      <a:headEnd type="none" w="med" len="med"/>
-                      <a:tailEnd type="none" w="med" len="med"/>
-                    </a:lnR>
-                    <a:lnT w="12700" cap="flat" cmpd="sng" algn="ctr">
-                      <a:solidFill>
-                        <a:srgbClr val="C5C5C5"/>
-                      </a:solidFill>
-                      <a:prstDash val="solid"/>
-                      <a:round/>
-                      <a:headEnd type="none" w="med" len="med"/>
-                      <a:tailEnd type="none" w="med" len="med"/>
-                    </a:lnT>
-                    <a:lnB w="12700" cap="flat" cmpd="sng" algn="ctr">
-                      <a:solidFill>
-                        <a:srgbClr val="C5C5C5"/>
-                      </a:solidFill>
-                      <a:prstDash val="solid"/>
-                      <a:round/>
-                      <a:headEnd type="none" w="med" len="med"/>
-                      <a:tailEnd type="none" w="med" len="med"/>
-                    </a:lnB>
-                    <a:noFill/>
-                  </a:tcPr>
-                </a:tc>
-                <a:tc>
-                  <a:txBody>
-                    <a:bodyPr/>
-                    <a:lstStyle/>
-                    <a:p>
-                      <a:pPr algn="l"/>
-                      <a:r>
-                        <a:rPr lang="en-US" altLang="ko-Kore-KR" sz="1600" dirty="0">
-                          <a:solidFill>
-                            <a:srgbClr val="595959"/>
-                          </a:solidFill>
-                        </a:rPr>
-                        <a:t>HTML5, CSS3, </a:t>
-                      </a:r>
-                      <a:r>
-                        <a:rPr lang="en-US" altLang="ko-Kore-KR" sz="1600" dirty="0" err="1">
-                          <a:solidFill>
-                            <a:srgbClr val="595959"/>
-                          </a:solidFill>
-                        </a:rPr>
-                        <a:t>Javascript</a:t>
-                      </a:r>
-                      <a:endParaRPr lang="ko-Kore-KR" altLang="en-US" sz="1600" dirty="0">
-                        <a:solidFill>
-                          <a:srgbClr val="595959"/>
-                        </a:solidFill>
-                      </a:endParaRPr>
-                    </a:p>
-                  </a:txBody>
-                  <a:tcPr anchor="ctr">
-                    <a:lnL w="12700" cap="flat" cmpd="sng" algn="ctr">
-                      <a:solidFill>
-                        <a:srgbClr val="C5C5C5"/>
-                      </a:solidFill>
-                      <a:prstDash val="solid"/>
-                      <a:round/>
-                      <a:headEnd type="none" w="med" len="med"/>
-                      <a:tailEnd type="none" w="med" len="med"/>
-                    </a:lnL>
-                    <a:lnR w="12700" cap="flat" cmpd="sng" algn="ctr">
-                      <a:solidFill>
-                        <a:srgbClr val="C5C5C5"/>
-                      </a:solidFill>
-                      <a:prstDash val="solid"/>
-                      <a:round/>
-                      <a:headEnd type="none" w="med" len="med"/>
-                      <a:tailEnd type="none" w="med" len="med"/>
-                    </a:lnR>
-                    <a:lnT w="12700" cap="flat" cmpd="sng" algn="ctr">
-                      <a:solidFill>
-                        <a:srgbClr val="C5C5C5"/>
-                      </a:solidFill>
-                      <a:prstDash val="solid"/>
-                      <a:round/>
-                      <a:headEnd type="none" w="med" len="med"/>
-                      <a:tailEnd type="none" w="med" len="med"/>
-                    </a:lnT>
-                    <a:lnB w="12700" cap="flat" cmpd="sng" algn="ctr">
-                      <a:solidFill>
-                        <a:srgbClr val="C5C5C5"/>
-                      </a:solidFill>
-                      <a:prstDash val="solid"/>
-                      <a:round/>
-                      <a:headEnd type="none" w="med" len="med"/>
-                      <a:tailEnd type="none" w="med" len="med"/>
-                    </a:lnB>
-                    <a:noFill/>
-                  </a:tcPr>
-                </a:tc>
-                <a:extLst>
-                  <a:ext uri="{0D108BD9-81ED-4DB2-BD59-A6C34878D82A}">
-                    <a16:rowId xmlns:a16="http://schemas.microsoft.com/office/drawing/2014/main" val="1900723684"/>
-                  </a:ext>
-                </a:extLst>
-              </a:tr>
-              <a:tr h="370840">
-                <a:tc vMerge="1">
-                  <a:txBody>
-                    <a:bodyPr/>
-                    <a:lstStyle/>
-                    <a:p>
-                      <a:pPr algn="ctr"/>
-                      <a:endParaRPr lang="ko-Kore-KR" altLang="en-US" sz="1600" dirty="0">
-                        <a:solidFill>
-                          <a:srgbClr val="595959"/>
-                        </a:solidFill>
-                      </a:endParaRPr>
-                    </a:p>
-                  </a:txBody>
-                  <a:tcPr anchor="ctr">
-                    <a:lnL w="12700" cap="flat" cmpd="sng" algn="ctr">
-                      <a:solidFill>
-                        <a:srgbClr val="C5C5C5"/>
-                      </a:solidFill>
-                      <a:prstDash val="solid"/>
-                      <a:round/>
-                      <a:headEnd type="none" w="med" len="med"/>
-                      <a:tailEnd type="none" w="med" len="med"/>
-                    </a:lnL>
-                    <a:lnR w="12700" cap="flat" cmpd="sng" algn="ctr">
-                      <a:solidFill>
-                        <a:srgbClr val="C5C5C5"/>
-                      </a:solidFill>
-                      <a:prstDash val="solid"/>
-                      <a:round/>
-                      <a:headEnd type="none" w="med" len="med"/>
-                      <a:tailEnd type="none" w="med" len="med"/>
-                    </a:lnR>
-                    <a:lnT w="12700" cap="flat" cmpd="sng" algn="ctr">
-                      <a:solidFill>
-                        <a:srgbClr val="C5C5C5"/>
-                      </a:solidFill>
-                      <a:prstDash val="solid"/>
-                      <a:round/>
-                      <a:headEnd type="none" w="med" len="med"/>
-                      <a:tailEnd type="none" w="med" len="med"/>
-                    </a:lnT>
-                    <a:lnB w="12700" cap="flat" cmpd="sng" algn="ctr">
-                      <a:solidFill>
-                        <a:srgbClr val="C5C5C5"/>
-                      </a:solidFill>
-                      <a:prstDash val="solid"/>
-                      <a:round/>
-                      <a:headEnd type="none" w="med" len="med"/>
-                      <a:tailEnd type="none" w="med" len="med"/>
-                    </a:lnB>
-                    <a:noFill/>
-                  </a:tcPr>
-                </a:tc>
-                <a:tc>
-                  <a:txBody>
-                    <a:bodyPr/>
-                    <a:lstStyle/>
-                    <a:p>
-                      <a:pPr algn="ctr"/>
-                      <a:r>
-                        <a:rPr lang="en-US" altLang="ko-Kore-KR" sz="1600" dirty="0">
-                          <a:solidFill>
-                            <a:srgbClr val="595959"/>
-                          </a:solidFill>
-                        </a:rPr>
-                        <a:t>Framework</a:t>
-                      </a:r>
-                      <a:endParaRPr lang="ko-Kore-KR" altLang="en-US" sz="1600" dirty="0">
-                        <a:solidFill>
-                          <a:srgbClr val="595959"/>
-                        </a:solidFill>
-                      </a:endParaRPr>
-                    </a:p>
-                  </a:txBody>
-                  <a:tcPr anchor="ctr">
-                    <a:lnL w="12700" cap="flat" cmpd="sng" algn="ctr">
-                      <a:solidFill>
-                        <a:srgbClr val="C5C5C5"/>
-                      </a:solidFill>
-                      <a:prstDash val="solid"/>
-                      <a:round/>
-                      <a:headEnd type="none" w="med" len="med"/>
-                      <a:tailEnd type="none" w="med" len="med"/>
-                    </a:lnL>
-                    <a:lnR w="12700" cap="flat" cmpd="sng" algn="ctr">
-                      <a:solidFill>
-                        <a:srgbClr val="C5C5C5"/>
-                      </a:solidFill>
-                      <a:prstDash val="solid"/>
-                      <a:round/>
-                      <a:headEnd type="none" w="med" len="med"/>
-                      <a:tailEnd type="none" w="med" len="med"/>
-                    </a:lnR>
-                    <a:lnT w="12700" cap="flat" cmpd="sng" algn="ctr">
-                      <a:solidFill>
-                        <a:srgbClr val="C5C5C5"/>
-                      </a:solidFill>
-                      <a:prstDash val="solid"/>
-                      <a:round/>
-                      <a:headEnd type="none" w="med" len="med"/>
-                      <a:tailEnd type="none" w="med" len="med"/>
-                    </a:lnT>
-                    <a:lnB w="12700" cap="flat" cmpd="sng" algn="ctr">
-                      <a:solidFill>
-                        <a:srgbClr val="C5C5C5"/>
-                      </a:solidFill>
-                      <a:prstDash val="solid"/>
-                      <a:round/>
-                      <a:headEnd type="none" w="med" len="med"/>
-                      <a:tailEnd type="none" w="med" len="med"/>
-                    </a:lnB>
-                    <a:noFill/>
-                  </a:tcPr>
-                </a:tc>
-                <a:tc>
-                  <a:txBody>
-                    <a:bodyPr/>
-                    <a:lstStyle/>
-                    <a:p>
-                      <a:pPr marL="0" marR="0" lvl="0" indent="0" algn="l" defTabSz="914400" rtl="0" eaLnBrk="1" fontAlgn="auto" latinLnBrk="1" hangingPunct="1">
-                        <a:lnSpc>
-                          <a:spcPct val="100000"/>
-                        </a:lnSpc>
-                        <a:spcBef>
-                          <a:spcPts val="0"/>
-                        </a:spcBef>
-                        <a:spcAft>
-                          <a:spcPts val="0"/>
-                        </a:spcAft>
-                        <a:buClrTx/>
-                        <a:buSzTx/>
-                        <a:buFontTx/>
-                        <a:buNone/>
-                        <a:tabLst/>
-                        <a:defRPr/>
-                      </a:pPr>
-                      <a:r>
-                        <a:rPr lang="en-US" altLang="ko-KR" sz="1600" b="0" dirty="0">
-                          <a:solidFill>
-                            <a:srgbClr val="595959"/>
-                          </a:solidFill>
-                        </a:rPr>
-                        <a:t>Bootstrap</a:t>
-                      </a:r>
-                      <a:endParaRPr lang="ko-KR" altLang="en-US" sz="1600" b="0" dirty="0">
-                        <a:solidFill>
-                          <a:srgbClr val="595959"/>
-                        </a:solidFill>
-                      </a:endParaRPr>
-                    </a:p>
-                  </a:txBody>
-                  <a:tcPr anchor="ctr">
-                    <a:lnL w="12700" cap="flat" cmpd="sng" algn="ctr">
-                      <a:solidFill>
-                        <a:srgbClr val="C5C5C5"/>
-                      </a:solidFill>
-                      <a:prstDash val="solid"/>
-                      <a:round/>
-                      <a:headEnd type="none" w="med" len="med"/>
-                      <a:tailEnd type="none" w="med" len="med"/>
-                    </a:lnL>
-                    <a:lnR w="12700" cap="flat" cmpd="sng" algn="ctr">
-                      <a:solidFill>
-                        <a:srgbClr val="C5C5C5"/>
-                      </a:solidFill>
-                      <a:prstDash val="solid"/>
-                      <a:round/>
-                      <a:headEnd type="none" w="med" len="med"/>
-                      <a:tailEnd type="none" w="med" len="med"/>
-                    </a:lnR>
-                    <a:lnT w="12700" cap="flat" cmpd="sng" algn="ctr">
-                      <a:solidFill>
-                        <a:srgbClr val="C5C5C5"/>
-                      </a:solidFill>
-                      <a:prstDash val="solid"/>
-                      <a:round/>
-                      <a:headEnd type="none" w="med" len="med"/>
-                      <a:tailEnd type="none" w="med" len="med"/>
-                    </a:lnT>
-                    <a:lnB w="12700" cap="flat" cmpd="sng" algn="ctr">
-                      <a:solidFill>
-                        <a:srgbClr val="C5C5C5"/>
-                      </a:solidFill>
-                      <a:prstDash val="solid"/>
-                      <a:round/>
-                      <a:headEnd type="none" w="med" len="med"/>
-                      <a:tailEnd type="none" w="med" len="med"/>
-                    </a:lnB>
-                    <a:noFill/>
-                  </a:tcPr>
-                </a:tc>
-                <a:extLst>
-                  <a:ext uri="{0D108BD9-81ED-4DB2-BD59-A6C34878D82A}">
-                    <a16:rowId xmlns:a16="http://schemas.microsoft.com/office/drawing/2014/main" val="780796844"/>
-                  </a:ext>
-                </a:extLst>
-              </a:tr>
-              <a:tr h="370840">
-                <a:tc vMerge="1">
-                  <a:txBody>
-                    <a:bodyPr/>
-                    <a:lstStyle/>
-                    <a:p>
-                      <a:pPr algn="ctr"/>
-                      <a:endParaRPr lang="ko-Kore-KR" altLang="en-US" sz="1600" dirty="0">
-                        <a:solidFill>
-                          <a:srgbClr val="595959"/>
-                        </a:solidFill>
-                      </a:endParaRPr>
-                    </a:p>
-                  </a:txBody>
-                  <a:tcPr anchor="ctr">
-                    <a:lnL w="12700" cap="flat" cmpd="sng" algn="ctr">
-                      <a:solidFill>
-                        <a:srgbClr val="C5C5C5"/>
-                      </a:solidFill>
-                      <a:prstDash val="solid"/>
-                      <a:round/>
-                      <a:headEnd type="none" w="med" len="med"/>
-                      <a:tailEnd type="none" w="med" len="med"/>
-                    </a:lnL>
-                    <a:lnR w="12700" cap="flat" cmpd="sng" algn="ctr">
-                      <a:solidFill>
-                        <a:srgbClr val="C5C5C5"/>
-                      </a:solidFill>
-                      <a:prstDash val="solid"/>
-                      <a:round/>
-                      <a:headEnd type="none" w="med" len="med"/>
-                      <a:tailEnd type="none" w="med" len="med"/>
-                    </a:lnR>
-                    <a:lnT w="12700" cap="flat" cmpd="sng" algn="ctr">
-                      <a:solidFill>
-                        <a:srgbClr val="C5C5C5"/>
-                      </a:solidFill>
-                      <a:prstDash val="solid"/>
-                      <a:round/>
-                      <a:headEnd type="none" w="med" len="med"/>
-                      <a:tailEnd type="none" w="med" len="med"/>
-                    </a:lnT>
-                    <a:lnB w="12700" cap="flat" cmpd="sng" algn="ctr">
-                      <a:solidFill>
-                        <a:srgbClr val="C5C5C5"/>
-                      </a:solidFill>
-                      <a:prstDash val="solid"/>
-                      <a:round/>
-                      <a:headEnd type="none" w="med" len="med"/>
-                      <a:tailEnd type="none" w="med" len="med"/>
-                    </a:lnB>
-                    <a:noFill/>
-                  </a:tcPr>
-                </a:tc>
-                <a:tc>
-                  <a:txBody>
-                    <a:bodyPr/>
-                    <a:lstStyle/>
-                    <a:p>
-                      <a:pPr algn="ctr"/>
-                      <a:r>
-                        <a:rPr lang="en-US" altLang="ko-Kore-KR" sz="1600" dirty="0">
-                          <a:solidFill>
-                            <a:srgbClr val="595959"/>
-                          </a:solidFill>
-                        </a:rPr>
-                        <a:t>Library</a:t>
-                      </a:r>
-                      <a:endParaRPr lang="ko-Kore-KR" altLang="en-US" sz="1600" dirty="0">
-                        <a:solidFill>
-                          <a:srgbClr val="595959"/>
-                        </a:solidFill>
-                      </a:endParaRPr>
-                    </a:p>
-                  </a:txBody>
-                  <a:tcPr anchor="ctr">
-                    <a:lnL w="12700" cap="flat" cmpd="sng" algn="ctr">
-                      <a:solidFill>
-                        <a:srgbClr val="C5C5C5"/>
-                      </a:solidFill>
-                      <a:prstDash val="solid"/>
-                      <a:round/>
-                      <a:headEnd type="none" w="med" len="med"/>
-                      <a:tailEnd type="none" w="med" len="med"/>
-                    </a:lnL>
-                    <a:lnR w="12700" cap="flat" cmpd="sng" algn="ctr">
-                      <a:solidFill>
-                        <a:srgbClr val="C5C5C5"/>
-                      </a:solidFill>
-                      <a:prstDash val="solid"/>
-                      <a:round/>
-                      <a:headEnd type="none" w="med" len="med"/>
-                      <a:tailEnd type="none" w="med" len="med"/>
-                    </a:lnR>
-                    <a:lnT w="12700" cap="flat" cmpd="sng" algn="ctr">
-                      <a:solidFill>
-                        <a:srgbClr val="C5C5C5"/>
-                      </a:solidFill>
-                      <a:prstDash val="solid"/>
-                      <a:round/>
-                      <a:headEnd type="none" w="med" len="med"/>
-                      <a:tailEnd type="none" w="med" len="med"/>
-                    </a:lnT>
-                    <a:lnB w="12700" cap="flat" cmpd="sng" algn="ctr">
-                      <a:solidFill>
-                        <a:srgbClr val="C5C5C5"/>
-                      </a:solidFill>
-                      <a:prstDash val="solid"/>
-                      <a:round/>
-                      <a:headEnd type="none" w="med" len="med"/>
-                      <a:tailEnd type="none" w="med" len="med"/>
-                    </a:lnB>
-                    <a:noFill/>
-                  </a:tcPr>
-                </a:tc>
-                <a:tc>
-                  <a:txBody>
-                    <a:bodyPr/>
-                    <a:lstStyle/>
-                    <a:p>
-                      <a:pPr marL="0" marR="0" lvl="0" indent="0" algn="l" defTabSz="914400" rtl="0" eaLnBrk="1" fontAlgn="auto" latinLnBrk="1" hangingPunct="1">
-                        <a:lnSpc>
-                          <a:spcPct val="100000"/>
-                        </a:lnSpc>
-                        <a:spcBef>
-                          <a:spcPts val="0"/>
-                        </a:spcBef>
-                        <a:spcAft>
-                          <a:spcPts val="0"/>
-                        </a:spcAft>
-                        <a:buClrTx/>
-                        <a:buSzTx/>
-                        <a:buFontTx/>
-                        <a:buNone/>
-                        <a:tabLst/>
-                        <a:defRPr/>
-                      </a:pPr>
-                      <a:r>
-                        <a:rPr lang="en-US" altLang="ko-KR" sz="1600" b="0" dirty="0">
-                          <a:solidFill>
-                            <a:srgbClr val="595959"/>
-                          </a:solidFill>
-                        </a:rPr>
-                        <a:t>jQuery</a:t>
-                      </a:r>
-                      <a:endParaRPr lang="ko-KR" altLang="en-US" sz="1600" b="0" dirty="0">
-                        <a:solidFill>
-                          <a:srgbClr val="595959"/>
-                        </a:solidFill>
-                      </a:endParaRPr>
-                    </a:p>
-                  </a:txBody>
-                  <a:tcPr anchor="ctr">
-                    <a:lnL w="12700" cap="flat" cmpd="sng" algn="ctr">
-                      <a:solidFill>
-                        <a:srgbClr val="C5C5C5"/>
-                      </a:solidFill>
-                      <a:prstDash val="solid"/>
-                      <a:round/>
-                      <a:headEnd type="none" w="med" len="med"/>
-                      <a:tailEnd type="none" w="med" len="med"/>
-                    </a:lnL>
-                    <a:lnR w="12700" cap="flat" cmpd="sng" algn="ctr">
-                      <a:solidFill>
-                        <a:srgbClr val="C5C5C5"/>
-                      </a:solidFill>
-                      <a:prstDash val="solid"/>
-                      <a:round/>
-                      <a:headEnd type="none" w="med" len="med"/>
-                      <a:tailEnd type="none" w="med" len="med"/>
-                    </a:lnR>
-                    <a:lnT w="12700" cap="flat" cmpd="sng" algn="ctr">
-                      <a:solidFill>
-                        <a:srgbClr val="C5C5C5"/>
-                      </a:solidFill>
-                      <a:prstDash val="solid"/>
-                      <a:round/>
-                      <a:headEnd type="none" w="med" len="med"/>
-                      <a:tailEnd type="none" w="med" len="med"/>
-                    </a:lnT>
-                    <a:lnB w="12700" cap="flat" cmpd="sng" algn="ctr">
-                      <a:solidFill>
-                        <a:srgbClr val="C5C5C5"/>
-                      </a:solidFill>
-                      <a:prstDash val="solid"/>
-                      <a:round/>
-                      <a:headEnd type="none" w="med" len="med"/>
-                      <a:tailEnd type="none" w="med" len="med"/>
-                    </a:lnB>
-                    <a:noFill/>
-                  </a:tcPr>
-                </a:tc>
-                <a:extLst>
-                  <a:ext uri="{0D108BD9-81ED-4DB2-BD59-A6C34878D82A}">
-                    <a16:rowId xmlns:a16="http://schemas.microsoft.com/office/drawing/2014/main" val="1128453005"/>
-                  </a:ext>
-                </a:extLst>
-              </a:tr>
-              <a:tr h="370840">
-                <a:tc vMerge="1">
-                  <a:txBody>
-                    <a:bodyPr/>
-                    <a:lstStyle/>
-                    <a:p>
-                      <a:pPr algn="ctr"/>
-                      <a:endParaRPr lang="ko-Kore-KR" altLang="en-US" sz="1600" dirty="0">
-                        <a:solidFill>
-                          <a:srgbClr val="595959"/>
-                        </a:solidFill>
-                      </a:endParaRPr>
-                    </a:p>
-                  </a:txBody>
-                  <a:tcPr anchor="ctr">
-                    <a:lnL w="12700" cap="flat" cmpd="sng" algn="ctr">
-                      <a:solidFill>
-                        <a:srgbClr val="C5C5C5"/>
-                      </a:solidFill>
-                      <a:prstDash val="solid"/>
-                      <a:round/>
-                      <a:headEnd type="none" w="med" len="med"/>
-                      <a:tailEnd type="none" w="med" len="med"/>
-                    </a:lnL>
-                    <a:lnR w="12700" cap="flat" cmpd="sng" algn="ctr">
-                      <a:solidFill>
-                        <a:srgbClr val="C5C5C5"/>
-                      </a:solidFill>
-                      <a:prstDash val="solid"/>
-                      <a:round/>
-                      <a:headEnd type="none" w="med" len="med"/>
-                      <a:tailEnd type="none" w="med" len="med"/>
-                    </a:lnR>
-                    <a:lnT w="12700" cap="flat" cmpd="sng" algn="ctr">
-                      <a:solidFill>
-                        <a:srgbClr val="C5C5C5"/>
-                      </a:solidFill>
-                      <a:prstDash val="solid"/>
-                      <a:round/>
-                      <a:headEnd type="none" w="med" len="med"/>
-                      <a:tailEnd type="none" w="med" len="med"/>
-                    </a:lnT>
-                    <a:lnB w="12700" cap="flat" cmpd="sng" algn="ctr">
-                      <a:solidFill>
-                        <a:srgbClr val="C5C5C5"/>
-                      </a:solidFill>
-                      <a:prstDash val="solid"/>
-                      <a:round/>
-                      <a:headEnd type="none" w="med" len="med"/>
-                      <a:tailEnd type="none" w="med" len="med"/>
-                    </a:lnB>
-                    <a:noFill/>
-                  </a:tcPr>
-                </a:tc>
-                <a:tc>
-                  <a:txBody>
-                    <a:bodyPr/>
-                    <a:lstStyle/>
-                    <a:p>
-                      <a:pPr algn="ctr"/>
-                      <a:r>
-                        <a:rPr lang="en-US" altLang="ko-Kore-KR" sz="1600" dirty="0">
-                          <a:solidFill>
-                            <a:srgbClr val="595959"/>
-                          </a:solidFill>
-                        </a:rPr>
-                        <a:t>Tools</a:t>
-                      </a:r>
-                      <a:endParaRPr lang="ko-Kore-KR" altLang="en-US" sz="1600" dirty="0">
-                        <a:solidFill>
-                          <a:srgbClr val="595959"/>
-                        </a:solidFill>
-                      </a:endParaRPr>
-                    </a:p>
-                  </a:txBody>
-                  <a:tcPr anchor="ctr">
-                    <a:lnL w="12700" cap="flat" cmpd="sng" algn="ctr">
-                      <a:solidFill>
-                        <a:srgbClr val="C5C5C5"/>
-                      </a:solidFill>
-                      <a:prstDash val="solid"/>
-                      <a:round/>
-                      <a:headEnd type="none" w="med" len="med"/>
-                      <a:tailEnd type="none" w="med" len="med"/>
-                    </a:lnL>
-                    <a:lnR w="12700" cap="flat" cmpd="sng" algn="ctr">
-                      <a:solidFill>
-                        <a:srgbClr val="C5C5C5"/>
-                      </a:solidFill>
-                      <a:prstDash val="solid"/>
-                      <a:round/>
-                      <a:headEnd type="none" w="med" len="med"/>
-                      <a:tailEnd type="none" w="med" len="med"/>
-                    </a:lnR>
-                    <a:lnT w="12700" cap="flat" cmpd="sng" algn="ctr">
-                      <a:solidFill>
-                        <a:srgbClr val="C5C5C5"/>
-                      </a:solidFill>
-                      <a:prstDash val="solid"/>
-                      <a:round/>
-                      <a:headEnd type="none" w="med" len="med"/>
-                      <a:tailEnd type="none" w="med" len="med"/>
-                    </a:lnT>
-                    <a:lnB w="12700" cap="flat" cmpd="sng" algn="ctr">
-                      <a:solidFill>
-                        <a:srgbClr val="C5C5C5"/>
-                      </a:solidFill>
-                      <a:prstDash val="solid"/>
-                      <a:round/>
-                      <a:headEnd type="none" w="med" len="med"/>
-                      <a:tailEnd type="none" w="med" len="med"/>
-                    </a:lnB>
-                    <a:noFill/>
-                  </a:tcPr>
-                </a:tc>
-                <a:tc>
-                  <a:txBody>
-                    <a:bodyPr/>
-                    <a:lstStyle/>
-                    <a:p>
-                      <a:pPr marL="0" marR="0" lvl="0" indent="0" algn="l" defTabSz="914400" rtl="0" eaLnBrk="1" fontAlgn="auto" latinLnBrk="1" hangingPunct="1">
-                        <a:lnSpc>
-                          <a:spcPct val="100000"/>
-                        </a:lnSpc>
-                        <a:spcBef>
-                          <a:spcPts val="0"/>
-                        </a:spcBef>
-                        <a:spcAft>
-                          <a:spcPts val="0"/>
-                        </a:spcAft>
-                        <a:buClrTx/>
-                        <a:buSzTx/>
-                        <a:buFontTx/>
-                        <a:buNone/>
-                        <a:tabLst/>
-                        <a:defRPr/>
-                      </a:pPr>
-                      <a:r>
-                        <a:rPr lang="en-US" altLang="ko-KR" sz="1600" b="0" dirty="0">
-                          <a:solidFill>
-                            <a:srgbClr val="595959"/>
-                          </a:solidFill>
-                        </a:rPr>
-                        <a:t>Visual Studio Code</a:t>
-                      </a:r>
-                      <a:endParaRPr lang="ko-KR" altLang="en-US" sz="1600" b="0" dirty="0">
-                        <a:solidFill>
-                          <a:srgbClr val="595959"/>
-                        </a:solidFill>
-                      </a:endParaRPr>
-                    </a:p>
-                  </a:txBody>
-                  <a:tcPr anchor="ctr">
-                    <a:lnL w="12700" cap="flat" cmpd="sng" algn="ctr">
-                      <a:solidFill>
-                        <a:srgbClr val="C5C5C5"/>
-                      </a:solidFill>
-                      <a:prstDash val="solid"/>
-                      <a:round/>
-                      <a:headEnd type="none" w="med" len="med"/>
-                      <a:tailEnd type="none" w="med" len="med"/>
-                    </a:lnL>
-                    <a:lnR w="12700" cap="flat" cmpd="sng" algn="ctr">
-                      <a:solidFill>
-                        <a:srgbClr val="C5C5C5"/>
-                      </a:solidFill>
-                      <a:prstDash val="solid"/>
-                      <a:round/>
-                      <a:headEnd type="none" w="med" len="med"/>
-                      <a:tailEnd type="none" w="med" len="med"/>
-                    </a:lnR>
-                    <a:lnT w="12700" cap="flat" cmpd="sng" algn="ctr">
-                      <a:solidFill>
-                        <a:srgbClr val="C5C5C5"/>
-                      </a:solidFill>
-                      <a:prstDash val="solid"/>
-                      <a:round/>
-                      <a:headEnd type="none" w="med" len="med"/>
-                      <a:tailEnd type="none" w="med" len="med"/>
-                    </a:lnT>
-                    <a:lnB w="12700" cap="flat" cmpd="sng" algn="ctr">
-                      <a:solidFill>
-                        <a:srgbClr val="C5C5C5"/>
-                      </a:solidFill>
-                      <a:prstDash val="solid"/>
-                      <a:round/>
-                      <a:headEnd type="none" w="med" len="med"/>
-                      <a:tailEnd type="none" w="med" len="med"/>
-                    </a:lnB>
-                    <a:noFill/>
-                  </a:tcPr>
-                </a:tc>
-                <a:extLst>
-                  <a:ext uri="{0D108BD9-81ED-4DB2-BD59-A6C34878D82A}">
-                    <a16:rowId xmlns:a16="http://schemas.microsoft.com/office/drawing/2014/main" val="120877991"/>
-                  </a:ext>
-                </a:extLst>
-              </a:tr>
-              <a:tr h="370840">
-                <a:tc rowSpan="4">
-                  <a:txBody>
-                    <a:bodyPr/>
-                    <a:lstStyle/>
-                    <a:p>
-                      <a:pPr algn="ctr"/>
-                      <a:r>
-                        <a:rPr lang="en-US" altLang="ko-Kore-KR" sz="1600" dirty="0">
-                          <a:solidFill>
-                            <a:srgbClr val="595959"/>
-                          </a:solidFill>
-                        </a:rPr>
-                        <a:t>Back-End</a:t>
-                      </a:r>
-                      <a:endParaRPr lang="ko-Kore-KR" altLang="en-US" sz="1600" dirty="0">
-                        <a:solidFill>
-                          <a:srgbClr val="595959"/>
-                        </a:solidFill>
-                      </a:endParaRPr>
-                    </a:p>
-                  </a:txBody>
-                  <a:tcPr anchor="ctr">
-                    <a:lnL w="12700" cap="flat" cmpd="sng" algn="ctr">
-                      <a:solidFill>
-                        <a:srgbClr val="C5C5C5"/>
-                      </a:solidFill>
-                      <a:prstDash val="solid"/>
-                      <a:round/>
-                      <a:headEnd type="none" w="med" len="med"/>
-                      <a:tailEnd type="none" w="med" len="med"/>
-                    </a:lnL>
-                    <a:lnR w="12700" cap="flat" cmpd="sng" algn="ctr">
-                      <a:solidFill>
-                        <a:srgbClr val="C5C5C5"/>
-                      </a:solidFill>
-                      <a:prstDash val="solid"/>
-                      <a:round/>
-                      <a:headEnd type="none" w="med" len="med"/>
-                      <a:tailEnd type="none" w="med" len="med"/>
-                    </a:lnR>
-                    <a:lnT w="12700" cap="flat" cmpd="sng" algn="ctr">
-                      <a:solidFill>
-                        <a:srgbClr val="C5C5C5"/>
-                      </a:solidFill>
-                      <a:prstDash val="solid"/>
-                      <a:round/>
-                      <a:headEnd type="none" w="med" len="med"/>
-                      <a:tailEnd type="none" w="med" len="med"/>
-                    </a:lnT>
-                    <a:lnB w="12700" cap="flat" cmpd="sng" algn="ctr">
-                      <a:solidFill>
-                        <a:srgbClr val="C5C5C5"/>
-                      </a:solidFill>
-                      <a:prstDash val="solid"/>
-                      <a:round/>
-                      <a:headEnd type="none" w="med" len="med"/>
-                      <a:tailEnd type="none" w="med" len="med"/>
-                    </a:lnB>
-                    <a:noFill/>
-                  </a:tcPr>
-                </a:tc>
-                <a:tc>
-                  <a:txBody>
-                    <a:bodyPr/>
-                    <a:lstStyle/>
-                    <a:p>
-                      <a:pPr algn="ctr"/>
-                      <a:r>
-                        <a:rPr lang="en-US" altLang="ko-Kore-KR" sz="1600" dirty="0">
-                          <a:solidFill>
-                            <a:srgbClr val="595959"/>
-                          </a:solidFill>
-                        </a:rPr>
-                        <a:t>Language</a:t>
-                      </a:r>
-                      <a:endParaRPr lang="ko-Kore-KR" altLang="en-US" sz="1600" dirty="0">
-                        <a:solidFill>
-                          <a:srgbClr val="595959"/>
-                        </a:solidFill>
-                      </a:endParaRPr>
-                    </a:p>
-                  </a:txBody>
-                  <a:tcPr anchor="ctr">
-                    <a:lnL w="12700" cap="flat" cmpd="sng" algn="ctr">
-                      <a:solidFill>
-                        <a:srgbClr val="C5C5C5"/>
-                      </a:solidFill>
-                      <a:prstDash val="solid"/>
-                      <a:round/>
-                      <a:headEnd type="none" w="med" len="med"/>
-                      <a:tailEnd type="none" w="med" len="med"/>
-                    </a:lnL>
-                    <a:lnR w="12700" cap="flat" cmpd="sng" algn="ctr">
-                      <a:solidFill>
-                        <a:srgbClr val="C5C5C5"/>
-                      </a:solidFill>
-                      <a:prstDash val="solid"/>
-                      <a:round/>
-                      <a:headEnd type="none" w="med" len="med"/>
-                      <a:tailEnd type="none" w="med" len="med"/>
-                    </a:lnR>
-                    <a:lnT w="12700" cap="flat" cmpd="sng" algn="ctr">
-                      <a:solidFill>
-                        <a:srgbClr val="C5C5C5"/>
-                      </a:solidFill>
-                      <a:prstDash val="solid"/>
-                      <a:round/>
-                      <a:headEnd type="none" w="med" len="med"/>
-                      <a:tailEnd type="none" w="med" len="med"/>
-                    </a:lnT>
-                    <a:lnB w="12700" cap="flat" cmpd="sng" algn="ctr">
-                      <a:solidFill>
-                        <a:srgbClr val="C5C5C5"/>
-                      </a:solidFill>
-                      <a:prstDash val="solid"/>
-                      <a:round/>
-                      <a:headEnd type="none" w="med" len="med"/>
-                      <a:tailEnd type="none" w="med" len="med"/>
-                    </a:lnB>
-                    <a:noFill/>
-                  </a:tcPr>
-                </a:tc>
-                <a:tc>
-                  <a:txBody>
-                    <a:bodyPr/>
-                    <a:lstStyle/>
-                    <a:p>
-                      <a:pPr algn="l"/>
-                      <a:r>
-                        <a:rPr lang="en-US" altLang="ko-Kore-KR" sz="1600" b="0" dirty="0">
-                          <a:solidFill>
-                            <a:srgbClr val="595959"/>
-                          </a:solidFill>
-                        </a:rPr>
-                        <a:t>Java(JDK-11), JSP, Python(3.9)</a:t>
-                      </a:r>
-                      <a:endParaRPr lang="ko-Kore-KR" altLang="en-US" sz="1600" b="0" dirty="0">
-                        <a:solidFill>
-                          <a:srgbClr val="595959"/>
-                        </a:solidFill>
-                      </a:endParaRPr>
-                    </a:p>
-                  </a:txBody>
-                  <a:tcPr anchor="ctr">
-                    <a:lnL w="12700" cap="flat" cmpd="sng" algn="ctr">
-                      <a:solidFill>
-                        <a:srgbClr val="C5C5C5"/>
-                      </a:solidFill>
-                      <a:prstDash val="solid"/>
-                      <a:round/>
-                      <a:headEnd type="none" w="med" len="med"/>
-                      <a:tailEnd type="none" w="med" len="med"/>
-                    </a:lnL>
-                    <a:lnR w="12700" cap="flat" cmpd="sng" algn="ctr">
-                      <a:solidFill>
-                        <a:srgbClr val="C5C5C5"/>
-                      </a:solidFill>
-                      <a:prstDash val="solid"/>
-                      <a:round/>
-                      <a:headEnd type="none" w="med" len="med"/>
-                      <a:tailEnd type="none" w="med" len="med"/>
-                    </a:lnR>
-                    <a:lnT w="12700" cap="flat" cmpd="sng" algn="ctr">
-                      <a:solidFill>
-                        <a:srgbClr val="C5C5C5"/>
-                      </a:solidFill>
-                      <a:prstDash val="solid"/>
-                      <a:round/>
-                      <a:headEnd type="none" w="med" len="med"/>
-                      <a:tailEnd type="none" w="med" len="med"/>
-                    </a:lnT>
-                    <a:lnB w="12700" cap="flat" cmpd="sng" algn="ctr">
-                      <a:solidFill>
-                        <a:srgbClr val="C5C5C5"/>
-                      </a:solidFill>
-                      <a:prstDash val="solid"/>
-                      <a:round/>
-                      <a:headEnd type="none" w="med" len="med"/>
-                      <a:tailEnd type="none" w="med" len="med"/>
-                    </a:lnB>
-                    <a:noFill/>
-                  </a:tcPr>
-                </a:tc>
-                <a:extLst>
-                  <a:ext uri="{0D108BD9-81ED-4DB2-BD59-A6C34878D82A}">
-                    <a16:rowId xmlns:a16="http://schemas.microsoft.com/office/drawing/2014/main" val="874734321"/>
-                  </a:ext>
-                </a:extLst>
-              </a:tr>
-              <a:tr h="370840">
-                <a:tc vMerge="1">
-                  <a:txBody>
-                    <a:bodyPr/>
-                    <a:lstStyle/>
-                    <a:p>
-                      <a:pPr algn="ctr"/>
-                      <a:endParaRPr lang="ko-Kore-KR" altLang="en-US" sz="1600" dirty="0">
-                        <a:solidFill>
-                          <a:srgbClr val="595959"/>
-                        </a:solidFill>
-                      </a:endParaRPr>
-                    </a:p>
-                  </a:txBody>
-                  <a:tcPr anchor="ctr">
-                    <a:lnL w="12700" cap="flat" cmpd="sng" algn="ctr">
-                      <a:solidFill>
-                        <a:srgbClr val="C5C5C5"/>
-                      </a:solidFill>
-                      <a:prstDash val="solid"/>
-                      <a:round/>
-                      <a:headEnd type="none" w="med" len="med"/>
-                      <a:tailEnd type="none" w="med" len="med"/>
-                    </a:lnL>
-                    <a:lnR w="12700" cap="flat" cmpd="sng" algn="ctr">
-                      <a:solidFill>
-                        <a:srgbClr val="C5C5C5"/>
-                      </a:solidFill>
-                      <a:prstDash val="solid"/>
-                      <a:round/>
-                      <a:headEnd type="none" w="med" len="med"/>
-                      <a:tailEnd type="none" w="med" len="med"/>
-                    </a:lnR>
-                    <a:lnT w="12700" cap="flat" cmpd="sng" algn="ctr">
-                      <a:solidFill>
-                        <a:srgbClr val="C5C5C5"/>
-                      </a:solidFill>
-                      <a:prstDash val="solid"/>
-                      <a:round/>
-                      <a:headEnd type="none" w="med" len="med"/>
-                      <a:tailEnd type="none" w="med" len="med"/>
-                    </a:lnT>
-                    <a:lnB w="12700" cap="flat" cmpd="sng" algn="ctr">
-                      <a:solidFill>
-                        <a:srgbClr val="C5C5C5"/>
-                      </a:solidFill>
-                      <a:prstDash val="solid"/>
-                      <a:round/>
-                      <a:headEnd type="none" w="med" len="med"/>
-                      <a:tailEnd type="none" w="med" len="med"/>
-                    </a:lnB>
-                    <a:noFill/>
-                  </a:tcPr>
-                </a:tc>
-                <a:tc>
-                  <a:txBody>
-                    <a:bodyPr/>
-                    <a:lstStyle/>
-                    <a:p>
-                      <a:pPr algn="ctr"/>
-                      <a:r>
-                        <a:rPr lang="en-US" altLang="ko-Kore-KR" sz="1600" dirty="0">
-                          <a:solidFill>
-                            <a:srgbClr val="595959"/>
-                          </a:solidFill>
-                        </a:rPr>
-                        <a:t>Framework</a:t>
-                      </a:r>
-                      <a:endParaRPr lang="ko-Kore-KR" altLang="en-US" sz="1600" dirty="0">
-                        <a:solidFill>
-                          <a:srgbClr val="595959"/>
-                        </a:solidFill>
-                      </a:endParaRPr>
-                    </a:p>
-                  </a:txBody>
-                  <a:tcPr anchor="ctr">
-                    <a:lnL w="12700" cap="flat" cmpd="sng" algn="ctr">
-                      <a:solidFill>
-                        <a:srgbClr val="C5C5C5"/>
-                      </a:solidFill>
-                      <a:prstDash val="solid"/>
-                      <a:round/>
-                      <a:headEnd type="none" w="med" len="med"/>
-                      <a:tailEnd type="none" w="med" len="med"/>
-                    </a:lnL>
-                    <a:lnR w="12700" cap="flat" cmpd="sng" algn="ctr">
-                      <a:solidFill>
-                        <a:srgbClr val="C5C5C5"/>
-                      </a:solidFill>
-                      <a:prstDash val="solid"/>
-                      <a:round/>
-                      <a:headEnd type="none" w="med" len="med"/>
-                      <a:tailEnd type="none" w="med" len="med"/>
-                    </a:lnR>
-                    <a:lnT w="12700" cap="flat" cmpd="sng" algn="ctr">
-                      <a:solidFill>
-                        <a:srgbClr val="C5C5C5"/>
-                      </a:solidFill>
-                      <a:prstDash val="solid"/>
-                      <a:round/>
-                      <a:headEnd type="none" w="med" len="med"/>
-                      <a:tailEnd type="none" w="med" len="med"/>
-                    </a:lnT>
-                    <a:lnB w="12700" cap="flat" cmpd="sng" algn="ctr">
-                      <a:solidFill>
-                        <a:srgbClr val="C5C5C5"/>
-                      </a:solidFill>
-                      <a:prstDash val="solid"/>
-                      <a:round/>
-                      <a:headEnd type="none" w="med" len="med"/>
-                      <a:tailEnd type="none" w="med" len="med"/>
-                    </a:lnB>
-                    <a:noFill/>
-                  </a:tcPr>
-                </a:tc>
-                <a:tc>
-                  <a:txBody>
-                    <a:bodyPr/>
-                    <a:lstStyle/>
-                    <a:p>
-                      <a:pPr marL="0" marR="0" lvl="0" indent="0" algn="l" defTabSz="914400" rtl="0" eaLnBrk="1" fontAlgn="auto" latinLnBrk="1" hangingPunct="1">
-                        <a:lnSpc>
-                          <a:spcPct val="100000"/>
-                        </a:lnSpc>
-                        <a:spcBef>
-                          <a:spcPts val="0"/>
-                        </a:spcBef>
-                        <a:spcAft>
-                          <a:spcPts val="0"/>
-                        </a:spcAft>
-                        <a:buClrTx/>
-                        <a:buSzTx/>
-                        <a:buFontTx/>
-                        <a:buNone/>
-                        <a:tabLst/>
-                        <a:defRPr/>
-                      </a:pPr>
-                      <a:r>
-                        <a:rPr lang="en-US" altLang="ko-Kore-KR" sz="1600" b="0" dirty="0">
-                          <a:solidFill>
-                            <a:srgbClr val="595959"/>
-                          </a:solidFill>
-                        </a:rPr>
-                        <a:t>Spring boot</a:t>
-                      </a:r>
-                      <a:r>
-                        <a:rPr lang="en-US" altLang="ko-KR" sz="1600" b="0" dirty="0">
-                          <a:solidFill>
-                            <a:srgbClr val="595959"/>
-                          </a:solidFill>
-                        </a:rPr>
-                        <a:t>(2.7.14),</a:t>
-                      </a:r>
-                      <a:r>
-                        <a:rPr lang="ko-KR" altLang="en-US" sz="1600" b="0" dirty="0">
-                          <a:solidFill>
-                            <a:srgbClr val="595959"/>
-                          </a:solidFill>
-                        </a:rPr>
-                        <a:t> </a:t>
-                      </a:r>
-                      <a:r>
-                        <a:rPr lang="en-US" altLang="ko-KR" sz="1600" b="0" dirty="0" err="1">
-                          <a:solidFill>
-                            <a:srgbClr val="595959"/>
-                          </a:solidFill>
-                        </a:rPr>
-                        <a:t>Mybatis</a:t>
-                      </a:r>
-                      <a:r>
-                        <a:rPr lang="en-US" altLang="ko-KR" sz="1600" b="0" dirty="0">
-                          <a:solidFill>
-                            <a:srgbClr val="595959"/>
-                          </a:solidFill>
-                        </a:rPr>
-                        <a:t>, Flask</a:t>
-                      </a:r>
-                      <a:endParaRPr lang="ko-Kore-KR" altLang="en-US" sz="1800" kern="1200" dirty="0">
-                        <a:solidFill>
-                          <a:schemeClr val="dk1"/>
-                        </a:solidFill>
-                        <a:effectLst/>
-                        <a:latin typeface="+mn-lt"/>
-                        <a:ea typeface="+mn-ea"/>
-                        <a:cs typeface="+mn-cs"/>
-                      </a:endParaRPr>
-                    </a:p>
-                  </a:txBody>
-                  <a:tcPr anchor="ctr">
-                    <a:lnL w="12700" cap="flat" cmpd="sng" algn="ctr">
-                      <a:solidFill>
-                        <a:srgbClr val="C5C5C5"/>
-                      </a:solidFill>
-                      <a:prstDash val="solid"/>
-                      <a:round/>
-                      <a:headEnd type="none" w="med" len="med"/>
-                      <a:tailEnd type="none" w="med" len="med"/>
-                    </a:lnL>
-                    <a:lnR w="12700" cap="flat" cmpd="sng" algn="ctr">
-                      <a:solidFill>
-                        <a:srgbClr val="C5C5C5"/>
-                      </a:solidFill>
-                      <a:prstDash val="solid"/>
-                      <a:round/>
-                      <a:headEnd type="none" w="med" len="med"/>
-                      <a:tailEnd type="none" w="med" len="med"/>
-                    </a:lnR>
-                    <a:lnT w="12700" cap="flat" cmpd="sng" algn="ctr">
-                      <a:solidFill>
-                        <a:srgbClr val="C5C5C5"/>
-                      </a:solidFill>
-                      <a:prstDash val="solid"/>
-                      <a:round/>
-                      <a:headEnd type="none" w="med" len="med"/>
-                      <a:tailEnd type="none" w="med" len="med"/>
-                    </a:lnT>
-                    <a:lnB w="12700" cap="flat" cmpd="sng" algn="ctr">
-                      <a:solidFill>
-                        <a:srgbClr val="C5C5C5"/>
-                      </a:solidFill>
-                      <a:prstDash val="solid"/>
-                      <a:round/>
-                      <a:headEnd type="none" w="med" len="med"/>
-                      <a:tailEnd type="none" w="med" len="med"/>
-                    </a:lnB>
-                    <a:noFill/>
-                  </a:tcPr>
-                </a:tc>
-                <a:extLst>
-                  <a:ext uri="{0D108BD9-81ED-4DB2-BD59-A6C34878D82A}">
-                    <a16:rowId xmlns:a16="http://schemas.microsoft.com/office/drawing/2014/main" val="534194472"/>
-                  </a:ext>
-                </a:extLst>
-              </a:tr>
-              <a:tr h="370840">
-                <a:tc vMerge="1">
-                  <a:txBody>
-                    <a:bodyPr/>
-                    <a:lstStyle/>
-                    <a:p>
-                      <a:pPr algn="ctr"/>
-                      <a:endParaRPr lang="ko-Kore-KR" altLang="en-US" sz="1600" dirty="0">
-                        <a:solidFill>
-                          <a:srgbClr val="595959"/>
-                        </a:solidFill>
-                      </a:endParaRPr>
-                    </a:p>
-                  </a:txBody>
-                  <a:tcPr anchor="ctr">
-                    <a:lnL w="12700" cap="flat" cmpd="sng" algn="ctr">
-                      <a:solidFill>
-                        <a:srgbClr val="C5C5C5"/>
-                      </a:solidFill>
-                      <a:prstDash val="solid"/>
-                      <a:round/>
-                      <a:headEnd type="none" w="med" len="med"/>
-                      <a:tailEnd type="none" w="med" len="med"/>
-                    </a:lnL>
-                    <a:lnR w="12700" cap="flat" cmpd="sng" algn="ctr">
-                      <a:solidFill>
-                        <a:srgbClr val="C5C5C5"/>
-                      </a:solidFill>
-                      <a:prstDash val="solid"/>
-                      <a:round/>
-                      <a:headEnd type="none" w="med" len="med"/>
-                      <a:tailEnd type="none" w="med" len="med"/>
-                    </a:lnR>
-                    <a:lnT w="12700" cap="flat" cmpd="sng" algn="ctr">
-                      <a:solidFill>
-                        <a:srgbClr val="C5C5C5"/>
-                      </a:solidFill>
-                      <a:prstDash val="solid"/>
-                      <a:round/>
-                      <a:headEnd type="none" w="med" len="med"/>
-                      <a:tailEnd type="none" w="med" len="med"/>
-                    </a:lnT>
-                    <a:lnB w="12700" cap="flat" cmpd="sng" algn="ctr">
-                      <a:solidFill>
-                        <a:srgbClr val="C5C5C5"/>
-                      </a:solidFill>
-                      <a:prstDash val="solid"/>
-                      <a:round/>
-                      <a:headEnd type="none" w="med" len="med"/>
-                      <a:tailEnd type="none" w="med" len="med"/>
-                    </a:lnB>
-                    <a:noFill/>
-                  </a:tcPr>
-                </a:tc>
-                <a:tc>
-                  <a:txBody>
-                    <a:bodyPr/>
-                    <a:lstStyle/>
-                    <a:p>
-                      <a:pPr algn="ctr"/>
-                      <a:r>
-                        <a:rPr lang="en-US" altLang="ko-Kore-KR" sz="1600" dirty="0">
-                          <a:solidFill>
-                            <a:srgbClr val="595959"/>
-                          </a:solidFill>
-                        </a:rPr>
-                        <a:t>Library</a:t>
-                      </a:r>
-                      <a:endParaRPr lang="ko-Kore-KR" altLang="en-US" sz="1600" dirty="0">
-                        <a:solidFill>
-                          <a:srgbClr val="595959"/>
-                        </a:solidFill>
-                      </a:endParaRPr>
-                    </a:p>
-                  </a:txBody>
-                  <a:tcPr anchor="ctr">
-                    <a:lnL w="12700" cap="flat" cmpd="sng" algn="ctr">
-                      <a:solidFill>
-                        <a:srgbClr val="C5C5C5"/>
-                      </a:solidFill>
-                      <a:prstDash val="solid"/>
-                      <a:round/>
-                      <a:headEnd type="none" w="med" len="med"/>
-                      <a:tailEnd type="none" w="med" len="med"/>
-                    </a:lnL>
-                    <a:lnR w="12700" cap="flat" cmpd="sng" algn="ctr">
-                      <a:solidFill>
-                        <a:srgbClr val="C5C5C5"/>
-                      </a:solidFill>
-                      <a:prstDash val="solid"/>
-                      <a:round/>
-                      <a:headEnd type="none" w="med" len="med"/>
-                      <a:tailEnd type="none" w="med" len="med"/>
-                    </a:lnR>
-                    <a:lnT w="12700" cap="flat" cmpd="sng" algn="ctr">
-                      <a:solidFill>
-                        <a:srgbClr val="C5C5C5"/>
-                      </a:solidFill>
-                      <a:prstDash val="solid"/>
-                      <a:round/>
-                      <a:headEnd type="none" w="med" len="med"/>
-                      <a:tailEnd type="none" w="med" len="med"/>
-                    </a:lnT>
-                    <a:lnB w="12700" cap="flat" cmpd="sng" algn="ctr">
-                      <a:solidFill>
-                        <a:srgbClr val="C5C5C5"/>
-                      </a:solidFill>
-                      <a:prstDash val="solid"/>
-                      <a:round/>
-                      <a:headEnd type="none" w="med" len="med"/>
-                      <a:tailEnd type="none" w="med" len="med"/>
-                    </a:lnB>
-                    <a:noFill/>
-                  </a:tcPr>
-                </a:tc>
-                <a:tc>
-                  <a:txBody>
-                    <a:bodyPr/>
-                    <a:lstStyle/>
-                    <a:p>
-                      <a:pPr marL="0" marR="0" lvl="0" indent="0" algn="l" defTabSz="914400" rtl="0" eaLnBrk="1" fontAlgn="auto" latinLnBrk="1" hangingPunct="1">
-                        <a:lnSpc>
-                          <a:spcPct val="100000"/>
-                        </a:lnSpc>
-                        <a:spcBef>
-                          <a:spcPts val="0"/>
-                        </a:spcBef>
-                        <a:spcAft>
-                          <a:spcPts val="0"/>
-                        </a:spcAft>
-                        <a:buClrTx/>
-                        <a:buSzTx/>
-                        <a:buFontTx/>
-                        <a:buNone/>
-                        <a:tabLst/>
-                        <a:defRPr/>
-                      </a:pPr>
-                      <a:r>
-                        <a:rPr lang="en-US" altLang="ko-KR" sz="1600" b="0" dirty="0">
-                          <a:solidFill>
-                            <a:srgbClr val="595959"/>
-                          </a:solidFill>
-                        </a:rPr>
-                        <a:t>JSTL, Selenium</a:t>
-                      </a:r>
-                      <a:endParaRPr lang="ko-KR" altLang="en-US" sz="1600" b="0" dirty="0">
-                        <a:solidFill>
-                          <a:srgbClr val="595959"/>
-                        </a:solidFill>
-                      </a:endParaRPr>
-                    </a:p>
-                  </a:txBody>
-                  <a:tcPr anchor="ctr">
-                    <a:lnL w="12700" cap="flat" cmpd="sng" algn="ctr">
-                      <a:solidFill>
-                        <a:srgbClr val="C5C5C5"/>
-                      </a:solidFill>
-                      <a:prstDash val="solid"/>
-                      <a:round/>
-                      <a:headEnd type="none" w="med" len="med"/>
-                      <a:tailEnd type="none" w="med" len="med"/>
-                    </a:lnL>
-                    <a:lnR w="12700" cap="flat" cmpd="sng" algn="ctr">
-                      <a:solidFill>
-                        <a:srgbClr val="C5C5C5"/>
-                      </a:solidFill>
-                      <a:prstDash val="solid"/>
-                      <a:round/>
-                      <a:headEnd type="none" w="med" len="med"/>
-                      <a:tailEnd type="none" w="med" len="med"/>
-                    </a:lnR>
-                    <a:lnT w="12700" cap="flat" cmpd="sng" algn="ctr">
-                      <a:solidFill>
-                        <a:srgbClr val="C5C5C5"/>
-                      </a:solidFill>
-                      <a:prstDash val="solid"/>
-                      <a:round/>
-                      <a:headEnd type="none" w="med" len="med"/>
-                      <a:tailEnd type="none" w="med" len="med"/>
-                    </a:lnT>
-                    <a:lnB w="12700" cap="flat" cmpd="sng" algn="ctr">
-                      <a:solidFill>
-                        <a:srgbClr val="C5C5C5"/>
-                      </a:solidFill>
-                      <a:prstDash val="solid"/>
-                      <a:round/>
-                      <a:headEnd type="none" w="med" len="med"/>
-                      <a:tailEnd type="none" w="med" len="med"/>
-                    </a:lnB>
-                    <a:noFill/>
-                  </a:tcPr>
-                </a:tc>
-                <a:extLst>
-                  <a:ext uri="{0D108BD9-81ED-4DB2-BD59-A6C34878D82A}">
-                    <a16:rowId xmlns:a16="http://schemas.microsoft.com/office/drawing/2014/main" val="1052451115"/>
-                  </a:ext>
-                </a:extLst>
-              </a:tr>
-              <a:tr h="370840">
-                <a:tc vMerge="1">
-                  <a:txBody>
-                    <a:bodyPr/>
-                    <a:lstStyle/>
-                    <a:p>
-                      <a:pPr algn="ctr"/>
-                      <a:endParaRPr lang="ko-Kore-KR" altLang="en-US" sz="1600" dirty="0">
-                        <a:solidFill>
-                          <a:srgbClr val="595959"/>
-                        </a:solidFill>
-                      </a:endParaRPr>
-                    </a:p>
-                  </a:txBody>
-                  <a:tcPr anchor="ctr">
-                    <a:lnL w="12700" cap="flat" cmpd="sng" algn="ctr">
-                      <a:solidFill>
-                        <a:srgbClr val="C5C5C5"/>
-                      </a:solidFill>
-                      <a:prstDash val="solid"/>
-                      <a:round/>
-                      <a:headEnd type="none" w="med" len="med"/>
-                      <a:tailEnd type="none" w="med" len="med"/>
-                    </a:lnL>
-                    <a:lnR w="12700" cap="flat" cmpd="sng" algn="ctr">
-                      <a:solidFill>
-                        <a:srgbClr val="C5C5C5"/>
-                      </a:solidFill>
-                      <a:prstDash val="solid"/>
-                      <a:round/>
-                      <a:headEnd type="none" w="med" len="med"/>
-                      <a:tailEnd type="none" w="med" len="med"/>
-                    </a:lnR>
-                    <a:lnT w="12700" cap="flat" cmpd="sng" algn="ctr">
-                      <a:solidFill>
-                        <a:srgbClr val="C5C5C5"/>
-                      </a:solidFill>
-                      <a:prstDash val="solid"/>
-                      <a:round/>
-                      <a:headEnd type="none" w="med" len="med"/>
-                      <a:tailEnd type="none" w="med" len="med"/>
-                    </a:lnT>
-                    <a:lnB w="12700" cap="flat" cmpd="sng" algn="ctr">
-                      <a:solidFill>
-                        <a:srgbClr val="C5C5C5"/>
-                      </a:solidFill>
-                      <a:prstDash val="solid"/>
-                      <a:round/>
-                      <a:headEnd type="none" w="med" len="med"/>
-                      <a:tailEnd type="none" w="med" len="med"/>
-                    </a:lnB>
-                    <a:noFill/>
-                  </a:tcPr>
-                </a:tc>
-                <a:tc>
-                  <a:txBody>
-                    <a:bodyPr/>
-                    <a:lstStyle/>
-                    <a:p>
-                      <a:pPr algn="ctr"/>
-                      <a:r>
-                        <a:rPr lang="en-US" altLang="ko-Kore-KR" sz="1600" dirty="0">
-                          <a:solidFill>
-                            <a:srgbClr val="595959"/>
-                          </a:solidFill>
-                        </a:rPr>
-                        <a:t>Tools</a:t>
-                      </a:r>
-                      <a:endParaRPr lang="ko-Kore-KR" altLang="en-US" sz="1600" dirty="0">
-                        <a:solidFill>
-                          <a:srgbClr val="595959"/>
-                        </a:solidFill>
-                      </a:endParaRPr>
-                    </a:p>
-                  </a:txBody>
-                  <a:tcPr anchor="ctr">
-                    <a:lnL w="12700" cap="flat" cmpd="sng" algn="ctr">
-                      <a:solidFill>
-                        <a:srgbClr val="C5C5C5"/>
-                      </a:solidFill>
-                      <a:prstDash val="solid"/>
-                      <a:round/>
-                      <a:headEnd type="none" w="med" len="med"/>
-                      <a:tailEnd type="none" w="med" len="med"/>
-                    </a:lnL>
-                    <a:lnR w="12700" cap="flat" cmpd="sng" algn="ctr">
-                      <a:solidFill>
-                        <a:srgbClr val="C5C5C5"/>
-                      </a:solidFill>
-                      <a:prstDash val="solid"/>
-                      <a:round/>
-                      <a:headEnd type="none" w="med" len="med"/>
-                      <a:tailEnd type="none" w="med" len="med"/>
-                    </a:lnR>
-                    <a:lnT w="12700" cap="flat" cmpd="sng" algn="ctr">
-                      <a:solidFill>
-                        <a:srgbClr val="C5C5C5"/>
-                      </a:solidFill>
-                      <a:prstDash val="solid"/>
-                      <a:round/>
-                      <a:headEnd type="none" w="med" len="med"/>
-                      <a:tailEnd type="none" w="med" len="med"/>
-                    </a:lnT>
-                    <a:lnB w="12700" cap="flat" cmpd="sng" algn="ctr">
-                      <a:solidFill>
-                        <a:srgbClr val="C5C5C5"/>
-                      </a:solidFill>
-                      <a:prstDash val="solid"/>
-                      <a:round/>
-                      <a:headEnd type="none" w="med" len="med"/>
-                      <a:tailEnd type="none" w="med" len="med"/>
-                    </a:lnB>
-                    <a:noFill/>
-                  </a:tcPr>
-                </a:tc>
-                <a:tc>
-                  <a:txBody>
-                    <a:bodyPr/>
-                    <a:lstStyle/>
-                    <a:p>
-                      <a:pPr algn="l"/>
-                      <a:r>
-                        <a:rPr lang="en-US" altLang="ko-Kore-KR" sz="1600" dirty="0">
-                          <a:solidFill>
-                            <a:srgbClr val="595959"/>
-                          </a:solidFill>
-                        </a:rPr>
-                        <a:t>IntelliJ, </a:t>
-                      </a:r>
-                      <a:r>
-                        <a:rPr lang="en-US" altLang="ko-Kore-KR" sz="1600" dirty="0" err="1">
-                          <a:solidFill>
-                            <a:srgbClr val="595959"/>
-                          </a:solidFill>
-                        </a:rPr>
-                        <a:t>Pycharm</a:t>
-                      </a:r>
-                      <a:r>
-                        <a:rPr lang="en-US" altLang="ko-Kore-KR" sz="1600" dirty="0">
-                          <a:solidFill>
-                            <a:srgbClr val="595959"/>
-                          </a:solidFill>
-                        </a:rPr>
-                        <a:t>, SQL developer</a:t>
-                      </a:r>
-                      <a:endParaRPr lang="ko-Kore-KR" altLang="en-US" sz="1600" dirty="0">
-                        <a:solidFill>
-                          <a:srgbClr val="595959"/>
-                        </a:solidFill>
-                      </a:endParaRPr>
-                    </a:p>
-                  </a:txBody>
-                  <a:tcPr anchor="ctr">
-                    <a:lnL w="12700" cap="flat" cmpd="sng" algn="ctr">
-                      <a:solidFill>
-                        <a:srgbClr val="C5C5C5"/>
-                      </a:solidFill>
-                      <a:prstDash val="solid"/>
-                      <a:round/>
-                      <a:headEnd type="none" w="med" len="med"/>
-                      <a:tailEnd type="none" w="med" len="med"/>
-                    </a:lnL>
-                    <a:lnR w="12700" cap="flat" cmpd="sng" algn="ctr">
-                      <a:solidFill>
-                        <a:srgbClr val="C5C5C5"/>
-                      </a:solidFill>
-                      <a:prstDash val="solid"/>
-                      <a:round/>
-                      <a:headEnd type="none" w="med" len="med"/>
-                      <a:tailEnd type="none" w="med" len="med"/>
-                    </a:lnR>
-                    <a:lnT w="12700" cap="flat" cmpd="sng" algn="ctr">
-                      <a:solidFill>
-                        <a:srgbClr val="C5C5C5"/>
-                      </a:solidFill>
-                      <a:prstDash val="solid"/>
-                      <a:round/>
-                      <a:headEnd type="none" w="med" len="med"/>
-                      <a:tailEnd type="none" w="med" len="med"/>
-                    </a:lnT>
-                    <a:lnB w="12700" cap="flat" cmpd="sng" algn="ctr">
-                      <a:solidFill>
-                        <a:srgbClr val="C5C5C5"/>
-                      </a:solidFill>
-                      <a:prstDash val="solid"/>
-                      <a:round/>
-                      <a:headEnd type="none" w="med" len="med"/>
-                      <a:tailEnd type="none" w="med" len="med"/>
-                    </a:lnB>
-                    <a:noFill/>
-                  </a:tcPr>
-                </a:tc>
-                <a:extLst>
-                  <a:ext uri="{0D108BD9-81ED-4DB2-BD59-A6C34878D82A}">
-                    <a16:rowId xmlns:a16="http://schemas.microsoft.com/office/drawing/2014/main" val="1797149604"/>
-                  </a:ext>
-                </a:extLst>
-              </a:tr>
-              <a:tr h="370840">
-                <a:tc rowSpan="2">
-                  <a:txBody>
-                    <a:bodyPr/>
-                    <a:lstStyle/>
-                    <a:p>
-                      <a:pPr algn="ctr"/>
-                      <a:r>
-                        <a:rPr lang="en-US" altLang="ko-Kore-KR" sz="1600" dirty="0">
-                          <a:solidFill>
-                            <a:srgbClr val="595959"/>
-                          </a:solidFill>
-                        </a:rPr>
-                        <a:t>Android-App</a:t>
-                      </a:r>
-                      <a:endParaRPr lang="ko-Kore-KR" altLang="en-US" sz="1600" dirty="0">
-                        <a:solidFill>
-                          <a:srgbClr val="595959"/>
-                        </a:solidFill>
-                      </a:endParaRPr>
-                    </a:p>
-                  </a:txBody>
-                  <a:tcPr anchor="ctr">
-                    <a:lnL w="12700" cap="flat" cmpd="sng" algn="ctr">
-                      <a:solidFill>
-                        <a:srgbClr val="C5C5C5"/>
-                      </a:solidFill>
-                      <a:prstDash val="solid"/>
-                      <a:round/>
-                      <a:headEnd type="none" w="med" len="med"/>
-                      <a:tailEnd type="none" w="med" len="med"/>
-                    </a:lnL>
-                    <a:lnR w="12700" cap="flat" cmpd="sng" algn="ctr">
-                      <a:solidFill>
-                        <a:srgbClr val="C5C5C5"/>
-                      </a:solidFill>
-                      <a:prstDash val="solid"/>
-                      <a:round/>
-                      <a:headEnd type="none" w="med" len="med"/>
-                      <a:tailEnd type="none" w="med" len="med"/>
-                    </a:lnR>
-                    <a:lnT w="12700" cap="flat" cmpd="sng" algn="ctr">
-                      <a:solidFill>
-                        <a:srgbClr val="C5C5C5"/>
-                      </a:solidFill>
-                      <a:prstDash val="solid"/>
-                      <a:round/>
-                      <a:headEnd type="none" w="med" len="med"/>
-                      <a:tailEnd type="none" w="med" len="med"/>
-                    </a:lnT>
-                    <a:lnB w="12700" cap="flat" cmpd="sng" algn="ctr">
-                      <a:solidFill>
-                        <a:srgbClr val="C5C5C5"/>
-                      </a:solidFill>
-                      <a:prstDash val="solid"/>
-                      <a:round/>
-                      <a:headEnd type="none" w="med" len="med"/>
-                      <a:tailEnd type="none" w="med" len="med"/>
-                    </a:lnB>
-                    <a:noFill/>
-                  </a:tcPr>
-                </a:tc>
-                <a:tc>
-                  <a:txBody>
-                    <a:bodyPr/>
-                    <a:lstStyle/>
-                    <a:p>
-                      <a:pPr algn="ctr"/>
-                      <a:r>
-                        <a:rPr lang="en-US" altLang="ko-Kore-KR" sz="1600" dirty="0">
-                          <a:solidFill>
-                            <a:srgbClr val="595959"/>
-                          </a:solidFill>
-                        </a:rPr>
-                        <a:t>Language</a:t>
-                      </a:r>
-                      <a:endParaRPr lang="ko-Kore-KR" altLang="en-US" sz="1600" dirty="0">
-                        <a:solidFill>
-                          <a:srgbClr val="595959"/>
-                        </a:solidFill>
-                      </a:endParaRPr>
-                    </a:p>
-                  </a:txBody>
-                  <a:tcPr anchor="ctr">
-                    <a:lnL w="12700" cap="flat" cmpd="sng" algn="ctr">
-                      <a:solidFill>
-                        <a:srgbClr val="C5C5C5"/>
-                      </a:solidFill>
-                      <a:prstDash val="solid"/>
-                      <a:round/>
-                      <a:headEnd type="none" w="med" len="med"/>
-                      <a:tailEnd type="none" w="med" len="med"/>
-                    </a:lnL>
-                    <a:lnR w="12700" cap="flat" cmpd="sng" algn="ctr">
-                      <a:solidFill>
-                        <a:srgbClr val="C5C5C5"/>
-                      </a:solidFill>
-                      <a:prstDash val="solid"/>
-                      <a:round/>
-                      <a:headEnd type="none" w="med" len="med"/>
-                      <a:tailEnd type="none" w="med" len="med"/>
-                    </a:lnR>
-                    <a:lnT w="12700" cap="flat" cmpd="sng" algn="ctr">
-                      <a:solidFill>
-                        <a:srgbClr val="C5C5C5"/>
-                      </a:solidFill>
-                      <a:prstDash val="solid"/>
-                      <a:round/>
-                      <a:headEnd type="none" w="med" len="med"/>
-                      <a:tailEnd type="none" w="med" len="med"/>
-                    </a:lnT>
-                    <a:lnB w="12700" cap="flat" cmpd="sng" algn="ctr">
-                      <a:solidFill>
-                        <a:srgbClr val="C5C5C5"/>
-                      </a:solidFill>
-                      <a:prstDash val="solid"/>
-                      <a:round/>
-                      <a:headEnd type="none" w="med" len="med"/>
-                      <a:tailEnd type="none" w="med" len="med"/>
-                    </a:lnB>
-                    <a:noFill/>
-                  </a:tcPr>
-                </a:tc>
-                <a:tc>
-                  <a:txBody>
-                    <a:bodyPr/>
-                    <a:lstStyle/>
-                    <a:p>
-                      <a:pPr algn="l"/>
-                      <a:r>
-                        <a:rPr lang="en-US" altLang="ko-Kore-KR" sz="1600" dirty="0">
-                          <a:solidFill>
-                            <a:srgbClr val="595959"/>
-                          </a:solidFill>
-                        </a:rPr>
-                        <a:t>Kotlin</a:t>
-                      </a:r>
-                      <a:endParaRPr lang="ko-Kore-KR" altLang="en-US" sz="1600" dirty="0">
-                        <a:solidFill>
-                          <a:srgbClr val="595959"/>
-                        </a:solidFill>
-                      </a:endParaRPr>
-                    </a:p>
-                  </a:txBody>
-                  <a:tcPr anchor="ctr">
-                    <a:lnL w="12700" cap="flat" cmpd="sng" algn="ctr">
-                      <a:solidFill>
-                        <a:srgbClr val="C5C5C5"/>
-                      </a:solidFill>
-                      <a:prstDash val="solid"/>
-                      <a:round/>
-                      <a:headEnd type="none" w="med" len="med"/>
-                      <a:tailEnd type="none" w="med" len="med"/>
-                    </a:lnL>
-                    <a:lnR w="12700" cap="flat" cmpd="sng" algn="ctr">
-                      <a:solidFill>
-                        <a:srgbClr val="C5C5C5"/>
-                      </a:solidFill>
-                      <a:prstDash val="solid"/>
-                      <a:round/>
-                      <a:headEnd type="none" w="med" len="med"/>
-                      <a:tailEnd type="none" w="med" len="med"/>
-                    </a:lnR>
-                    <a:lnT w="12700" cap="flat" cmpd="sng" algn="ctr">
-                      <a:solidFill>
-                        <a:srgbClr val="C5C5C5"/>
-                      </a:solidFill>
-                      <a:prstDash val="solid"/>
-                      <a:round/>
-                      <a:headEnd type="none" w="med" len="med"/>
-                      <a:tailEnd type="none" w="med" len="med"/>
-                    </a:lnT>
-                    <a:lnB w="12700" cap="flat" cmpd="sng" algn="ctr">
-                      <a:solidFill>
-                        <a:srgbClr val="C5C5C5"/>
-                      </a:solidFill>
-                      <a:prstDash val="solid"/>
-                      <a:round/>
-                      <a:headEnd type="none" w="med" len="med"/>
-                      <a:tailEnd type="none" w="med" len="med"/>
-                    </a:lnB>
-                    <a:noFill/>
-                  </a:tcPr>
-                </a:tc>
-                <a:extLst>
-                  <a:ext uri="{0D108BD9-81ED-4DB2-BD59-A6C34878D82A}">
-                    <a16:rowId xmlns:a16="http://schemas.microsoft.com/office/drawing/2014/main" val="4087639680"/>
-                  </a:ext>
-                </a:extLst>
-              </a:tr>
-              <a:tr h="370840">
-                <a:tc vMerge="1">
-                  <a:txBody>
-                    <a:bodyPr/>
-                    <a:lstStyle/>
-                    <a:p>
-                      <a:pPr algn="ctr"/>
-                      <a:endParaRPr lang="ko-Kore-KR" altLang="en-US" sz="1600" dirty="0">
-                        <a:solidFill>
-                          <a:srgbClr val="595959"/>
-                        </a:solidFill>
-                      </a:endParaRPr>
-                    </a:p>
-                  </a:txBody>
-                  <a:tcPr anchor="ctr">
-                    <a:lnL w="12700" cap="flat" cmpd="sng" algn="ctr">
-                      <a:solidFill>
-                        <a:srgbClr val="C5C5C5"/>
-                      </a:solidFill>
-                      <a:prstDash val="solid"/>
-                      <a:round/>
-                      <a:headEnd type="none" w="med" len="med"/>
-                      <a:tailEnd type="none" w="med" len="med"/>
-                    </a:lnL>
-                    <a:lnR w="12700" cap="flat" cmpd="sng" algn="ctr">
-                      <a:solidFill>
-                        <a:srgbClr val="C5C5C5"/>
-                      </a:solidFill>
-                      <a:prstDash val="solid"/>
-                      <a:round/>
-                      <a:headEnd type="none" w="med" len="med"/>
-                      <a:tailEnd type="none" w="med" len="med"/>
-                    </a:lnR>
-                    <a:lnT w="12700" cap="flat" cmpd="sng" algn="ctr">
-                      <a:solidFill>
-                        <a:srgbClr val="C5C5C5"/>
-                      </a:solidFill>
-                      <a:prstDash val="solid"/>
-                      <a:round/>
-                      <a:headEnd type="none" w="med" len="med"/>
-                      <a:tailEnd type="none" w="med" len="med"/>
-                    </a:lnT>
-                    <a:lnB w="12700" cap="flat" cmpd="sng" algn="ctr">
-                      <a:solidFill>
-                        <a:srgbClr val="C5C5C5"/>
-                      </a:solidFill>
-                      <a:prstDash val="solid"/>
-                      <a:round/>
-                      <a:headEnd type="none" w="med" len="med"/>
-                      <a:tailEnd type="none" w="med" len="med"/>
-                    </a:lnB>
-                    <a:noFill/>
-                  </a:tcPr>
-                </a:tc>
-                <a:tc>
-                  <a:txBody>
-                    <a:bodyPr/>
-                    <a:lstStyle/>
-                    <a:p>
-                      <a:pPr algn="ctr"/>
-                      <a:r>
-                        <a:rPr lang="en-US" altLang="ko-Kore-KR" sz="1600" dirty="0">
-                          <a:solidFill>
-                            <a:srgbClr val="595959"/>
-                          </a:solidFill>
-                        </a:rPr>
-                        <a:t>Tools</a:t>
-                      </a:r>
-                      <a:endParaRPr lang="ko-Kore-KR" altLang="en-US" sz="1600" dirty="0">
-                        <a:solidFill>
-                          <a:srgbClr val="595959"/>
-                        </a:solidFill>
-                      </a:endParaRPr>
-                    </a:p>
-                  </a:txBody>
-                  <a:tcPr anchor="ctr">
-                    <a:lnL w="12700" cap="flat" cmpd="sng" algn="ctr">
-                      <a:solidFill>
-                        <a:srgbClr val="C5C5C5"/>
-                      </a:solidFill>
-                      <a:prstDash val="solid"/>
-                      <a:round/>
-                      <a:headEnd type="none" w="med" len="med"/>
-                      <a:tailEnd type="none" w="med" len="med"/>
-                    </a:lnL>
-                    <a:lnR w="12700" cap="flat" cmpd="sng" algn="ctr">
-                      <a:solidFill>
-                        <a:srgbClr val="C5C5C5"/>
-                      </a:solidFill>
-                      <a:prstDash val="solid"/>
-                      <a:round/>
-                      <a:headEnd type="none" w="med" len="med"/>
-                      <a:tailEnd type="none" w="med" len="med"/>
-                    </a:lnR>
-                    <a:lnT w="12700" cap="flat" cmpd="sng" algn="ctr">
-                      <a:solidFill>
-                        <a:srgbClr val="C5C5C5"/>
-                      </a:solidFill>
-                      <a:prstDash val="solid"/>
-                      <a:round/>
-                      <a:headEnd type="none" w="med" len="med"/>
-                      <a:tailEnd type="none" w="med" len="med"/>
-                    </a:lnT>
-                    <a:lnB w="12700" cap="flat" cmpd="sng" algn="ctr">
-                      <a:solidFill>
-                        <a:srgbClr val="C5C5C5"/>
-                      </a:solidFill>
-                      <a:prstDash val="solid"/>
-                      <a:round/>
-                      <a:headEnd type="none" w="med" len="med"/>
-                      <a:tailEnd type="none" w="med" len="med"/>
-                    </a:lnB>
-                    <a:noFill/>
-                  </a:tcPr>
-                </a:tc>
-                <a:tc>
-                  <a:txBody>
-                    <a:bodyPr/>
-                    <a:lstStyle/>
-                    <a:p>
-                      <a:pPr algn="l"/>
-                      <a:r>
-                        <a:rPr lang="en-US" altLang="ko-Kore-KR" sz="1600" dirty="0">
-                          <a:solidFill>
-                            <a:srgbClr val="595959"/>
-                          </a:solidFill>
-                        </a:rPr>
-                        <a:t>Android Studio, Firebase</a:t>
-                      </a:r>
-                      <a:endParaRPr lang="ko-Kore-KR" altLang="en-US" sz="1600" dirty="0">
-                        <a:solidFill>
-                          <a:srgbClr val="595959"/>
-                        </a:solidFill>
-                      </a:endParaRPr>
-                    </a:p>
-                  </a:txBody>
-                  <a:tcPr anchor="ctr">
-                    <a:lnL w="12700" cap="flat" cmpd="sng" algn="ctr">
-                      <a:solidFill>
-                        <a:srgbClr val="C5C5C5"/>
-                      </a:solidFill>
-                      <a:prstDash val="solid"/>
-                      <a:round/>
-                      <a:headEnd type="none" w="med" len="med"/>
-                      <a:tailEnd type="none" w="med" len="med"/>
-                    </a:lnL>
-                    <a:lnR w="12700" cap="flat" cmpd="sng" algn="ctr">
-                      <a:solidFill>
-                        <a:srgbClr val="C5C5C5"/>
-                      </a:solidFill>
-                      <a:prstDash val="solid"/>
-                      <a:round/>
-                      <a:headEnd type="none" w="med" len="med"/>
-                      <a:tailEnd type="none" w="med" len="med"/>
-                    </a:lnR>
-                    <a:lnT w="12700" cap="flat" cmpd="sng" algn="ctr">
-                      <a:solidFill>
-                        <a:srgbClr val="C5C5C5"/>
-                      </a:solidFill>
-                      <a:prstDash val="solid"/>
-                      <a:round/>
-                      <a:headEnd type="none" w="med" len="med"/>
-                      <a:tailEnd type="none" w="med" len="med"/>
-                    </a:lnT>
-                    <a:lnB w="12700" cap="flat" cmpd="sng" algn="ctr">
-                      <a:solidFill>
-                        <a:srgbClr val="C5C5C5"/>
-                      </a:solidFill>
-                      <a:prstDash val="solid"/>
-                      <a:round/>
-                      <a:headEnd type="none" w="med" len="med"/>
-                      <a:tailEnd type="none" w="med" len="med"/>
-                    </a:lnB>
-                    <a:noFill/>
-                  </a:tcPr>
-                </a:tc>
-                <a:extLst>
-                  <a:ext uri="{0D108BD9-81ED-4DB2-BD59-A6C34878D82A}">
-                    <a16:rowId xmlns:a16="http://schemas.microsoft.com/office/drawing/2014/main" val="50511879"/>
-                  </a:ext>
-                </a:extLst>
-              </a:tr>
-              <a:tr h="370840">
-                <a:tc rowSpan="4">
-                  <a:txBody>
-                    <a:bodyPr/>
-                    <a:lstStyle/>
-                    <a:p>
-                      <a:pPr algn="ctr"/>
-                      <a:r>
-                        <a:rPr lang="en-US" altLang="ko-Kore-KR" sz="1600" dirty="0">
-                          <a:solidFill>
-                            <a:srgbClr val="595959"/>
-                          </a:solidFill>
-                        </a:rPr>
-                        <a:t>Infra</a:t>
-                      </a:r>
-                      <a:endParaRPr lang="ko-Kore-KR" altLang="en-US" sz="1600" dirty="0">
-                        <a:solidFill>
-                          <a:srgbClr val="595959"/>
-                        </a:solidFill>
-                      </a:endParaRPr>
-                    </a:p>
-                  </a:txBody>
-                  <a:tcPr anchor="ctr">
-                    <a:lnL w="12700" cap="flat" cmpd="sng" algn="ctr">
-                      <a:solidFill>
-                        <a:srgbClr val="C5C5C5"/>
-                      </a:solidFill>
-                      <a:prstDash val="solid"/>
-                      <a:round/>
-                      <a:headEnd type="none" w="med" len="med"/>
-                      <a:tailEnd type="none" w="med" len="med"/>
-                    </a:lnL>
-                    <a:lnR w="12700" cap="flat" cmpd="sng" algn="ctr">
-                      <a:solidFill>
-                        <a:srgbClr val="C5C5C5"/>
-                      </a:solidFill>
-                      <a:prstDash val="solid"/>
-                      <a:round/>
-                      <a:headEnd type="none" w="med" len="med"/>
-                      <a:tailEnd type="none" w="med" len="med"/>
-                    </a:lnR>
-                    <a:lnT w="12700" cap="flat" cmpd="sng" algn="ctr">
-                      <a:solidFill>
-                        <a:srgbClr val="C5C5C5"/>
-                      </a:solidFill>
-                      <a:prstDash val="solid"/>
-                      <a:round/>
-                      <a:headEnd type="none" w="med" len="med"/>
-                      <a:tailEnd type="none" w="med" len="med"/>
-                    </a:lnT>
-                    <a:lnB w="12700" cap="flat" cmpd="sng" algn="ctr">
-                      <a:solidFill>
-                        <a:srgbClr val="C5C5C5"/>
-                      </a:solidFill>
-                      <a:prstDash val="solid"/>
-                      <a:round/>
-                      <a:headEnd type="none" w="med" len="med"/>
-                      <a:tailEnd type="none" w="med" len="med"/>
-                    </a:lnB>
-                    <a:noFill/>
-                  </a:tcPr>
-                </a:tc>
-                <a:tc>
-                  <a:txBody>
-                    <a:bodyPr/>
-                    <a:lstStyle/>
-                    <a:p>
-                      <a:pPr algn="ctr"/>
-                      <a:r>
-                        <a:rPr lang="en-US" altLang="ko-Kore-KR" sz="1600" dirty="0">
-                          <a:solidFill>
-                            <a:srgbClr val="595959"/>
-                          </a:solidFill>
-                        </a:rPr>
-                        <a:t>OS</a:t>
-                      </a:r>
-                      <a:endParaRPr lang="ko-Kore-KR" altLang="en-US" sz="1600" dirty="0">
-                        <a:solidFill>
-                          <a:srgbClr val="595959"/>
-                        </a:solidFill>
-                      </a:endParaRPr>
-                    </a:p>
-                  </a:txBody>
-                  <a:tcPr anchor="ctr">
-                    <a:lnL w="12700" cap="flat" cmpd="sng" algn="ctr">
-                      <a:solidFill>
-                        <a:srgbClr val="C5C5C5"/>
-                      </a:solidFill>
-                      <a:prstDash val="solid"/>
-                      <a:round/>
-                      <a:headEnd type="none" w="med" len="med"/>
-                      <a:tailEnd type="none" w="med" len="med"/>
-                    </a:lnL>
-                    <a:lnR w="12700" cap="flat" cmpd="sng" algn="ctr">
-                      <a:solidFill>
-                        <a:srgbClr val="C5C5C5"/>
-                      </a:solidFill>
-                      <a:prstDash val="solid"/>
-                      <a:round/>
-                      <a:headEnd type="none" w="med" len="med"/>
-                      <a:tailEnd type="none" w="med" len="med"/>
-                    </a:lnR>
-                    <a:lnT w="12700" cap="flat" cmpd="sng" algn="ctr">
-                      <a:solidFill>
-                        <a:srgbClr val="C5C5C5"/>
-                      </a:solidFill>
-                      <a:prstDash val="solid"/>
-                      <a:round/>
-                      <a:headEnd type="none" w="med" len="med"/>
-                      <a:tailEnd type="none" w="med" len="med"/>
-                    </a:lnT>
-                    <a:lnB w="12700" cap="flat" cmpd="sng" algn="ctr">
-                      <a:solidFill>
-                        <a:srgbClr val="C5C5C5"/>
-                      </a:solidFill>
-                      <a:prstDash val="solid"/>
-                      <a:round/>
-                      <a:headEnd type="none" w="med" len="med"/>
-                      <a:tailEnd type="none" w="med" len="med"/>
-                    </a:lnB>
-                    <a:noFill/>
-                  </a:tcPr>
-                </a:tc>
-                <a:tc>
-                  <a:txBody>
-                    <a:bodyPr/>
-                    <a:lstStyle/>
-                    <a:p>
-                      <a:pPr algn="l"/>
-                      <a:r>
-                        <a:rPr lang="en-US" altLang="ko-Kore-KR" sz="1600" dirty="0">
-                          <a:solidFill>
-                            <a:srgbClr val="595959"/>
-                          </a:solidFill>
-                        </a:rPr>
-                        <a:t>Ubuntu : [Microsoft Azure VM]</a:t>
-                      </a:r>
-                      <a:endParaRPr lang="ko-Kore-KR" altLang="en-US" sz="1600" dirty="0">
-                        <a:solidFill>
-                          <a:srgbClr val="595959"/>
-                        </a:solidFill>
-                      </a:endParaRPr>
-                    </a:p>
-                  </a:txBody>
-                  <a:tcPr anchor="ctr">
-                    <a:lnL w="12700" cap="flat" cmpd="sng" algn="ctr">
-                      <a:solidFill>
-                        <a:srgbClr val="C5C5C5"/>
-                      </a:solidFill>
-                      <a:prstDash val="solid"/>
-                      <a:round/>
-                      <a:headEnd type="none" w="med" len="med"/>
-                      <a:tailEnd type="none" w="med" len="med"/>
-                    </a:lnL>
-                    <a:lnR w="12700" cap="flat" cmpd="sng" algn="ctr">
-                      <a:solidFill>
-                        <a:srgbClr val="C5C5C5"/>
-                      </a:solidFill>
-                      <a:prstDash val="solid"/>
-                      <a:round/>
-                      <a:headEnd type="none" w="med" len="med"/>
-                      <a:tailEnd type="none" w="med" len="med"/>
-                    </a:lnR>
-                    <a:lnT w="12700" cap="flat" cmpd="sng" algn="ctr">
-                      <a:solidFill>
-                        <a:srgbClr val="C5C5C5"/>
-                      </a:solidFill>
-                      <a:prstDash val="solid"/>
-                      <a:round/>
-                      <a:headEnd type="none" w="med" len="med"/>
-                      <a:tailEnd type="none" w="med" len="med"/>
-                    </a:lnT>
-                    <a:lnB w="12700" cap="flat" cmpd="sng" algn="ctr">
-                      <a:solidFill>
-                        <a:srgbClr val="C5C5C5"/>
-                      </a:solidFill>
-                      <a:prstDash val="solid"/>
-                      <a:round/>
-                      <a:headEnd type="none" w="med" len="med"/>
-                      <a:tailEnd type="none" w="med" len="med"/>
-                    </a:lnB>
-                    <a:noFill/>
-                  </a:tcPr>
-                </a:tc>
-                <a:extLst>
-                  <a:ext uri="{0D108BD9-81ED-4DB2-BD59-A6C34878D82A}">
-                    <a16:rowId xmlns:a16="http://schemas.microsoft.com/office/drawing/2014/main" val="4142777848"/>
-                  </a:ext>
-                </a:extLst>
-              </a:tr>
-              <a:tr h="370840">
-                <a:tc vMerge="1">
-                  <a:txBody>
-                    <a:bodyPr/>
-                    <a:lstStyle/>
-                    <a:p>
-                      <a:pPr algn="ctr"/>
-                      <a:r>
-                        <a:rPr lang="en-US" altLang="ko-Kore-KR" sz="1600" dirty="0">
-                          <a:solidFill>
-                            <a:srgbClr val="595959"/>
-                          </a:solidFill>
-                        </a:rPr>
-                        <a:t>Infra</a:t>
-                      </a:r>
-                      <a:endParaRPr lang="ko-Kore-KR" altLang="en-US" sz="1600" dirty="0">
-                        <a:solidFill>
-                          <a:srgbClr val="595959"/>
-                        </a:solidFill>
-                      </a:endParaRPr>
-                    </a:p>
-                  </a:txBody>
-                  <a:tcPr anchor="ctr">
-                    <a:lnL w="12700" cap="flat" cmpd="sng" algn="ctr">
-                      <a:solidFill>
-                        <a:srgbClr val="C5C5C5"/>
-                      </a:solidFill>
-                      <a:prstDash val="solid"/>
-                      <a:round/>
-                      <a:headEnd type="none" w="med" len="med"/>
-                      <a:tailEnd type="none" w="med" len="med"/>
-                    </a:lnL>
-                    <a:lnR w="12700" cap="flat" cmpd="sng" algn="ctr">
-                      <a:solidFill>
-                        <a:srgbClr val="C5C5C5"/>
-                      </a:solidFill>
-                      <a:prstDash val="solid"/>
-                      <a:round/>
-                      <a:headEnd type="none" w="med" len="med"/>
-                      <a:tailEnd type="none" w="med" len="med"/>
-                    </a:lnR>
-                    <a:lnT w="12700" cap="flat" cmpd="sng" algn="ctr">
-                      <a:solidFill>
-                        <a:srgbClr val="C5C5C5"/>
-                      </a:solidFill>
-                      <a:prstDash val="solid"/>
-                      <a:round/>
-                      <a:headEnd type="none" w="med" len="med"/>
-                      <a:tailEnd type="none" w="med" len="med"/>
-                    </a:lnT>
-                    <a:lnB w="12700" cap="flat" cmpd="sng" algn="ctr">
-                      <a:solidFill>
-                        <a:srgbClr val="C5C5C5"/>
-                      </a:solidFill>
-                      <a:prstDash val="solid"/>
-                      <a:round/>
-                      <a:headEnd type="none" w="med" len="med"/>
-                      <a:tailEnd type="none" w="med" len="med"/>
-                    </a:lnB>
-                    <a:noFill/>
-                  </a:tcPr>
-                </a:tc>
-                <a:tc>
-                  <a:txBody>
-                    <a:bodyPr/>
-                    <a:lstStyle/>
-                    <a:p>
-                      <a:pPr algn="ctr"/>
-                      <a:r>
-                        <a:rPr lang="en-US" altLang="ko-Kore-KR" sz="1600" dirty="0">
-                          <a:solidFill>
-                            <a:srgbClr val="595959"/>
-                          </a:solidFill>
-                        </a:rPr>
-                        <a:t>Web Server</a:t>
-                      </a:r>
-                      <a:endParaRPr lang="ko-Kore-KR" altLang="en-US" sz="1600" dirty="0">
-                        <a:solidFill>
-                          <a:srgbClr val="595959"/>
-                        </a:solidFill>
-                      </a:endParaRPr>
-                    </a:p>
-                  </a:txBody>
-                  <a:tcPr anchor="ctr">
-                    <a:lnL w="12700" cap="flat" cmpd="sng" algn="ctr">
-                      <a:solidFill>
-                        <a:srgbClr val="C5C5C5"/>
-                      </a:solidFill>
-                      <a:prstDash val="solid"/>
-                      <a:round/>
-                      <a:headEnd type="none" w="med" len="med"/>
-                      <a:tailEnd type="none" w="med" len="med"/>
-                    </a:lnL>
-                    <a:lnR w="12700" cap="flat" cmpd="sng" algn="ctr">
-                      <a:solidFill>
-                        <a:srgbClr val="C5C5C5"/>
-                      </a:solidFill>
-                      <a:prstDash val="solid"/>
-                      <a:round/>
-                      <a:headEnd type="none" w="med" len="med"/>
-                      <a:tailEnd type="none" w="med" len="med"/>
-                    </a:lnR>
-                    <a:lnT w="12700" cap="flat" cmpd="sng" algn="ctr">
-                      <a:solidFill>
-                        <a:srgbClr val="C5C5C5"/>
-                      </a:solidFill>
-                      <a:prstDash val="solid"/>
-                      <a:round/>
-                      <a:headEnd type="none" w="med" len="med"/>
-                      <a:tailEnd type="none" w="med" len="med"/>
-                    </a:lnT>
-                    <a:lnB w="12700" cap="flat" cmpd="sng" algn="ctr">
-                      <a:solidFill>
-                        <a:srgbClr val="C5C5C5"/>
-                      </a:solidFill>
-                      <a:prstDash val="solid"/>
-                      <a:round/>
-                      <a:headEnd type="none" w="med" len="med"/>
-                      <a:tailEnd type="none" w="med" len="med"/>
-                    </a:lnB>
-                    <a:noFill/>
-                  </a:tcPr>
-                </a:tc>
-                <a:tc>
-                  <a:txBody>
-                    <a:bodyPr/>
-                    <a:lstStyle/>
-                    <a:p>
-                      <a:pPr algn="l"/>
-                      <a:r>
-                        <a:rPr lang="en-US" altLang="ko-Kore-KR" sz="1600" dirty="0">
-                          <a:solidFill>
-                            <a:srgbClr val="595959"/>
-                          </a:solidFill>
-                        </a:rPr>
-                        <a:t>Nginx</a:t>
-                      </a:r>
-                      <a:endParaRPr lang="ko-Kore-KR" altLang="en-US" sz="1600" dirty="0">
-                        <a:solidFill>
-                          <a:srgbClr val="595959"/>
-                        </a:solidFill>
-                      </a:endParaRPr>
-                    </a:p>
-                  </a:txBody>
-                  <a:tcPr anchor="ctr">
-                    <a:lnL w="12700" cap="flat" cmpd="sng" algn="ctr">
-                      <a:solidFill>
-                        <a:srgbClr val="C5C5C5"/>
-                      </a:solidFill>
-                      <a:prstDash val="solid"/>
-                      <a:round/>
-                      <a:headEnd type="none" w="med" len="med"/>
-                      <a:tailEnd type="none" w="med" len="med"/>
-                    </a:lnL>
-                    <a:lnR w="12700" cap="flat" cmpd="sng" algn="ctr">
-                      <a:solidFill>
-                        <a:srgbClr val="C5C5C5"/>
-                      </a:solidFill>
-                      <a:prstDash val="solid"/>
-                      <a:round/>
-                      <a:headEnd type="none" w="med" len="med"/>
-                      <a:tailEnd type="none" w="med" len="med"/>
-                    </a:lnR>
-                    <a:lnT w="12700" cap="flat" cmpd="sng" algn="ctr">
-                      <a:solidFill>
-                        <a:srgbClr val="C5C5C5"/>
-                      </a:solidFill>
-                      <a:prstDash val="solid"/>
-                      <a:round/>
-                      <a:headEnd type="none" w="med" len="med"/>
-                      <a:tailEnd type="none" w="med" len="med"/>
-                    </a:lnT>
-                    <a:lnB w="12700" cap="flat" cmpd="sng" algn="ctr">
-                      <a:solidFill>
-                        <a:srgbClr val="C5C5C5"/>
-                      </a:solidFill>
-                      <a:prstDash val="solid"/>
-                      <a:round/>
-                      <a:headEnd type="none" w="med" len="med"/>
-                      <a:tailEnd type="none" w="med" len="med"/>
-                    </a:lnB>
-                    <a:noFill/>
-                  </a:tcPr>
-                </a:tc>
-                <a:extLst>
-                  <a:ext uri="{0D108BD9-81ED-4DB2-BD59-A6C34878D82A}">
-                    <a16:rowId xmlns:a16="http://schemas.microsoft.com/office/drawing/2014/main" val="2343218528"/>
-                  </a:ext>
-                </a:extLst>
-              </a:tr>
-              <a:tr h="370840">
-                <a:tc vMerge="1">
-                  <a:txBody>
-                    <a:bodyPr/>
-                    <a:lstStyle/>
-                    <a:p>
-                      <a:pPr algn="ctr"/>
-                      <a:endParaRPr lang="ko-Kore-KR" altLang="en-US" sz="1600" dirty="0">
-                        <a:solidFill>
-                          <a:srgbClr val="595959"/>
-                        </a:solidFill>
-                      </a:endParaRPr>
-                    </a:p>
-                  </a:txBody>
-                  <a:tcPr anchor="ctr">
-                    <a:lnL w="12700" cap="flat" cmpd="sng" algn="ctr">
-                      <a:solidFill>
-                        <a:srgbClr val="C5C5C5"/>
-                      </a:solidFill>
-                      <a:prstDash val="solid"/>
-                      <a:round/>
-                      <a:headEnd type="none" w="med" len="med"/>
-                      <a:tailEnd type="none" w="med" len="med"/>
-                    </a:lnL>
-                    <a:lnR w="12700" cap="flat" cmpd="sng" algn="ctr">
-                      <a:solidFill>
-                        <a:srgbClr val="C5C5C5"/>
-                      </a:solidFill>
-                      <a:prstDash val="solid"/>
-                      <a:round/>
-                      <a:headEnd type="none" w="med" len="med"/>
-                      <a:tailEnd type="none" w="med" len="med"/>
-                    </a:lnR>
-                    <a:lnT w="12700" cap="flat" cmpd="sng" algn="ctr">
-                      <a:solidFill>
-                        <a:srgbClr val="C5C5C5"/>
-                      </a:solidFill>
-                      <a:prstDash val="solid"/>
-                      <a:round/>
-                      <a:headEnd type="none" w="med" len="med"/>
-                      <a:tailEnd type="none" w="med" len="med"/>
-                    </a:lnT>
-                    <a:lnB w="12700" cap="flat" cmpd="sng" algn="ctr">
-                      <a:solidFill>
-                        <a:srgbClr val="C5C5C5"/>
-                      </a:solidFill>
-                      <a:prstDash val="solid"/>
-                      <a:round/>
-                      <a:headEnd type="none" w="med" len="med"/>
-                      <a:tailEnd type="none" w="med" len="med"/>
-                    </a:lnB>
-                    <a:noFill/>
-                  </a:tcPr>
-                </a:tc>
-                <a:tc>
-                  <a:txBody>
-                    <a:bodyPr/>
-                    <a:lstStyle/>
-                    <a:p>
-                      <a:pPr algn="ctr"/>
-                      <a:r>
-                        <a:rPr lang="en-US" altLang="ko-Kore-KR" sz="1600" dirty="0">
-                          <a:solidFill>
-                            <a:srgbClr val="595959"/>
-                          </a:solidFill>
-                        </a:rPr>
-                        <a:t>WAS</a:t>
-                      </a:r>
-                      <a:endParaRPr lang="ko-Kore-KR" altLang="en-US" sz="1600" dirty="0">
-                        <a:solidFill>
-                          <a:srgbClr val="595959"/>
-                        </a:solidFill>
-                      </a:endParaRPr>
-                    </a:p>
-                  </a:txBody>
-                  <a:tcPr anchor="ctr">
-                    <a:lnL w="12700" cap="flat" cmpd="sng" algn="ctr">
-                      <a:solidFill>
-                        <a:srgbClr val="C5C5C5"/>
-                      </a:solidFill>
-                      <a:prstDash val="solid"/>
-                      <a:round/>
-                      <a:headEnd type="none" w="med" len="med"/>
-                      <a:tailEnd type="none" w="med" len="med"/>
-                    </a:lnL>
-                    <a:lnR w="12700" cap="flat" cmpd="sng" algn="ctr">
-                      <a:solidFill>
-                        <a:srgbClr val="C5C5C5"/>
-                      </a:solidFill>
-                      <a:prstDash val="solid"/>
-                      <a:round/>
-                      <a:headEnd type="none" w="med" len="med"/>
-                      <a:tailEnd type="none" w="med" len="med"/>
-                    </a:lnR>
-                    <a:lnT w="12700" cap="flat" cmpd="sng" algn="ctr">
-                      <a:solidFill>
-                        <a:srgbClr val="C5C5C5"/>
-                      </a:solidFill>
-                      <a:prstDash val="solid"/>
-                      <a:round/>
-                      <a:headEnd type="none" w="med" len="med"/>
-                      <a:tailEnd type="none" w="med" len="med"/>
-                    </a:lnT>
-                    <a:lnB w="12700" cap="flat" cmpd="sng" algn="ctr">
-                      <a:solidFill>
-                        <a:srgbClr val="C5C5C5"/>
-                      </a:solidFill>
-                      <a:prstDash val="solid"/>
-                      <a:round/>
-                      <a:headEnd type="none" w="med" len="med"/>
-                      <a:tailEnd type="none" w="med" len="med"/>
-                    </a:lnB>
-                    <a:noFill/>
-                  </a:tcPr>
-                </a:tc>
-                <a:tc>
-                  <a:txBody>
-                    <a:bodyPr/>
-                    <a:lstStyle/>
-                    <a:p>
-                      <a:pPr marL="0" marR="0" lvl="0" indent="0" algn="l" defTabSz="914400" rtl="0" eaLnBrk="1" fontAlgn="auto" latinLnBrk="1" hangingPunct="1">
-                        <a:lnSpc>
-                          <a:spcPct val="100000"/>
-                        </a:lnSpc>
-                        <a:spcBef>
-                          <a:spcPts val="0"/>
-                        </a:spcBef>
-                        <a:spcAft>
-                          <a:spcPts val="0"/>
-                        </a:spcAft>
-                        <a:buClrTx/>
-                        <a:buSzTx/>
-                        <a:buFontTx/>
-                        <a:buNone/>
-                        <a:tabLst/>
-                        <a:defRPr/>
-                      </a:pPr>
-                      <a:r>
-                        <a:rPr lang="en-US" altLang="ko-KR" sz="1600" b="0" dirty="0">
-                          <a:solidFill>
-                            <a:srgbClr val="595959"/>
-                          </a:solidFill>
-                        </a:rPr>
-                        <a:t>Tomcat 9.0.78</a:t>
-                      </a:r>
-                      <a:endParaRPr lang="ko-KR" altLang="en-US" sz="1600" b="0" dirty="0">
-                        <a:solidFill>
-                          <a:srgbClr val="595959"/>
-                        </a:solidFill>
-                      </a:endParaRPr>
-                    </a:p>
-                  </a:txBody>
-                  <a:tcPr anchor="ctr">
-                    <a:lnL w="12700" cap="flat" cmpd="sng" algn="ctr">
-                      <a:solidFill>
-                        <a:srgbClr val="C5C5C5"/>
-                      </a:solidFill>
-                      <a:prstDash val="solid"/>
-                      <a:round/>
-                      <a:headEnd type="none" w="med" len="med"/>
-                      <a:tailEnd type="none" w="med" len="med"/>
-                    </a:lnL>
-                    <a:lnR w="12700" cap="flat" cmpd="sng" algn="ctr">
-                      <a:solidFill>
-                        <a:srgbClr val="C5C5C5"/>
-                      </a:solidFill>
-                      <a:prstDash val="solid"/>
-                      <a:round/>
-                      <a:headEnd type="none" w="med" len="med"/>
-                      <a:tailEnd type="none" w="med" len="med"/>
-                    </a:lnR>
-                    <a:lnT w="12700" cap="flat" cmpd="sng" algn="ctr">
-                      <a:solidFill>
-                        <a:srgbClr val="C5C5C5"/>
-                      </a:solidFill>
-                      <a:prstDash val="solid"/>
-                      <a:round/>
-                      <a:headEnd type="none" w="med" len="med"/>
-                      <a:tailEnd type="none" w="med" len="med"/>
-                    </a:lnT>
-                    <a:lnB w="12700" cap="flat" cmpd="sng" algn="ctr">
-                      <a:solidFill>
-                        <a:srgbClr val="C5C5C5"/>
-                      </a:solidFill>
-                      <a:prstDash val="solid"/>
-                      <a:round/>
-                      <a:headEnd type="none" w="med" len="med"/>
-                      <a:tailEnd type="none" w="med" len="med"/>
-                    </a:lnB>
-                    <a:noFill/>
-                  </a:tcPr>
-                </a:tc>
-                <a:extLst>
-                  <a:ext uri="{0D108BD9-81ED-4DB2-BD59-A6C34878D82A}">
-                    <a16:rowId xmlns:a16="http://schemas.microsoft.com/office/drawing/2014/main" val="1016534799"/>
-                  </a:ext>
-                </a:extLst>
-              </a:tr>
-              <a:tr h="370840">
-                <a:tc vMerge="1">
-                  <a:txBody>
-                    <a:bodyPr/>
-                    <a:lstStyle/>
-                    <a:p>
-                      <a:pPr algn="ctr"/>
-                      <a:endParaRPr lang="ko-Kore-KR" altLang="en-US" sz="1600" dirty="0">
-                        <a:solidFill>
-                          <a:srgbClr val="595959"/>
-                        </a:solidFill>
-                      </a:endParaRPr>
-                    </a:p>
-                  </a:txBody>
-                  <a:tcPr anchor="ctr">
-                    <a:lnL w="12700" cap="flat" cmpd="sng" algn="ctr">
-                      <a:solidFill>
-                        <a:srgbClr val="C5C5C5"/>
-                      </a:solidFill>
-                      <a:prstDash val="solid"/>
-                      <a:round/>
-                      <a:headEnd type="none" w="med" len="med"/>
-                      <a:tailEnd type="none" w="med" len="med"/>
-                    </a:lnL>
-                    <a:lnR w="12700" cap="flat" cmpd="sng" algn="ctr">
-                      <a:solidFill>
-                        <a:srgbClr val="C5C5C5"/>
-                      </a:solidFill>
-                      <a:prstDash val="solid"/>
-                      <a:round/>
-                      <a:headEnd type="none" w="med" len="med"/>
-                      <a:tailEnd type="none" w="med" len="med"/>
-                    </a:lnR>
-                    <a:lnT w="12700" cap="flat" cmpd="sng" algn="ctr">
-                      <a:solidFill>
-                        <a:srgbClr val="C5C5C5"/>
-                      </a:solidFill>
-                      <a:prstDash val="solid"/>
-                      <a:round/>
-                      <a:headEnd type="none" w="med" len="med"/>
-                      <a:tailEnd type="none" w="med" len="med"/>
-                    </a:lnT>
-                    <a:lnB w="12700" cap="flat" cmpd="sng" algn="ctr">
-                      <a:solidFill>
-                        <a:srgbClr val="C5C5C5"/>
-                      </a:solidFill>
-                      <a:prstDash val="solid"/>
-                      <a:round/>
-                      <a:headEnd type="none" w="med" len="med"/>
-                      <a:tailEnd type="none" w="med" len="med"/>
-                    </a:lnB>
-                    <a:noFill/>
-                  </a:tcPr>
-                </a:tc>
-                <a:tc>
-                  <a:txBody>
-                    <a:bodyPr/>
-                    <a:lstStyle/>
-                    <a:p>
-                      <a:pPr algn="ctr"/>
-                      <a:r>
-                        <a:rPr lang="en-US" altLang="ko-Kore-KR" sz="1600" dirty="0">
-                          <a:solidFill>
-                            <a:srgbClr val="595959"/>
-                          </a:solidFill>
-                        </a:rPr>
-                        <a:t>DBMS</a:t>
-                      </a:r>
-                      <a:endParaRPr lang="ko-Kore-KR" altLang="en-US" sz="1600" dirty="0">
-                        <a:solidFill>
-                          <a:srgbClr val="595959"/>
-                        </a:solidFill>
-                      </a:endParaRPr>
-                    </a:p>
-                  </a:txBody>
-                  <a:tcPr anchor="ctr">
-                    <a:lnL w="12700" cap="flat" cmpd="sng" algn="ctr">
-                      <a:solidFill>
-                        <a:srgbClr val="C5C5C5"/>
-                      </a:solidFill>
-                      <a:prstDash val="solid"/>
-                      <a:round/>
-                      <a:headEnd type="none" w="med" len="med"/>
-                      <a:tailEnd type="none" w="med" len="med"/>
-                    </a:lnL>
-                    <a:lnR w="12700" cap="flat" cmpd="sng" algn="ctr">
-                      <a:solidFill>
-                        <a:srgbClr val="C5C5C5"/>
-                      </a:solidFill>
-                      <a:prstDash val="solid"/>
-                      <a:round/>
-                      <a:headEnd type="none" w="med" len="med"/>
-                      <a:tailEnd type="none" w="med" len="med"/>
-                    </a:lnR>
-                    <a:lnT w="12700" cap="flat" cmpd="sng" algn="ctr">
-                      <a:solidFill>
-                        <a:srgbClr val="C5C5C5"/>
-                      </a:solidFill>
-                      <a:prstDash val="solid"/>
-                      <a:round/>
-                      <a:headEnd type="none" w="med" len="med"/>
-                      <a:tailEnd type="none" w="med" len="med"/>
-                    </a:lnT>
-                    <a:lnB w="12700" cap="flat" cmpd="sng" algn="ctr">
-                      <a:solidFill>
-                        <a:srgbClr val="C5C5C5"/>
-                      </a:solidFill>
-                      <a:prstDash val="solid"/>
-                      <a:round/>
-                      <a:headEnd type="none" w="med" len="med"/>
-                      <a:tailEnd type="none" w="med" len="med"/>
-                    </a:lnB>
-                    <a:noFill/>
-                  </a:tcPr>
-                </a:tc>
-                <a:tc>
-                  <a:txBody>
-                    <a:bodyPr/>
-                    <a:lstStyle/>
-                    <a:p>
-                      <a:pPr algn="l"/>
-                      <a:r>
-                        <a:rPr lang="en-US" altLang="ko-Kore-KR" sz="1600" dirty="0">
-                          <a:solidFill>
-                            <a:srgbClr val="595959"/>
-                          </a:solidFill>
-                        </a:rPr>
-                        <a:t>Oracle 19c : [Oracle Cloud Database]</a:t>
-                      </a:r>
-                      <a:endParaRPr lang="ko-Kore-KR" altLang="en-US" sz="1600" dirty="0">
-                        <a:solidFill>
-                          <a:srgbClr val="595959"/>
-                        </a:solidFill>
-                      </a:endParaRPr>
-                    </a:p>
-                  </a:txBody>
-                  <a:tcPr anchor="ctr">
-                    <a:lnL w="12700" cap="flat" cmpd="sng" algn="ctr">
-                      <a:solidFill>
-                        <a:srgbClr val="C5C5C5"/>
-                      </a:solidFill>
-                      <a:prstDash val="solid"/>
-                      <a:round/>
-                      <a:headEnd type="none" w="med" len="med"/>
-                      <a:tailEnd type="none" w="med" len="med"/>
-                    </a:lnL>
-                    <a:lnR w="12700" cap="flat" cmpd="sng" algn="ctr">
-                      <a:solidFill>
-                        <a:srgbClr val="C5C5C5"/>
-                      </a:solidFill>
-                      <a:prstDash val="solid"/>
-                      <a:round/>
-                      <a:headEnd type="none" w="med" len="med"/>
-                      <a:tailEnd type="none" w="med" len="med"/>
-                    </a:lnR>
-                    <a:lnT w="12700" cap="flat" cmpd="sng" algn="ctr">
-                      <a:solidFill>
-                        <a:srgbClr val="C5C5C5"/>
-                      </a:solidFill>
-                      <a:prstDash val="solid"/>
-                      <a:round/>
-                      <a:headEnd type="none" w="med" len="med"/>
-                      <a:tailEnd type="none" w="med" len="med"/>
-                    </a:lnT>
-                    <a:lnB w="12700" cap="flat" cmpd="sng" algn="ctr">
-                      <a:solidFill>
-                        <a:srgbClr val="C5C5C5"/>
-                      </a:solidFill>
-                      <a:prstDash val="solid"/>
-                      <a:round/>
-                      <a:headEnd type="none" w="med" len="med"/>
-                      <a:tailEnd type="none" w="med" len="med"/>
-                    </a:lnB>
-                    <a:noFill/>
-                  </a:tcPr>
-                </a:tc>
-                <a:extLst>
-                  <a:ext uri="{0D108BD9-81ED-4DB2-BD59-A6C34878D82A}">
-                    <a16:rowId xmlns:a16="http://schemas.microsoft.com/office/drawing/2014/main" val="1122303396"/>
-                  </a:ext>
-                </a:extLst>
-              </a:tr>
-            </a:tbl>
-          </a:graphicData>
-        </a:graphic>
-      </p:graphicFrame>
-    </p:spTree>
-    <p:extLst>
-      <p:ext uri="{BB962C8B-B14F-4D97-AF65-F5344CB8AC3E}">
-        <p14:creationId xmlns:p14="http://schemas.microsoft.com/office/powerpoint/2010/main" val="1842178809"/>
       </p:ext>
     </p:extLst>
   </p:cSld>

--- a/산출물/프로젝트수행계획서/2360340008_박경덕_하나1PIECE조각투자중계플랫폼_수행계획서.pptx
+++ b/산출물/프로젝트수행계획서/2360340008_박경덕_하나1PIECE조각투자중계플랫폼_수행계획서.pptx
@@ -8602,7 +8602,7 @@
           <p:nvPr>
             <p:extLst>
               <p:ext uri="{D42A27DB-BD31-4B8C-83A1-F6EECF244321}">
-                <p14:modId xmlns:p14="http://schemas.microsoft.com/office/powerpoint/2010/main" val="1904079035"/>
+                <p14:modId xmlns:p14="http://schemas.microsoft.com/office/powerpoint/2010/main" val="3527332105"/>
               </p:ext>
             </p:extLst>
           </p:nvPr>
@@ -11082,7 +11082,7 @@
                             <a:srgbClr val="595959"/>
                           </a:solidFill>
                         </a:rPr>
-                        <a:t>Web Server</a:t>
+                        <a:t>Web Server(L7 LB)</a:t>
                       </a:r>
                       <a:endParaRPr lang="ko-Kore-KR" altLang="en-US" sz="1600" dirty="0">
                         <a:solidFill>

--- a/산출물/프로젝트수행계획서/2360340008_박경덕_하나1PIECE조각투자중계플랫폼_수행계획서.pptx
+++ b/산출물/프로젝트수행계획서/2360340008_박경덕_하나1PIECE조각투자중계플랫폼_수행계획서.pptx
@@ -4788,7 +4788,7 @@
           <a:p>
             <a:fld id="{D98176AE-3205-4E7D-B089-FD8D21DBE7C1}" type="datetimeFigureOut">
               <a:rPr lang="ko-KR" altLang="en-US" smtClean="0"/>
-              <a:t>2023. 9. 6.</a:t>
+              <a:t>2023. 9. 7.</a:t>
             </a:fld>
             <a:endParaRPr lang="ko-KR" altLang="en-US"/>
           </a:p>
@@ -5120,6 +5120,90 @@
           <a:p>
             <a:fld id="{AB0F060D-AC9A-4FAD-B838-D159359C262A}" type="slidenum">
               <a:rPr lang="ko-KR" altLang="en-US" smtClean="0"/>
+              <a:t>7</a:t>
+            </a:fld>
+            <a:endParaRPr lang="ko-KR" altLang="en-US"/>
+          </a:p>
+        </p:txBody>
+      </p:sp>
+    </p:spTree>
+    <p:extLst>
+      <p:ext uri="{BB962C8B-B14F-4D97-AF65-F5344CB8AC3E}">
+        <p14:creationId xmlns:p14="http://schemas.microsoft.com/office/powerpoint/2010/main" val="1863540944"/>
+      </p:ext>
+    </p:extLst>
+  </p:cSld>
+  <p:clrMapOvr>
+    <a:masterClrMapping/>
+  </p:clrMapOvr>
+</p:notes>
+</file>
+
+<file path=ppt/notesSlides/notesSlide2.xml><?xml version="1.0" encoding="utf-8"?>
+<p:notes xmlns:a="http://schemas.openxmlformats.org/drawingml/2006/main" xmlns:r="http://schemas.openxmlformats.org/officeDocument/2006/relationships" xmlns:p="http://schemas.openxmlformats.org/presentationml/2006/main">
+  <p:cSld>
+    <p:spTree>
+      <p:nvGrpSpPr>
+        <p:cNvPr id="1" name=""/>
+        <p:cNvGrpSpPr/>
+        <p:nvPr/>
+      </p:nvGrpSpPr>
+      <p:grpSpPr>
+        <a:xfrm>
+          <a:off x="0" y="0"/>
+          <a:ext cx="0" cy="0"/>
+          <a:chOff x="0" y="0"/>
+          <a:chExt cx="0" cy="0"/>
+        </a:xfrm>
+      </p:grpSpPr>
+      <p:sp>
+        <p:nvSpPr>
+          <p:cNvPr id="2" name="슬라이드 이미지 개체 틀 1"/>
+          <p:cNvSpPr>
+            <a:spLocks noGrp="1" noRot="1" noChangeAspect="1"/>
+          </p:cNvSpPr>
+          <p:nvPr>
+            <p:ph type="sldImg"/>
+          </p:nvPr>
+        </p:nvSpPr>
+        <p:spPr/>
+      </p:sp>
+      <p:sp>
+        <p:nvSpPr>
+          <p:cNvPr id="3" name="슬라이드 노트 개체 틀 2"/>
+          <p:cNvSpPr>
+            <a:spLocks noGrp="1"/>
+          </p:cNvSpPr>
+          <p:nvPr>
+            <p:ph type="body" idx="1"/>
+          </p:nvPr>
+        </p:nvSpPr>
+        <p:spPr/>
+        <p:txBody>
+          <a:bodyPr/>
+          <a:lstStyle/>
+          <a:p>
+            <a:endParaRPr kumimoji="1" lang="ko-Kore-KR" altLang="en-US" dirty="0"/>
+          </a:p>
+        </p:txBody>
+      </p:sp>
+      <p:sp>
+        <p:nvSpPr>
+          <p:cNvPr id="4" name="슬라이드 번호 개체 틀 3"/>
+          <p:cNvSpPr>
+            <a:spLocks noGrp="1"/>
+          </p:cNvSpPr>
+          <p:nvPr>
+            <p:ph type="sldNum" sz="quarter" idx="5"/>
+          </p:nvPr>
+        </p:nvSpPr>
+        <p:spPr/>
+        <p:txBody>
+          <a:bodyPr/>
+          <a:lstStyle/>
+          <a:p>
+            <a:fld id="{AB0F060D-AC9A-4FAD-B838-D159359C262A}" type="slidenum">
+              <a:rPr lang="ko-KR" altLang="en-US" smtClean="0"/>
               <a:t>9</a:t>
             </a:fld>
             <a:endParaRPr lang="ko-KR" altLang="en-US"/>
@@ -5268,7 +5352,7 @@
           <a:p>
             <a:fld id="{79EB7834-6C3D-41E2-9A4C-A32B382F41BC}" type="datetimeFigureOut">
               <a:rPr lang="ko-KR" altLang="en-US" smtClean="0"/>
-              <a:t>2023. 9. 6.</a:t>
+              <a:t>2023. 9. 7.</a:t>
             </a:fld>
             <a:endParaRPr lang="ko-KR" altLang="en-US"/>
           </a:p>
@@ -5436,7 +5520,7 @@
           <a:p>
             <a:fld id="{79EB7834-6C3D-41E2-9A4C-A32B382F41BC}" type="datetimeFigureOut">
               <a:rPr lang="ko-KR" altLang="en-US" smtClean="0"/>
-              <a:t>2023. 9. 6.</a:t>
+              <a:t>2023. 9. 7.</a:t>
             </a:fld>
             <a:endParaRPr lang="ko-KR" altLang="en-US"/>
           </a:p>
@@ -5614,7 +5698,7 @@
           <a:p>
             <a:fld id="{79EB7834-6C3D-41E2-9A4C-A32B382F41BC}" type="datetimeFigureOut">
               <a:rPr lang="ko-KR" altLang="en-US" smtClean="0"/>
-              <a:t>2023. 9. 6.</a:t>
+              <a:t>2023. 9. 7.</a:t>
             </a:fld>
             <a:endParaRPr lang="ko-KR" altLang="en-US"/>
           </a:p>
@@ -5782,7 +5866,7 @@
           <a:p>
             <a:fld id="{79EB7834-6C3D-41E2-9A4C-A32B382F41BC}" type="datetimeFigureOut">
               <a:rPr lang="ko-KR" altLang="en-US" smtClean="0"/>
-              <a:t>2023. 9. 6.</a:t>
+              <a:t>2023. 9. 7.</a:t>
             </a:fld>
             <a:endParaRPr lang="ko-KR" altLang="en-US"/>
           </a:p>
@@ -6027,7 +6111,7 @@
           <a:p>
             <a:fld id="{79EB7834-6C3D-41E2-9A4C-A32B382F41BC}" type="datetimeFigureOut">
               <a:rPr lang="ko-KR" altLang="en-US" smtClean="0"/>
-              <a:t>2023. 9. 6.</a:t>
+              <a:t>2023. 9. 7.</a:t>
             </a:fld>
             <a:endParaRPr lang="ko-KR" altLang="en-US"/>
           </a:p>
@@ -6256,7 +6340,7 @@
           <a:p>
             <a:fld id="{79EB7834-6C3D-41E2-9A4C-A32B382F41BC}" type="datetimeFigureOut">
               <a:rPr lang="ko-KR" altLang="en-US" smtClean="0"/>
-              <a:t>2023. 9. 6.</a:t>
+              <a:t>2023. 9. 7.</a:t>
             </a:fld>
             <a:endParaRPr lang="ko-KR" altLang="en-US"/>
           </a:p>
@@ -6620,7 +6704,7 @@
           <a:p>
             <a:fld id="{79EB7834-6C3D-41E2-9A4C-A32B382F41BC}" type="datetimeFigureOut">
               <a:rPr lang="ko-KR" altLang="en-US" smtClean="0"/>
-              <a:t>2023. 9. 6.</a:t>
+              <a:t>2023. 9. 7.</a:t>
             </a:fld>
             <a:endParaRPr lang="ko-KR" altLang="en-US"/>
           </a:p>
@@ -6737,7 +6821,7 @@
           <a:p>
             <a:fld id="{79EB7834-6C3D-41E2-9A4C-A32B382F41BC}" type="datetimeFigureOut">
               <a:rPr lang="ko-KR" altLang="en-US" smtClean="0"/>
-              <a:t>2023. 9. 6.</a:t>
+              <a:t>2023. 9. 7.</a:t>
             </a:fld>
             <a:endParaRPr lang="ko-KR" altLang="en-US"/>
           </a:p>
@@ -6832,7 +6916,7 @@
           <a:p>
             <a:fld id="{79EB7834-6C3D-41E2-9A4C-A32B382F41BC}" type="datetimeFigureOut">
               <a:rPr lang="ko-KR" altLang="en-US" smtClean="0"/>
-              <a:t>2023. 9. 6.</a:t>
+              <a:t>2023. 9. 7.</a:t>
             </a:fld>
             <a:endParaRPr lang="ko-KR" altLang="en-US"/>
           </a:p>
@@ -7107,7 +7191,7 @@
           <a:p>
             <a:fld id="{79EB7834-6C3D-41E2-9A4C-A32B382F41BC}" type="datetimeFigureOut">
               <a:rPr lang="ko-KR" altLang="en-US" smtClean="0"/>
-              <a:t>2023. 9. 6.</a:t>
+              <a:t>2023. 9. 7.</a:t>
             </a:fld>
             <a:endParaRPr lang="ko-KR" altLang="en-US"/>
           </a:p>
@@ -7359,7 +7443,7 @@
           <a:p>
             <a:fld id="{79EB7834-6C3D-41E2-9A4C-A32B382F41BC}" type="datetimeFigureOut">
               <a:rPr lang="ko-KR" altLang="en-US" smtClean="0"/>
-              <a:t>2023. 9. 6.</a:t>
+              <a:t>2023. 9. 7.</a:t>
             </a:fld>
             <a:endParaRPr lang="ko-KR" altLang="en-US"/>
           </a:p>
@@ -7570,7 +7654,7 @@
           <a:p>
             <a:fld id="{79EB7834-6C3D-41E2-9A4C-A32B382F41BC}" type="datetimeFigureOut">
               <a:rPr lang="ko-KR" altLang="en-US" smtClean="0"/>
-              <a:t>2023. 9. 6.</a:t>
+              <a:t>2023. 9. 7.</a:t>
             </a:fld>
             <a:endParaRPr lang="ko-KR" altLang="en-US"/>
           </a:p>
@@ -25703,15 +25787,15 @@
       </p:pic>
       <p:pic>
         <p:nvPicPr>
-          <p:cNvPr id="5" name="그림 4" descr="텍스트, 소프트웨어, 폰트, 컴퓨터 아이콘이(가) 표시된 사진&#10;&#10;자동 생성된 설명">
+          <p:cNvPr id="2050" name="Picture 2">
             <a:extLst>
               <a:ext uri="{FF2B5EF4-FFF2-40B4-BE49-F238E27FC236}">
-                <a16:creationId xmlns:a16="http://schemas.microsoft.com/office/drawing/2014/main" id="{D0DC30CA-2BB2-E63C-BC2D-7202463AB206}"/>
+                <a16:creationId xmlns:a16="http://schemas.microsoft.com/office/drawing/2014/main" id="{2980CDF3-3F83-3645-3375-BFD6380B12FC}"/>
               </a:ext>
             </a:extLst>
           </p:cNvPr>
           <p:cNvPicPr>
-            <a:picLocks noChangeAspect="1"/>
+            <a:picLocks noChangeAspect="1" noChangeArrowheads="1"/>
           </p:cNvPicPr>
           <p:nvPr/>
         </p:nvPicPr>
@@ -25723,18 +25807,29 @@
               </a:ext>
             </a:extLst>
           </a:blip>
+          <a:srcRect/>
           <a:stretch>
             <a:fillRect/>
           </a:stretch>
         </p:blipFill>
-        <p:spPr>
+        <p:spPr bwMode="auto">
           <a:xfrm>
-            <a:off x="384106" y="792844"/>
-            <a:ext cx="11423787" cy="5934477"/>
+            <a:off x="242069" y="617415"/>
+            <a:ext cx="11707861" cy="6109903"/>
           </a:xfrm>
           <a:prstGeom prst="rect">
             <a:avLst/>
           </a:prstGeom>
+          <a:noFill/>
+          <a:extLst>
+            <a:ext uri="{909E8E84-426E-40DD-AFC4-6F175D3DCCD1}">
+              <a14:hiddenFill xmlns:a14="http://schemas.microsoft.com/office/drawing/2010/main">
+                <a:solidFill>
+                  <a:srgbClr val="FFFFFF"/>
+                </a:solidFill>
+              </a14:hiddenFill>
+            </a:ext>
+          </a:extLst>
         </p:spPr>
       </p:pic>
     </p:spTree>
@@ -25975,7 +26070,7 @@
           <p:nvPr/>
         </p:nvPicPr>
         <p:blipFill>
-          <a:blip r:embed="rId2">
+          <a:blip r:embed="rId3">
             <a:extLst>
               <a:ext uri="{28A0092B-C50C-407E-A947-70E740481C1C}">
                 <a14:useLocalDpi xmlns:a14="http://schemas.microsoft.com/office/drawing/2010/main" val="0"/>
@@ -26009,32 +26104,47 @@
       </p:pic>
       <p:pic>
         <p:nvPicPr>
-          <p:cNvPr id="5" name="그림 4">
+          <p:cNvPr id="1026" name="Picture 2">
             <a:extLst>
               <a:ext uri="{FF2B5EF4-FFF2-40B4-BE49-F238E27FC236}">
-                <a16:creationId xmlns:a16="http://schemas.microsoft.com/office/drawing/2014/main" id="{53CCCE67-FF65-7C0D-2EC0-57FC6F335014}"/>
+                <a16:creationId xmlns:a16="http://schemas.microsoft.com/office/drawing/2014/main" id="{3BCF5F3D-6B68-750D-AE99-B666B3285DB6}"/>
               </a:ext>
             </a:extLst>
           </p:cNvPr>
           <p:cNvPicPr>
-            <a:picLocks noChangeAspect="1"/>
+            <a:picLocks noChangeAspect="1" noChangeArrowheads="1"/>
           </p:cNvPicPr>
           <p:nvPr/>
         </p:nvPicPr>
-        <p:blipFill>
-          <a:blip r:embed="rId3"/>
-          <a:stretch>
-            <a:fillRect/>
-          </a:stretch>
+        <p:blipFill rotWithShape="1">
+          <a:blip r:embed="rId4">
+            <a:extLst>
+              <a:ext uri="{28A0092B-C50C-407E-A947-70E740481C1C}">
+                <a14:useLocalDpi xmlns:a14="http://schemas.microsoft.com/office/drawing/2010/main" val="0"/>
+              </a:ext>
+            </a:extLst>
+          </a:blip>
+          <a:srcRect r="9693" b="3937"/>
+          <a:stretch/>
         </p:blipFill>
-        <p:spPr>
+        <p:spPr bwMode="auto">
           <a:xfrm>
-            <a:off x="487771" y="682894"/>
-            <a:ext cx="11216457" cy="6175106"/>
+            <a:off x="242069" y="682359"/>
+            <a:ext cx="11707861" cy="6175641"/>
           </a:xfrm>
           <a:prstGeom prst="rect">
             <a:avLst/>
           </a:prstGeom>
+          <a:noFill/>
+          <a:extLst>
+            <a:ext uri="{909E8E84-426E-40DD-AFC4-6F175D3DCCD1}">
+              <a14:hiddenFill xmlns:a14="http://schemas.microsoft.com/office/drawing/2010/main">
+                <a:solidFill>
+                  <a:srgbClr val="FFFFFF"/>
+                </a:solidFill>
+              </a14:hiddenFill>
+            </a:ext>
+          </a:extLst>
         </p:spPr>
       </p:pic>
     </p:spTree>
@@ -26322,106 +26432,12 @@
           </a:extLst>
         </p:spPr>
       </p:pic>
-      <p:pic>
-        <p:nvPicPr>
-          <p:cNvPr id="2050" name="Picture 2" descr="좋은 차트는 메시지를 정하는 데서 시작한다 | ㅍㅍㅅㅅ">
+      <p:sp>
+        <p:nvSpPr>
+          <p:cNvPr id="17" name="TextBox 16">
             <a:extLst>
               <a:ext uri="{FF2B5EF4-FFF2-40B4-BE49-F238E27FC236}">
-                <a16:creationId xmlns:a16="http://schemas.microsoft.com/office/drawing/2014/main" id="{E6BC56C2-9B51-7ADA-B9A4-26558F27FFAB}"/>
-              </a:ext>
-            </a:extLst>
-          </p:cNvPr>
-          <p:cNvPicPr>
-            <a:picLocks noChangeAspect="1" noChangeArrowheads="1"/>
-          </p:cNvPicPr>
-          <p:nvPr/>
-        </p:nvPicPr>
-        <p:blipFill>
-          <a:blip r:embed="rId3">
-            <a:extLst>
-              <a:ext uri="{28A0092B-C50C-407E-A947-70E740481C1C}">
-                <a14:useLocalDpi xmlns:a14="http://schemas.microsoft.com/office/drawing/2010/main" val="0"/>
-              </a:ext>
-            </a:extLst>
-          </a:blip>
-          <a:srcRect/>
-          <a:stretch>
-            <a:fillRect/>
-          </a:stretch>
-        </p:blipFill>
-        <p:spPr bwMode="auto">
-          <a:xfrm>
-            <a:off x="6096000" y="965180"/>
-            <a:ext cx="2492844" cy="1927799"/>
-          </a:xfrm>
-          <a:prstGeom prst="rect">
-            <a:avLst/>
-          </a:prstGeom>
-          <a:noFill/>
-          <a:extLst>
-            <a:ext uri="{909E8E84-426E-40DD-AFC4-6F175D3DCCD1}">
-              <a14:hiddenFill xmlns:a14="http://schemas.microsoft.com/office/drawing/2010/main">
-                <a:solidFill>
-                  <a:srgbClr val="FFFFFF"/>
-                </a:solidFill>
-              </a14:hiddenFill>
-            </a:ext>
-          </a:extLst>
-        </p:spPr>
-      </p:pic>
-      <p:pic>
-        <p:nvPicPr>
-          <p:cNvPr id="2054" name="Picture 6" descr="은행 통장 - 무료 사업개 아이콘">
-            <a:extLst>
-              <a:ext uri="{FF2B5EF4-FFF2-40B4-BE49-F238E27FC236}">
-                <a16:creationId xmlns:a16="http://schemas.microsoft.com/office/drawing/2014/main" id="{F47ED402-053C-CD1B-D6F9-5D63CAF9B267}"/>
-              </a:ext>
-            </a:extLst>
-          </p:cNvPr>
-          <p:cNvPicPr>
-            <a:picLocks noChangeAspect="1" noChangeArrowheads="1"/>
-          </p:cNvPicPr>
-          <p:nvPr/>
-        </p:nvPicPr>
-        <p:blipFill>
-          <a:blip r:embed="rId4">
-            <a:extLst>
-              <a:ext uri="{28A0092B-C50C-407E-A947-70E740481C1C}">
-                <a14:useLocalDpi xmlns:a14="http://schemas.microsoft.com/office/drawing/2010/main" val="0"/>
-              </a:ext>
-            </a:extLst>
-          </a:blip>
-          <a:srcRect/>
-          <a:stretch>
-            <a:fillRect/>
-          </a:stretch>
-        </p:blipFill>
-        <p:spPr bwMode="auto">
-          <a:xfrm>
-            <a:off x="329710" y="1153926"/>
-            <a:ext cx="2000942" cy="2000942"/>
-          </a:xfrm>
-          <a:prstGeom prst="rect">
-            <a:avLst/>
-          </a:prstGeom>
-          <a:noFill/>
-          <a:extLst>
-            <a:ext uri="{909E8E84-426E-40DD-AFC4-6F175D3DCCD1}">
-              <a14:hiddenFill xmlns:a14="http://schemas.microsoft.com/office/drawing/2010/main">
-                <a:solidFill>
-                  <a:srgbClr val="FFFFFF"/>
-                </a:solidFill>
-              </a14:hiddenFill>
-            </a:ext>
-          </a:extLst>
-        </p:spPr>
-      </p:pic>
-      <p:sp>
-        <p:nvSpPr>
-          <p:cNvPr id="5" name="TextBox 4">
-            <a:extLst>
-              <a:ext uri="{FF2B5EF4-FFF2-40B4-BE49-F238E27FC236}">
-                <a16:creationId xmlns:a16="http://schemas.microsoft.com/office/drawing/2014/main" id="{438A2A0A-068B-2D1D-F63B-067A434822AC}"/>
+                <a16:creationId xmlns:a16="http://schemas.microsoft.com/office/drawing/2014/main" id="{532BA5F0-B9E5-2653-D3A3-8BFF27F36D59}"/>
               </a:ext>
             </a:extLst>
           </p:cNvPr>
@@ -26430,8 +26446,8 @@
         </p:nvSpPr>
         <p:spPr>
           <a:xfrm>
-            <a:off x="465803" y="3058348"/>
-            <a:ext cx="1864849" cy="369332"/>
+            <a:off x="1995533" y="4751785"/>
+            <a:ext cx="8200934" cy="369332"/>
           </a:xfrm>
           <a:prstGeom prst="rect">
             <a:avLst/>
@@ -26452,7 +26468,7 @@
                 <a:latin typeface="하나2.0 M" panose="020B0603000000000000" pitchFamily="50" charset="-127"/>
                 <a:ea typeface="하나2.0 M" panose="020B0603000000000000" pitchFamily="50" charset="-127"/>
               </a:rPr>
-              <a:t>비대면</a:t>
+              <a:t>티끌모아</a:t>
             </a:r>
             <a:r>
               <a:rPr lang="ko-KR" altLang="en-US" sz="1800" b="1" dirty="0">
@@ -26462,644 +26478,7 @@
                 <a:latin typeface="하나2.0 M" panose="020B0603000000000000" pitchFamily="50" charset="-127"/>
                 <a:ea typeface="하나2.0 M" panose="020B0603000000000000" pitchFamily="50" charset="-127"/>
               </a:rPr>
-              <a:t> 계좌 개설</a:t>
-            </a:r>
-            <a:endParaRPr lang="en-US" altLang="ko-KR" sz="1800" b="1" dirty="0">
-              <a:solidFill>
-                <a:srgbClr val="008C8C"/>
-              </a:solidFill>
-              <a:latin typeface="하나2.0 M" panose="020B0603000000000000" pitchFamily="50" charset="-127"/>
-              <a:ea typeface="하나2.0 M" panose="020B0603000000000000" pitchFamily="50" charset="-127"/>
-            </a:endParaRPr>
-          </a:p>
-        </p:txBody>
-      </p:sp>
-      <p:sp>
-        <p:nvSpPr>
-          <p:cNvPr id="7" name="TextBox 6">
-            <a:extLst>
-              <a:ext uri="{FF2B5EF4-FFF2-40B4-BE49-F238E27FC236}">
-                <a16:creationId xmlns:a16="http://schemas.microsoft.com/office/drawing/2014/main" id="{6E5BBC9E-298D-8FFE-90B3-B304B10A34CE}"/>
-              </a:ext>
-            </a:extLst>
-          </p:cNvPr>
-          <p:cNvSpPr txBox="1"/>
-          <p:nvPr/>
-        </p:nvSpPr>
-        <p:spPr>
-          <a:xfrm>
-            <a:off x="6318287" y="3077640"/>
-            <a:ext cx="2048269" cy="369332"/>
-          </a:xfrm>
-          <a:prstGeom prst="rect">
-            <a:avLst/>
-          </a:prstGeom>
-          <a:noFill/>
-        </p:spPr>
-        <p:txBody>
-          <a:bodyPr wrap="square">
-            <a:spAutoFit/>
-          </a:bodyPr>
-          <a:lstStyle/>
-          <a:p>
-            <a:r>
-              <a:rPr lang="ko-KR" altLang="en-US" sz="1800" b="1" dirty="0">
-                <a:solidFill>
-                  <a:srgbClr val="008C8C"/>
-                </a:solidFill>
-                <a:latin typeface="하나2.0 M" panose="020B0603000000000000" pitchFamily="50" charset="-127"/>
-                <a:ea typeface="하나2.0 M" panose="020B0603000000000000" pitchFamily="50" charset="-127"/>
-              </a:rPr>
-              <a:t>조각 투자 상품 매매</a:t>
-            </a:r>
-            <a:endParaRPr lang="en-US" altLang="ko-KR" sz="1800" b="1" dirty="0">
-              <a:solidFill>
-                <a:srgbClr val="008C8C"/>
-              </a:solidFill>
-              <a:latin typeface="하나2.0 M" panose="020B0603000000000000" pitchFamily="50" charset="-127"/>
-              <a:ea typeface="하나2.0 M" panose="020B0603000000000000" pitchFamily="50" charset="-127"/>
-            </a:endParaRPr>
-          </a:p>
-        </p:txBody>
-      </p:sp>
-      <p:pic>
-        <p:nvPicPr>
-          <p:cNvPr id="2058" name="Picture 10" descr="투표 - 무료 손과 몸짓개 아이콘">
-            <a:extLst>
-              <a:ext uri="{FF2B5EF4-FFF2-40B4-BE49-F238E27FC236}">
-                <a16:creationId xmlns:a16="http://schemas.microsoft.com/office/drawing/2014/main" id="{EB34E356-E719-0F21-E97E-1A3244249F16}"/>
-              </a:ext>
-            </a:extLst>
-          </p:cNvPr>
-          <p:cNvPicPr>
-            <a:picLocks noChangeAspect="1" noChangeArrowheads="1"/>
-          </p:cNvPicPr>
-          <p:nvPr/>
-        </p:nvPicPr>
-        <p:blipFill>
-          <a:blip r:embed="rId5">
-            <a:extLst>
-              <a:ext uri="{28A0092B-C50C-407E-A947-70E740481C1C}">
-                <a14:useLocalDpi xmlns:a14="http://schemas.microsoft.com/office/drawing/2010/main" val="0"/>
-              </a:ext>
-            </a:extLst>
-          </a:blip>
-          <a:srcRect/>
-          <a:stretch>
-            <a:fillRect/>
-          </a:stretch>
-        </p:blipFill>
-        <p:spPr bwMode="auto">
-          <a:xfrm>
-            <a:off x="9662159" y="1174246"/>
-            <a:ext cx="1850628" cy="1850628"/>
-          </a:xfrm>
-          <a:prstGeom prst="rect">
-            <a:avLst/>
-          </a:prstGeom>
-          <a:noFill/>
-          <a:extLst>
-            <a:ext uri="{909E8E84-426E-40DD-AFC4-6F175D3DCCD1}">
-              <a14:hiddenFill xmlns:a14="http://schemas.microsoft.com/office/drawing/2010/main">
-                <a:solidFill>
-                  <a:srgbClr val="FFFFFF"/>
-                </a:solidFill>
-              </a14:hiddenFill>
-            </a:ext>
-          </a:extLst>
-        </p:spPr>
-      </p:pic>
-      <p:pic>
-        <p:nvPicPr>
-          <p:cNvPr id="2062" name="Picture 14" descr="부동산 중개인 - 무료 제스처개 아이콘">
-            <a:extLst>
-              <a:ext uri="{FF2B5EF4-FFF2-40B4-BE49-F238E27FC236}">
-                <a16:creationId xmlns:a16="http://schemas.microsoft.com/office/drawing/2014/main" id="{3C7890B3-9B96-A09D-0396-B56B00DC6F84}"/>
-              </a:ext>
-            </a:extLst>
-          </p:cNvPr>
-          <p:cNvPicPr>
-            <a:picLocks noChangeAspect="1" noChangeArrowheads="1"/>
-          </p:cNvPicPr>
-          <p:nvPr/>
-        </p:nvPicPr>
-        <p:blipFill>
-          <a:blip r:embed="rId6">
-            <a:extLst>
-              <a:ext uri="{28A0092B-C50C-407E-A947-70E740481C1C}">
-                <a14:useLocalDpi xmlns:a14="http://schemas.microsoft.com/office/drawing/2010/main" val="0"/>
-              </a:ext>
-            </a:extLst>
-          </a:blip>
-          <a:srcRect/>
-          <a:stretch>
-            <a:fillRect/>
-          </a:stretch>
-        </p:blipFill>
-        <p:spPr bwMode="auto">
-          <a:xfrm>
-            <a:off x="2986064" y="840286"/>
-            <a:ext cx="2361598" cy="2361598"/>
-          </a:xfrm>
-          <a:prstGeom prst="rect">
-            <a:avLst/>
-          </a:prstGeom>
-          <a:noFill/>
-          <a:extLst>
-            <a:ext uri="{909E8E84-426E-40DD-AFC4-6F175D3DCCD1}">
-              <a14:hiddenFill xmlns:a14="http://schemas.microsoft.com/office/drawing/2010/main">
-                <a:solidFill>
-                  <a:srgbClr val="FFFFFF"/>
-                </a:solidFill>
-              </a14:hiddenFill>
-            </a:ext>
-          </a:extLst>
-        </p:spPr>
-      </p:pic>
-      <p:sp>
-        <p:nvSpPr>
-          <p:cNvPr id="8" name="TextBox 7">
-            <a:extLst>
-              <a:ext uri="{FF2B5EF4-FFF2-40B4-BE49-F238E27FC236}">
-                <a16:creationId xmlns:a16="http://schemas.microsoft.com/office/drawing/2014/main" id="{3006D04C-126D-E714-81E7-7A16FFB24352}"/>
-              </a:ext>
-            </a:extLst>
-          </p:cNvPr>
-          <p:cNvSpPr txBox="1"/>
-          <p:nvPr/>
-        </p:nvSpPr>
-        <p:spPr>
-          <a:xfrm>
-            <a:off x="3652192" y="3058348"/>
-            <a:ext cx="1302899" cy="369332"/>
-          </a:xfrm>
-          <a:prstGeom prst="rect">
-            <a:avLst/>
-          </a:prstGeom>
-          <a:noFill/>
-        </p:spPr>
-        <p:txBody>
-          <a:bodyPr wrap="square">
-            <a:spAutoFit/>
-          </a:bodyPr>
-          <a:lstStyle/>
-          <a:p>
-            <a:r>
-              <a:rPr lang="ko-KR" altLang="en-US" sz="1800" b="1" dirty="0">
-                <a:solidFill>
-                  <a:srgbClr val="008C8C"/>
-                </a:solidFill>
-                <a:latin typeface="하나2.0 M" panose="020B0603000000000000" pitchFamily="50" charset="-127"/>
-                <a:ea typeface="하나2.0 M" panose="020B0603000000000000" pitchFamily="50" charset="-127"/>
-              </a:rPr>
-              <a:t>공모</a:t>
-            </a:r>
-            <a:r>
-              <a:rPr lang="en-US" altLang="ko-KR" sz="1800" b="1" dirty="0">
-                <a:solidFill>
-                  <a:srgbClr val="008C8C"/>
-                </a:solidFill>
-                <a:latin typeface="하나2.0 M" panose="020B0603000000000000" pitchFamily="50" charset="-127"/>
-                <a:ea typeface="하나2.0 M" panose="020B0603000000000000" pitchFamily="50" charset="-127"/>
-              </a:rPr>
-              <a:t>/</a:t>
-            </a:r>
-            <a:r>
-              <a:rPr lang="ko-KR" altLang="en-US" sz="1800" b="1" dirty="0">
-                <a:solidFill>
-                  <a:srgbClr val="008C8C"/>
-                </a:solidFill>
-                <a:latin typeface="하나2.0 M" panose="020B0603000000000000" pitchFamily="50" charset="-127"/>
-                <a:ea typeface="하나2.0 M" panose="020B0603000000000000" pitchFamily="50" charset="-127"/>
-              </a:rPr>
-              <a:t>청약</a:t>
-            </a:r>
-            <a:endParaRPr lang="en-US" altLang="ko-KR" sz="1800" b="1" dirty="0">
-              <a:solidFill>
-                <a:srgbClr val="008C8C"/>
-              </a:solidFill>
-              <a:latin typeface="하나2.0 M" panose="020B0603000000000000" pitchFamily="50" charset="-127"/>
-              <a:ea typeface="하나2.0 M" panose="020B0603000000000000" pitchFamily="50" charset="-127"/>
-            </a:endParaRPr>
-          </a:p>
-        </p:txBody>
-      </p:sp>
-      <p:sp>
-        <p:nvSpPr>
-          <p:cNvPr id="10" name="TextBox 9">
-            <a:extLst>
-              <a:ext uri="{FF2B5EF4-FFF2-40B4-BE49-F238E27FC236}">
-                <a16:creationId xmlns:a16="http://schemas.microsoft.com/office/drawing/2014/main" id="{E0804640-5D45-5143-FA0C-484EC9C1D0D4}"/>
-              </a:ext>
-            </a:extLst>
-          </p:cNvPr>
-          <p:cNvSpPr txBox="1"/>
-          <p:nvPr/>
-        </p:nvSpPr>
-        <p:spPr>
-          <a:xfrm>
-            <a:off x="10017266" y="3101532"/>
-            <a:ext cx="1140413" cy="369332"/>
-          </a:xfrm>
-          <a:prstGeom prst="rect">
-            <a:avLst/>
-          </a:prstGeom>
-          <a:noFill/>
-        </p:spPr>
-        <p:txBody>
-          <a:bodyPr wrap="square">
-            <a:spAutoFit/>
-          </a:bodyPr>
-          <a:lstStyle/>
-          <a:p>
-            <a:r>
-              <a:rPr lang="ko-KR" altLang="en-US" sz="1800" b="1" dirty="0">
-                <a:solidFill>
-                  <a:srgbClr val="008C8C"/>
-                </a:solidFill>
-                <a:latin typeface="하나2.0 M" panose="020B0603000000000000" pitchFamily="50" charset="-127"/>
-                <a:ea typeface="하나2.0 M" panose="020B0603000000000000" pitchFamily="50" charset="-127"/>
-              </a:rPr>
-              <a:t>매각 투표</a:t>
-            </a:r>
-            <a:endParaRPr lang="en-US" altLang="ko-KR" sz="1800" b="1" dirty="0">
-              <a:solidFill>
-                <a:srgbClr val="008C8C"/>
-              </a:solidFill>
-              <a:latin typeface="하나2.0 M" panose="020B0603000000000000" pitchFamily="50" charset="-127"/>
-              <a:ea typeface="하나2.0 M" panose="020B0603000000000000" pitchFamily="50" charset="-127"/>
-            </a:endParaRPr>
-          </a:p>
-        </p:txBody>
-      </p:sp>
-      <p:sp>
-        <p:nvSpPr>
-          <p:cNvPr id="12" name="TextBox 11">
-            <a:extLst>
-              <a:ext uri="{FF2B5EF4-FFF2-40B4-BE49-F238E27FC236}">
-                <a16:creationId xmlns:a16="http://schemas.microsoft.com/office/drawing/2014/main" id="{C4EE89B8-5C37-EDA9-8196-A95859B16143}"/>
-              </a:ext>
-            </a:extLst>
-          </p:cNvPr>
-          <p:cNvSpPr txBox="1"/>
-          <p:nvPr/>
-        </p:nvSpPr>
-        <p:spPr>
-          <a:xfrm>
-            <a:off x="59833" y="3708072"/>
-            <a:ext cx="2871970" cy="646331"/>
-          </a:xfrm>
-          <a:prstGeom prst="rect">
-            <a:avLst/>
-          </a:prstGeom>
-          <a:noFill/>
-        </p:spPr>
-        <p:txBody>
-          <a:bodyPr wrap="square">
-            <a:spAutoFit/>
-          </a:bodyPr>
-          <a:lstStyle/>
-          <a:p>
-            <a:pPr marL="342900" indent="-342900">
-              <a:buFontTx/>
-              <a:buChar char="-"/>
-            </a:pPr>
-            <a:r>
-              <a:rPr lang="ko-KR" altLang="en-US" dirty="0">
-                <a:solidFill>
-                  <a:srgbClr val="000000"/>
-                </a:solidFill>
-                <a:latin typeface="하나2.0 M" panose="020B0603000000000000" pitchFamily="50" charset="-127"/>
-                <a:ea typeface="하나2.0 M" panose="020B0603000000000000" pitchFamily="50" charset="-127"/>
-              </a:rPr>
-              <a:t>고객 신분증 인증 </a:t>
-            </a:r>
-            <a:r>
-              <a:rPr lang="en-US" altLang="ko-KR" dirty="0">
-                <a:solidFill>
-                  <a:srgbClr val="000000"/>
-                </a:solidFill>
-                <a:latin typeface="하나2.0 M" panose="020B0603000000000000" pitchFamily="50" charset="-127"/>
-                <a:ea typeface="하나2.0 M" panose="020B0603000000000000" pitchFamily="50" charset="-127"/>
-              </a:rPr>
-              <a:t>(OCR)</a:t>
-            </a:r>
-          </a:p>
-          <a:p>
-            <a:pPr marL="342900" indent="-342900">
-              <a:buFontTx/>
-              <a:buChar char="-"/>
-            </a:pPr>
-            <a:r>
-              <a:rPr lang="ko-KR" altLang="en-US" sz="1800" b="0" i="0" dirty="0">
-                <a:solidFill>
-                  <a:srgbClr val="000000"/>
-                </a:solidFill>
-                <a:effectLst/>
-                <a:latin typeface="하나2.0 M" panose="020B0603000000000000" pitchFamily="50" charset="-127"/>
-                <a:ea typeface="하나2.0 M" panose="020B0603000000000000" pitchFamily="50" charset="-127"/>
-              </a:rPr>
-              <a:t>휴대폰 인증</a:t>
-            </a:r>
-            <a:endParaRPr lang="en-US" altLang="ko-KR" sz="1800" b="0" i="0" dirty="0">
-              <a:solidFill>
-                <a:srgbClr val="000000"/>
-              </a:solidFill>
-              <a:effectLst/>
-              <a:latin typeface="하나2.0 M" panose="020B0603000000000000" pitchFamily="50" charset="-127"/>
-              <a:ea typeface="하나2.0 M" panose="020B0603000000000000" pitchFamily="50" charset="-127"/>
-            </a:endParaRPr>
-          </a:p>
-        </p:txBody>
-      </p:sp>
-      <p:sp>
-        <p:nvSpPr>
-          <p:cNvPr id="14" name="TextBox 13">
-            <a:extLst>
-              <a:ext uri="{FF2B5EF4-FFF2-40B4-BE49-F238E27FC236}">
-                <a16:creationId xmlns:a16="http://schemas.microsoft.com/office/drawing/2014/main" id="{AC7170FE-3804-CCDE-4BEB-76351EB5E9C5}"/>
-              </a:ext>
-            </a:extLst>
-          </p:cNvPr>
-          <p:cNvSpPr txBox="1"/>
-          <p:nvPr/>
-        </p:nvSpPr>
-        <p:spPr>
-          <a:xfrm>
-            <a:off x="2932335" y="3663055"/>
-            <a:ext cx="2871970" cy="646331"/>
-          </a:xfrm>
-          <a:prstGeom prst="rect">
-            <a:avLst/>
-          </a:prstGeom>
-          <a:noFill/>
-        </p:spPr>
-        <p:txBody>
-          <a:bodyPr wrap="square">
-            <a:spAutoFit/>
-          </a:bodyPr>
-          <a:lstStyle/>
-          <a:p>
-            <a:pPr marL="342900" indent="-342900">
-              <a:buFontTx/>
-              <a:buChar char="-"/>
-            </a:pPr>
-            <a:r>
-              <a:rPr lang="ko-KR" altLang="en-US" sz="1800" b="0" i="0" dirty="0">
-                <a:solidFill>
-                  <a:srgbClr val="000000"/>
-                </a:solidFill>
-                <a:effectLst/>
-                <a:latin typeface="하나2.0 M" panose="020B0603000000000000" pitchFamily="50" charset="-127"/>
-                <a:ea typeface="하나2.0 M" panose="020B0603000000000000" pitchFamily="50" charset="-127"/>
-              </a:rPr>
-              <a:t>상장 예정 조각 투자 증권 공모 청약</a:t>
-            </a:r>
-            <a:endParaRPr lang="en-US" altLang="ko-KR" sz="1800" b="0" i="0" dirty="0">
-              <a:solidFill>
-                <a:srgbClr val="000000"/>
-              </a:solidFill>
-              <a:effectLst/>
-              <a:latin typeface="하나2.0 M" panose="020B0603000000000000" pitchFamily="50" charset="-127"/>
-              <a:ea typeface="하나2.0 M" panose="020B0603000000000000" pitchFamily="50" charset="-127"/>
-            </a:endParaRPr>
-          </a:p>
-        </p:txBody>
-      </p:sp>
-      <p:sp>
-        <p:nvSpPr>
-          <p:cNvPr id="15" name="TextBox 14">
-            <a:extLst>
-              <a:ext uri="{FF2B5EF4-FFF2-40B4-BE49-F238E27FC236}">
-                <a16:creationId xmlns:a16="http://schemas.microsoft.com/office/drawing/2014/main" id="{57EF03FD-0DEE-3C8D-5BD7-76A07C07261F}"/>
-              </a:ext>
-            </a:extLst>
-          </p:cNvPr>
-          <p:cNvSpPr txBox="1"/>
-          <p:nvPr/>
-        </p:nvSpPr>
-        <p:spPr>
-          <a:xfrm>
-            <a:off x="5855637" y="3663055"/>
-            <a:ext cx="3075742" cy="646331"/>
-          </a:xfrm>
-          <a:prstGeom prst="rect">
-            <a:avLst/>
-          </a:prstGeom>
-          <a:noFill/>
-        </p:spPr>
-        <p:txBody>
-          <a:bodyPr wrap="square">
-            <a:spAutoFit/>
-          </a:bodyPr>
-          <a:lstStyle/>
-          <a:p>
-            <a:r>
-              <a:rPr lang="en-US" altLang="ko-KR" sz="1800" b="0" i="0" dirty="0">
-                <a:solidFill>
-                  <a:srgbClr val="000000"/>
-                </a:solidFill>
-                <a:effectLst/>
-                <a:latin typeface="하나2.0 M" panose="020B0603000000000000" pitchFamily="50" charset="-127"/>
-                <a:ea typeface="하나2.0 M" panose="020B0603000000000000" pitchFamily="50" charset="-127"/>
-              </a:rPr>
-              <a:t>- </a:t>
-            </a:r>
-            <a:r>
-              <a:rPr lang="ko-KR" altLang="en-US" sz="1800" b="0" i="0" dirty="0">
-                <a:solidFill>
-                  <a:srgbClr val="000000"/>
-                </a:solidFill>
-                <a:effectLst/>
-                <a:latin typeface="하나2.0 M" panose="020B0603000000000000" pitchFamily="50" charset="-127"/>
-                <a:ea typeface="하나2.0 M" panose="020B0603000000000000" pitchFamily="50" charset="-127"/>
-              </a:rPr>
-              <a:t>실시간 조각 투자 증권 매매 </a:t>
-            </a:r>
-            <a:endParaRPr lang="en-US" altLang="ko-KR" sz="1800" b="0" i="0" dirty="0">
-              <a:solidFill>
-                <a:srgbClr val="000000"/>
-              </a:solidFill>
-              <a:effectLst/>
-              <a:latin typeface="하나2.0 M" panose="020B0603000000000000" pitchFamily="50" charset="-127"/>
-              <a:ea typeface="하나2.0 M" panose="020B0603000000000000" pitchFamily="50" charset="-127"/>
-            </a:endParaRPr>
-          </a:p>
-          <a:p>
-            <a:r>
-              <a:rPr lang="en-US" altLang="ko-KR" dirty="0">
-                <a:solidFill>
-                  <a:srgbClr val="000000"/>
-                </a:solidFill>
-                <a:latin typeface="하나2.0 M" panose="020B0603000000000000" pitchFamily="50" charset="-127"/>
-                <a:ea typeface="하나2.0 M" panose="020B0603000000000000" pitchFamily="50" charset="-127"/>
-              </a:rPr>
-              <a:t>    (Web</a:t>
-            </a:r>
-            <a:r>
-              <a:rPr lang="ko-KR" altLang="en-US" dirty="0">
-                <a:solidFill>
-                  <a:srgbClr val="000000"/>
-                </a:solidFill>
-                <a:latin typeface="하나2.0 M" panose="020B0603000000000000" pitchFamily="50" charset="-127"/>
-                <a:ea typeface="하나2.0 M" panose="020B0603000000000000" pitchFamily="50" charset="-127"/>
-              </a:rPr>
-              <a:t> </a:t>
-            </a:r>
-            <a:r>
-              <a:rPr lang="en-US" altLang="ko-KR" dirty="0">
-                <a:solidFill>
-                  <a:srgbClr val="000000"/>
-                </a:solidFill>
-                <a:latin typeface="하나2.0 M" panose="020B0603000000000000" pitchFamily="50" charset="-127"/>
-                <a:ea typeface="하나2.0 M" panose="020B0603000000000000" pitchFamily="50" charset="-127"/>
-              </a:rPr>
-              <a:t>Socket </a:t>
-            </a:r>
-            <a:r>
-              <a:rPr lang="ko-KR" altLang="en-US" dirty="0">
-                <a:solidFill>
-                  <a:srgbClr val="000000"/>
-                </a:solidFill>
-                <a:latin typeface="하나2.0 M" panose="020B0603000000000000" pitchFamily="50" charset="-127"/>
-                <a:ea typeface="하나2.0 M" panose="020B0603000000000000" pitchFamily="50" charset="-127"/>
-              </a:rPr>
-              <a:t>서버 활용</a:t>
-            </a:r>
-            <a:r>
-              <a:rPr lang="en-US" altLang="ko-KR" dirty="0">
-                <a:solidFill>
-                  <a:srgbClr val="000000"/>
-                </a:solidFill>
-                <a:latin typeface="하나2.0 M" panose="020B0603000000000000" pitchFamily="50" charset="-127"/>
-                <a:ea typeface="하나2.0 M" panose="020B0603000000000000" pitchFamily="50" charset="-127"/>
-              </a:rPr>
-              <a:t>)</a:t>
-            </a:r>
-          </a:p>
-        </p:txBody>
-      </p:sp>
-      <p:sp>
-        <p:nvSpPr>
-          <p:cNvPr id="16" name="TextBox 15">
-            <a:extLst>
-              <a:ext uri="{FF2B5EF4-FFF2-40B4-BE49-F238E27FC236}">
-                <a16:creationId xmlns:a16="http://schemas.microsoft.com/office/drawing/2014/main" id="{47963031-493B-137D-3A31-803234D11ACC}"/>
-              </a:ext>
-            </a:extLst>
-          </p:cNvPr>
-          <p:cNvSpPr txBox="1"/>
-          <p:nvPr/>
-        </p:nvSpPr>
-        <p:spPr>
-          <a:xfrm>
-            <a:off x="8972551" y="3663055"/>
-            <a:ext cx="3075741" cy="646331"/>
-          </a:xfrm>
-          <a:prstGeom prst="rect">
-            <a:avLst/>
-          </a:prstGeom>
-          <a:noFill/>
-        </p:spPr>
-        <p:txBody>
-          <a:bodyPr wrap="square">
-            <a:spAutoFit/>
-          </a:bodyPr>
-          <a:lstStyle/>
-          <a:p>
-            <a:pPr marL="342900" indent="-342900">
-              <a:buFontTx/>
-              <a:buChar char="-"/>
-            </a:pPr>
-            <a:r>
-              <a:rPr lang="ko-KR" altLang="en-US" sz="1800" b="0" i="0" dirty="0">
-                <a:solidFill>
-                  <a:srgbClr val="000000"/>
-                </a:solidFill>
-                <a:effectLst/>
-                <a:latin typeface="하나2.0 M" panose="020B0603000000000000" pitchFamily="50" charset="-127"/>
-                <a:ea typeface="하나2.0 M" panose="020B0603000000000000" pitchFamily="50" charset="-127"/>
-              </a:rPr>
-              <a:t>현물 대상 상품 매각 투표를 통한 매각 차익 배당금 지급</a:t>
-            </a:r>
-            <a:endParaRPr lang="en-US" altLang="ko-KR" sz="1800" b="0" i="0" dirty="0">
-              <a:solidFill>
-                <a:srgbClr val="000000"/>
-              </a:solidFill>
-              <a:effectLst/>
-              <a:latin typeface="하나2.0 M" panose="020B0603000000000000" pitchFamily="50" charset="-127"/>
-              <a:ea typeface="하나2.0 M" panose="020B0603000000000000" pitchFamily="50" charset="-127"/>
-            </a:endParaRPr>
-          </a:p>
-        </p:txBody>
-      </p:sp>
-      <p:sp>
-        <p:nvSpPr>
-          <p:cNvPr id="17" name="TextBox 16">
-            <a:extLst>
-              <a:ext uri="{FF2B5EF4-FFF2-40B4-BE49-F238E27FC236}">
-                <a16:creationId xmlns:a16="http://schemas.microsoft.com/office/drawing/2014/main" id="{532BA5F0-B9E5-2653-D3A3-8BFF27F36D59}"/>
-              </a:ext>
-            </a:extLst>
-          </p:cNvPr>
-          <p:cNvSpPr txBox="1"/>
-          <p:nvPr/>
-        </p:nvSpPr>
-        <p:spPr>
-          <a:xfrm>
-            <a:off x="250222" y="5519408"/>
-            <a:ext cx="13297409" cy="369332"/>
-          </a:xfrm>
-          <a:prstGeom prst="rect">
-            <a:avLst/>
-          </a:prstGeom>
-          <a:noFill/>
-        </p:spPr>
-        <p:txBody>
-          <a:bodyPr wrap="square">
-            <a:spAutoFit/>
-          </a:bodyPr>
-          <a:lstStyle/>
-          <a:p>
-            <a:r>
-              <a:rPr lang="ko-KR" altLang="en-US" b="1" dirty="0">
-                <a:solidFill>
-                  <a:srgbClr val="008C8C"/>
-                </a:solidFill>
-                <a:latin typeface="하나2.0 M" panose="020B0603000000000000" pitchFamily="50" charset="-127"/>
-                <a:ea typeface="하나2.0 M" panose="020B0603000000000000" pitchFamily="50" charset="-127"/>
-              </a:rPr>
-              <a:t>수익 증권 </a:t>
-            </a:r>
-            <a:r>
-              <a:rPr lang="ko-KR" altLang="en-US" sz="1800" b="1" dirty="0">
-                <a:solidFill>
-                  <a:srgbClr val="008C8C"/>
-                </a:solidFill>
-                <a:latin typeface="하나2.0 M" panose="020B0603000000000000" pitchFamily="50" charset="-127"/>
-                <a:ea typeface="하나2.0 M" panose="020B0603000000000000" pitchFamily="50" charset="-127"/>
-              </a:rPr>
-              <a:t>배당금 지급</a:t>
-            </a:r>
-            <a:r>
-              <a:rPr lang="en-US" altLang="ko-KR" sz="1800" b="1" dirty="0">
-                <a:solidFill>
-                  <a:srgbClr val="008C8C"/>
-                </a:solidFill>
-                <a:latin typeface="하나2.0 M" panose="020B0603000000000000" pitchFamily="50" charset="-127"/>
-                <a:ea typeface="하나2.0 M" panose="020B0603000000000000" pitchFamily="50" charset="-127"/>
-              </a:rPr>
-              <a:t>, </a:t>
-            </a:r>
-            <a:r>
-              <a:rPr lang="ko-KR" altLang="en-US" sz="1800" b="1" dirty="0">
-                <a:solidFill>
-                  <a:srgbClr val="008C8C"/>
-                </a:solidFill>
-                <a:latin typeface="하나2.0 M" panose="020B0603000000000000" pitchFamily="50" charset="-127"/>
-                <a:ea typeface="하나2.0 M" panose="020B0603000000000000" pitchFamily="50" charset="-127"/>
-              </a:rPr>
-              <a:t>토큰 모으기 </a:t>
+              <a:t> 건물주 </a:t>
             </a:r>
             <a:r>
               <a:rPr lang="en-US" altLang="ko-KR" sz="1800" b="1" dirty="0">
@@ -27149,6 +26528,26 @@
                 <a:latin typeface="하나2.0 M" panose="020B0603000000000000" pitchFamily="50" charset="-127"/>
                 <a:ea typeface="하나2.0 M" panose="020B0603000000000000" pitchFamily="50" charset="-127"/>
               </a:rPr>
+              <a:t> 조각 시세 평가</a:t>
+            </a:r>
+            <a:r>
+              <a:rPr lang="en-US" altLang="ko-KR" b="1" dirty="0">
+                <a:solidFill>
+                  <a:srgbClr val="008C8C"/>
+                </a:solidFill>
+                <a:latin typeface="하나2.0 M" panose="020B0603000000000000" pitchFamily="50" charset="-127"/>
+                <a:ea typeface="하나2.0 M" panose="020B0603000000000000" pitchFamily="50" charset="-127"/>
+              </a:rPr>
+              <a:t>,</a:t>
+            </a:r>
+            <a:r>
+              <a:rPr lang="ko-KR" altLang="en-US" b="1" dirty="0">
+                <a:solidFill>
+                  <a:srgbClr val="008C8C"/>
+                </a:solidFill>
+                <a:latin typeface="하나2.0 M" panose="020B0603000000000000" pitchFamily="50" charset="-127"/>
+                <a:ea typeface="하나2.0 M" panose="020B0603000000000000" pitchFamily="50" charset="-127"/>
+              </a:rPr>
               <a:t> </a:t>
             </a:r>
             <a:r>
@@ -27159,7 +26558,7 @@
                 <a:latin typeface="하나2.0 M" panose="020B0603000000000000" pitchFamily="50" charset="-127"/>
                 <a:ea typeface="하나2.0 M" panose="020B0603000000000000" pitchFamily="50" charset="-127"/>
               </a:rPr>
-              <a:t>마이페이지 투자 현황 시각화</a:t>
+              <a:t>마이페이지 보유 자산 현황</a:t>
             </a:r>
             <a:r>
               <a:rPr lang="en-US" altLang="ko-KR" sz="1800" b="1" dirty="0">
@@ -27169,17 +26568,7 @@
                 <a:latin typeface="하나2.0 M" panose="020B0603000000000000" pitchFamily="50" charset="-127"/>
                 <a:ea typeface="하나2.0 M" panose="020B0603000000000000" pitchFamily="50" charset="-127"/>
               </a:rPr>
-              <a:t>, </a:t>
-            </a:r>
-            <a:r>
-              <a:rPr lang="ko-KR" altLang="en-US" sz="1800" b="1" dirty="0">
-                <a:solidFill>
-                  <a:srgbClr val="008C8C"/>
-                </a:solidFill>
-                <a:latin typeface="하나2.0 M" panose="020B0603000000000000" pitchFamily="50" charset="-127"/>
-                <a:ea typeface="하나2.0 M" panose="020B0603000000000000" pitchFamily="50" charset="-127"/>
-              </a:rPr>
-              <a:t>관리자 </a:t>
+              <a:t>,</a:t>
             </a:r>
             <a:r>
               <a:rPr lang="ko-KR" altLang="en-US" b="1" dirty="0">
@@ -27189,87 +26578,7 @@
                 <a:latin typeface="하나2.0 M" panose="020B0603000000000000" pitchFamily="50" charset="-127"/>
                 <a:ea typeface="하나2.0 M" panose="020B0603000000000000" pitchFamily="50" charset="-127"/>
               </a:rPr>
-              <a:t>페이지</a:t>
-            </a:r>
-            <a:r>
-              <a:rPr lang="en-US" altLang="ko-KR" b="1" dirty="0">
-                <a:solidFill>
-                  <a:srgbClr val="008C8C"/>
-                </a:solidFill>
-                <a:latin typeface="하나2.0 M" panose="020B0603000000000000" pitchFamily="50" charset="-127"/>
-                <a:ea typeface="하나2.0 M" panose="020B0603000000000000" pitchFamily="50" charset="-127"/>
-              </a:rPr>
-              <a:t>(</a:t>
-            </a:r>
-            <a:r>
-              <a:rPr lang="ko-KR" altLang="en-US" b="1" dirty="0">
-                <a:solidFill>
-                  <a:srgbClr val="008C8C"/>
-                </a:solidFill>
-                <a:latin typeface="하나2.0 M" panose="020B0603000000000000" pitchFamily="50" charset="-127"/>
-                <a:ea typeface="하나2.0 M" panose="020B0603000000000000" pitchFamily="50" charset="-127"/>
-              </a:rPr>
-              <a:t>공모 등록</a:t>
-            </a:r>
-            <a:r>
-              <a:rPr lang="en-US" altLang="ko-KR" b="1" dirty="0">
-                <a:solidFill>
-                  <a:srgbClr val="008C8C"/>
-                </a:solidFill>
-                <a:latin typeface="하나2.0 M" panose="020B0603000000000000" pitchFamily="50" charset="-127"/>
-                <a:ea typeface="하나2.0 M" panose="020B0603000000000000" pitchFamily="50" charset="-127"/>
-              </a:rPr>
-              <a:t>, </a:t>
-            </a:r>
-            <a:r>
-              <a:rPr lang="ko-KR" altLang="en-US" b="1" dirty="0">
-                <a:solidFill>
-                  <a:srgbClr val="008C8C"/>
-                </a:solidFill>
-                <a:latin typeface="하나2.0 M" panose="020B0603000000000000" pitchFamily="50" charset="-127"/>
-                <a:ea typeface="하나2.0 M" panose="020B0603000000000000" pitchFamily="50" charset="-127"/>
-              </a:rPr>
-              <a:t>매각 투표 등록</a:t>
-            </a:r>
-            <a:r>
-              <a:rPr lang="en-US" altLang="ko-KR" b="1" dirty="0">
-                <a:solidFill>
-                  <a:srgbClr val="008C8C"/>
-                </a:solidFill>
-                <a:latin typeface="하나2.0 M" panose="020B0603000000000000" pitchFamily="50" charset="-127"/>
-                <a:ea typeface="하나2.0 M" panose="020B0603000000000000" pitchFamily="50" charset="-127"/>
-              </a:rPr>
-              <a:t> </a:t>
-            </a:r>
-            <a:r>
-              <a:rPr lang="ko-KR" altLang="en-US" b="1" dirty="0">
-                <a:solidFill>
-                  <a:srgbClr val="008C8C"/>
-                </a:solidFill>
-                <a:latin typeface="하나2.0 M" panose="020B0603000000000000" pitchFamily="50" charset="-127"/>
-                <a:ea typeface="하나2.0 M" panose="020B0603000000000000" pitchFamily="50" charset="-127"/>
-              </a:rPr>
-              <a:t>등</a:t>
-            </a:r>
-            <a:r>
-              <a:rPr lang="en-US" altLang="ko-KR" b="1" dirty="0">
-                <a:solidFill>
-                  <a:srgbClr val="008C8C"/>
-                </a:solidFill>
-                <a:latin typeface="하나2.0 M" panose="020B0603000000000000" pitchFamily="50" charset="-127"/>
-                <a:ea typeface="하나2.0 M" panose="020B0603000000000000" pitchFamily="50" charset="-127"/>
-              </a:rPr>
-              <a:t>)</a:t>
-            </a:r>
-            <a:r>
-              <a:rPr lang="ko-KR" altLang="en-US" sz="1800" b="1" dirty="0">
-                <a:solidFill>
-                  <a:srgbClr val="008C8C"/>
-                </a:solidFill>
-                <a:latin typeface="하나2.0 M" panose="020B0603000000000000" pitchFamily="50" charset="-127"/>
-                <a:ea typeface="하나2.0 M" panose="020B0603000000000000" pitchFamily="50" charset="-127"/>
-              </a:rPr>
-              <a:t>  </a:t>
+              <a:t> 시스템 로깅</a:t>
             </a:r>
             <a:endParaRPr lang="en-US" altLang="ko-KR" sz="1800" b="1" dirty="0">
               <a:solidFill>
@@ -27281,6 +26590,539 @@
           </a:p>
         </p:txBody>
       </p:sp>
+      <p:grpSp>
+        <p:nvGrpSpPr>
+          <p:cNvPr id="18" name="그룹 17">
+            <a:extLst>
+              <a:ext uri="{FF2B5EF4-FFF2-40B4-BE49-F238E27FC236}">
+                <a16:creationId xmlns:a16="http://schemas.microsoft.com/office/drawing/2014/main" id="{444AEEC1-59B6-0F7F-94E5-EA670D5287BC}"/>
+              </a:ext>
+            </a:extLst>
+          </p:cNvPr>
+          <p:cNvGrpSpPr/>
+          <p:nvPr/>
+        </p:nvGrpSpPr>
+        <p:grpSpPr>
+          <a:xfrm>
+            <a:off x="427460" y="1565240"/>
+            <a:ext cx="11269206" cy="2274490"/>
+            <a:chOff x="211611" y="698826"/>
+            <a:chExt cx="11269206" cy="2274490"/>
+          </a:xfrm>
+        </p:grpSpPr>
+        <p:sp>
+          <p:nvSpPr>
+            <p:cNvPr id="5" name="TextBox 4">
+              <a:extLst>
+                <a:ext uri="{FF2B5EF4-FFF2-40B4-BE49-F238E27FC236}">
+                  <a16:creationId xmlns:a16="http://schemas.microsoft.com/office/drawing/2014/main" id="{438A2A0A-068B-2D1D-F63B-067A434822AC}"/>
+                </a:ext>
+              </a:extLst>
+            </p:cNvPr>
+            <p:cNvSpPr txBox="1"/>
+            <p:nvPr/>
+          </p:nvSpPr>
+          <p:spPr>
+            <a:xfrm>
+              <a:off x="211611" y="2326985"/>
+              <a:ext cx="2048269" cy="646331"/>
+            </a:xfrm>
+            <a:prstGeom prst="rect">
+              <a:avLst/>
+            </a:prstGeom>
+            <a:noFill/>
+          </p:spPr>
+          <p:txBody>
+            <a:bodyPr wrap="square">
+              <a:spAutoFit/>
+            </a:bodyPr>
+            <a:lstStyle/>
+            <a:p>
+              <a:pPr algn="ctr"/>
+              <a:r>
+                <a:rPr lang="ko-KR" altLang="en-US" sz="1800" b="1" dirty="0" err="1">
+                  <a:solidFill>
+                    <a:srgbClr val="008C8C"/>
+                  </a:solidFill>
+                  <a:latin typeface="하나2.0 M" panose="020B0603000000000000" pitchFamily="50" charset="-127"/>
+                  <a:ea typeface="하나2.0 M" panose="020B0603000000000000" pitchFamily="50" charset="-127"/>
+                </a:rPr>
+                <a:t>비대면</a:t>
+              </a:r>
+              <a:r>
+                <a:rPr lang="ko-KR" altLang="en-US" b="1" dirty="0">
+                  <a:solidFill>
+                    <a:srgbClr val="008C8C"/>
+                  </a:solidFill>
+                  <a:latin typeface="하나2.0 M" panose="020B0603000000000000" pitchFamily="50" charset="-127"/>
+                  <a:ea typeface="하나2.0 M" panose="020B0603000000000000" pitchFamily="50" charset="-127"/>
+                </a:rPr>
+                <a:t> 지갑 개설 및 은행 계좌 연동</a:t>
+              </a:r>
+              <a:endParaRPr lang="en-US" altLang="ko-KR" sz="1800" b="1" dirty="0">
+                <a:solidFill>
+                  <a:srgbClr val="008C8C"/>
+                </a:solidFill>
+                <a:latin typeface="하나2.0 M" panose="020B0603000000000000" pitchFamily="50" charset="-127"/>
+                <a:ea typeface="하나2.0 M" panose="020B0603000000000000" pitchFamily="50" charset="-127"/>
+              </a:endParaRPr>
+            </a:p>
+          </p:txBody>
+        </p:sp>
+        <p:sp>
+          <p:nvSpPr>
+            <p:cNvPr id="7" name="TextBox 6">
+              <a:extLst>
+                <a:ext uri="{FF2B5EF4-FFF2-40B4-BE49-F238E27FC236}">
+                  <a16:creationId xmlns:a16="http://schemas.microsoft.com/office/drawing/2014/main" id="{6E5BBC9E-298D-8FFE-90B3-B304B10A34CE}"/>
+                </a:ext>
+              </a:extLst>
+            </p:cNvPr>
+            <p:cNvSpPr txBox="1"/>
+            <p:nvPr/>
+          </p:nvSpPr>
+          <p:spPr>
+            <a:xfrm>
+              <a:off x="4972711" y="2294467"/>
+              <a:ext cx="2048269" cy="369332"/>
+            </a:xfrm>
+            <a:prstGeom prst="rect">
+              <a:avLst/>
+            </a:prstGeom>
+            <a:noFill/>
+          </p:spPr>
+          <p:txBody>
+            <a:bodyPr wrap="square">
+              <a:spAutoFit/>
+            </a:bodyPr>
+            <a:lstStyle/>
+            <a:p>
+              <a:pPr algn="ctr"/>
+              <a:r>
+                <a:rPr lang="ko-KR" altLang="en-US" sz="1800" b="1" dirty="0">
+                  <a:solidFill>
+                    <a:srgbClr val="008C8C"/>
+                  </a:solidFill>
+                  <a:latin typeface="하나2.0 M" panose="020B0603000000000000" pitchFamily="50" charset="-127"/>
+                  <a:ea typeface="하나2.0 M" panose="020B0603000000000000" pitchFamily="50" charset="-127"/>
+                </a:rPr>
+                <a:t>조각 투자 상품 매매</a:t>
+              </a:r>
+              <a:endParaRPr lang="en-US" altLang="ko-KR" sz="1800" b="1" dirty="0">
+                <a:solidFill>
+                  <a:srgbClr val="008C8C"/>
+                </a:solidFill>
+                <a:latin typeface="하나2.0 M" panose="020B0603000000000000" pitchFamily="50" charset="-127"/>
+                <a:ea typeface="하나2.0 M" panose="020B0603000000000000" pitchFamily="50" charset="-127"/>
+              </a:endParaRPr>
+            </a:p>
+          </p:txBody>
+        </p:sp>
+        <p:sp>
+          <p:nvSpPr>
+            <p:cNvPr id="8" name="TextBox 7">
+              <a:extLst>
+                <a:ext uri="{FF2B5EF4-FFF2-40B4-BE49-F238E27FC236}">
+                  <a16:creationId xmlns:a16="http://schemas.microsoft.com/office/drawing/2014/main" id="{3006D04C-126D-E714-81E7-7A16FFB24352}"/>
+                </a:ext>
+              </a:extLst>
+            </p:cNvPr>
+            <p:cNvSpPr txBox="1"/>
+            <p:nvPr/>
+          </p:nvSpPr>
+          <p:spPr>
+            <a:xfrm>
+              <a:off x="3039790" y="2326985"/>
+              <a:ext cx="1153011" cy="369332"/>
+            </a:xfrm>
+            <a:prstGeom prst="rect">
+              <a:avLst/>
+            </a:prstGeom>
+            <a:noFill/>
+          </p:spPr>
+          <p:txBody>
+            <a:bodyPr wrap="square">
+              <a:spAutoFit/>
+            </a:bodyPr>
+            <a:lstStyle/>
+            <a:p>
+              <a:pPr algn="ctr"/>
+              <a:r>
+                <a:rPr lang="ko-KR" altLang="en-US" sz="1800" b="1" dirty="0">
+                  <a:solidFill>
+                    <a:srgbClr val="008C8C"/>
+                  </a:solidFill>
+                  <a:latin typeface="하나2.0 M" panose="020B0603000000000000" pitchFamily="50" charset="-127"/>
+                  <a:ea typeface="하나2.0 M" panose="020B0603000000000000" pitchFamily="50" charset="-127"/>
+                </a:rPr>
+                <a:t>공모</a:t>
+              </a:r>
+              <a:r>
+                <a:rPr lang="en-US" altLang="ko-KR" sz="1800" b="1" dirty="0">
+                  <a:solidFill>
+                    <a:srgbClr val="008C8C"/>
+                  </a:solidFill>
+                  <a:latin typeface="하나2.0 M" panose="020B0603000000000000" pitchFamily="50" charset="-127"/>
+                  <a:ea typeface="하나2.0 M" panose="020B0603000000000000" pitchFamily="50" charset="-127"/>
+                </a:rPr>
+                <a:t>/</a:t>
+              </a:r>
+              <a:r>
+                <a:rPr lang="ko-KR" altLang="en-US" sz="1800" b="1" dirty="0">
+                  <a:solidFill>
+                    <a:srgbClr val="008C8C"/>
+                  </a:solidFill>
+                  <a:latin typeface="하나2.0 M" panose="020B0603000000000000" pitchFamily="50" charset="-127"/>
+                  <a:ea typeface="하나2.0 M" panose="020B0603000000000000" pitchFamily="50" charset="-127"/>
+                </a:rPr>
+                <a:t>청약</a:t>
+              </a:r>
+              <a:endParaRPr lang="en-US" altLang="ko-KR" sz="1800" b="1" dirty="0">
+                <a:solidFill>
+                  <a:srgbClr val="008C8C"/>
+                </a:solidFill>
+                <a:latin typeface="하나2.0 M" panose="020B0603000000000000" pitchFamily="50" charset="-127"/>
+                <a:ea typeface="하나2.0 M" panose="020B0603000000000000" pitchFamily="50" charset="-127"/>
+              </a:endParaRPr>
+            </a:p>
+          </p:txBody>
+        </p:sp>
+        <p:sp>
+          <p:nvSpPr>
+            <p:cNvPr id="10" name="TextBox 9">
+              <a:extLst>
+                <a:ext uri="{FF2B5EF4-FFF2-40B4-BE49-F238E27FC236}">
+                  <a16:creationId xmlns:a16="http://schemas.microsoft.com/office/drawing/2014/main" id="{E0804640-5D45-5143-FA0C-484EC9C1D0D4}"/>
+                </a:ext>
+              </a:extLst>
+            </p:cNvPr>
+            <p:cNvSpPr txBox="1"/>
+            <p:nvPr/>
+          </p:nvSpPr>
+          <p:spPr>
+            <a:xfrm>
+              <a:off x="10148611" y="2326985"/>
+              <a:ext cx="1140413" cy="369332"/>
+            </a:xfrm>
+            <a:prstGeom prst="rect">
+              <a:avLst/>
+            </a:prstGeom>
+            <a:noFill/>
+          </p:spPr>
+          <p:txBody>
+            <a:bodyPr wrap="square">
+              <a:spAutoFit/>
+            </a:bodyPr>
+            <a:lstStyle/>
+            <a:p>
+              <a:r>
+                <a:rPr lang="ko-KR" altLang="en-US" sz="1800" b="1" dirty="0">
+                  <a:solidFill>
+                    <a:srgbClr val="008C8C"/>
+                  </a:solidFill>
+                  <a:latin typeface="하나2.0 M" panose="020B0603000000000000" pitchFamily="50" charset="-127"/>
+                  <a:ea typeface="하나2.0 M" panose="020B0603000000000000" pitchFamily="50" charset="-127"/>
+                </a:rPr>
+                <a:t>매각 투표</a:t>
+              </a:r>
+              <a:endParaRPr lang="en-US" altLang="ko-KR" sz="1800" b="1" dirty="0">
+                <a:solidFill>
+                  <a:srgbClr val="008C8C"/>
+                </a:solidFill>
+                <a:latin typeface="하나2.0 M" panose="020B0603000000000000" pitchFamily="50" charset="-127"/>
+                <a:ea typeface="하나2.0 M" panose="020B0603000000000000" pitchFamily="50" charset="-127"/>
+              </a:endParaRPr>
+            </a:p>
+          </p:txBody>
+        </p:sp>
+        <p:grpSp>
+          <p:nvGrpSpPr>
+            <p:cNvPr id="11" name="그룹 10">
+              <a:extLst>
+                <a:ext uri="{FF2B5EF4-FFF2-40B4-BE49-F238E27FC236}">
+                  <a16:creationId xmlns:a16="http://schemas.microsoft.com/office/drawing/2014/main" id="{D75A0F46-34E8-2940-51B2-1E8E16B8E17B}"/>
+                </a:ext>
+              </a:extLst>
+            </p:cNvPr>
+            <p:cNvGrpSpPr/>
+            <p:nvPr/>
+          </p:nvGrpSpPr>
+          <p:grpSpPr>
+            <a:xfrm>
+              <a:off x="461046" y="698826"/>
+              <a:ext cx="11019771" cy="1632696"/>
+              <a:chOff x="461046" y="698826"/>
+              <a:chExt cx="11019771" cy="1632696"/>
+            </a:xfrm>
+          </p:grpSpPr>
+          <p:pic>
+            <p:nvPicPr>
+              <p:cNvPr id="2050" name="Picture 2" descr="좋은 차트는 메시지를 정하는 데서 시작한다 | ㅍㅍㅅㅅ">
+                <a:extLst>
+                  <a:ext uri="{FF2B5EF4-FFF2-40B4-BE49-F238E27FC236}">
+                    <a16:creationId xmlns:a16="http://schemas.microsoft.com/office/drawing/2014/main" id="{E6BC56C2-9B51-7ADA-B9A4-26558F27FFAB}"/>
+                  </a:ext>
+                </a:extLst>
+              </p:cNvPr>
+              <p:cNvPicPr>
+                <a:picLocks noChangeAspect="1" noChangeArrowheads="1"/>
+              </p:cNvPicPr>
+              <p:nvPr/>
+            </p:nvPicPr>
+            <p:blipFill>
+              <a:blip r:embed="rId3">
+                <a:extLst>
+                  <a:ext uri="{28A0092B-C50C-407E-A947-70E740481C1C}">
+                    <a14:useLocalDpi xmlns:a14="http://schemas.microsoft.com/office/drawing/2010/main" val="0"/>
+                  </a:ext>
+                </a:extLst>
+              </a:blip>
+              <a:srcRect/>
+              <a:stretch>
+                <a:fillRect/>
+              </a:stretch>
+            </p:blipFill>
+            <p:spPr bwMode="auto">
+              <a:xfrm>
+                <a:off x="5092253" y="727510"/>
+                <a:ext cx="1850628" cy="1431152"/>
+              </a:xfrm>
+              <a:prstGeom prst="rect">
+                <a:avLst/>
+              </a:prstGeom>
+              <a:noFill/>
+              <a:extLst>
+                <a:ext uri="{909E8E84-426E-40DD-AFC4-6F175D3DCCD1}">
+                  <a14:hiddenFill xmlns:a14="http://schemas.microsoft.com/office/drawing/2010/main">
+                    <a:solidFill>
+                      <a:srgbClr val="FFFFFF"/>
+                    </a:solidFill>
+                  </a14:hiddenFill>
+                </a:ext>
+              </a:extLst>
+            </p:spPr>
+          </p:pic>
+          <p:pic>
+            <p:nvPicPr>
+              <p:cNvPr id="2058" name="Picture 10" descr="투표 - 무료 손과 몸짓개 아이콘">
+                <a:extLst>
+                  <a:ext uri="{FF2B5EF4-FFF2-40B4-BE49-F238E27FC236}">
+                    <a16:creationId xmlns:a16="http://schemas.microsoft.com/office/drawing/2014/main" id="{EB34E356-E719-0F21-E97E-1A3244249F16}"/>
+                  </a:ext>
+                </a:extLst>
+              </p:cNvPr>
+              <p:cNvPicPr>
+                <a:picLocks noChangeAspect="1" noChangeArrowheads="1"/>
+              </p:cNvPicPr>
+              <p:nvPr/>
+            </p:nvPicPr>
+            <p:blipFill>
+              <a:blip r:embed="rId4">
+                <a:extLst>
+                  <a:ext uri="{28A0092B-C50C-407E-A947-70E740481C1C}">
+                    <a14:useLocalDpi xmlns:a14="http://schemas.microsoft.com/office/drawing/2010/main" val="0"/>
+                  </a:ext>
+                </a:extLst>
+              </a:blip>
+              <a:srcRect/>
+              <a:stretch>
+                <a:fillRect/>
+              </a:stretch>
+            </p:blipFill>
+            <p:spPr bwMode="auto">
+              <a:xfrm>
+                <a:off x="9956817" y="698826"/>
+                <a:ext cx="1524000" cy="1524000"/>
+              </a:xfrm>
+              <a:prstGeom prst="rect">
+                <a:avLst/>
+              </a:prstGeom>
+              <a:noFill/>
+              <a:extLst>
+                <a:ext uri="{909E8E84-426E-40DD-AFC4-6F175D3DCCD1}">
+                  <a14:hiddenFill xmlns:a14="http://schemas.microsoft.com/office/drawing/2010/main">
+                    <a:solidFill>
+                      <a:srgbClr val="FFFFFF"/>
+                    </a:solidFill>
+                  </a14:hiddenFill>
+                </a:ext>
+              </a:extLst>
+            </p:spPr>
+          </p:pic>
+          <p:pic>
+            <p:nvPicPr>
+              <p:cNvPr id="3076" name="Picture 4">
+                <a:extLst>
+                  <a:ext uri="{FF2B5EF4-FFF2-40B4-BE49-F238E27FC236}">
+                    <a16:creationId xmlns:a16="http://schemas.microsoft.com/office/drawing/2014/main" id="{2AE78DFC-0D19-53D5-737F-914804F0A06D}"/>
+                  </a:ext>
+                </a:extLst>
+              </p:cNvPr>
+              <p:cNvPicPr>
+                <a:picLocks noChangeAspect="1" noChangeArrowheads="1"/>
+              </p:cNvPicPr>
+              <p:nvPr/>
+            </p:nvPicPr>
+            <p:blipFill>
+              <a:blip r:embed="rId5">
+                <a:extLst>
+                  <a:ext uri="{28A0092B-C50C-407E-A947-70E740481C1C}">
+                    <a14:useLocalDpi xmlns:a14="http://schemas.microsoft.com/office/drawing/2010/main" val="0"/>
+                  </a:ext>
+                </a:extLst>
+              </a:blip>
+              <a:srcRect/>
+              <a:stretch>
+                <a:fillRect/>
+              </a:stretch>
+            </p:blipFill>
+            <p:spPr bwMode="auto">
+              <a:xfrm>
+                <a:off x="461046" y="745067"/>
+                <a:ext cx="1549400" cy="1549400"/>
+              </a:xfrm>
+              <a:prstGeom prst="rect">
+                <a:avLst/>
+              </a:prstGeom>
+              <a:noFill/>
+              <a:extLst>
+                <a:ext uri="{909E8E84-426E-40DD-AFC4-6F175D3DCCD1}">
+                  <a14:hiddenFill xmlns:a14="http://schemas.microsoft.com/office/drawing/2010/main">
+                    <a:solidFill>
+                      <a:srgbClr val="FFFFFF"/>
+                    </a:solidFill>
+                  </a14:hiddenFill>
+                </a:ext>
+              </a:extLst>
+            </p:spPr>
+          </p:pic>
+          <p:pic>
+            <p:nvPicPr>
+              <p:cNvPr id="3080" name="Picture 8">
+                <a:extLst>
+                  <a:ext uri="{FF2B5EF4-FFF2-40B4-BE49-F238E27FC236}">
+                    <a16:creationId xmlns:a16="http://schemas.microsoft.com/office/drawing/2014/main" id="{5552DC4B-26D7-1A0A-DE6B-497887198C38}"/>
+                  </a:ext>
+                </a:extLst>
+              </p:cNvPr>
+              <p:cNvPicPr>
+                <a:picLocks noChangeAspect="1" noChangeArrowheads="1"/>
+              </p:cNvPicPr>
+              <p:nvPr/>
+            </p:nvPicPr>
+            <p:blipFill>
+              <a:blip r:embed="rId6">
+                <a:extLst>
+                  <a:ext uri="{28A0092B-C50C-407E-A947-70E740481C1C}">
+                    <a14:useLocalDpi xmlns:a14="http://schemas.microsoft.com/office/drawing/2010/main" val="0"/>
+                  </a:ext>
+                </a:extLst>
+              </a:blip>
+              <a:srcRect/>
+              <a:stretch>
+                <a:fillRect/>
+              </a:stretch>
+            </p:blipFill>
+            <p:spPr bwMode="auto">
+              <a:xfrm>
+                <a:off x="7759961" y="807522"/>
+                <a:ext cx="1524000" cy="1524000"/>
+              </a:xfrm>
+              <a:prstGeom prst="rect">
+                <a:avLst/>
+              </a:prstGeom>
+              <a:noFill/>
+              <a:extLst>
+                <a:ext uri="{909E8E84-426E-40DD-AFC4-6F175D3DCCD1}">
+                  <a14:hiddenFill xmlns:a14="http://schemas.microsoft.com/office/drawing/2010/main">
+                    <a:solidFill>
+                      <a:srgbClr val="FFFFFF"/>
+                    </a:solidFill>
+                  </a14:hiddenFill>
+                </a:ext>
+              </a:extLst>
+            </p:spPr>
+          </p:pic>
+        </p:grpSp>
+        <p:sp>
+          <p:nvSpPr>
+            <p:cNvPr id="3" name="TextBox 2">
+              <a:extLst>
+                <a:ext uri="{FF2B5EF4-FFF2-40B4-BE49-F238E27FC236}">
+                  <a16:creationId xmlns:a16="http://schemas.microsoft.com/office/drawing/2014/main" id="{E76F0A4F-6A7C-2A4F-B067-2311875BEDDA}"/>
+                </a:ext>
+              </a:extLst>
+            </p:cNvPr>
+            <p:cNvSpPr txBox="1"/>
+            <p:nvPr/>
+          </p:nvSpPr>
+          <p:spPr>
+            <a:xfrm>
+              <a:off x="7857865" y="2326985"/>
+              <a:ext cx="1328191" cy="369332"/>
+            </a:xfrm>
+            <a:prstGeom prst="rect">
+              <a:avLst/>
+            </a:prstGeom>
+            <a:noFill/>
+          </p:spPr>
+          <p:txBody>
+            <a:bodyPr wrap="square">
+              <a:spAutoFit/>
+            </a:bodyPr>
+            <a:lstStyle/>
+            <a:p>
+              <a:r>
+                <a:rPr lang="ko-KR" altLang="en-US" sz="1800" b="1" dirty="0">
+                  <a:solidFill>
+                    <a:srgbClr val="008C8C"/>
+                  </a:solidFill>
+                  <a:latin typeface="하나2.0 M" panose="020B0603000000000000" pitchFamily="50" charset="-127"/>
+                  <a:ea typeface="하나2.0 M" panose="020B0603000000000000" pitchFamily="50" charset="-127"/>
+                </a:rPr>
+                <a:t>배당금 지급</a:t>
+              </a:r>
+              <a:endParaRPr lang="en-US" altLang="ko-KR" sz="1800" b="1" dirty="0">
+                <a:solidFill>
+                  <a:srgbClr val="008C8C"/>
+                </a:solidFill>
+                <a:latin typeface="하나2.0 M" panose="020B0603000000000000" pitchFamily="50" charset="-127"/>
+                <a:ea typeface="하나2.0 M" panose="020B0603000000000000" pitchFamily="50" charset="-127"/>
+              </a:endParaRPr>
+            </a:p>
+          </p:txBody>
+        </p:sp>
+      </p:grpSp>
+      <p:pic>
+        <p:nvPicPr>
+          <p:cNvPr id="19" name="그림 18">
+            <a:extLst>
+              <a:ext uri="{FF2B5EF4-FFF2-40B4-BE49-F238E27FC236}">
+                <a16:creationId xmlns:a16="http://schemas.microsoft.com/office/drawing/2014/main" id="{1CB73CF5-E94F-7C11-57A2-EDBFF353D431}"/>
+              </a:ext>
+            </a:extLst>
+          </p:cNvPr>
+          <p:cNvPicPr>
+            <a:picLocks noChangeAspect="1"/>
+          </p:cNvPicPr>
+          <p:nvPr/>
+        </p:nvPicPr>
+        <p:blipFill>
+          <a:blip r:embed="rId7"/>
+          <a:stretch>
+            <a:fillRect/>
+          </a:stretch>
+        </p:blipFill>
+        <p:spPr>
+          <a:xfrm>
+            <a:off x="3048890" y="1565240"/>
+            <a:ext cx="1454580" cy="1454580"/>
+          </a:xfrm>
+          <a:prstGeom prst="rect">
+            <a:avLst/>
+          </a:prstGeom>
+        </p:spPr>
+      </p:pic>
     </p:spTree>
     <p:extLst>
       <p:ext uri="{BB962C8B-B14F-4D97-AF65-F5344CB8AC3E}">
@@ -27562,14 +27404,14 @@
           <p:nvPr>
             <p:extLst>
               <p:ext uri="{D42A27DB-BD31-4B8C-83A1-F6EECF244321}">
-                <p14:modId xmlns:p14="http://schemas.microsoft.com/office/powerpoint/2010/main" val="2784267602"/>
+                <p14:modId xmlns:p14="http://schemas.microsoft.com/office/powerpoint/2010/main" val="922812296"/>
               </p:ext>
             </p:extLst>
           </p:nvPr>
         </p:nvGraphicFramePr>
         <p:xfrm>
-          <a:off x="1048777" y="995680"/>
-          <a:ext cx="10094446" cy="4866640"/>
+          <a:off x="452917" y="710633"/>
+          <a:ext cx="11466556" cy="5898264"/>
         </p:xfrm>
         <a:graphic>
           <a:graphicData uri="http://schemas.openxmlformats.org/drawingml/2006/table">
@@ -27578,14 +27420,21 @@
                 <a:tableStyleId>{5C22544A-7EE6-4342-B048-85BDC9FD1C3A}</a:tableStyleId>
               </a:tblPr>
               <a:tblGrid>
-                <a:gridCol w="2421255">
+                <a:gridCol w="1882060">
+                  <a:extLst>
+                    <a:ext uri="{9D8B030D-6E8A-4147-A177-3AD203B41FA5}">
+                      <a16:colId xmlns:a16="http://schemas.microsoft.com/office/drawing/2014/main" val="1756716102"/>
+                    </a:ext>
+                  </a:extLst>
+                </a:gridCol>
+                <a:gridCol w="2554519">
                   <a:extLst>
                     <a:ext uri="{9D8B030D-6E8A-4147-A177-3AD203B41FA5}">
                       <a16:colId xmlns:a16="http://schemas.microsoft.com/office/drawing/2014/main" val="3284921506"/>
                     </a:ext>
                   </a:extLst>
                 </a:gridCol>
-                <a:gridCol w="7673191">
+                <a:gridCol w="7029977">
                   <a:extLst>
                     <a:ext uri="{9D8B030D-6E8A-4147-A177-3AD203B41FA5}">
                       <a16:colId xmlns:a16="http://schemas.microsoft.com/office/drawing/2014/main" val="57178564"/>
@@ -27593,7 +27442,7 @@
                   </a:extLst>
                 </a:gridCol>
               </a:tblGrid>
-              <a:tr h="370840">
+              <a:tr h="350346">
                 <a:tc>
                   <a:txBody>
                     <a:bodyPr/>
@@ -27601,16 +27450,16 @@
                     <a:p>
                       <a:pPr algn="ctr"/>
                       <a:r>
-                        <a:rPr lang="ko-Kore-KR" altLang="en-US" dirty="0">
+                        <a:rPr lang="ko-Kore-KR" altLang="en-US" sz="1600" dirty="0">
                           <a:solidFill>
                             <a:schemeClr val="bg1"/>
                           </a:solidFill>
                         </a:rPr>
-                        <a:t>기능</a:t>
+                        <a:t>대분류</a:t>
                       </a:r>
                     </a:p>
                   </a:txBody>
-                  <a:tcPr>
+                  <a:tcPr marL="80047" marR="80047" marT="40023" marB="40023">
                     <a:lnL w="12700" cap="flat" cmpd="sng" algn="ctr">
                       <a:solidFill>
                         <a:srgbClr val="C5C5C5"/>
@@ -27659,7 +27508,65 @@
                     <a:p>
                       <a:pPr algn="ctr"/>
                       <a:r>
-                        <a:rPr lang="ko-Kore-KR" altLang="en-US" dirty="0">
+                        <a:rPr lang="ko-Kore-KR" altLang="en-US" sz="1600" dirty="0">
+                          <a:solidFill>
+                            <a:schemeClr val="bg1"/>
+                          </a:solidFill>
+                        </a:rPr>
+                        <a:t>기능</a:t>
+                      </a:r>
+                    </a:p>
+                  </a:txBody>
+                  <a:tcPr marL="80047" marR="80047" marT="40023" marB="40023">
+                    <a:lnL w="12700" cap="flat" cmpd="sng" algn="ctr">
+                      <a:solidFill>
+                        <a:srgbClr val="C5C5C5"/>
+                      </a:solidFill>
+                      <a:prstDash val="solid"/>
+                      <a:round/>
+                      <a:headEnd type="none" w="med" len="med"/>
+                      <a:tailEnd type="none" w="med" len="med"/>
+                    </a:lnL>
+                    <a:lnR w="12700" cap="flat" cmpd="sng" algn="ctr">
+                      <a:solidFill>
+                        <a:srgbClr val="C5C5C5"/>
+                      </a:solidFill>
+                      <a:prstDash val="solid"/>
+                      <a:round/>
+                      <a:headEnd type="none" w="med" len="med"/>
+                      <a:tailEnd type="none" w="med" len="med"/>
+                    </a:lnR>
+                    <a:lnT w="12700" cap="flat" cmpd="sng" algn="ctr">
+                      <a:solidFill>
+                        <a:srgbClr val="C5C5C5"/>
+                      </a:solidFill>
+                      <a:prstDash val="solid"/>
+                      <a:round/>
+                      <a:headEnd type="none" w="med" len="med"/>
+                      <a:tailEnd type="none" w="med" len="med"/>
+                    </a:lnT>
+                    <a:lnB w="12700" cap="flat" cmpd="sng" algn="ctr">
+                      <a:solidFill>
+                        <a:srgbClr val="C5C5C5"/>
+                      </a:solidFill>
+                      <a:prstDash val="solid"/>
+                      <a:round/>
+                      <a:headEnd type="none" w="med" len="med"/>
+                      <a:tailEnd type="none" w="med" len="med"/>
+                    </a:lnB>
+                    <a:solidFill>
+                      <a:srgbClr val="008C8C"/>
+                    </a:solidFill>
+                  </a:tcPr>
+                </a:tc>
+                <a:tc>
+                  <a:txBody>
+                    <a:bodyPr/>
+                    <a:lstStyle/>
+                    <a:p>
+                      <a:pPr algn="ctr"/>
+                      <a:r>
+                        <a:rPr lang="ko-Kore-KR" altLang="en-US" sz="1600" dirty="0">
                           <a:solidFill>
                             <a:schemeClr val="bg1"/>
                           </a:solidFill>
@@ -27668,7 +27575,7 @@
                       </a:r>
                     </a:p>
                   </a:txBody>
-                  <a:tcPr>
+                  <a:tcPr marL="80047" marR="80047" marT="40023" marB="40023">
                     <a:lnL w="12700" cap="flat" cmpd="sng" algn="ctr">
                       <a:solidFill>
                         <a:srgbClr val="C5C5C5"/>
@@ -27716,7 +27623,68 @@
                   </a:ext>
                 </a:extLst>
               </a:tr>
-              <a:tr h="370840">
+              <a:tr h="449256">
+                <a:tc rowSpan="2">
+                  <a:txBody>
+                    <a:bodyPr/>
+                    <a:lstStyle/>
+                    <a:p>
+                      <a:pPr algn="ctr"/>
+                      <a:r>
+                        <a:rPr lang="ko-KR" altLang="en-US" sz="1200" b="1" dirty="0" err="1">
+                          <a:solidFill>
+                            <a:srgbClr val="595959"/>
+                          </a:solidFill>
+                        </a:rPr>
+                        <a:t>계정계</a:t>
+                      </a:r>
+                      <a:endParaRPr lang="ko-Kore-KR" altLang="en-US" sz="1200" b="1" dirty="0">
+                        <a:solidFill>
+                          <a:srgbClr val="595959"/>
+                        </a:solidFill>
+                      </a:endParaRPr>
+                    </a:p>
+                  </a:txBody>
+                  <a:tcPr marL="80047" marR="80047" marT="40023" marB="40023" anchor="ctr">
+                    <a:lnL w="12700" cap="flat" cmpd="sng" algn="ctr">
+                      <a:solidFill>
+                        <a:srgbClr val="C5C5C5"/>
+                      </a:solidFill>
+                      <a:prstDash val="solid"/>
+                      <a:round/>
+                      <a:headEnd type="none" w="med" len="med"/>
+                      <a:tailEnd type="none" w="med" len="med"/>
+                    </a:lnL>
+                    <a:lnR w="12700" cap="flat" cmpd="sng" algn="ctr">
+                      <a:solidFill>
+                        <a:srgbClr val="C5C5C5"/>
+                      </a:solidFill>
+                      <a:prstDash val="solid"/>
+                      <a:round/>
+                      <a:headEnd type="none" w="med" len="med"/>
+                      <a:tailEnd type="none" w="med" len="med"/>
+                    </a:lnR>
+                    <a:lnT w="12700" cap="flat" cmpd="sng" algn="ctr">
+                      <a:solidFill>
+                        <a:srgbClr val="C5C5C5"/>
+                      </a:solidFill>
+                      <a:prstDash val="solid"/>
+                      <a:round/>
+                      <a:headEnd type="none" w="med" len="med"/>
+                      <a:tailEnd type="none" w="med" len="med"/>
+                    </a:lnT>
+                    <a:lnB w="12700" cap="flat" cmpd="sng" algn="ctr">
+                      <a:solidFill>
+                        <a:srgbClr val="C5C5C5"/>
+                      </a:solidFill>
+                      <a:prstDash val="solid"/>
+                      <a:round/>
+                      <a:headEnd type="none" w="med" len="med"/>
+                      <a:tailEnd type="none" w="med" len="med"/>
+                    </a:lnB>
+                    <a:noFill/>
+                  </a:tcPr>
+                </a:tc>
                 <a:tc>
                   <a:txBody>
                     <a:bodyPr/>
@@ -27724,29 +27692,61 @@
                     <a:p>
                       <a:pPr algn="ctr"/>
                       <a:r>
-                        <a:rPr lang="ko-Kore-KR" altLang="en-US" sz="1600" dirty="0">
+                        <a:rPr lang="ko-Kore-KR" altLang="en-US" sz="1200" dirty="0">
                           <a:solidFill>
                             <a:srgbClr val="595959"/>
                           </a:solidFill>
                         </a:rPr>
-                        <a:t>비대면</a:t>
+                        <a:t>은행</a:t>
                       </a:r>
                       <a:r>
-                        <a:rPr lang="ko-KR" altLang="en-US" sz="1600" dirty="0">
+                        <a:rPr lang="ko-KR" altLang="en-US" sz="1200" dirty="0">
                           <a:solidFill>
                             <a:srgbClr val="595959"/>
                           </a:solidFill>
                         </a:rPr>
-                        <a:t> 계좌 개설</a:t>
+                        <a:t> </a:t>
                       </a:r>
-                      <a:endParaRPr lang="ko-Kore-KR" altLang="en-US" sz="1600" dirty="0">
+                      <a:r>
+                        <a:rPr lang="ko-Kore-KR" altLang="en-US" sz="1200" dirty="0">
+                          <a:solidFill>
+                            <a:srgbClr val="595959"/>
+                          </a:solidFill>
+                        </a:rPr>
+                        <a:t>계좌</a:t>
+                      </a:r>
+                      <a:r>
+                        <a:rPr lang="ko-KR" altLang="en-US" sz="1200" dirty="0">
+                          <a:solidFill>
+                            <a:srgbClr val="595959"/>
+                          </a:solidFill>
+                        </a:rPr>
+                        <a:t> 및</a:t>
+                      </a:r>
+                      <a:endParaRPr lang="en-US" altLang="ko-KR" sz="1200" dirty="0">
+                        <a:solidFill>
+                          <a:srgbClr val="595959"/>
+                        </a:solidFill>
+                      </a:endParaRPr>
+                    </a:p>
+                    <a:p>
+                      <a:pPr algn="ctr"/>
+                      <a:r>
+                        <a:rPr lang="ko-KR" altLang="en-US" sz="1200" dirty="0">
+                          <a:solidFill>
+                            <a:srgbClr val="595959"/>
+                          </a:solidFill>
+                        </a:rPr>
+                        <a:t>지갑 개설</a:t>
+                      </a:r>
+                      <a:endParaRPr lang="ko-Kore-KR" altLang="en-US" sz="1200" dirty="0">
                         <a:solidFill>
                           <a:srgbClr val="595959"/>
                         </a:solidFill>
                       </a:endParaRPr>
                     </a:p>
                   </a:txBody>
-                  <a:tcPr anchor="ctr">
+                  <a:tcPr marL="80047" marR="80047" marT="40023" marB="40023" anchor="ctr">
                     <a:lnL w="12700" cap="flat" cmpd="sng" algn="ctr">
                       <a:solidFill>
                         <a:srgbClr val="C5C5C5"/>
@@ -27793,7 +27793,39 @@
                     <a:p>
                       <a:pPr algn="l"/>
                       <a:r>
-                        <a:rPr lang="ko-Kore-KR" altLang="en-US" sz="1600" dirty="0">
+                        <a:rPr lang="ko-Kore-KR" altLang="en-US" sz="1100" dirty="0">
+                          <a:solidFill>
+                            <a:srgbClr val="595959"/>
+                          </a:solidFill>
+                        </a:rPr>
+                        <a:t>비대면</a:t>
+                      </a:r>
+                      <a:r>
+                        <a:rPr lang="ko-KR" altLang="en-US" sz="1100" dirty="0">
+                          <a:solidFill>
+                            <a:srgbClr val="595959"/>
+                          </a:solidFill>
+                        </a:rPr>
+                        <a:t> 계좌</a:t>
+                      </a:r>
+                      <a:r>
+                        <a:rPr lang="en-US" altLang="ko-KR" sz="1100" dirty="0">
+                          <a:solidFill>
+                            <a:srgbClr val="595959"/>
+                          </a:solidFill>
+                        </a:rPr>
+                        <a:t>,</a:t>
+                      </a:r>
+                      <a:r>
+                        <a:rPr lang="ko-KR" altLang="en-US" sz="1100" dirty="0">
+                          <a:solidFill>
+                            <a:srgbClr val="595959"/>
+                          </a:solidFill>
+                        </a:rPr>
+                        <a:t> 지갑 개설 및 </a:t>
+                      </a:r>
+                      <a:r>
+                        <a:rPr lang="ko-Kore-KR" altLang="en-US" sz="1100" dirty="0">
                           <a:solidFill>
                             <a:srgbClr val="595959"/>
                           </a:solidFill>
@@ -27801,31 +27833,94 @@
                         <a:t>고객</a:t>
                       </a:r>
                       <a:r>
-                        <a:rPr lang="ko-KR" altLang="en-US" sz="1600" dirty="0">
+                        <a:rPr lang="ko-KR" altLang="en-US" sz="1100" dirty="0">
                           <a:solidFill>
                             <a:srgbClr val="595959"/>
                           </a:solidFill>
                         </a:rPr>
-                        <a:t> 신원 인증 </a:t>
+                        <a:t> 신원 인증</a:t>
                       </a:r>
-                      <a:r>
-                        <a:rPr lang="en-US" altLang="ko-KR" sz="1600" dirty="0">
+                      <a:br>
+                        <a:rPr lang="en-US" altLang="ko-KR" sz="1100" dirty="0">
                           <a:solidFill>
                             <a:srgbClr val="595959"/>
                           </a:solidFill>
                         </a:rPr>
-                        <a:t>:</a:t>
-                      </a:r>
+                      </a:br>
                       <a:r>
-                        <a:rPr lang="ko-KR" altLang="en-US" sz="1600" dirty="0">
+                        <a:rPr lang="en-US" altLang="ko-KR" sz="1100" dirty="0">
                           <a:solidFill>
                             <a:srgbClr val="595959"/>
                           </a:solidFill>
                         </a:rPr>
-                        <a:t> </a:t>
+                        <a:t>-</a:t>
                       </a:r>
                       <a:r>
-                        <a:rPr lang="en-US" altLang="ko-KR" sz="1600" dirty="0" err="1">
+                        <a:rPr lang="ko-KR" altLang="en-US" sz="1100" dirty="0">
+                          <a:solidFill>
+                            <a:srgbClr val="595959"/>
+                          </a:solidFill>
+                        </a:rPr>
+                        <a:t> 휴대전화 인증</a:t>
+                      </a:r>
+                      <a:r>
+                        <a:rPr lang="en-US" altLang="ko-KR" sz="1100" dirty="0">
+                          <a:solidFill>
+                            <a:srgbClr val="595959"/>
+                          </a:solidFill>
+                        </a:rPr>
+                        <a:t>,</a:t>
+                      </a:r>
+                      <a:r>
+                        <a:rPr lang="ko-KR" altLang="en-US" sz="1100" dirty="0">
+                          <a:solidFill>
+                            <a:srgbClr val="595959"/>
+                          </a:solidFill>
+                        </a:rPr>
+                        <a:t> 신분증 인증 </a:t>
+                      </a:r>
+                      <a:r>
+                        <a:rPr lang="en-US" altLang="ko-KR" sz="1100" dirty="0">
+                          <a:solidFill>
+                            <a:srgbClr val="595959"/>
+                          </a:solidFill>
+                        </a:rPr>
+                        <a:t>(</a:t>
+                      </a:r>
+                      <a:r>
+                        <a:rPr lang="ko-KR" altLang="en-US" sz="1100" dirty="0">
+                          <a:solidFill>
+                            <a:srgbClr val="595959"/>
+                          </a:solidFill>
+                        </a:rPr>
+                        <a:t>외부 </a:t>
+                      </a:r>
+                      <a:r>
+                        <a:rPr lang="en-US" altLang="ko-KR" sz="1100" dirty="0">
+                          <a:solidFill>
+                            <a:srgbClr val="595959"/>
+                          </a:solidFill>
+                        </a:rPr>
+                        <a:t>API </a:t>
+                      </a:r>
+                      <a:r>
+                        <a:rPr lang="ko-KR" altLang="en-US" sz="1100" dirty="0">
+                          <a:solidFill>
+                            <a:srgbClr val="595959"/>
+                          </a:solidFill>
+                        </a:rPr>
+                        <a:t>활용</a:t>
+                      </a:r>
+                      <a:r>
+                        <a:rPr lang="en-US" altLang="ko-KR" sz="1100" dirty="0">
+                          <a:solidFill>
+                            <a:srgbClr val="595959"/>
+                          </a:solidFill>
+                        </a:rPr>
+                        <a:t>: </a:t>
+                      </a:r>
+                      <a:r>
+                        <a:rPr lang="en-US" altLang="ko-KR" sz="1100" dirty="0" err="1">
                           <a:solidFill>
                             <a:srgbClr val="595959"/>
                           </a:solidFill>
@@ -27833,31 +27928,15 @@
                         <a:t>Clova</a:t>
                       </a:r>
                       <a:r>
-                        <a:rPr lang="ko-KR" altLang="en-US" sz="1600" dirty="0">
+                        <a:rPr lang="en-US" altLang="ko-KR" sz="1100" dirty="0">
                           <a:solidFill>
                             <a:srgbClr val="595959"/>
                           </a:solidFill>
                         </a:rPr>
-                        <a:t> </a:t>
+                        <a:t> OCR, </a:t>
                       </a:r>
                       <a:r>
-                        <a:rPr lang="en-US" altLang="ko-KR" sz="1600" dirty="0">
-                          <a:solidFill>
-                            <a:srgbClr val="595959"/>
-                          </a:solidFill>
-                        </a:rPr>
-                        <a:t>OCR,</a:t>
-                      </a:r>
-                      <a:r>
-                        <a:rPr lang="ko-KR" altLang="en-US" sz="1600" dirty="0">
-                          <a:solidFill>
-                            <a:srgbClr val="595959"/>
-                          </a:solidFill>
-                        </a:rPr>
-                        <a:t> </a:t>
-                      </a:r>
-                      <a:r>
-                        <a:rPr lang="en-US" altLang="ko-KR" sz="1600" dirty="0" err="1">
+                        <a:rPr lang="en-US" altLang="ko-KR" sz="1100" dirty="0" err="1">
                           <a:solidFill>
                             <a:srgbClr val="595959"/>
                           </a:solidFill>
@@ -27865,37 +27944,21 @@
                         <a:t>CoolSMS</a:t>
                       </a:r>
                       <a:r>
-                        <a:rPr lang="ko-KR" altLang="en-US" sz="1600" dirty="0">
+                        <a:rPr lang="en-US" altLang="ko-KR" sz="1100" dirty="0">
                           <a:solidFill>
                             <a:srgbClr val="595959"/>
                           </a:solidFill>
                         </a:rPr>
-                        <a:t> </a:t>
+                        <a:t>)</a:t>
                       </a:r>
-                      <a:r>
-                        <a:rPr lang="en-US" altLang="ko-KR" sz="1600" dirty="0">
-                          <a:solidFill>
-                            <a:srgbClr val="595959"/>
-                          </a:solidFill>
-                        </a:rPr>
-                        <a:t>API </a:t>
-                      </a:r>
-                      <a:r>
-                        <a:rPr lang="ko-KR" altLang="en-US" sz="1600" dirty="0">
-                          <a:solidFill>
-                            <a:srgbClr val="595959"/>
-                          </a:solidFill>
-                        </a:rPr>
-                        <a:t>활용</a:t>
-                      </a:r>
-                      <a:endParaRPr lang="ko-Kore-KR" altLang="en-US" sz="1600" dirty="0">
+                      <a:endParaRPr lang="ko-Kore-KR" altLang="en-US" sz="1100" dirty="0">
                         <a:solidFill>
                           <a:srgbClr val="595959"/>
                         </a:solidFill>
                       </a:endParaRPr>
                     </a:p>
                   </a:txBody>
-                  <a:tcPr anchor="ctr">
+                  <a:tcPr marL="80047" marR="80047" marT="40023" marB="40023" anchor="ctr">
                     <a:lnL w="12700" cap="flat" cmpd="sng" algn="ctr">
                       <a:solidFill>
                         <a:srgbClr val="C5C5C5"/>
@@ -27941,29 +28004,13 @@
                   </a:ext>
                 </a:extLst>
               </a:tr>
-              <a:tr h="370840">
-                <a:tc>
+              <a:tr h="267921">
+                <a:tc vMerge="1">
                   <a:txBody>
                     <a:bodyPr/>
                     <a:lstStyle/>
                     <a:p>
                       <a:pPr algn="ctr"/>
-                      <a:r>
-                        <a:rPr lang="ko-Kore-KR" altLang="en-US" sz="1600" dirty="0">
-                          <a:solidFill>
-                            <a:srgbClr val="595959"/>
-                          </a:solidFill>
-                        </a:rPr>
-                        <a:t>공모</a:t>
-                      </a:r>
-                      <a:r>
-                        <a:rPr lang="ko-KR" altLang="en-US" sz="1600" dirty="0">
-                          <a:solidFill>
-                            <a:srgbClr val="595959"/>
-                          </a:solidFill>
-                        </a:rPr>
-                        <a:t> 청약</a:t>
-                      </a:r>
                       <a:endParaRPr lang="ko-Kore-KR" altLang="en-US" sz="1600" dirty="0">
                         <a:solidFill>
                           <a:srgbClr val="595959"/>
@@ -27972,6 +28019,91 @@
                     </a:p>
                   </a:txBody>
                   <a:tcPr anchor="ctr">
+                    <a:lnL w="12700" cap="flat" cmpd="sng" algn="ctr">
+                      <a:solidFill>
+                        <a:srgbClr val="C5C5C5"/>
+                      </a:solidFill>
+                      <a:prstDash val="solid"/>
+                      <a:round/>
+                      <a:headEnd type="none" w="med" len="med"/>
+                      <a:tailEnd type="none" w="med" len="med"/>
+                    </a:lnL>
+                    <a:lnR w="12700" cap="flat" cmpd="sng" algn="ctr">
+                      <a:solidFill>
+                        <a:srgbClr val="C5C5C5"/>
+                      </a:solidFill>
+                      <a:prstDash val="solid"/>
+                      <a:round/>
+                      <a:headEnd type="none" w="med" len="med"/>
+                      <a:tailEnd type="none" w="med" len="med"/>
+                    </a:lnR>
+                    <a:lnT w="12700" cap="flat" cmpd="sng" algn="ctr">
+                      <a:solidFill>
+                        <a:srgbClr val="C5C5C5"/>
+                      </a:solidFill>
+                      <a:prstDash val="solid"/>
+                      <a:round/>
+                      <a:headEnd type="none" w="med" len="med"/>
+                      <a:tailEnd type="none" w="med" len="med"/>
+                    </a:lnT>
+                    <a:lnB w="12700" cap="flat" cmpd="sng" algn="ctr">
+                      <a:solidFill>
+                        <a:srgbClr val="C5C5C5"/>
+                      </a:solidFill>
+                      <a:prstDash val="solid"/>
+                      <a:round/>
+                      <a:headEnd type="none" w="med" len="med"/>
+                      <a:tailEnd type="none" w="med" len="med"/>
+                    </a:lnB>
+                    <a:noFill/>
+                  </a:tcPr>
+                </a:tc>
+                <a:tc>
+                  <a:txBody>
+                    <a:bodyPr/>
+                    <a:lstStyle/>
+                    <a:p>
+                      <a:pPr algn="ctr"/>
+                      <a:r>
+                        <a:rPr lang="ko-Kore-KR" altLang="en-US" sz="1200" dirty="0">
+                          <a:solidFill>
+                            <a:srgbClr val="595959"/>
+                          </a:solidFill>
+                        </a:rPr>
+                        <a:t>지갑</a:t>
+                      </a:r>
+                      <a:r>
+                        <a:rPr lang="ko-KR" altLang="en-US" sz="1200" dirty="0">
+                          <a:solidFill>
+                            <a:srgbClr val="595959"/>
+                          </a:solidFill>
+                        </a:rPr>
+                        <a:t> </a:t>
+                      </a:r>
+                      <a:r>
+                        <a:rPr lang="ko-Kore-KR" altLang="en-US" sz="1200" dirty="0">
+                          <a:solidFill>
+                            <a:srgbClr val="595959"/>
+                          </a:solidFill>
+                        </a:rPr>
+                        <a:t>계좌</a:t>
+                      </a:r>
+                      <a:r>
+                        <a:rPr lang="ko-KR" altLang="en-US" sz="1200" dirty="0">
+                          <a:solidFill>
+                            <a:srgbClr val="595959"/>
+                          </a:solidFill>
+                        </a:rPr>
+                        <a:t> 연동</a:t>
+                      </a:r>
+                      <a:endParaRPr lang="ko-Kore-KR" altLang="en-US" sz="1200" dirty="0">
+                        <a:solidFill>
+                          <a:srgbClr val="595959"/>
+                        </a:solidFill>
+                      </a:endParaRPr>
+                    </a:p>
+                  </a:txBody>
+                  <a:tcPr marL="80047" marR="80047" marT="40023" marB="40023" anchor="ctr">
                     <a:lnL w="12700" cap="flat" cmpd="sng" algn="ctr">
                       <a:solidFill>
                         <a:srgbClr val="C5C5C5"/>
@@ -28034,32 +28166,16 @@
                         <a:defRPr/>
                       </a:pPr>
                       <a:r>
-                        <a:rPr lang="ko-KR" altLang="en-US" sz="1600" b="0" dirty="0">
+                        <a:rPr lang="ko-KR" altLang="en-US" sz="1100" b="0" dirty="0">
                           <a:solidFill>
                             <a:srgbClr val="595959"/>
                           </a:solidFill>
                         </a:rPr>
-                        <a:t>부동산 공모 발행</a:t>
-                      </a:r>
-                      <a:r>
-                        <a:rPr lang="en-US" altLang="ko-KR" sz="1600" b="0" dirty="0">
-                          <a:solidFill>
-                            <a:srgbClr val="595959"/>
-                          </a:solidFill>
-                        </a:rPr>
-                        <a:t>, </a:t>
-                      </a:r>
-                      <a:r>
-                        <a:rPr lang="ko-KR" altLang="en-US" sz="1600" b="0" dirty="0">
-                          <a:solidFill>
-                            <a:srgbClr val="595959"/>
-                          </a:solidFill>
-                        </a:rPr>
-                        <a:t>전자 투표 방식의 수익자 총회를 통한 매각 결정</a:t>
+                        <a:t>지갑 개설 및 은행 계좌 연동</a:t>
                       </a:r>
                     </a:p>
                   </a:txBody>
-                  <a:tcPr anchor="ctr">
+                  <a:tcPr marL="80047" marR="80047" marT="40023" marB="40023" anchor="ctr">
                     <a:lnL w="12700" cap="flat" cmpd="sng" algn="ctr">
                       <a:solidFill>
                         <a:srgbClr val="C5C5C5"/>
@@ -28105,40 +28221,138 @@
                   </a:ext>
                 </a:extLst>
               </a:tr>
-              <a:tr h="370840">
-                <a:tc>
+              <a:tr h="267921">
+                <a:tc rowSpan="6">
                   <a:txBody>
                     <a:bodyPr/>
                     <a:lstStyle/>
                     <a:p>
                       <a:pPr algn="ctr"/>
                       <a:r>
-                        <a:rPr lang="ko-Kore-KR" altLang="en-US" sz="1600" dirty="0">
+                        <a:rPr lang="ko-Kore-KR" altLang="en-US" sz="1200" b="1" dirty="0">
                           <a:solidFill>
                             <a:srgbClr val="595959"/>
                           </a:solidFill>
                         </a:rPr>
-                        <a:t>조각</a:t>
+                        <a:t>부동산</a:t>
                       </a:r>
                       <a:r>
-                        <a:rPr lang="ko-KR" altLang="en-US" sz="1600" dirty="0">
+                        <a:rPr lang="ko-KR" altLang="en-US" sz="1200" b="1" dirty="0">
                           <a:solidFill>
                             <a:srgbClr val="595959"/>
                           </a:solidFill>
                         </a:rPr>
-                        <a:t> </a:t>
+                        <a:t> 조각투자</a:t>
                       </a:r>
+                      <a:endParaRPr lang="en-US" altLang="ko-KR" sz="1200" b="1" dirty="0">
+                        <a:solidFill>
+                          <a:srgbClr val="595959"/>
+                        </a:solidFill>
+                      </a:endParaRPr>
+                    </a:p>
+                    <a:p>
+                      <a:pPr algn="ctr"/>
                       <a:r>
-                        <a:rPr lang="ko-Kore-KR" altLang="en-US" sz="1600" dirty="0">
+                        <a:rPr lang="ko-KR" altLang="en-US" sz="1200" b="1" dirty="0">
                           <a:solidFill>
                             <a:srgbClr val="595959"/>
                           </a:solidFill>
                         </a:rPr>
-                        <a:t>매매</a:t>
+                        <a:t>거래 서비스</a:t>
                       </a:r>
+                      <a:endParaRPr lang="ko-Kore-KR" altLang="en-US" sz="1200" b="1" dirty="0">
+                        <a:solidFill>
+                          <a:srgbClr val="595959"/>
+                        </a:solidFill>
+                      </a:endParaRPr>
                     </a:p>
                   </a:txBody>
-                  <a:tcPr anchor="ctr">
+                  <a:tcPr marL="80047" marR="80047" marT="40023" marB="40023" anchor="ctr">
+                    <a:lnL w="12700" cap="flat" cmpd="sng" algn="ctr">
+                      <a:solidFill>
+                        <a:srgbClr val="C5C5C5"/>
+                      </a:solidFill>
+                      <a:prstDash val="solid"/>
+                      <a:round/>
+                      <a:headEnd type="none" w="med" len="med"/>
+                      <a:tailEnd type="none" w="med" len="med"/>
+                    </a:lnL>
+                    <a:lnR w="12700" cap="flat" cmpd="sng" algn="ctr">
+                      <a:solidFill>
+                        <a:srgbClr val="C5C5C5"/>
+                      </a:solidFill>
+                      <a:prstDash val="solid"/>
+                      <a:round/>
+                      <a:headEnd type="none" w="med" len="med"/>
+                      <a:tailEnd type="none" w="med" len="med"/>
+                    </a:lnR>
+                    <a:lnT w="12700" cap="flat" cmpd="sng" algn="ctr">
+                      <a:solidFill>
+                        <a:srgbClr val="C5C5C5"/>
+                      </a:solidFill>
+                      <a:prstDash val="solid"/>
+                      <a:round/>
+                      <a:headEnd type="none" w="med" len="med"/>
+                      <a:tailEnd type="none" w="med" len="med"/>
+                    </a:lnT>
+                    <a:lnB w="12700" cap="flat" cmpd="sng" algn="ctr">
+                      <a:solidFill>
+                        <a:srgbClr val="C5C5C5"/>
+                      </a:solidFill>
+                      <a:prstDash val="solid"/>
+                      <a:round/>
+                      <a:headEnd type="none" w="med" len="med"/>
+                      <a:tailEnd type="none" w="med" len="med"/>
+                    </a:lnB>
+                    <a:noFill/>
+                  </a:tcPr>
+                </a:tc>
+                <a:tc>
+                  <a:txBody>
+                    <a:bodyPr/>
+                    <a:lstStyle/>
+                    <a:p>
+                      <a:pPr marL="0" marR="0" lvl="0" indent="0" algn="ctr" defTabSz="914400" rtl="0" eaLnBrk="1" fontAlgn="auto" latinLnBrk="1" hangingPunct="1">
+                        <a:lnSpc>
+                          <a:spcPct val="100000"/>
+                        </a:lnSpc>
+                        <a:spcBef>
+                          <a:spcPts val="0"/>
+                        </a:spcBef>
+                        <a:spcAft>
+                          <a:spcPts val="0"/>
+                        </a:spcAft>
+                        <a:buClrTx/>
+                        <a:buSzTx/>
+                        <a:buFontTx/>
+                        <a:buNone/>
+                        <a:tabLst/>
+                        <a:defRPr/>
+                      </a:pPr>
+                      <a:r>
+                        <a:rPr lang="ko-Kore-KR" altLang="en-US" sz="1200" dirty="0">
+                          <a:solidFill>
+                            <a:srgbClr val="595959"/>
+                          </a:solidFill>
+                        </a:rPr>
+                        <a:t>공모</a:t>
+                      </a:r>
+                      <a:r>
+                        <a:rPr lang="ko-KR" altLang="en-US" sz="1200" dirty="0">
+                          <a:solidFill>
+                            <a:srgbClr val="595959"/>
+                          </a:solidFill>
+                        </a:rPr>
+                        <a:t> 청약</a:t>
+                      </a:r>
+                      <a:endParaRPr lang="ko-Kore-KR" altLang="en-US" sz="1200" dirty="0">
+                        <a:solidFill>
+                          <a:srgbClr val="595959"/>
+                        </a:solidFill>
+                      </a:endParaRPr>
+                    </a:p>
+                  </a:txBody>
+                  <a:tcPr marL="80047" marR="80047" marT="40023" marB="40023" anchor="ctr">
                     <a:lnL w="12700" cap="flat" cmpd="sng" algn="ctr">
                       <a:solidFill>
                         <a:srgbClr val="C5C5C5"/>
@@ -28201,48 +28415,16 @@
                         <a:defRPr/>
                       </a:pPr>
                       <a:r>
-                        <a:rPr lang="ko-KR" altLang="en-US" sz="1600" b="0" dirty="0">
+                        <a:rPr lang="ko-KR" altLang="en-US" sz="1100" b="0" dirty="0">
                           <a:solidFill>
                             <a:srgbClr val="595959"/>
                           </a:solidFill>
                         </a:rPr>
-                        <a:t>조각 투자 상품에 대한 매수</a:t>
-                      </a:r>
-                      <a:r>
-                        <a:rPr lang="en-US" altLang="ko-KR" sz="1600" b="0" dirty="0">
-                          <a:solidFill>
-                            <a:srgbClr val="595959"/>
-                          </a:solidFill>
-                        </a:rPr>
-                        <a:t>/</a:t>
-                      </a:r>
-                      <a:r>
-                        <a:rPr lang="ko-KR" altLang="en-US" sz="1600" b="0" dirty="0">
-                          <a:solidFill>
-                            <a:srgbClr val="595959"/>
-                          </a:solidFill>
-                        </a:rPr>
-                        <a:t>매도 주문 기능</a:t>
-                      </a:r>
-                      <a:r>
-                        <a:rPr lang="en-US" altLang="ko-KR" sz="1600" b="0" dirty="0">
-                          <a:solidFill>
-                            <a:srgbClr val="595959"/>
-                          </a:solidFill>
-                        </a:rPr>
-                        <a:t>, </a:t>
-                      </a:r>
-                      <a:r>
-                        <a:rPr lang="ko-KR" altLang="en-US" sz="1600" b="0" dirty="0">
-                          <a:solidFill>
-                            <a:srgbClr val="595959"/>
-                          </a:solidFill>
-                        </a:rPr>
-                        <a:t>시세 호가 정보 제공</a:t>
+                        <a:t>부동산 공모 청약 신청</a:t>
                       </a:r>
                     </a:p>
                   </a:txBody>
-                  <a:tcPr anchor="ctr">
+                  <a:tcPr marL="80047" marR="80047" marT="40023" marB="40023" anchor="ctr">
                     <a:lnL w="12700" cap="flat" cmpd="sng" algn="ctr">
                       <a:solidFill>
                         <a:srgbClr val="C5C5C5"/>
@@ -28288,29 +28470,13 @@
                   </a:ext>
                 </a:extLst>
               </a:tr>
-              <a:tr h="370840">
-                <a:tc>
+              <a:tr h="267921">
+                <a:tc vMerge="1">
                   <a:txBody>
                     <a:bodyPr/>
                     <a:lstStyle/>
                     <a:p>
                       <a:pPr algn="ctr"/>
-                      <a:r>
-                        <a:rPr lang="ko-Kore-KR" altLang="en-US" sz="1600" dirty="0">
-                          <a:solidFill>
-                            <a:srgbClr val="595959"/>
-                          </a:solidFill>
-                        </a:rPr>
-                        <a:t>매각</a:t>
-                      </a:r>
-                      <a:r>
-                        <a:rPr lang="ko-KR" altLang="en-US" sz="1600" dirty="0">
-                          <a:solidFill>
-                            <a:srgbClr val="595959"/>
-                          </a:solidFill>
-                        </a:rPr>
-                        <a:t> 투표</a:t>
-                      </a:r>
                       <a:endParaRPr lang="ko-Kore-KR" altLang="en-US" sz="1600" dirty="0">
                         <a:solidFill>
                           <a:srgbClr val="595959"/>
@@ -28319,6 +28485,94 @@
                     </a:p>
                   </a:txBody>
                   <a:tcPr anchor="ctr">
+                    <a:lnL w="12700" cap="flat" cmpd="sng" algn="ctr">
+                      <a:solidFill>
+                        <a:srgbClr val="C5C5C5"/>
+                      </a:solidFill>
+                      <a:prstDash val="solid"/>
+                      <a:round/>
+                      <a:headEnd type="none" w="med" len="med"/>
+                      <a:tailEnd type="none" w="med" len="med"/>
+                    </a:lnL>
+                    <a:lnR w="12700" cap="flat" cmpd="sng" algn="ctr">
+                      <a:solidFill>
+                        <a:srgbClr val="C5C5C5"/>
+                      </a:solidFill>
+                      <a:prstDash val="solid"/>
+                      <a:round/>
+                      <a:headEnd type="none" w="med" len="med"/>
+                      <a:tailEnd type="none" w="med" len="med"/>
+                    </a:lnR>
+                    <a:lnT w="12700" cap="flat" cmpd="sng" algn="ctr">
+                      <a:solidFill>
+                        <a:srgbClr val="C5C5C5"/>
+                      </a:solidFill>
+                      <a:prstDash val="solid"/>
+                      <a:round/>
+                      <a:headEnd type="none" w="med" len="med"/>
+                      <a:tailEnd type="none" w="med" len="med"/>
+                    </a:lnT>
+                    <a:lnB w="12700" cap="flat" cmpd="sng" algn="ctr">
+                      <a:solidFill>
+                        <a:srgbClr val="C5C5C5"/>
+                      </a:solidFill>
+                      <a:prstDash val="solid"/>
+                      <a:round/>
+                      <a:headEnd type="none" w="med" len="med"/>
+                      <a:tailEnd type="none" w="med" len="med"/>
+                    </a:lnB>
+                    <a:noFill/>
+                  </a:tcPr>
+                </a:tc>
+                <a:tc>
+                  <a:txBody>
+                    <a:bodyPr/>
+                    <a:lstStyle/>
+                    <a:p>
+                      <a:pPr marL="0" marR="0" lvl="0" indent="0" algn="ctr" defTabSz="914400" rtl="0" eaLnBrk="1" fontAlgn="auto" latinLnBrk="1" hangingPunct="1">
+                        <a:lnSpc>
+                          <a:spcPct val="100000"/>
+                        </a:lnSpc>
+                        <a:spcBef>
+                          <a:spcPts val="0"/>
+                        </a:spcBef>
+                        <a:spcAft>
+                          <a:spcPts val="0"/>
+                        </a:spcAft>
+                        <a:buClrTx/>
+                        <a:buSzTx/>
+                        <a:buFontTx/>
+                        <a:buNone/>
+                        <a:tabLst/>
+                        <a:defRPr/>
+                      </a:pPr>
+                      <a:r>
+                        <a:rPr lang="ko-Kore-KR" altLang="en-US" sz="1200" dirty="0">
+                          <a:solidFill>
+                            <a:srgbClr val="595959"/>
+                          </a:solidFill>
+                        </a:rPr>
+                        <a:t>조각</a:t>
+                      </a:r>
+                      <a:r>
+                        <a:rPr lang="ko-KR" altLang="en-US" sz="1200" dirty="0">
+                          <a:solidFill>
+                            <a:srgbClr val="595959"/>
+                          </a:solidFill>
+                        </a:rPr>
+                        <a:t> </a:t>
+                      </a:r>
+                      <a:r>
+                        <a:rPr lang="ko-Kore-KR" altLang="en-US" sz="1200" dirty="0">
+                          <a:solidFill>
+                            <a:srgbClr val="595959"/>
+                          </a:solidFill>
+                        </a:rPr>
+                        <a:t>매매</a:t>
+                      </a:r>
+                    </a:p>
+                  </a:txBody>
+                  <a:tcPr marL="80047" marR="80047" marT="40023" marB="40023" anchor="ctr">
                     <a:lnL w="12700" cap="flat" cmpd="sng" algn="ctr">
                       <a:solidFill>
                         <a:srgbClr val="C5C5C5"/>
@@ -28381,32 +28635,32 @@
                         <a:defRPr/>
                       </a:pPr>
                       <a:r>
-                        <a:rPr lang="ko-KR" altLang="en-US" sz="1600" b="0" dirty="0">
+                        <a:rPr lang="ko-KR" altLang="en-US" sz="1100" b="0" dirty="0">
                           <a:solidFill>
                             <a:srgbClr val="595959"/>
                           </a:solidFill>
                         </a:rPr>
-                        <a:t>부동산 공모 발행</a:t>
+                        <a:t>발행된 부동산 조각 대상 매수</a:t>
                       </a:r>
                       <a:r>
-                        <a:rPr lang="en-US" altLang="ko-KR" sz="1600" b="0" dirty="0">
+                        <a:rPr lang="en-US" altLang="ko-KR" sz="1100" b="0" dirty="0">
                           <a:solidFill>
                             <a:srgbClr val="595959"/>
                           </a:solidFill>
                         </a:rPr>
-                        <a:t>, </a:t>
+                        <a:t>/</a:t>
                       </a:r>
                       <a:r>
-                        <a:rPr lang="ko-KR" altLang="en-US" sz="1600" b="0" dirty="0">
+                        <a:rPr lang="ko-KR" altLang="en-US" sz="1100" b="0" dirty="0">
                           <a:solidFill>
                             <a:srgbClr val="595959"/>
                           </a:solidFill>
                         </a:rPr>
-                        <a:t>전자 투표 방식의 수익자 총회를 통한 매각 결정</a:t>
+                        <a:t>매도 기능</a:t>
                       </a:r>
                     </a:p>
                   </a:txBody>
-                  <a:tcPr anchor="ctr">
+                  <a:tcPr marL="80047" marR="80047" marT="40023" marB="40023" anchor="ctr">
                     <a:lnL w="12700" cap="flat" cmpd="sng" algn="ctr">
                       <a:solidFill>
                         <a:srgbClr val="C5C5C5"/>
@@ -28452,21 +28706,13 @@
                   </a:ext>
                 </a:extLst>
               </a:tr>
-              <a:tr h="370840">
-                <a:tc>
+              <a:tr h="267921">
+                <a:tc vMerge="1">
                   <a:txBody>
                     <a:bodyPr/>
                     <a:lstStyle/>
                     <a:p>
                       <a:pPr algn="ctr"/>
-                      <a:r>
-                        <a:rPr lang="ko-KR" altLang="en-US" sz="1600" dirty="0">
-                          <a:solidFill>
-                            <a:srgbClr val="595959"/>
-                          </a:solidFill>
-                        </a:rPr>
-                        <a:t>배당금 지급</a:t>
-                      </a:r>
                       <a:endParaRPr lang="ko-Kore-KR" altLang="en-US" sz="1600" dirty="0">
                         <a:solidFill>
                           <a:srgbClr val="595959"/>
@@ -28475,6 +28721,91 @@
                     </a:p>
                   </a:txBody>
                   <a:tcPr anchor="ctr">
+                    <a:lnL w="12700" cap="flat" cmpd="sng" algn="ctr">
+                      <a:solidFill>
+                        <a:srgbClr val="C5C5C5"/>
+                      </a:solidFill>
+                      <a:prstDash val="solid"/>
+                      <a:round/>
+                      <a:headEnd type="none" w="med" len="med"/>
+                      <a:tailEnd type="none" w="med" len="med"/>
+                    </a:lnL>
+                    <a:lnR w="12700" cap="flat" cmpd="sng" algn="ctr">
+                      <a:solidFill>
+                        <a:srgbClr val="C5C5C5"/>
+                      </a:solidFill>
+                      <a:prstDash val="solid"/>
+                      <a:round/>
+                      <a:headEnd type="none" w="med" len="med"/>
+                      <a:tailEnd type="none" w="med" len="med"/>
+                    </a:lnR>
+                    <a:lnT w="12700" cap="flat" cmpd="sng" algn="ctr">
+                      <a:solidFill>
+                        <a:srgbClr val="C5C5C5"/>
+                      </a:solidFill>
+                      <a:prstDash val="solid"/>
+                      <a:round/>
+                      <a:headEnd type="none" w="med" len="med"/>
+                      <a:tailEnd type="none" w="med" len="med"/>
+                    </a:lnT>
+                    <a:lnB w="12700" cap="flat" cmpd="sng" algn="ctr">
+                      <a:solidFill>
+                        <a:srgbClr val="C5C5C5"/>
+                      </a:solidFill>
+                      <a:prstDash val="solid"/>
+                      <a:round/>
+                      <a:headEnd type="none" w="med" len="med"/>
+                      <a:tailEnd type="none" w="med" len="med"/>
+                    </a:lnB>
+                    <a:noFill/>
+                  </a:tcPr>
+                </a:tc>
+                <a:tc>
+                  <a:txBody>
+                    <a:bodyPr/>
+                    <a:lstStyle/>
+                    <a:p>
+                      <a:pPr marL="0" marR="0" lvl="0" indent="0" algn="ctr" defTabSz="914400" rtl="0" eaLnBrk="1" fontAlgn="auto" latinLnBrk="1" hangingPunct="1">
+                        <a:lnSpc>
+                          <a:spcPct val="100000"/>
+                        </a:lnSpc>
+                        <a:spcBef>
+                          <a:spcPts val="0"/>
+                        </a:spcBef>
+                        <a:spcAft>
+                          <a:spcPts val="0"/>
+                        </a:spcAft>
+                        <a:buClrTx/>
+                        <a:buSzTx/>
+                        <a:buFontTx/>
+                        <a:buNone/>
+                        <a:tabLst/>
+                        <a:defRPr/>
+                      </a:pPr>
+                      <a:r>
+                        <a:rPr lang="ko-Kore-KR" altLang="en-US" sz="1200" dirty="0">
+                          <a:solidFill>
+                            <a:srgbClr val="595959"/>
+                          </a:solidFill>
+                        </a:rPr>
+                        <a:t>매각</a:t>
+                      </a:r>
+                      <a:r>
+                        <a:rPr lang="ko-KR" altLang="en-US" sz="1200" dirty="0">
+                          <a:solidFill>
+                            <a:srgbClr val="595959"/>
+                          </a:solidFill>
+                        </a:rPr>
+                        <a:t> 투표</a:t>
+                      </a:r>
+                      <a:endParaRPr lang="ko-Kore-KR" altLang="en-US" sz="1200" dirty="0">
+                        <a:solidFill>
+                          <a:srgbClr val="595959"/>
+                        </a:solidFill>
+                      </a:endParaRPr>
+                    </a:p>
+                  </a:txBody>
+                  <a:tcPr marL="80047" marR="80047" marT="40023" marB="40023" anchor="ctr">
                     <a:lnL w="12700" cap="flat" cmpd="sng" algn="ctr">
                       <a:solidFill>
                         <a:srgbClr val="C5C5C5"/>
@@ -28521,21 +28852,21 @@
                     <a:p>
                       <a:pPr algn="l"/>
                       <a:r>
-                        <a:rPr lang="ko-KR" altLang="en-US" sz="1600" b="0" dirty="0">
+                        <a:rPr lang="ko-KR" altLang="en-US" sz="1100" b="0" dirty="0">
                           <a:solidFill>
                             <a:srgbClr val="595959"/>
                           </a:solidFill>
                         </a:rPr>
-                        <a:t>실물 부동산의 월세 수입 및 매각 차익 등의 청산 배당금 등을 조각 투자자들에게 배당금으로 지급 </a:t>
+                        <a:t>전자 투표 방식의 수익자 총회를 통한 매각 결정</a:t>
                       </a:r>
-                      <a:endParaRPr lang="ko-Kore-KR" altLang="en-US" sz="1600" b="0" dirty="0">
+                      <a:endParaRPr lang="ko-Kore-KR" altLang="en-US" sz="1100" b="0" dirty="0">
                         <a:solidFill>
                           <a:srgbClr val="595959"/>
                         </a:solidFill>
                       </a:endParaRPr>
                     </a:p>
                   </a:txBody>
-                  <a:tcPr anchor="ctr">
+                  <a:tcPr marL="80047" marR="80047" marT="40023" marB="40023" anchor="ctr">
                     <a:lnL w="12700" cap="flat" cmpd="sng" algn="ctr">
                       <a:solidFill>
                         <a:srgbClr val="C5C5C5"/>
@@ -28581,53 +28912,13 @@
                   </a:ext>
                 </a:extLst>
               </a:tr>
-              <a:tr h="370840">
-                <a:tc>
+              <a:tr h="267921">
+                <a:tc vMerge="1">
                   <a:txBody>
                     <a:bodyPr/>
                     <a:lstStyle/>
                     <a:p>
                       <a:pPr algn="ctr"/>
-                      <a:r>
-                        <a:rPr lang="ko-Kore-KR" altLang="en-US" sz="1600" dirty="0">
-                          <a:solidFill>
-                            <a:srgbClr val="595959"/>
-                          </a:solidFill>
-                        </a:rPr>
-                        <a:t>조각</a:t>
-                      </a:r>
-                      <a:r>
-                        <a:rPr lang="ko-KR" altLang="en-US" sz="1600" dirty="0">
-                          <a:solidFill>
-                            <a:srgbClr val="595959"/>
-                          </a:solidFill>
-                        </a:rPr>
-                        <a:t> 모으기 </a:t>
-                      </a:r>
-                      <a:r>
-                        <a:rPr lang="en-US" altLang="ko-KR" sz="1600" dirty="0">
-                          <a:solidFill>
-                            <a:srgbClr val="595959"/>
-                          </a:solidFill>
-                        </a:rPr>
-                        <a:t>(</a:t>
-                      </a:r>
-                      <a:r>
-                        <a:rPr lang="ko-KR" altLang="en-US" sz="1600" dirty="0">
-                          <a:solidFill>
-                            <a:srgbClr val="595959"/>
-                          </a:solidFill>
-                        </a:rPr>
-                        <a:t>예약 주문</a:t>
-                      </a:r>
-                      <a:r>
-                        <a:rPr lang="en-US" altLang="ko-KR" sz="1600" dirty="0">
-                          <a:solidFill>
-                            <a:srgbClr val="595959"/>
-                          </a:solidFill>
-                        </a:rPr>
-                        <a:t>)</a:t>
-                      </a:r>
                       <a:endParaRPr lang="ko-Kore-KR" altLang="en-US" sz="1600" dirty="0">
                         <a:solidFill>
                           <a:srgbClr val="595959"/>
@@ -28680,163 +28971,39 @@
                     <a:bodyPr/>
                     <a:lstStyle/>
                     <a:p>
-                      <a:pPr algn="l"/>
+                      <a:pPr marL="0" marR="0" lvl="0" indent="0" algn="ctr" defTabSz="914400" rtl="0" eaLnBrk="1" fontAlgn="auto" latinLnBrk="1" hangingPunct="1">
+                        <a:lnSpc>
+                          <a:spcPct val="100000"/>
+                        </a:lnSpc>
+                        <a:spcBef>
+                          <a:spcPts val="0"/>
+                        </a:spcBef>
+                        <a:spcAft>
+                          <a:spcPts val="0"/>
+                        </a:spcAft>
+                        <a:buClrTx/>
+                        <a:buSzTx/>
+                        <a:buFontTx/>
+                        <a:buNone/>
+                        <a:tabLst/>
+                        <a:defRPr/>
+                      </a:pPr>
                       <a:r>
-                        <a:rPr lang="ko-KR" altLang="en-US" sz="1600" b="0" dirty="0">
+                        <a:rPr lang="ko-KR" altLang="en-US" sz="1200" dirty="0">
                           <a:solidFill>
                             <a:srgbClr val="595959"/>
                           </a:solidFill>
                         </a:rPr>
-                        <a:t>매일 </a:t>
+                        <a:t>배당금 지급</a:t>
                       </a:r>
-                      <a:r>
-                        <a:rPr lang="en-US" altLang="ko-KR" sz="1600" b="0" dirty="0">
-                          <a:solidFill>
-                            <a:srgbClr val="595959"/>
-                          </a:solidFill>
-                        </a:rPr>
-                        <a:t>09</a:t>
-                      </a:r>
-                      <a:r>
-                        <a:rPr lang="ko-KR" altLang="en-US" sz="1600" b="0" dirty="0">
-                          <a:solidFill>
-                            <a:srgbClr val="595959"/>
-                          </a:solidFill>
-                        </a:rPr>
-                        <a:t>시 예약 주문 기능 </a:t>
-                      </a:r>
-                      <a:r>
-                        <a:rPr lang="en-US" altLang="ko-KR" sz="1600" b="0" dirty="0">
-                          <a:solidFill>
-                            <a:srgbClr val="595959"/>
-                          </a:solidFill>
-                        </a:rPr>
-                        <a:t>:</a:t>
-                      </a:r>
-                      <a:r>
-                        <a:rPr lang="ko-KR" altLang="en-US" sz="1600" b="0" dirty="0">
-                          <a:solidFill>
-                            <a:srgbClr val="595959"/>
-                          </a:solidFill>
-                        </a:rPr>
-                        <a:t> </a:t>
-                      </a:r>
-                      <a:r>
-                        <a:rPr lang="en-US" altLang="ko-Kore-KR" sz="1600" b="0" dirty="0">
-                          <a:solidFill>
-                            <a:srgbClr val="595959"/>
-                          </a:solidFill>
-                        </a:rPr>
-                        <a:t>Spring Scheduler</a:t>
-                      </a:r>
-                      <a:r>
-                        <a:rPr lang="ko-KR" altLang="en-US" sz="1600" b="0" dirty="0">
-                          <a:solidFill>
-                            <a:srgbClr val="595959"/>
-                          </a:solidFill>
-                        </a:rPr>
-                        <a:t> </a:t>
-                      </a:r>
-                      <a:r>
-                        <a:rPr lang="ko-Kore-KR" altLang="en-US" sz="1600" b="0" dirty="0">
-                          <a:solidFill>
-                            <a:srgbClr val="595959"/>
-                          </a:solidFill>
-                        </a:rPr>
-                        <a:t>활용</a:t>
-                      </a:r>
-                      <a:r>
-                        <a:rPr lang="ko-KR" altLang="en-US" sz="1600" b="0" dirty="0">
-                          <a:solidFill>
-                            <a:srgbClr val="595959"/>
-                          </a:solidFill>
-                        </a:rPr>
-                        <a:t> </a:t>
-                      </a:r>
-                      <a:endParaRPr lang="ko-Kore-KR" altLang="en-US" sz="1600" b="0" dirty="0">
+                      <a:endParaRPr lang="ko-Kore-KR" altLang="en-US" sz="1200" dirty="0">
                         <a:solidFill>
                           <a:srgbClr val="595959"/>
                         </a:solidFill>
                       </a:endParaRPr>
                     </a:p>
                   </a:txBody>
-                  <a:tcPr anchor="ctr">
-                    <a:lnL w="12700" cap="flat" cmpd="sng" algn="ctr">
-                      <a:solidFill>
-                        <a:srgbClr val="C5C5C5"/>
-                      </a:solidFill>
-                      <a:prstDash val="solid"/>
-                      <a:round/>
-                      <a:headEnd type="none" w="med" len="med"/>
-                      <a:tailEnd type="none" w="med" len="med"/>
-                    </a:lnL>
-                    <a:lnR w="12700" cap="flat" cmpd="sng" algn="ctr">
-                      <a:solidFill>
-                        <a:srgbClr val="C5C5C5"/>
-                      </a:solidFill>
-                      <a:prstDash val="solid"/>
-                      <a:round/>
-                      <a:headEnd type="none" w="med" len="med"/>
-                      <a:tailEnd type="none" w="med" len="med"/>
-                    </a:lnR>
-                    <a:lnT w="12700" cap="flat" cmpd="sng" algn="ctr">
-                      <a:solidFill>
-                        <a:srgbClr val="C5C5C5"/>
-                      </a:solidFill>
-                      <a:prstDash val="solid"/>
-                      <a:round/>
-                      <a:headEnd type="none" w="med" len="med"/>
-                      <a:tailEnd type="none" w="med" len="med"/>
-                    </a:lnT>
-                    <a:lnB w="12700" cap="flat" cmpd="sng" algn="ctr">
-                      <a:solidFill>
-                        <a:srgbClr val="C5C5C5"/>
-                      </a:solidFill>
-                      <a:prstDash val="solid"/>
-                      <a:round/>
-                      <a:headEnd type="none" w="med" len="med"/>
-                      <a:tailEnd type="none" w="med" len="med"/>
-                    </a:lnB>
-                    <a:noFill/>
-                  </a:tcPr>
-                </a:tc>
-                <a:extLst>
-                  <a:ext uri="{0D108BD9-81ED-4DB2-BD59-A6C34878D82A}">
-                    <a16:rowId xmlns:a16="http://schemas.microsoft.com/office/drawing/2014/main" val="534194472"/>
-                  </a:ext>
-                </a:extLst>
-              </a:tr>
-              <a:tr h="370840">
-                <a:tc>
-                  <a:txBody>
-                    <a:bodyPr/>
-                    <a:lstStyle/>
-                    <a:p>
-                      <a:pPr algn="ctr"/>
-                      <a:r>
-                        <a:rPr lang="ko-Kore-KR" altLang="en-US" sz="1600" dirty="0">
-                          <a:solidFill>
-                            <a:srgbClr val="595959"/>
-                          </a:solidFill>
-                        </a:rPr>
-                        <a:t>조각</a:t>
-                      </a:r>
-                      <a:r>
-                        <a:rPr lang="ko-KR" altLang="en-US" sz="1600" dirty="0">
-                          <a:solidFill>
-                            <a:srgbClr val="595959"/>
-                          </a:solidFill>
-                        </a:rPr>
-                        <a:t> 가격 시세 평가</a:t>
-                      </a:r>
-                      <a:endParaRPr lang="ko-Kore-KR" altLang="en-US" sz="1600" dirty="0">
-                        <a:solidFill>
-                          <a:srgbClr val="595959"/>
-                        </a:solidFill>
-                      </a:endParaRPr>
-                    </a:p>
-                  </a:txBody>
-                  <a:tcPr anchor="ctr">
+                  <a:tcPr marL="80047" marR="80047" marT="40023" marB="40023" anchor="ctr">
                     <a:lnL w="12700" cap="flat" cmpd="sng" algn="ctr">
                       <a:solidFill>
                         <a:srgbClr val="C5C5C5"/>
@@ -28899,15 +29066,15 @@
                         <a:defRPr/>
                       </a:pPr>
                       <a:r>
-                        <a:rPr lang="ko-KR" altLang="en-US" sz="1600" b="0" dirty="0">
+                        <a:rPr lang="ko-KR" altLang="en-US" sz="1100" b="0" dirty="0">
                           <a:solidFill>
                             <a:srgbClr val="595959"/>
                           </a:solidFill>
                         </a:rPr>
-                        <a:t>조각 투자 상품의 실물 부동산 시세 확인 서비스를 통해</a:t>
+                        <a:t>실물 부동산의 월세 수입</a:t>
                       </a:r>
                       <a:r>
-                        <a:rPr lang="en-US" altLang="ko-KR" sz="1600" b="0" dirty="0">
+                        <a:rPr lang="en-US" altLang="ko-KR" sz="1100" b="0" dirty="0">
                           <a:solidFill>
                             <a:srgbClr val="595959"/>
                           </a:solidFill>
@@ -28915,16 +29082,53 @@
                         <a:t>,</a:t>
                       </a:r>
                       <a:r>
-                        <a:rPr lang="ko-KR" altLang="en-US" sz="1600" b="0" dirty="0">
+                        <a:rPr lang="ko-KR" altLang="en-US" sz="1100" b="0" dirty="0">
                           <a:solidFill>
                             <a:srgbClr val="595959"/>
                           </a:solidFill>
                         </a:rPr>
-                        <a:t> 조각 투자 상품 실시간 시세 괴리 확인 및 투자 참고 제안</a:t>
+                        <a:t> 매각</a:t>
                       </a:r>
+                      <a:r>
+                        <a:rPr lang="en-US" altLang="ko-KR" sz="1100" b="0" dirty="0">
+                          <a:solidFill>
+                            <a:srgbClr val="595959"/>
+                          </a:solidFill>
+                        </a:rPr>
+                        <a:t>(</a:t>
+                      </a:r>
+                      <a:r>
+                        <a:rPr lang="ko-KR" altLang="en-US" sz="1100" b="0" dirty="0">
+                          <a:solidFill>
+                            <a:srgbClr val="595959"/>
+                          </a:solidFill>
+                        </a:rPr>
+                        <a:t>청산</a:t>
+                      </a:r>
+                      <a:r>
+                        <a:rPr lang="en-US" altLang="ko-KR" sz="1100" b="0" dirty="0">
+                          <a:solidFill>
+                            <a:srgbClr val="595959"/>
+                          </a:solidFill>
+                        </a:rPr>
+                        <a:t>)</a:t>
+                      </a:r>
+                      <a:r>
+                        <a:rPr lang="ko-KR" altLang="en-US" sz="1100" b="0" dirty="0">
+                          <a:solidFill>
+                            <a:srgbClr val="595959"/>
+                          </a:solidFill>
+                        </a:rPr>
+                        <a:t> 차익 등을 수익 증권 보유 조각 투자자들에게 배당금으로 지급</a:t>
+                      </a:r>
+                      <a:endParaRPr lang="ko-Kore-KR" altLang="en-US" sz="1100" b="0" dirty="0">
+                        <a:solidFill>
+                          <a:srgbClr val="595959"/>
+                        </a:solidFill>
+                      </a:endParaRPr>
                     </a:p>
                   </a:txBody>
-                  <a:tcPr anchor="ctr">
+                  <a:tcPr marL="80047" marR="80047" marT="40023" marB="40023" anchor="ctr">
                     <a:lnL w="12700" cap="flat" cmpd="sng" algn="ctr">
                       <a:solidFill>
                         <a:srgbClr val="C5C5C5"/>
@@ -28966,33 +29170,17 @@
                 </a:tc>
                 <a:extLst>
                   <a:ext uri="{0D108BD9-81ED-4DB2-BD59-A6C34878D82A}">
-                    <a16:rowId xmlns:a16="http://schemas.microsoft.com/office/drawing/2014/main" val="1052451115"/>
+                    <a16:rowId xmlns:a16="http://schemas.microsoft.com/office/drawing/2014/main" val="534194472"/>
                   </a:ext>
                 </a:extLst>
               </a:tr>
-              <a:tr h="370840">
-                <a:tc>
+              <a:tr h="449256">
+                <a:tc vMerge="1">
                   <a:txBody>
                     <a:bodyPr/>
                     <a:lstStyle/>
                     <a:p>
                       <a:pPr algn="ctr"/>
-                      <a:r>
-                        <a:rPr lang="ko-Kore-KR" altLang="en-US" sz="1600" dirty="0">
-                          <a:solidFill>
-                            <a:srgbClr val="595959"/>
-                          </a:solidFill>
-                        </a:rPr>
-                        <a:t>추천인</a:t>
-                      </a:r>
-                      <a:r>
-                        <a:rPr lang="ko-KR" altLang="en-US" sz="1600" dirty="0">
-                          <a:solidFill>
-                            <a:srgbClr val="595959"/>
-                          </a:solidFill>
-                        </a:rPr>
-                        <a:t> 이벤트</a:t>
-                      </a:r>
                       <a:endParaRPr lang="ko-Kore-KR" altLang="en-US" sz="1600" dirty="0">
                         <a:solidFill>
                           <a:srgbClr val="595959"/>
@@ -29045,324 +29233,87 @@
                     <a:bodyPr/>
                     <a:lstStyle/>
                     <a:p>
-                      <a:pPr algn="l"/>
+                      <a:pPr marL="0" marR="0" lvl="0" indent="0" algn="ctr" defTabSz="914400" rtl="0" eaLnBrk="1" fontAlgn="auto" latinLnBrk="1" hangingPunct="1">
+                        <a:lnSpc>
+                          <a:spcPct val="100000"/>
+                        </a:lnSpc>
+                        <a:spcBef>
+                          <a:spcPts val="0"/>
+                        </a:spcBef>
+                        <a:spcAft>
+                          <a:spcPts val="0"/>
+                        </a:spcAft>
+                        <a:buClrTx/>
+                        <a:buSzTx/>
+                        <a:buFontTx/>
+                        <a:buNone/>
+                        <a:tabLst/>
+                        <a:defRPr/>
+                      </a:pPr>
                       <a:r>
-                        <a:rPr lang="ko-Kore-KR" altLang="en-US" sz="1600" dirty="0">
+                        <a:rPr lang="ko-KR" altLang="en-US" sz="1200" dirty="0">
                           <a:solidFill>
                             <a:srgbClr val="595959"/>
                           </a:solidFill>
                         </a:rPr>
-                        <a:t>지갑개설시</a:t>
+                        <a:t>티끌 모아 건물주</a:t>
                       </a:r>
+                      <a:endParaRPr lang="en-US" altLang="ko-KR" sz="1200" dirty="0">
+                        <a:solidFill>
+                          <a:srgbClr val="595959"/>
+                        </a:solidFill>
+                      </a:endParaRPr>
+                    </a:p>
+                    <a:p>
+                      <a:pPr marL="0" marR="0" lvl="0" indent="0" algn="ctr" defTabSz="914400" rtl="0" eaLnBrk="1" fontAlgn="auto" latinLnBrk="1" hangingPunct="1">
+                        <a:lnSpc>
+                          <a:spcPct val="100000"/>
+                        </a:lnSpc>
+                        <a:spcBef>
+                          <a:spcPts val="0"/>
+                        </a:spcBef>
+                        <a:spcAft>
+                          <a:spcPts val="0"/>
+                        </a:spcAft>
+                        <a:buClrTx/>
+                        <a:buSzTx/>
+                        <a:buFontTx/>
+                        <a:buNone/>
+                        <a:tabLst/>
+                        <a:defRPr/>
+                      </a:pPr>
                       <a:r>
-                        <a:rPr lang="ko-KR" altLang="en-US" sz="1600" dirty="0">
+                        <a:rPr lang="en-US" altLang="ko-KR" sz="1200" dirty="0">
                           <a:solidFill>
                             <a:srgbClr val="595959"/>
                           </a:solidFill>
                         </a:rPr>
-                        <a:t> 추천인 입력 시</a:t>
+                        <a:t>(</a:t>
                       </a:r>
                       <a:r>
-                        <a:rPr lang="en-US" altLang="ko-KR" sz="1600" dirty="0">
+                        <a:rPr lang="ko-KR" altLang="en-US" sz="1200" dirty="0">
                           <a:solidFill>
                             <a:srgbClr val="595959"/>
                           </a:solidFill>
                         </a:rPr>
-                        <a:t>,</a:t>
+                        <a:t>예약 주문</a:t>
                       </a:r>
                       <a:r>
-                        <a:rPr lang="ko-KR" altLang="en-US" sz="1600" dirty="0">
+                        <a:rPr lang="en-US" altLang="ko-KR" sz="1200" dirty="0">
                           <a:solidFill>
                             <a:srgbClr val="595959"/>
                           </a:solidFill>
                         </a:rPr>
-                        <a:t> </a:t>
+                        <a:t>)</a:t>
                       </a:r>
-                      <a:r>
-                        <a:rPr lang="ko-KR" altLang="en-US" sz="1600" dirty="0" err="1">
-                          <a:solidFill>
-                            <a:srgbClr val="595959"/>
-                          </a:solidFill>
-                        </a:rPr>
-                        <a:t>추천자</a:t>
-                      </a:r>
-                      <a:r>
-                        <a:rPr lang="ko-KR" altLang="en-US" sz="1600" dirty="0">
-                          <a:solidFill>
-                            <a:srgbClr val="595959"/>
-                          </a:solidFill>
-                        </a:rPr>
-                        <a:t> 추천인 모두 </a:t>
-                      </a:r>
-                      <a:r>
-                        <a:rPr lang="en-US" altLang="ko-KR" sz="1600" dirty="0">
-                          <a:solidFill>
-                            <a:srgbClr val="595959"/>
-                          </a:solidFill>
-                        </a:rPr>
-                        <a:t>5000</a:t>
-                      </a:r>
-                      <a:r>
-                        <a:rPr lang="ko-KR" altLang="en-US" sz="1600" dirty="0">
-                          <a:solidFill>
-                            <a:srgbClr val="595959"/>
-                          </a:solidFill>
-                        </a:rPr>
-                        <a:t>원 지급</a:t>
-                      </a:r>
-                      <a:endParaRPr lang="ko-Kore-KR" altLang="en-US" sz="1600" dirty="0">
+                      <a:endParaRPr lang="ko-Kore-KR" altLang="en-US" sz="1200" dirty="0">
                         <a:solidFill>
                           <a:srgbClr val="595959"/>
                         </a:solidFill>
                       </a:endParaRPr>
                     </a:p>
                   </a:txBody>
-                  <a:tcPr anchor="ctr">
-                    <a:lnL w="12700" cap="flat" cmpd="sng" algn="ctr">
-                      <a:solidFill>
-                        <a:srgbClr val="C5C5C5"/>
-                      </a:solidFill>
-                      <a:prstDash val="solid"/>
-                      <a:round/>
-                      <a:headEnd type="none" w="med" len="med"/>
-                      <a:tailEnd type="none" w="med" len="med"/>
-                    </a:lnL>
-                    <a:lnR w="12700" cap="flat" cmpd="sng" algn="ctr">
-                      <a:solidFill>
-                        <a:srgbClr val="C5C5C5"/>
-                      </a:solidFill>
-                      <a:prstDash val="solid"/>
-                      <a:round/>
-                      <a:headEnd type="none" w="med" len="med"/>
-                      <a:tailEnd type="none" w="med" len="med"/>
-                    </a:lnR>
-                    <a:lnT w="12700" cap="flat" cmpd="sng" algn="ctr">
-                      <a:solidFill>
-                        <a:srgbClr val="C5C5C5"/>
-                      </a:solidFill>
-                      <a:prstDash val="solid"/>
-                      <a:round/>
-                      <a:headEnd type="none" w="med" len="med"/>
-                      <a:tailEnd type="none" w="med" len="med"/>
-                    </a:lnT>
-                    <a:lnB w="12700" cap="flat" cmpd="sng" algn="ctr">
-                      <a:solidFill>
-                        <a:srgbClr val="C5C5C5"/>
-                      </a:solidFill>
-                      <a:prstDash val="solid"/>
-                      <a:round/>
-                      <a:headEnd type="none" w="med" len="med"/>
-                      <a:tailEnd type="none" w="med" len="med"/>
-                    </a:lnB>
-                    <a:noFill/>
-                  </a:tcPr>
-                </a:tc>
-                <a:extLst>
-                  <a:ext uri="{0D108BD9-81ED-4DB2-BD59-A6C34878D82A}">
-                    <a16:rowId xmlns:a16="http://schemas.microsoft.com/office/drawing/2014/main" val="1797149604"/>
-                  </a:ext>
-                </a:extLst>
-              </a:tr>
-              <a:tr h="370840">
-                <a:tc>
-                  <a:txBody>
-                    <a:bodyPr/>
-                    <a:lstStyle/>
-                    <a:p>
-                      <a:pPr algn="ctr"/>
-                      <a:r>
-                        <a:rPr lang="ko-KR" altLang="en-US" sz="1600" dirty="0">
-                          <a:solidFill>
-                            <a:srgbClr val="595959"/>
-                          </a:solidFill>
-                        </a:rPr>
-                        <a:t>안드로이드 앱</a:t>
-                      </a:r>
-                      <a:endParaRPr lang="ko-Kore-KR" altLang="en-US" sz="1600" dirty="0">
-                        <a:solidFill>
-                          <a:srgbClr val="595959"/>
-                        </a:solidFill>
-                      </a:endParaRPr>
-                    </a:p>
-                  </a:txBody>
-                  <a:tcPr anchor="ctr">
-                    <a:lnL w="12700" cap="flat" cmpd="sng" algn="ctr">
-                      <a:solidFill>
-                        <a:srgbClr val="C5C5C5"/>
-                      </a:solidFill>
-                      <a:prstDash val="solid"/>
-                      <a:round/>
-                      <a:headEnd type="none" w="med" len="med"/>
-                      <a:tailEnd type="none" w="med" len="med"/>
-                    </a:lnL>
-                    <a:lnR w="12700" cap="flat" cmpd="sng" algn="ctr">
-                      <a:solidFill>
-                        <a:srgbClr val="C5C5C5"/>
-                      </a:solidFill>
-                      <a:prstDash val="solid"/>
-                      <a:round/>
-                      <a:headEnd type="none" w="med" len="med"/>
-                      <a:tailEnd type="none" w="med" len="med"/>
-                    </a:lnR>
-                    <a:lnT w="12700" cap="flat" cmpd="sng" algn="ctr">
-                      <a:solidFill>
-                        <a:srgbClr val="C5C5C5"/>
-                      </a:solidFill>
-                      <a:prstDash val="solid"/>
-                      <a:round/>
-                      <a:headEnd type="none" w="med" len="med"/>
-                      <a:tailEnd type="none" w="med" len="med"/>
-                    </a:lnT>
-                    <a:lnB w="12700" cap="flat" cmpd="sng" algn="ctr">
-                      <a:solidFill>
-                        <a:srgbClr val="C5C5C5"/>
-                      </a:solidFill>
-                      <a:prstDash val="solid"/>
-                      <a:round/>
-                      <a:headEnd type="none" w="med" len="med"/>
-                      <a:tailEnd type="none" w="med" len="med"/>
-                    </a:lnB>
-                    <a:noFill/>
-                  </a:tcPr>
-                </a:tc>
-                <a:tc>
-                  <a:txBody>
-                    <a:bodyPr/>
-                    <a:lstStyle/>
-                    <a:p>
-                      <a:pPr algn="l"/>
-                      <a:r>
-                        <a:rPr lang="ko-Kore-KR" altLang="en-US" sz="1600" dirty="0">
-                          <a:solidFill>
-                            <a:srgbClr val="595959"/>
-                          </a:solidFill>
-                        </a:rPr>
-                        <a:t>웹</a:t>
-                      </a:r>
-                      <a:r>
-                        <a:rPr lang="ko-KR" altLang="en-US" sz="1600" dirty="0">
-                          <a:solidFill>
-                            <a:srgbClr val="595959"/>
-                          </a:solidFill>
-                        </a:rPr>
-                        <a:t> 뷰 및 </a:t>
-                      </a:r>
-                      <a:r>
-                        <a:rPr lang="ko-Kore-KR" altLang="en-US" sz="1600" dirty="0">
-                          <a:solidFill>
-                            <a:srgbClr val="595959"/>
-                          </a:solidFill>
-                        </a:rPr>
-                        <a:t>배당금</a:t>
-                      </a:r>
-                      <a:r>
-                        <a:rPr lang="ko-KR" altLang="en-US" sz="1600" dirty="0">
-                          <a:solidFill>
-                            <a:srgbClr val="595959"/>
-                          </a:solidFill>
-                        </a:rPr>
-                        <a:t> 지급</a:t>
-                      </a:r>
-                      <a:r>
-                        <a:rPr lang="en-US" altLang="ko-KR" sz="1600" dirty="0">
-                          <a:solidFill>
-                            <a:srgbClr val="595959"/>
-                          </a:solidFill>
-                        </a:rPr>
-                        <a:t>,</a:t>
-                      </a:r>
-                      <a:r>
-                        <a:rPr lang="ko-KR" altLang="en-US" sz="1600" dirty="0">
-                          <a:solidFill>
-                            <a:srgbClr val="595959"/>
-                          </a:solidFill>
-                        </a:rPr>
-                        <a:t> 매각 완료 시 안드로이드 앱 푸시 알림 기능</a:t>
-                      </a:r>
-                      <a:endParaRPr lang="ko-Kore-KR" altLang="en-US" sz="1600" dirty="0">
-                        <a:solidFill>
-                          <a:srgbClr val="595959"/>
-                        </a:solidFill>
-                      </a:endParaRPr>
-                    </a:p>
-                  </a:txBody>
-                  <a:tcPr anchor="ctr">
-                    <a:lnL w="12700" cap="flat" cmpd="sng" algn="ctr">
-                      <a:solidFill>
-                        <a:srgbClr val="C5C5C5"/>
-                      </a:solidFill>
-                      <a:prstDash val="solid"/>
-                      <a:round/>
-                      <a:headEnd type="none" w="med" len="med"/>
-                      <a:tailEnd type="none" w="med" len="med"/>
-                    </a:lnL>
-                    <a:lnR w="12700" cap="flat" cmpd="sng" algn="ctr">
-                      <a:solidFill>
-                        <a:srgbClr val="C5C5C5"/>
-                      </a:solidFill>
-                      <a:prstDash val="solid"/>
-                      <a:round/>
-                      <a:headEnd type="none" w="med" len="med"/>
-                      <a:tailEnd type="none" w="med" len="med"/>
-                    </a:lnR>
-                    <a:lnT w="12700" cap="flat" cmpd="sng" algn="ctr">
-                      <a:solidFill>
-                        <a:srgbClr val="C5C5C5"/>
-                      </a:solidFill>
-                      <a:prstDash val="solid"/>
-                      <a:round/>
-                      <a:headEnd type="none" w="med" len="med"/>
-                      <a:tailEnd type="none" w="med" len="med"/>
-                    </a:lnT>
-                    <a:lnB w="12700" cap="flat" cmpd="sng" algn="ctr">
-                      <a:solidFill>
-                        <a:srgbClr val="C5C5C5"/>
-                      </a:solidFill>
-                      <a:prstDash val="solid"/>
-                      <a:round/>
-                      <a:headEnd type="none" w="med" len="med"/>
-                      <a:tailEnd type="none" w="med" len="med"/>
-                    </a:lnB>
-                    <a:noFill/>
-                  </a:tcPr>
-                </a:tc>
-                <a:extLst>
-                  <a:ext uri="{0D108BD9-81ED-4DB2-BD59-A6C34878D82A}">
-                    <a16:rowId xmlns:a16="http://schemas.microsoft.com/office/drawing/2014/main" val="2343218528"/>
-                  </a:ext>
-                </a:extLst>
-              </a:tr>
-              <a:tr h="370840">
-                <a:tc>
-                  <a:txBody>
-                    <a:bodyPr/>
-                    <a:lstStyle/>
-                    <a:p>
-                      <a:pPr algn="ctr"/>
-                      <a:r>
-                        <a:rPr lang="ko-Kore-KR" altLang="en-US" sz="1600" dirty="0">
-                          <a:solidFill>
-                            <a:srgbClr val="595959"/>
-                          </a:solidFill>
-                        </a:rPr>
-                        <a:t>관리자</a:t>
-                      </a:r>
-                      <a:r>
-                        <a:rPr lang="ko-KR" altLang="en-US" sz="1600" dirty="0">
-                          <a:solidFill>
-                            <a:srgbClr val="595959"/>
-                          </a:solidFill>
-                        </a:rPr>
-                        <a:t> 페이지</a:t>
-                      </a:r>
-                      <a:endParaRPr lang="ko-Kore-KR" altLang="en-US" sz="1600" dirty="0">
-                        <a:solidFill>
-                          <a:srgbClr val="595959"/>
-                        </a:solidFill>
-                      </a:endParaRPr>
-                    </a:p>
-                  </a:txBody>
-                  <a:tcPr anchor="ctr">
+                  <a:tcPr marL="80047" marR="80047" marT="40023" marB="40023" anchor="ctr">
                     <a:lnL w="12700" cap="flat" cmpd="sng" algn="ctr">
                       <a:solidFill>
                         <a:srgbClr val="C5C5C5"/>
@@ -29425,48 +29376,101 @@
                         <a:defRPr/>
                       </a:pPr>
                       <a:r>
-                        <a:rPr lang="ko-KR" altLang="en-US" sz="1600" b="0" dirty="0">
+                        <a:rPr lang="ko-KR" altLang="en-US" sz="1100" b="0" dirty="0">
                           <a:solidFill>
                             <a:srgbClr val="595959"/>
                           </a:solidFill>
                         </a:rPr>
-                        <a:t>청약 공모</a:t>
+                        <a:t>예약 주문 기능</a:t>
                       </a:r>
+                      <a:endParaRPr lang="en-US" altLang="ko-KR" sz="1100" b="0" dirty="0">
+                        <a:solidFill>
+                          <a:srgbClr val="595959"/>
+                        </a:solidFill>
+                      </a:endParaRPr>
+                    </a:p>
+                    <a:p>
+                      <a:pPr marL="0" marR="0" lvl="0" indent="0" algn="l" defTabSz="914400" rtl="0" eaLnBrk="1" fontAlgn="auto" latinLnBrk="1" hangingPunct="1">
+                        <a:lnSpc>
+                          <a:spcPct val="100000"/>
+                        </a:lnSpc>
+                        <a:spcBef>
+                          <a:spcPts val="0"/>
+                        </a:spcBef>
+                        <a:spcAft>
+                          <a:spcPts val="0"/>
+                        </a:spcAft>
+                        <a:buClrTx/>
+                        <a:buSzTx/>
+                        <a:buFontTx/>
+                        <a:buNone/>
+                        <a:tabLst/>
+                        <a:defRPr/>
+                      </a:pPr>
                       <a:r>
-                        <a:rPr lang="en-US" altLang="ko-KR" sz="1600" b="0" dirty="0">
+                        <a:rPr lang="en-US" altLang="ko-KR" sz="1100" b="0" dirty="0">
                           <a:solidFill>
                             <a:srgbClr val="595959"/>
                           </a:solidFill>
                         </a:rPr>
-                        <a:t>, </a:t>
+                        <a:t>–</a:t>
                       </a:r>
                       <a:r>
-                        <a:rPr lang="ko-KR" altLang="en-US" sz="1600" b="0" dirty="0">
+                        <a:rPr lang="ko-KR" altLang="en-US" sz="1100" b="0" dirty="0">
                           <a:solidFill>
                             <a:srgbClr val="595959"/>
                           </a:solidFill>
                         </a:rPr>
-                        <a:t>배당금 지급</a:t>
+                        <a:t> 매일 </a:t>
                       </a:r>
                       <a:r>
-                        <a:rPr lang="en-US" altLang="ko-KR" sz="1600" b="0" dirty="0">
+                        <a:rPr lang="en-US" altLang="ko-KR" sz="1100" b="0" dirty="0">
                           <a:solidFill>
                             <a:srgbClr val="595959"/>
                           </a:solidFill>
                         </a:rPr>
-                        <a:t>,</a:t>
+                        <a:t>09</a:t>
                       </a:r>
                       <a:r>
-                        <a:rPr lang="ko-KR" altLang="en-US" sz="1600" b="0" dirty="0">
+                        <a:rPr lang="ko-KR" altLang="en-US" sz="1100" b="0" dirty="0">
                           <a:solidFill>
                             <a:srgbClr val="595959"/>
                           </a:solidFill>
                         </a:rPr>
-                        <a:t> 매각 투표 등록 및 대시보드 </a:t>
+                        <a:t>시 예약 주문 기능 </a:t>
                       </a:r>
+                      <a:r>
+                        <a:rPr lang="en-US" altLang="ko-KR" sz="1100" b="0" dirty="0">
+                          <a:solidFill>
+                            <a:srgbClr val="595959"/>
+                          </a:solidFill>
+                        </a:rPr>
+                        <a:t>(Spring Scheduler</a:t>
+                      </a:r>
+                      <a:r>
+                        <a:rPr lang="ko-KR" altLang="en-US" sz="1100" b="0" dirty="0">
+                          <a:solidFill>
+                            <a:srgbClr val="595959"/>
+                          </a:solidFill>
+                        </a:rPr>
+                        <a:t> 활용</a:t>
+                      </a:r>
+                      <a:r>
+                        <a:rPr lang="en-US" altLang="ko-KR" sz="1100" b="0" dirty="0">
+                          <a:solidFill>
+                            <a:srgbClr val="595959"/>
+                          </a:solidFill>
+                        </a:rPr>
+                        <a:t>)</a:t>
+                      </a:r>
+                      <a:endParaRPr lang="ko-KR" altLang="en-US" sz="1100" b="0" dirty="0">
+                        <a:solidFill>
+                          <a:srgbClr val="595959"/>
+                        </a:solidFill>
+                      </a:endParaRPr>
                     </a:p>
                   </a:txBody>
-                  <a:tcPr anchor="ctr">
+                  <a:tcPr marL="80047" marR="80047" marT="40023" marB="40023" anchor="ctr">
                     <a:lnL w="12700" cap="flat" cmpd="sng" algn="ctr">
                       <a:solidFill>
                         <a:srgbClr val="C5C5C5"/>
@@ -29508,33 +29512,17 @@
                 </a:tc>
                 <a:extLst>
                   <a:ext uri="{0D108BD9-81ED-4DB2-BD59-A6C34878D82A}">
-                    <a16:rowId xmlns:a16="http://schemas.microsoft.com/office/drawing/2014/main" val="1016534799"/>
+                    <a16:rowId xmlns:a16="http://schemas.microsoft.com/office/drawing/2014/main" val="1052451115"/>
                   </a:ext>
                 </a:extLst>
               </a:tr>
-              <a:tr h="370840">
-                <a:tc>
+              <a:tr h="449256">
+                <a:tc vMerge="1">
                   <a:txBody>
                     <a:bodyPr/>
                     <a:lstStyle/>
                     <a:p>
                       <a:pPr algn="ctr"/>
-                      <a:r>
-                        <a:rPr lang="ko-Kore-KR" altLang="en-US" sz="1600" dirty="0">
-                          <a:solidFill>
-                            <a:srgbClr val="595959"/>
-                          </a:solidFill>
-                        </a:rPr>
-                        <a:t>마이</a:t>
-                      </a:r>
-                      <a:r>
-                        <a:rPr lang="ko-KR" altLang="en-US" sz="1600" dirty="0">
-                          <a:solidFill>
-                            <a:srgbClr val="595959"/>
-                          </a:solidFill>
-                        </a:rPr>
-                        <a:t>페이지</a:t>
-                      </a:r>
                       <a:endParaRPr lang="ko-Kore-KR" altLang="en-US" sz="1600" dirty="0">
                         <a:solidFill>
                           <a:srgbClr val="595959"/>
@@ -29543,6 +29531,327 @@
                     </a:p>
                   </a:txBody>
                   <a:tcPr anchor="ctr">
+                    <a:lnL w="12700" cap="flat" cmpd="sng" algn="ctr">
+                      <a:solidFill>
+                        <a:srgbClr val="C5C5C5"/>
+                      </a:solidFill>
+                      <a:prstDash val="solid"/>
+                      <a:round/>
+                      <a:headEnd type="none" w="med" len="med"/>
+                      <a:tailEnd type="none" w="med" len="med"/>
+                    </a:lnL>
+                    <a:lnR w="12700" cap="flat" cmpd="sng" algn="ctr">
+                      <a:solidFill>
+                        <a:srgbClr val="C5C5C5"/>
+                      </a:solidFill>
+                      <a:prstDash val="solid"/>
+                      <a:round/>
+                      <a:headEnd type="none" w="med" len="med"/>
+                      <a:tailEnd type="none" w="med" len="med"/>
+                    </a:lnR>
+                    <a:lnT w="12700" cap="flat" cmpd="sng" algn="ctr">
+                      <a:solidFill>
+                        <a:srgbClr val="C5C5C5"/>
+                      </a:solidFill>
+                      <a:prstDash val="solid"/>
+                      <a:round/>
+                      <a:headEnd type="none" w="med" len="med"/>
+                      <a:tailEnd type="none" w="med" len="med"/>
+                    </a:lnT>
+                    <a:lnB w="12700" cap="flat" cmpd="sng" algn="ctr">
+                      <a:solidFill>
+                        <a:srgbClr val="C5C5C5"/>
+                      </a:solidFill>
+                      <a:prstDash val="solid"/>
+                      <a:round/>
+                      <a:headEnd type="none" w="med" len="med"/>
+                      <a:tailEnd type="none" w="med" len="med"/>
+                    </a:lnB>
+                    <a:noFill/>
+                  </a:tcPr>
+                </a:tc>
+                <a:tc>
+                  <a:txBody>
+                    <a:bodyPr/>
+                    <a:lstStyle/>
+                    <a:p>
+                      <a:pPr marL="0" marR="0" lvl="0" indent="0" algn="ctr" defTabSz="914400" rtl="0" eaLnBrk="1" fontAlgn="auto" latinLnBrk="1" hangingPunct="1">
+                        <a:lnSpc>
+                          <a:spcPct val="100000"/>
+                        </a:lnSpc>
+                        <a:spcBef>
+                          <a:spcPts val="0"/>
+                        </a:spcBef>
+                        <a:spcAft>
+                          <a:spcPts val="0"/>
+                        </a:spcAft>
+                        <a:buClrTx/>
+                        <a:buSzTx/>
+                        <a:buFontTx/>
+                        <a:buNone/>
+                        <a:tabLst/>
+                        <a:defRPr/>
+                      </a:pPr>
+                      <a:r>
+                        <a:rPr lang="ko-Kore-KR" altLang="en-US" sz="1200" dirty="0">
+                          <a:solidFill>
+                            <a:srgbClr val="595959"/>
+                          </a:solidFill>
+                        </a:rPr>
+                        <a:t>조각</a:t>
+                      </a:r>
+                      <a:r>
+                        <a:rPr lang="ko-KR" altLang="en-US" sz="1200" dirty="0">
+                          <a:solidFill>
+                            <a:srgbClr val="595959"/>
+                          </a:solidFill>
+                        </a:rPr>
+                        <a:t> 가격</a:t>
+                      </a:r>
+                      <a:endParaRPr lang="en-US" altLang="ko-KR" sz="1200" dirty="0">
+                        <a:solidFill>
+                          <a:srgbClr val="595959"/>
+                        </a:solidFill>
+                      </a:endParaRPr>
+                    </a:p>
+                    <a:p>
+                      <a:pPr marL="0" marR="0" lvl="0" indent="0" algn="ctr" defTabSz="914400" rtl="0" eaLnBrk="1" fontAlgn="auto" latinLnBrk="1" hangingPunct="1">
+                        <a:lnSpc>
+                          <a:spcPct val="100000"/>
+                        </a:lnSpc>
+                        <a:spcBef>
+                          <a:spcPts val="0"/>
+                        </a:spcBef>
+                        <a:spcAft>
+                          <a:spcPts val="0"/>
+                        </a:spcAft>
+                        <a:buClrTx/>
+                        <a:buSzTx/>
+                        <a:buFontTx/>
+                        <a:buNone/>
+                        <a:tabLst/>
+                        <a:defRPr/>
+                      </a:pPr>
+                      <a:r>
+                        <a:rPr lang="ko-KR" altLang="en-US" sz="1200" dirty="0">
+                          <a:solidFill>
+                            <a:srgbClr val="595959"/>
+                          </a:solidFill>
+                        </a:rPr>
+                        <a:t>시세 평가</a:t>
+                      </a:r>
+                      <a:endParaRPr lang="ko-Kore-KR" altLang="en-US" sz="1200" dirty="0">
+                        <a:solidFill>
+                          <a:srgbClr val="595959"/>
+                        </a:solidFill>
+                      </a:endParaRPr>
+                    </a:p>
+                  </a:txBody>
+                  <a:tcPr marL="80047" marR="80047" marT="40023" marB="40023" anchor="ctr">
+                    <a:lnL w="12700" cap="flat" cmpd="sng" algn="ctr">
+                      <a:solidFill>
+                        <a:srgbClr val="C5C5C5"/>
+                      </a:solidFill>
+                      <a:prstDash val="solid"/>
+                      <a:round/>
+                      <a:headEnd type="none" w="med" len="med"/>
+                      <a:tailEnd type="none" w="med" len="med"/>
+                    </a:lnL>
+                    <a:lnR w="12700" cap="flat" cmpd="sng" algn="ctr">
+                      <a:solidFill>
+                        <a:srgbClr val="C5C5C5"/>
+                      </a:solidFill>
+                      <a:prstDash val="solid"/>
+                      <a:round/>
+                      <a:headEnd type="none" w="med" len="med"/>
+                      <a:tailEnd type="none" w="med" len="med"/>
+                    </a:lnR>
+                    <a:lnT w="12700" cap="flat" cmpd="sng" algn="ctr">
+                      <a:solidFill>
+                        <a:srgbClr val="C5C5C5"/>
+                      </a:solidFill>
+                      <a:prstDash val="solid"/>
+                      <a:round/>
+                      <a:headEnd type="none" w="med" len="med"/>
+                      <a:tailEnd type="none" w="med" len="med"/>
+                    </a:lnT>
+                    <a:lnB w="12700" cap="flat" cmpd="sng" algn="ctr">
+                      <a:solidFill>
+                        <a:srgbClr val="C5C5C5"/>
+                      </a:solidFill>
+                      <a:prstDash val="solid"/>
+                      <a:round/>
+                      <a:headEnd type="none" w="med" len="med"/>
+                      <a:tailEnd type="none" w="med" len="med"/>
+                    </a:lnB>
+                    <a:noFill/>
+                  </a:tcPr>
+                </a:tc>
+                <a:tc>
+                  <a:txBody>
+                    <a:bodyPr/>
+                    <a:lstStyle/>
+                    <a:p>
+                      <a:pPr marL="0" marR="0" lvl="0" indent="0" algn="l" defTabSz="914400" rtl="0" eaLnBrk="1" fontAlgn="auto" latinLnBrk="1" hangingPunct="1">
+                        <a:lnSpc>
+                          <a:spcPct val="100000"/>
+                        </a:lnSpc>
+                        <a:spcBef>
+                          <a:spcPts val="0"/>
+                        </a:spcBef>
+                        <a:spcAft>
+                          <a:spcPts val="0"/>
+                        </a:spcAft>
+                        <a:buClrTx/>
+                        <a:buSzTx/>
+                        <a:buFontTx/>
+                        <a:buNone/>
+                        <a:tabLst/>
+                        <a:defRPr/>
+                      </a:pPr>
+                      <a:r>
+                        <a:rPr lang="ko-KR" altLang="en-US" sz="1100" b="0" dirty="0">
+                          <a:solidFill>
+                            <a:srgbClr val="595959"/>
+                          </a:solidFill>
+                        </a:rPr>
+                        <a:t>조각 투자 상품의 실물 부동산 시세 대비 평가를 통해 조각의 시세 괴리 확인 및 투자 참고 제안</a:t>
+                      </a:r>
+                    </a:p>
+                  </a:txBody>
+                  <a:tcPr marL="80047" marR="80047" marT="40023" marB="40023" anchor="ctr">
+                    <a:lnL w="12700" cap="flat" cmpd="sng" algn="ctr">
+                      <a:solidFill>
+                        <a:srgbClr val="C5C5C5"/>
+                      </a:solidFill>
+                      <a:prstDash val="solid"/>
+                      <a:round/>
+                      <a:headEnd type="none" w="med" len="med"/>
+                      <a:tailEnd type="none" w="med" len="med"/>
+                    </a:lnL>
+                    <a:lnR w="12700" cap="flat" cmpd="sng" algn="ctr">
+                      <a:solidFill>
+                        <a:srgbClr val="C5C5C5"/>
+                      </a:solidFill>
+                      <a:prstDash val="solid"/>
+                      <a:round/>
+                      <a:headEnd type="none" w="med" len="med"/>
+                      <a:tailEnd type="none" w="med" len="med"/>
+                    </a:lnR>
+                    <a:lnT w="12700" cap="flat" cmpd="sng" algn="ctr">
+                      <a:solidFill>
+                        <a:srgbClr val="C5C5C5"/>
+                      </a:solidFill>
+                      <a:prstDash val="solid"/>
+                      <a:round/>
+                      <a:headEnd type="none" w="med" len="med"/>
+                      <a:tailEnd type="none" w="med" len="med"/>
+                    </a:lnT>
+                    <a:lnB w="12700" cap="flat" cmpd="sng" algn="ctr">
+                      <a:solidFill>
+                        <a:srgbClr val="C5C5C5"/>
+                      </a:solidFill>
+                      <a:prstDash val="solid"/>
+                      <a:round/>
+                      <a:headEnd type="none" w="med" len="med"/>
+                      <a:tailEnd type="none" w="med" len="med"/>
+                    </a:lnB>
+                    <a:noFill/>
+                  </a:tcPr>
+                </a:tc>
+                <a:extLst>
+                  <a:ext uri="{0D108BD9-81ED-4DB2-BD59-A6C34878D82A}">
+                    <a16:rowId xmlns:a16="http://schemas.microsoft.com/office/drawing/2014/main" val="1797149604"/>
+                  </a:ext>
+                </a:extLst>
+              </a:tr>
+              <a:tr h="267921">
+                <a:tc rowSpan="5">
+                  <a:txBody>
+                    <a:bodyPr/>
+                    <a:lstStyle/>
+                    <a:p>
+                      <a:pPr algn="ctr"/>
+                      <a:r>
+                        <a:rPr lang="ko-Kore-KR" altLang="en-US" sz="1200" b="1" dirty="0">
+                          <a:solidFill>
+                            <a:srgbClr val="595959"/>
+                          </a:solidFill>
+                        </a:rPr>
+                        <a:t>회원</a:t>
+                      </a:r>
+                      <a:r>
+                        <a:rPr lang="ko-KR" altLang="en-US" sz="1200" b="1" dirty="0">
+                          <a:solidFill>
+                            <a:srgbClr val="595959"/>
+                          </a:solidFill>
+                        </a:rPr>
+                        <a:t> 서비스</a:t>
+                      </a:r>
+                      <a:endParaRPr lang="ko-Kore-KR" altLang="en-US" sz="1200" b="1" dirty="0">
+                        <a:solidFill>
+                          <a:srgbClr val="595959"/>
+                        </a:solidFill>
+                      </a:endParaRPr>
+                    </a:p>
+                  </a:txBody>
+                  <a:tcPr marL="80047" marR="80047" marT="40023" marB="40023" anchor="ctr">
+                    <a:lnL w="12700" cap="flat" cmpd="sng" algn="ctr">
+                      <a:solidFill>
+                        <a:srgbClr val="C5C5C5"/>
+                      </a:solidFill>
+                      <a:prstDash val="solid"/>
+                      <a:round/>
+                      <a:headEnd type="none" w="med" len="med"/>
+                      <a:tailEnd type="none" w="med" len="med"/>
+                    </a:lnL>
+                    <a:lnR w="12700" cap="flat" cmpd="sng" algn="ctr">
+                      <a:solidFill>
+                        <a:srgbClr val="C5C5C5"/>
+                      </a:solidFill>
+                      <a:prstDash val="solid"/>
+                      <a:round/>
+                      <a:headEnd type="none" w="med" len="med"/>
+                      <a:tailEnd type="none" w="med" len="med"/>
+                    </a:lnR>
+                    <a:lnT w="12700" cap="flat" cmpd="sng" algn="ctr">
+                      <a:solidFill>
+                        <a:srgbClr val="C5C5C5"/>
+                      </a:solidFill>
+                      <a:prstDash val="solid"/>
+                      <a:round/>
+                      <a:headEnd type="none" w="med" len="med"/>
+                      <a:tailEnd type="none" w="med" len="med"/>
+                    </a:lnT>
+                    <a:lnB w="12700" cap="flat" cmpd="sng" algn="ctr">
+                      <a:solidFill>
+                        <a:srgbClr val="C5C5C5"/>
+                      </a:solidFill>
+                      <a:prstDash val="solid"/>
+                      <a:round/>
+                      <a:headEnd type="none" w="med" len="med"/>
+                      <a:tailEnd type="none" w="med" len="med"/>
+                    </a:lnB>
+                    <a:noFill/>
+                  </a:tcPr>
+                </a:tc>
+                <a:tc>
+                  <a:txBody>
+                    <a:bodyPr/>
+                    <a:lstStyle/>
+                    <a:p>
+                      <a:pPr algn="ctr"/>
+                      <a:r>
+                        <a:rPr lang="ko-Kore-KR" altLang="en-US" sz="1200" dirty="0">
+                          <a:solidFill>
+                            <a:srgbClr val="595959"/>
+                          </a:solidFill>
+                        </a:rPr>
+                        <a:t>회원가입</a:t>
+                      </a:r>
+                    </a:p>
+                  </a:txBody>
+                  <a:tcPr marL="80047" marR="80047" marT="40023" marB="40023" anchor="ctr">
                     <a:lnL w="12700" cap="flat" cmpd="sng" algn="ctr">
                       <a:solidFill>
                         <a:srgbClr val="C5C5C5"/>
@@ -29589,21 +29898,105 @@
                     <a:p>
                       <a:pPr algn="l"/>
                       <a:r>
-                        <a:rPr lang="ko-Kore-KR" altLang="en-US" sz="1600" dirty="0">
+                        <a:rPr lang="ko-Kore-KR" altLang="en-US" sz="1100" dirty="0">
                           <a:solidFill>
                             <a:srgbClr val="595959"/>
                           </a:solidFill>
                         </a:rPr>
-                        <a:t>투자</a:t>
+                        <a:t>하나</a:t>
                       </a:r>
                       <a:r>
-                        <a:rPr lang="ko-KR" altLang="en-US" sz="1600" dirty="0">
+                        <a:rPr lang="en-US" altLang="ko-KR" sz="1100" dirty="0">
                           <a:solidFill>
                             <a:srgbClr val="595959"/>
                           </a:solidFill>
                         </a:rPr>
-                        <a:t> 현황 확인 및 자산 시각화</a:t>
+                        <a:t>1PIECE</a:t>
                       </a:r>
+                      <a:r>
+                        <a:rPr lang="ko-KR" altLang="en-US" sz="1100" dirty="0">
+                          <a:solidFill>
+                            <a:srgbClr val="595959"/>
+                          </a:solidFill>
+                        </a:rPr>
+                        <a:t> 서비스</a:t>
+                      </a:r>
+                      <a:r>
+                        <a:rPr lang="en-US" altLang="ko-KR" sz="1100" dirty="0">
+                          <a:solidFill>
+                            <a:srgbClr val="595959"/>
+                          </a:solidFill>
+                        </a:rPr>
+                        <a:t> </a:t>
+                      </a:r>
+                      <a:r>
+                        <a:rPr lang="ko-KR" altLang="en-US" sz="1100" dirty="0">
+                          <a:solidFill>
+                            <a:srgbClr val="595959"/>
+                          </a:solidFill>
+                        </a:rPr>
+                        <a:t>회원 가입</a:t>
+                      </a:r>
+                      <a:endParaRPr lang="ko-Kore-KR" altLang="en-US" sz="1100" dirty="0">
+                        <a:solidFill>
+                          <a:srgbClr val="595959"/>
+                        </a:solidFill>
+                      </a:endParaRPr>
+                    </a:p>
+                  </a:txBody>
+                  <a:tcPr marL="80047" marR="80047" marT="40023" marB="40023" anchor="ctr">
+                    <a:lnL w="12700" cap="flat" cmpd="sng" algn="ctr">
+                      <a:solidFill>
+                        <a:srgbClr val="C5C5C5"/>
+                      </a:solidFill>
+                      <a:prstDash val="solid"/>
+                      <a:round/>
+                      <a:headEnd type="none" w="med" len="med"/>
+                      <a:tailEnd type="none" w="med" len="med"/>
+                    </a:lnL>
+                    <a:lnR w="12700" cap="flat" cmpd="sng" algn="ctr">
+                      <a:solidFill>
+                        <a:srgbClr val="C5C5C5"/>
+                      </a:solidFill>
+                      <a:prstDash val="solid"/>
+                      <a:round/>
+                      <a:headEnd type="none" w="med" len="med"/>
+                      <a:tailEnd type="none" w="med" len="med"/>
+                    </a:lnR>
+                    <a:lnT w="12700" cap="flat" cmpd="sng" algn="ctr">
+                      <a:solidFill>
+                        <a:srgbClr val="C5C5C5"/>
+                      </a:solidFill>
+                      <a:prstDash val="solid"/>
+                      <a:round/>
+                      <a:headEnd type="none" w="med" len="med"/>
+                      <a:tailEnd type="none" w="med" len="med"/>
+                    </a:lnT>
+                    <a:lnB w="12700" cap="flat" cmpd="sng" algn="ctr">
+                      <a:solidFill>
+                        <a:srgbClr val="C5C5C5"/>
+                      </a:solidFill>
+                      <a:prstDash val="solid"/>
+                      <a:round/>
+                      <a:headEnd type="none" w="med" len="med"/>
+                      <a:tailEnd type="none" w="med" len="med"/>
+                    </a:lnB>
+                    <a:noFill/>
+                  </a:tcPr>
+                </a:tc>
+                <a:extLst>
+                  <a:ext uri="{0D108BD9-81ED-4DB2-BD59-A6C34878D82A}">
+                    <a16:rowId xmlns:a16="http://schemas.microsoft.com/office/drawing/2014/main" val="2343218528"/>
+                  </a:ext>
+                </a:extLst>
+              </a:tr>
+              <a:tr h="267921">
+                <a:tc vMerge="1">
+                  <a:txBody>
+                    <a:bodyPr/>
+                    <a:lstStyle/>
+                    <a:p>
+                      <a:pPr algn="ctr"/>
                       <a:endParaRPr lang="ko-Kore-KR" altLang="en-US" sz="1600" dirty="0">
                         <a:solidFill>
                           <a:srgbClr val="595959"/>
@@ -29612,6 +30005,2029 @@
                     </a:p>
                   </a:txBody>
                   <a:tcPr anchor="ctr">
+                    <a:lnL w="12700" cap="flat" cmpd="sng" algn="ctr">
+                      <a:solidFill>
+                        <a:srgbClr val="C5C5C5"/>
+                      </a:solidFill>
+                      <a:prstDash val="solid"/>
+                      <a:round/>
+                      <a:headEnd type="none" w="med" len="med"/>
+                      <a:tailEnd type="none" w="med" len="med"/>
+                    </a:lnL>
+                    <a:lnR w="12700" cap="flat" cmpd="sng" algn="ctr">
+                      <a:solidFill>
+                        <a:srgbClr val="C5C5C5"/>
+                      </a:solidFill>
+                      <a:prstDash val="solid"/>
+                      <a:round/>
+                      <a:headEnd type="none" w="med" len="med"/>
+                      <a:tailEnd type="none" w="med" len="med"/>
+                    </a:lnR>
+                    <a:lnT w="12700" cap="flat" cmpd="sng" algn="ctr">
+                      <a:solidFill>
+                        <a:srgbClr val="C5C5C5"/>
+                      </a:solidFill>
+                      <a:prstDash val="solid"/>
+                      <a:round/>
+                      <a:headEnd type="none" w="med" len="med"/>
+                      <a:tailEnd type="none" w="med" len="med"/>
+                    </a:lnT>
+                    <a:lnB w="12700" cap="flat" cmpd="sng" algn="ctr">
+                      <a:solidFill>
+                        <a:srgbClr val="C5C5C5"/>
+                      </a:solidFill>
+                      <a:prstDash val="solid"/>
+                      <a:round/>
+                      <a:headEnd type="none" w="med" len="med"/>
+                      <a:tailEnd type="none" w="med" len="med"/>
+                    </a:lnB>
+                    <a:noFill/>
+                  </a:tcPr>
+                </a:tc>
+                <a:tc>
+                  <a:txBody>
+                    <a:bodyPr/>
+                    <a:lstStyle/>
+                    <a:p>
+                      <a:pPr algn="ctr"/>
+                      <a:r>
+                        <a:rPr lang="ko-Kore-KR" altLang="en-US" sz="1200" dirty="0">
+                          <a:solidFill>
+                            <a:srgbClr val="595959"/>
+                          </a:solidFill>
+                        </a:rPr>
+                        <a:t>로그인</a:t>
+                      </a:r>
+                    </a:p>
+                  </a:txBody>
+                  <a:tcPr marL="80047" marR="80047" marT="40023" marB="40023" anchor="ctr">
+                    <a:lnL w="12700" cap="flat" cmpd="sng" algn="ctr">
+                      <a:solidFill>
+                        <a:srgbClr val="C5C5C5"/>
+                      </a:solidFill>
+                      <a:prstDash val="solid"/>
+                      <a:round/>
+                      <a:headEnd type="none" w="med" len="med"/>
+                      <a:tailEnd type="none" w="med" len="med"/>
+                    </a:lnL>
+                    <a:lnR w="12700" cap="flat" cmpd="sng" algn="ctr">
+                      <a:solidFill>
+                        <a:srgbClr val="C5C5C5"/>
+                      </a:solidFill>
+                      <a:prstDash val="solid"/>
+                      <a:round/>
+                      <a:headEnd type="none" w="med" len="med"/>
+                      <a:tailEnd type="none" w="med" len="med"/>
+                    </a:lnR>
+                    <a:lnT w="12700" cap="flat" cmpd="sng" algn="ctr">
+                      <a:solidFill>
+                        <a:srgbClr val="C5C5C5"/>
+                      </a:solidFill>
+                      <a:prstDash val="solid"/>
+                      <a:round/>
+                      <a:headEnd type="none" w="med" len="med"/>
+                      <a:tailEnd type="none" w="med" len="med"/>
+                    </a:lnT>
+                    <a:lnB w="12700" cap="flat" cmpd="sng" algn="ctr">
+                      <a:solidFill>
+                        <a:srgbClr val="C5C5C5"/>
+                      </a:solidFill>
+                      <a:prstDash val="solid"/>
+                      <a:round/>
+                      <a:headEnd type="none" w="med" len="med"/>
+                      <a:tailEnd type="none" w="med" len="med"/>
+                    </a:lnB>
+                    <a:noFill/>
+                  </a:tcPr>
+                </a:tc>
+                <a:tc>
+                  <a:txBody>
+                    <a:bodyPr/>
+                    <a:lstStyle/>
+                    <a:p>
+                      <a:pPr algn="l"/>
+                      <a:r>
+                        <a:rPr lang="ko-Kore-KR" altLang="en-US" sz="1100" dirty="0">
+                          <a:solidFill>
+                            <a:srgbClr val="595959"/>
+                          </a:solidFill>
+                        </a:rPr>
+                        <a:t>회원</a:t>
+                      </a:r>
+                      <a:r>
+                        <a:rPr lang="ko-KR" altLang="en-US" sz="1100" dirty="0">
+                          <a:solidFill>
+                            <a:srgbClr val="595959"/>
+                          </a:solidFill>
+                        </a:rPr>
+                        <a:t> 로그인 및 세션 처리</a:t>
+                      </a:r>
+                      <a:endParaRPr lang="ko-Kore-KR" altLang="en-US" sz="1100" dirty="0">
+                        <a:solidFill>
+                          <a:srgbClr val="595959"/>
+                        </a:solidFill>
+                      </a:endParaRPr>
+                    </a:p>
+                  </a:txBody>
+                  <a:tcPr marL="80047" marR="80047" marT="40023" marB="40023" anchor="ctr">
+                    <a:lnL w="12700" cap="flat" cmpd="sng" algn="ctr">
+                      <a:solidFill>
+                        <a:srgbClr val="C5C5C5"/>
+                      </a:solidFill>
+                      <a:prstDash val="solid"/>
+                      <a:round/>
+                      <a:headEnd type="none" w="med" len="med"/>
+                      <a:tailEnd type="none" w="med" len="med"/>
+                    </a:lnL>
+                    <a:lnR w="12700" cap="flat" cmpd="sng" algn="ctr">
+                      <a:solidFill>
+                        <a:srgbClr val="C5C5C5"/>
+                      </a:solidFill>
+                      <a:prstDash val="solid"/>
+                      <a:round/>
+                      <a:headEnd type="none" w="med" len="med"/>
+                      <a:tailEnd type="none" w="med" len="med"/>
+                    </a:lnR>
+                    <a:lnT w="12700" cap="flat" cmpd="sng" algn="ctr">
+                      <a:solidFill>
+                        <a:srgbClr val="C5C5C5"/>
+                      </a:solidFill>
+                      <a:prstDash val="solid"/>
+                      <a:round/>
+                      <a:headEnd type="none" w="med" len="med"/>
+                      <a:tailEnd type="none" w="med" len="med"/>
+                    </a:lnT>
+                    <a:lnB w="12700" cap="flat" cmpd="sng" algn="ctr">
+                      <a:solidFill>
+                        <a:srgbClr val="C5C5C5"/>
+                      </a:solidFill>
+                      <a:prstDash val="solid"/>
+                      <a:round/>
+                      <a:headEnd type="none" w="med" len="med"/>
+                      <a:tailEnd type="none" w="med" len="med"/>
+                    </a:lnB>
+                    <a:noFill/>
+                  </a:tcPr>
+                </a:tc>
+                <a:extLst>
+                  <a:ext uri="{0D108BD9-81ED-4DB2-BD59-A6C34878D82A}">
+                    <a16:rowId xmlns:a16="http://schemas.microsoft.com/office/drawing/2014/main" val="3467430972"/>
+                  </a:ext>
+                </a:extLst>
+              </a:tr>
+              <a:tr h="267921">
+                <a:tc vMerge="1">
+                  <a:txBody>
+                    <a:bodyPr/>
+                    <a:lstStyle/>
+                    <a:p>
+                      <a:pPr algn="ctr"/>
+                      <a:endParaRPr lang="ko-Kore-KR" altLang="en-US" sz="1600" dirty="0">
+                        <a:solidFill>
+                          <a:srgbClr val="595959"/>
+                        </a:solidFill>
+                      </a:endParaRPr>
+                    </a:p>
+                  </a:txBody>
+                  <a:tcPr anchor="ctr">
+                    <a:lnL w="12700" cap="flat" cmpd="sng" algn="ctr">
+                      <a:solidFill>
+                        <a:srgbClr val="C5C5C5"/>
+                      </a:solidFill>
+                      <a:prstDash val="solid"/>
+                      <a:round/>
+                      <a:headEnd type="none" w="med" len="med"/>
+                      <a:tailEnd type="none" w="med" len="med"/>
+                    </a:lnL>
+                    <a:lnR w="12700" cap="flat" cmpd="sng" algn="ctr">
+                      <a:solidFill>
+                        <a:srgbClr val="C5C5C5"/>
+                      </a:solidFill>
+                      <a:prstDash val="solid"/>
+                      <a:round/>
+                      <a:headEnd type="none" w="med" len="med"/>
+                      <a:tailEnd type="none" w="med" len="med"/>
+                    </a:lnR>
+                    <a:lnT w="12700" cap="flat" cmpd="sng" algn="ctr">
+                      <a:solidFill>
+                        <a:srgbClr val="C5C5C5"/>
+                      </a:solidFill>
+                      <a:prstDash val="solid"/>
+                      <a:round/>
+                      <a:headEnd type="none" w="med" len="med"/>
+                      <a:tailEnd type="none" w="med" len="med"/>
+                    </a:lnT>
+                    <a:lnB w="12700" cap="flat" cmpd="sng" algn="ctr">
+                      <a:solidFill>
+                        <a:srgbClr val="C5C5C5"/>
+                      </a:solidFill>
+                      <a:prstDash val="solid"/>
+                      <a:round/>
+                      <a:headEnd type="none" w="med" len="med"/>
+                      <a:tailEnd type="none" w="med" len="med"/>
+                    </a:lnB>
+                    <a:noFill/>
+                  </a:tcPr>
+                </a:tc>
+                <a:tc>
+                  <a:txBody>
+                    <a:bodyPr/>
+                    <a:lstStyle/>
+                    <a:p>
+                      <a:pPr algn="ctr"/>
+                      <a:r>
+                        <a:rPr lang="ko-Kore-KR" altLang="en-US" sz="1200" dirty="0">
+                          <a:solidFill>
+                            <a:srgbClr val="595959"/>
+                          </a:solidFill>
+                        </a:rPr>
+                        <a:t>보유</a:t>
+                      </a:r>
+                      <a:r>
+                        <a:rPr lang="ko-KR" altLang="en-US" sz="1200" dirty="0">
+                          <a:solidFill>
+                            <a:srgbClr val="595959"/>
+                          </a:solidFill>
+                        </a:rPr>
+                        <a:t> </a:t>
+                      </a:r>
+                      <a:r>
+                        <a:rPr lang="ko-Kore-KR" altLang="en-US" sz="1200" dirty="0">
+                          <a:solidFill>
+                            <a:srgbClr val="595959"/>
+                          </a:solidFill>
+                        </a:rPr>
+                        <a:t>자산</a:t>
+                      </a:r>
+                      <a:r>
+                        <a:rPr lang="ko-KR" altLang="en-US" sz="1200" dirty="0">
+                          <a:solidFill>
+                            <a:srgbClr val="595959"/>
+                          </a:solidFill>
+                        </a:rPr>
+                        <a:t> 확인</a:t>
+                      </a:r>
+                      <a:endParaRPr lang="ko-Kore-KR" altLang="en-US" sz="1200" dirty="0">
+                        <a:solidFill>
+                          <a:srgbClr val="595959"/>
+                        </a:solidFill>
+                      </a:endParaRPr>
+                    </a:p>
+                  </a:txBody>
+                  <a:tcPr marL="80047" marR="80047" marT="40023" marB="40023" anchor="ctr">
+                    <a:lnL w="12700" cap="flat" cmpd="sng" algn="ctr">
+                      <a:solidFill>
+                        <a:srgbClr val="C5C5C5"/>
+                      </a:solidFill>
+                      <a:prstDash val="solid"/>
+                      <a:round/>
+                      <a:headEnd type="none" w="med" len="med"/>
+                      <a:tailEnd type="none" w="med" len="med"/>
+                    </a:lnL>
+                    <a:lnR w="12700" cap="flat" cmpd="sng" algn="ctr">
+                      <a:solidFill>
+                        <a:srgbClr val="C5C5C5"/>
+                      </a:solidFill>
+                      <a:prstDash val="solid"/>
+                      <a:round/>
+                      <a:headEnd type="none" w="med" len="med"/>
+                      <a:tailEnd type="none" w="med" len="med"/>
+                    </a:lnR>
+                    <a:lnT w="12700" cap="flat" cmpd="sng" algn="ctr">
+                      <a:solidFill>
+                        <a:srgbClr val="C5C5C5"/>
+                      </a:solidFill>
+                      <a:prstDash val="solid"/>
+                      <a:round/>
+                      <a:headEnd type="none" w="med" len="med"/>
+                      <a:tailEnd type="none" w="med" len="med"/>
+                    </a:lnT>
+                    <a:lnB w="12700" cap="flat" cmpd="sng" algn="ctr">
+                      <a:solidFill>
+                        <a:srgbClr val="C5C5C5"/>
+                      </a:solidFill>
+                      <a:prstDash val="solid"/>
+                      <a:round/>
+                      <a:headEnd type="none" w="med" len="med"/>
+                      <a:tailEnd type="none" w="med" len="med"/>
+                    </a:lnB>
+                    <a:noFill/>
+                  </a:tcPr>
+                </a:tc>
+                <a:tc>
+                  <a:txBody>
+                    <a:bodyPr/>
+                    <a:lstStyle/>
+                    <a:p>
+                      <a:pPr algn="l"/>
+                      <a:r>
+                        <a:rPr lang="ko-Kore-KR" altLang="en-US" sz="1100" dirty="0">
+                          <a:solidFill>
+                            <a:srgbClr val="595959"/>
+                          </a:solidFill>
+                        </a:rPr>
+                        <a:t>마이페이지</a:t>
+                      </a:r>
+                      <a:r>
+                        <a:rPr lang="ko-KR" altLang="en-US" sz="1100" dirty="0">
+                          <a:solidFill>
+                            <a:srgbClr val="595959"/>
+                          </a:solidFill>
+                        </a:rPr>
+                        <a:t> 보유 자산 현황 확인</a:t>
+                      </a:r>
+                      <a:endParaRPr lang="ko-Kore-KR" altLang="en-US" sz="1100" dirty="0">
+                        <a:solidFill>
+                          <a:srgbClr val="595959"/>
+                        </a:solidFill>
+                      </a:endParaRPr>
+                    </a:p>
+                  </a:txBody>
+                  <a:tcPr marL="80047" marR="80047" marT="40023" marB="40023" anchor="ctr">
+                    <a:lnL w="12700" cap="flat" cmpd="sng" algn="ctr">
+                      <a:solidFill>
+                        <a:srgbClr val="C5C5C5"/>
+                      </a:solidFill>
+                      <a:prstDash val="solid"/>
+                      <a:round/>
+                      <a:headEnd type="none" w="med" len="med"/>
+                      <a:tailEnd type="none" w="med" len="med"/>
+                    </a:lnL>
+                    <a:lnR w="12700" cap="flat" cmpd="sng" algn="ctr">
+                      <a:solidFill>
+                        <a:srgbClr val="C5C5C5"/>
+                      </a:solidFill>
+                      <a:prstDash val="solid"/>
+                      <a:round/>
+                      <a:headEnd type="none" w="med" len="med"/>
+                      <a:tailEnd type="none" w="med" len="med"/>
+                    </a:lnR>
+                    <a:lnT w="12700" cap="flat" cmpd="sng" algn="ctr">
+                      <a:solidFill>
+                        <a:srgbClr val="C5C5C5"/>
+                      </a:solidFill>
+                      <a:prstDash val="solid"/>
+                      <a:round/>
+                      <a:headEnd type="none" w="med" len="med"/>
+                      <a:tailEnd type="none" w="med" len="med"/>
+                    </a:lnT>
+                    <a:lnB w="12700" cap="flat" cmpd="sng" algn="ctr">
+                      <a:solidFill>
+                        <a:srgbClr val="C5C5C5"/>
+                      </a:solidFill>
+                      <a:prstDash val="solid"/>
+                      <a:round/>
+                      <a:headEnd type="none" w="med" len="med"/>
+                      <a:tailEnd type="none" w="med" len="med"/>
+                    </a:lnB>
+                    <a:noFill/>
+                  </a:tcPr>
+                </a:tc>
+                <a:extLst>
+                  <a:ext uri="{0D108BD9-81ED-4DB2-BD59-A6C34878D82A}">
+                    <a16:rowId xmlns:a16="http://schemas.microsoft.com/office/drawing/2014/main" val="557951524"/>
+                  </a:ext>
+                </a:extLst>
+              </a:tr>
+              <a:tr h="267921">
+                <a:tc vMerge="1">
+                  <a:txBody>
+                    <a:bodyPr/>
+                    <a:lstStyle/>
+                    <a:p>
+                      <a:pPr algn="ctr"/>
+                      <a:endParaRPr lang="ko-Kore-KR" altLang="en-US" sz="1600" dirty="0">
+                        <a:solidFill>
+                          <a:srgbClr val="595959"/>
+                        </a:solidFill>
+                      </a:endParaRPr>
+                    </a:p>
+                  </a:txBody>
+                  <a:tcPr anchor="ctr">
+                    <a:lnL w="12700" cap="flat" cmpd="sng" algn="ctr">
+                      <a:solidFill>
+                        <a:srgbClr val="C5C5C5"/>
+                      </a:solidFill>
+                      <a:prstDash val="solid"/>
+                      <a:round/>
+                      <a:headEnd type="none" w="med" len="med"/>
+                      <a:tailEnd type="none" w="med" len="med"/>
+                    </a:lnL>
+                    <a:lnR w="12700" cap="flat" cmpd="sng" algn="ctr">
+                      <a:solidFill>
+                        <a:srgbClr val="C5C5C5"/>
+                      </a:solidFill>
+                      <a:prstDash val="solid"/>
+                      <a:round/>
+                      <a:headEnd type="none" w="med" len="med"/>
+                      <a:tailEnd type="none" w="med" len="med"/>
+                    </a:lnR>
+                    <a:lnT w="12700" cap="flat" cmpd="sng" algn="ctr">
+                      <a:solidFill>
+                        <a:srgbClr val="C5C5C5"/>
+                      </a:solidFill>
+                      <a:prstDash val="solid"/>
+                      <a:round/>
+                      <a:headEnd type="none" w="med" len="med"/>
+                      <a:tailEnd type="none" w="med" len="med"/>
+                    </a:lnT>
+                    <a:lnB w="12700" cap="flat" cmpd="sng" algn="ctr">
+                      <a:solidFill>
+                        <a:srgbClr val="C5C5C5"/>
+                      </a:solidFill>
+                      <a:prstDash val="solid"/>
+                      <a:round/>
+                      <a:headEnd type="none" w="med" len="med"/>
+                      <a:tailEnd type="none" w="med" len="med"/>
+                    </a:lnB>
+                    <a:noFill/>
+                  </a:tcPr>
+                </a:tc>
+                <a:tc>
+                  <a:txBody>
+                    <a:bodyPr/>
+                    <a:lstStyle/>
+                    <a:p>
+                      <a:pPr algn="ctr"/>
+                      <a:r>
+                        <a:rPr lang="ko-Kore-KR" altLang="en-US" sz="1200" dirty="0">
+                          <a:solidFill>
+                            <a:srgbClr val="595959"/>
+                          </a:solidFill>
+                        </a:rPr>
+                        <a:t>추천인</a:t>
+                      </a:r>
+                      <a:r>
+                        <a:rPr lang="ko-KR" altLang="en-US" sz="1200" dirty="0">
+                          <a:solidFill>
+                            <a:srgbClr val="595959"/>
+                          </a:solidFill>
+                        </a:rPr>
+                        <a:t> 이벤트</a:t>
+                      </a:r>
+                      <a:endParaRPr lang="ko-Kore-KR" altLang="en-US" sz="1200" dirty="0">
+                        <a:solidFill>
+                          <a:srgbClr val="595959"/>
+                        </a:solidFill>
+                      </a:endParaRPr>
+                    </a:p>
+                  </a:txBody>
+                  <a:tcPr marL="80047" marR="80047" marT="40023" marB="40023" anchor="ctr">
+                    <a:lnL w="12700" cap="flat" cmpd="sng" algn="ctr">
+                      <a:solidFill>
+                        <a:srgbClr val="C5C5C5"/>
+                      </a:solidFill>
+                      <a:prstDash val="solid"/>
+                      <a:round/>
+                      <a:headEnd type="none" w="med" len="med"/>
+                      <a:tailEnd type="none" w="med" len="med"/>
+                    </a:lnL>
+                    <a:lnR w="12700" cap="flat" cmpd="sng" algn="ctr">
+                      <a:solidFill>
+                        <a:srgbClr val="C5C5C5"/>
+                      </a:solidFill>
+                      <a:prstDash val="solid"/>
+                      <a:round/>
+                      <a:headEnd type="none" w="med" len="med"/>
+                      <a:tailEnd type="none" w="med" len="med"/>
+                    </a:lnR>
+                    <a:lnT w="12700" cap="flat" cmpd="sng" algn="ctr">
+                      <a:solidFill>
+                        <a:srgbClr val="C5C5C5"/>
+                      </a:solidFill>
+                      <a:prstDash val="solid"/>
+                      <a:round/>
+                      <a:headEnd type="none" w="med" len="med"/>
+                      <a:tailEnd type="none" w="med" len="med"/>
+                    </a:lnT>
+                    <a:lnB w="12700" cap="flat" cmpd="sng" algn="ctr">
+                      <a:solidFill>
+                        <a:srgbClr val="C5C5C5"/>
+                      </a:solidFill>
+                      <a:prstDash val="solid"/>
+                      <a:round/>
+                      <a:headEnd type="none" w="med" len="med"/>
+                      <a:tailEnd type="none" w="med" len="med"/>
+                    </a:lnB>
+                    <a:noFill/>
+                  </a:tcPr>
+                </a:tc>
+                <a:tc>
+                  <a:txBody>
+                    <a:bodyPr/>
+                    <a:lstStyle/>
+                    <a:p>
+                      <a:pPr marL="0" marR="0" lvl="0" indent="0" algn="l" defTabSz="914400" rtl="0" eaLnBrk="1" fontAlgn="auto" latinLnBrk="1" hangingPunct="1">
+                        <a:lnSpc>
+                          <a:spcPct val="100000"/>
+                        </a:lnSpc>
+                        <a:spcBef>
+                          <a:spcPts val="0"/>
+                        </a:spcBef>
+                        <a:spcAft>
+                          <a:spcPts val="0"/>
+                        </a:spcAft>
+                        <a:buClrTx/>
+                        <a:buSzTx/>
+                        <a:buFontTx/>
+                        <a:buNone/>
+                        <a:tabLst/>
+                        <a:defRPr/>
+                      </a:pPr>
+                      <a:r>
+                        <a:rPr lang="ko-Kore-KR" altLang="en-US" sz="1100" dirty="0">
+                          <a:solidFill>
+                            <a:srgbClr val="595959"/>
+                          </a:solidFill>
+                        </a:rPr>
+                        <a:t>지갑개설시</a:t>
+                      </a:r>
+                      <a:r>
+                        <a:rPr lang="ko-KR" altLang="en-US" sz="1100" dirty="0">
+                          <a:solidFill>
+                            <a:srgbClr val="595959"/>
+                          </a:solidFill>
+                        </a:rPr>
+                        <a:t>에 추천인 입력 시</a:t>
+                      </a:r>
+                      <a:r>
+                        <a:rPr lang="en-US" altLang="ko-KR" sz="1100" dirty="0">
+                          <a:solidFill>
+                            <a:srgbClr val="595959"/>
+                          </a:solidFill>
+                        </a:rPr>
+                        <a:t>,</a:t>
+                      </a:r>
+                      <a:r>
+                        <a:rPr lang="ko-KR" altLang="en-US" sz="1100" dirty="0">
+                          <a:solidFill>
+                            <a:srgbClr val="595959"/>
+                          </a:solidFill>
+                        </a:rPr>
+                        <a:t> </a:t>
+                      </a:r>
+                      <a:r>
+                        <a:rPr lang="ko-KR" altLang="en-US" sz="1100" dirty="0" err="1">
+                          <a:solidFill>
+                            <a:srgbClr val="595959"/>
+                          </a:solidFill>
+                        </a:rPr>
+                        <a:t>추천자</a:t>
+                      </a:r>
+                      <a:r>
+                        <a:rPr lang="ko-KR" altLang="en-US" sz="1100" dirty="0">
+                          <a:solidFill>
+                            <a:srgbClr val="595959"/>
+                          </a:solidFill>
+                        </a:rPr>
+                        <a:t> 추천인 모두 </a:t>
+                      </a:r>
+                      <a:r>
+                        <a:rPr lang="en-US" altLang="ko-KR" sz="1100" dirty="0">
+                          <a:solidFill>
+                            <a:srgbClr val="595959"/>
+                          </a:solidFill>
+                        </a:rPr>
+                        <a:t>5000</a:t>
+                      </a:r>
+                      <a:r>
+                        <a:rPr lang="ko-KR" altLang="en-US" sz="1100" dirty="0">
+                          <a:solidFill>
+                            <a:srgbClr val="595959"/>
+                          </a:solidFill>
+                        </a:rPr>
+                        <a:t>원 지급</a:t>
+                      </a:r>
+                      <a:endParaRPr lang="ko-Kore-KR" altLang="en-US" sz="1100" dirty="0">
+                        <a:solidFill>
+                          <a:srgbClr val="595959"/>
+                        </a:solidFill>
+                      </a:endParaRPr>
+                    </a:p>
+                  </a:txBody>
+                  <a:tcPr marL="80047" marR="80047" marT="40023" marB="40023" anchor="ctr">
+                    <a:lnL w="12700" cap="flat" cmpd="sng" algn="ctr">
+                      <a:solidFill>
+                        <a:srgbClr val="C5C5C5"/>
+                      </a:solidFill>
+                      <a:prstDash val="solid"/>
+                      <a:round/>
+                      <a:headEnd type="none" w="med" len="med"/>
+                      <a:tailEnd type="none" w="med" len="med"/>
+                    </a:lnL>
+                    <a:lnR w="12700" cap="flat" cmpd="sng" algn="ctr">
+                      <a:solidFill>
+                        <a:srgbClr val="C5C5C5"/>
+                      </a:solidFill>
+                      <a:prstDash val="solid"/>
+                      <a:round/>
+                      <a:headEnd type="none" w="med" len="med"/>
+                      <a:tailEnd type="none" w="med" len="med"/>
+                    </a:lnR>
+                    <a:lnT w="12700" cap="flat" cmpd="sng" algn="ctr">
+                      <a:solidFill>
+                        <a:srgbClr val="C5C5C5"/>
+                      </a:solidFill>
+                      <a:prstDash val="solid"/>
+                      <a:round/>
+                      <a:headEnd type="none" w="med" len="med"/>
+                      <a:tailEnd type="none" w="med" len="med"/>
+                    </a:lnT>
+                    <a:lnB w="12700" cap="flat" cmpd="sng" algn="ctr">
+                      <a:solidFill>
+                        <a:srgbClr val="C5C5C5"/>
+                      </a:solidFill>
+                      <a:prstDash val="solid"/>
+                      <a:round/>
+                      <a:headEnd type="none" w="med" len="med"/>
+                      <a:tailEnd type="none" w="med" len="med"/>
+                    </a:lnB>
+                    <a:noFill/>
+                  </a:tcPr>
+                </a:tc>
+                <a:extLst>
+                  <a:ext uri="{0D108BD9-81ED-4DB2-BD59-A6C34878D82A}">
+                    <a16:rowId xmlns:a16="http://schemas.microsoft.com/office/drawing/2014/main" val="3254859666"/>
+                  </a:ext>
+                </a:extLst>
+              </a:tr>
+              <a:tr h="267921">
+                <a:tc vMerge="1">
+                  <a:txBody>
+                    <a:bodyPr/>
+                    <a:lstStyle/>
+                    <a:p>
+                      <a:pPr algn="ctr"/>
+                      <a:endParaRPr lang="ko-Kore-KR" altLang="en-US" sz="1600" dirty="0">
+                        <a:solidFill>
+                          <a:srgbClr val="595959"/>
+                        </a:solidFill>
+                      </a:endParaRPr>
+                    </a:p>
+                  </a:txBody>
+                  <a:tcPr anchor="ctr">
+                    <a:lnL w="12700" cap="flat" cmpd="sng" algn="ctr">
+                      <a:solidFill>
+                        <a:srgbClr val="C5C5C5"/>
+                      </a:solidFill>
+                      <a:prstDash val="solid"/>
+                      <a:round/>
+                      <a:headEnd type="none" w="med" len="med"/>
+                      <a:tailEnd type="none" w="med" len="med"/>
+                    </a:lnL>
+                    <a:lnR w="12700" cap="flat" cmpd="sng" algn="ctr">
+                      <a:solidFill>
+                        <a:srgbClr val="C5C5C5"/>
+                      </a:solidFill>
+                      <a:prstDash val="solid"/>
+                      <a:round/>
+                      <a:headEnd type="none" w="med" len="med"/>
+                      <a:tailEnd type="none" w="med" len="med"/>
+                    </a:lnR>
+                    <a:lnT w="12700" cap="flat" cmpd="sng" algn="ctr">
+                      <a:solidFill>
+                        <a:srgbClr val="C5C5C5"/>
+                      </a:solidFill>
+                      <a:prstDash val="solid"/>
+                      <a:round/>
+                      <a:headEnd type="none" w="med" len="med"/>
+                      <a:tailEnd type="none" w="med" len="med"/>
+                    </a:lnT>
+                    <a:lnB w="12700" cap="flat" cmpd="sng" algn="ctr">
+                      <a:solidFill>
+                        <a:srgbClr val="C5C5C5"/>
+                      </a:solidFill>
+                      <a:prstDash val="solid"/>
+                      <a:round/>
+                      <a:headEnd type="none" w="med" len="med"/>
+                      <a:tailEnd type="none" w="med" len="med"/>
+                    </a:lnB>
+                    <a:noFill/>
+                  </a:tcPr>
+                </a:tc>
+                <a:tc>
+                  <a:txBody>
+                    <a:bodyPr/>
+                    <a:lstStyle/>
+                    <a:p>
+                      <a:pPr algn="ctr"/>
+                      <a:r>
+                        <a:rPr lang="ko-Kore-KR" altLang="en-US" sz="1200" dirty="0">
+                          <a:solidFill>
+                            <a:srgbClr val="595959"/>
+                          </a:solidFill>
+                        </a:rPr>
+                        <a:t>공유하기</a:t>
+                      </a:r>
+                    </a:p>
+                  </a:txBody>
+                  <a:tcPr marL="80047" marR="80047" marT="40023" marB="40023" anchor="ctr">
+                    <a:lnL w="12700" cap="flat" cmpd="sng" algn="ctr">
+                      <a:solidFill>
+                        <a:srgbClr val="C5C5C5"/>
+                      </a:solidFill>
+                      <a:prstDash val="solid"/>
+                      <a:round/>
+                      <a:headEnd type="none" w="med" len="med"/>
+                      <a:tailEnd type="none" w="med" len="med"/>
+                    </a:lnL>
+                    <a:lnR w="12700" cap="flat" cmpd="sng" algn="ctr">
+                      <a:solidFill>
+                        <a:srgbClr val="C5C5C5"/>
+                      </a:solidFill>
+                      <a:prstDash val="solid"/>
+                      <a:round/>
+                      <a:headEnd type="none" w="med" len="med"/>
+                      <a:tailEnd type="none" w="med" len="med"/>
+                    </a:lnR>
+                    <a:lnT w="12700" cap="flat" cmpd="sng" algn="ctr">
+                      <a:solidFill>
+                        <a:srgbClr val="C5C5C5"/>
+                      </a:solidFill>
+                      <a:prstDash val="solid"/>
+                      <a:round/>
+                      <a:headEnd type="none" w="med" len="med"/>
+                      <a:tailEnd type="none" w="med" len="med"/>
+                    </a:lnT>
+                    <a:lnB w="12700" cap="flat" cmpd="sng" algn="ctr">
+                      <a:solidFill>
+                        <a:srgbClr val="C5C5C5"/>
+                      </a:solidFill>
+                      <a:prstDash val="solid"/>
+                      <a:round/>
+                      <a:headEnd type="none" w="med" len="med"/>
+                      <a:tailEnd type="none" w="med" len="med"/>
+                    </a:lnB>
+                    <a:noFill/>
+                  </a:tcPr>
+                </a:tc>
+                <a:tc>
+                  <a:txBody>
+                    <a:bodyPr/>
+                    <a:lstStyle/>
+                    <a:p>
+                      <a:pPr marL="0" marR="0" lvl="0" indent="0" algn="l" defTabSz="914400" rtl="0" eaLnBrk="1" fontAlgn="auto" latinLnBrk="1" hangingPunct="1">
+                        <a:lnSpc>
+                          <a:spcPct val="100000"/>
+                        </a:lnSpc>
+                        <a:spcBef>
+                          <a:spcPts val="0"/>
+                        </a:spcBef>
+                        <a:spcAft>
+                          <a:spcPts val="0"/>
+                        </a:spcAft>
+                        <a:buClrTx/>
+                        <a:buSzTx/>
+                        <a:buFontTx/>
+                        <a:buNone/>
+                        <a:tabLst/>
+                        <a:defRPr/>
+                      </a:pPr>
+                      <a:r>
+                        <a:rPr lang="ko-KR" altLang="en-US" sz="1100" b="0" dirty="0">
+                          <a:solidFill>
+                            <a:srgbClr val="595959"/>
+                          </a:solidFill>
+                        </a:rPr>
+                        <a:t>카카오톡 추천인 이벤트 공유하기</a:t>
+                      </a:r>
+                      <a:r>
+                        <a:rPr lang="en-US" altLang="ko-KR" sz="1100" b="0" dirty="0">
+                          <a:solidFill>
+                            <a:srgbClr val="595959"/>
+                          </a:solidFill>
+                        </a:rPr>
+                        <a:t>,</a:t>
+                      </a:r>
+                      <a:r>
+                        <a:rPr lang="ko-KR" altLang="en-US" sz="1100" b="0" dirty="0">
+                          <a:solidFill>
+                            <a:srgbClr val="595959"/>
+                          </a:solidFill>
+                        </a:rPr>
+                        <a:t> 부동산 매물 공유하기</a:t>
+                      </a:r>
+                    </a:p>
+                  </a:txBody>
+                  <a:tcPr marL="80047" marR="80047" marT="40023" marB="40023" anchor="ctr">
+                    <a:lnL w="12700" cap="flat" cmpd="sng" algn="ctr">
+                      <a:solidFill>
+                        <a:srgbClr val="C5C5C5"/>
+                      </a:solidFill>
+                      <a:prstDash val="solid"/>
+                      <a:round/>
+                      <a:headEnd type="none" w="med" len="med"/>
+                      <a:tailEnd type="none" w="med" len="med"/>
+                    </a:lnL>
+                    <a:lnR w="12700" cap="flat" cmpd="sng" algn="ctr">
+                      <a:solidFill>
+                        <a:srgbClr val="C5C5C5"/>
+                      </a:solidFill>
+                      <a:prstDash val="solid"/>
+                      <a:round/>
+                      <a:headEnd type="none" w="med" len="med"/>
+                      <a:tailEnd type="none" w="med" len="med"/>
+                    </a:lnR>
+                    <a:lnT w="12700" cap="flat" cmpd="sng" algn="ctr">
+                      <a:solidFill>
+                        <a:srgbClr val="C5C5C5"/>
+                      </a:solidFill>
+                      <a:prstDash val="solid"/>
+                      <a:round/>
+                      <a:headEnd type="none" w="med" len="med"/>
+                      <a:tailEnd type="none" w="med" len="med"/>
+                    </a:lnT>
+                    <a:lnB w="12700" cap="flat" cmpd="sng" algn="ctr">
+                      <a:solidFill>
+                        <a:srgbClr val="C5C5C5"/>
+                      </a:solidFill>
+                      <a:prstDash val="solid"/>
+                      <a:round/>
+                      <a:headEnd type="none" w="med" len="med"/>
+                      <a:tailEnd type="none" w="med" len="med"/>
+                    </a:lnB>
+                    <a:noFill/>
+                  </a:tcPr>
+                </a:tc>
+                <a:extLst>
+                  <a:ext uri="{0D108BD9-81ED-4DB2-BD59-A6C34878D82A}">
+                    <a16:rowId xmlns:a16="http://schemas.microsoft.com/office/drawing/2014/main" val="1016534799"/>
+                  </a:ext>
+                </a:extLst>
+              </a:tr>
+              <a:tr h="267921">
+                <a:tc rowSpan="3">
+                  <a:txBody>
+                    <a:bodyPr/>
+                    <a:lstStyle/>
+                    <a:p>
+                      <a:pPr algn="ctr"/>
+                      <a:r>
+                        <a:rPr lang="ko-Kore-KR" altLang="en-US" sz="1200" b="1" dirty="0">
+                          <a:solidFill>
+                            <a:srgbClr val="595959"/>
+                          </a:solidFill>
+                        </a:rPr>
+                        <a:t>관리자</a:t>
+                      </a:r>
+                    </a:p>
+                  </a:txBody>
+                  <a:tcPr marL="80047" marR="80047" marT="40023" marB="40023" anchor="ctr">
+                    <a:lnL w="12700" cap="flat" cmpd="sng" algn="ctr">
+                      <a:solidFill>
+                        <a:srgbClr val="C5C5C5"/>
+                      </a:solidFill>
+                      <a:prstDash val="solid"/>
+                      <a:round/>
+                      <a:headEnd type="none" w="med" len="med"/>
+                      <a:tailEnd type="none" w="med" len="med"/>
+                    </a:lnL>
+                    <a:lnR w="12700" cap="flat" cmpd="sng" algn="ctr">
+                      <a:solidFill>
+                        <a:srgbClr val="C5C5C5"/>
+                      </a:solidFill>
+                      <a:prstDash val="solid"/>
+                      <a:round/>
+                      <a:headEnd type="none" w="med" len="med"/>
+                      <a:tailEnd type="none" w="med" len="med"/>
+                    </a:lnR>
+                    <a:lnT w="12700" cap="flat" cmpd="sng" algn="ctr">
+                      <a:solidFill>
+                        <a:srgbClr val="C5C5C5"/>
+                      </a:solidFill>
+                      <a:prstDash val="solid"/>
+                      <a:round/>
+                      <a:headEnd type="none" w="med" len="med"/>
+                      <a:tailEnd type="none" w="med" len="med"/>
+                    </a:lnT>
+                    <a:lnB w="12700" cap="flat" cmpd="sng" algn="ctr">
+                      <a:solidFill>
+                        <a:srgbClr val="C5C5C5"/>
+                      </a:solidFill>
+                      <a:prstDash val="solid"/>
+                      <a:round/>
+                      <a:headEnd type="none" w="med" len="med"/>
+                      <a:tailEnd type="none" w="med" len="med"/>
+                    </a:lnB>
+                    <a:noFill/>
+                  </a:tcPr>
+                </a:tc>
+                <a:tc>
+                  <a:txBody>
+                    <a:bodyPr/>
+                    <a:lstStyle/>
+                    <a:p>
+                      <a:pPr algn="ctr"/>
+                      <a:r>
+                        <a:rPr lang="ko-KR" altLang="en-US" sz="1200" dirty="0">
+                          <a:solidFill>
+                            <a:srgbClr val="595959"/>
+                          </a:solidFill>
+                        </a:rPr>
+                        <a:t>등록</a:t>
+                      </a:r>
+                      <a:endParaRPr lang="ko-Kore-KR" altLang="en-US" sz="1200" dirty="0">
+                        <a:solidFill>
+                          <a:srgbClr val="595959"/>
+                        </a:solidFill>
+                      </a:endParaRPr>
+                    </a:p>
+                  </a:txBody>
+                  <a:tcPr marL="80047" marR="80047" marT="40023" marB="40023" anchor="ctr">
+                    <a:lnL w="12700" cap="flat" cmpd="sng" algn="ctr">
+                      <a:solidFill>
+                        <a:srgbClr val="C5C5C5"/>
+                      </a:solidFill>
+                      <a:prstDash val="solid"/>
+                      <a:round/>
+                      <a:headEnd type="none" w="med" len="med"/>
+                      <a:tailEnd type="none" w="med" len="med"/>
+                    </a:lnL>
+                    <a:lnR w="12700" cap="flat" cmpd="sng" algn="ctr">
+                      <a:solidFill>
+                        <a:srgbClr val="C5C5C5"/>
+                      </a:solidFill>
+                      <a:prstDash val="solid"/>
+                      <a:round/>
+                      <a:headEnd type="none" w="med" len="med"/>
+                      <a:tailEnd type="none" w="med" len="med"/>
+                    </a:lnR>
+                    <a:lnT w="12700" cap="flat" cmpd="sng" algn="ctr">
+                      <a:solidFill>
+                        <a:srgbClr val="C5C5C5"/>
+                      </a:solidFill>
+                      <a:prstDash val="solid"/>
+                      <a:round/>
+                      <a:headEnd type="none" w="med" len="med"/>
+                      <a:tailEnd type="none" w="med" len="med"/>
+                    </a:lnT>
+                    <a:lnB w="12700" cap="flat" cmpd="sng" algn="ctr">
+                      <a:solidFill>
+                        <a:srgbClr val="C5C5C5"/>
+                      </a:solidFill>
+                      <a:prstDash val="solid"/>
+                      <a:round/>
+                      <a:headEnd type="none" w="med" len="med"/>
+                      <a:tailEnd type="none" w="med" len="med"/>
+                    </a:lnB>
+                    <a:noFill/>
+                  </a:tcPr>
+                </a:tc>
+                <a:tc>
+                  <a:txBody>
+                    <a:bodyPr/>
+                    <a:lstStyle/>
+                    <a:p>
+                      <a:pPr marL="0" marR="0" lvl="0" indent="0" algn="l" defTabSz="914400" rtl="0" eaLnBrk="1" fontAlgn="auto" latinLnBrk="1" hangingPunct="1">
+                        <a:lnSpc>
+                          <a:spcPct val="100000"/>
+                        </a:lnSpc>
+                        <a:spcBef>
+                          <a:spcPts val="0"/>
+                        </a:spcBef>
+                        <a:spcAft>
+                          <a:spcPts val="0"/>
+                        </a:spcAft>
+                        <a:buClrTx/>
+                        <a:buSzTx/>
+                        <a:buFontTx/>
+                        <a:buNone/>
+                        <a:tabLst/>
+                        <a:defRPr/>
+                      </a:pPr>
+                      <a:r>
+                        <a:rPr lang="ko-KR" altLang="en-US" sz="1100" b="0" dirty="0">
+                          <a:solidFill>
+                            <a:srgbClr val="595959"/>
+                          </a:solidFill>
+                        </a:rPr>
+                        <a:t>공모</a:t>
+                      </a:r>
+                      <a:r>
+                        <a:rPr lang="en-US" altLang="ko-KR" sz="1100" b="0" dirty="0">
+                          <a:solidFill>
+                            <a:srgbClr val="595959"/>
+                          </a:solidFill>
+                        </a:rPr>
+                        <a:t>/</a:t>
+                      </a:r>
+                      <a:r>
+                        <a:rPr lang="ko-KR" altLang="en-US" sz="1100" b="0" dirty="0">
+                          <a:solidFill>
+                            <a:srgbClr val="595959"/>
+                          </a:solidFill>
+                        </a:rPr>
+                        <a:t>청약</a:t>
+                      </a:r>
+                      <a:r>
+                        <a:rPr lang="en-US" altLang="ko-KR" sz="1100" b="0" dirty="0">
+                          <a:solidFill>
+                            <a:srgbClr val="595959"/>
+                          </a:solidFill>
+                        </a:rPr>
+                        <a:t>,</a:t>
+                      </a:r>
+                      <a:r>
+                        <a:rPr lang="ko-KR" altLang="en-US" sz="1100" b="0" dirty="0">
+                          <a:solidFill>
+                            <a:srgbClr val="595959"/>
+                          </a:solidFill>
+                        </a:rPr>
+                        <a:t> 배당금 지급</a:t>
+                      </a:r>
+                      <a:r>
+                        <a:rPr lang="en-US" altLang="ko-KR" sz="1100" b="0" dirty="0">
+                          <a:solidFill>
+                            <a:srgbClr val="595959"/>
+                          </a:solidFill>
+                        </a:rPr>
+                        <a:t>,</a:t>
+                      </a:r>
+                      <a:r>
+                        <a:rPr lang="ko-KR" altLang="en-US" sz="1100" b="0" dirty="0">
+                          <a:solidFill>
+                            <a:srgbClr val="595959"/>
+                          </a:solidFill>
+                        </a:rPr>
+                        <a:t> 매각투표</a:t>
+                      </a:r>
+                      <a:r>
+                        <a:rPr lang="en-US" altLang="ko-KR" sz="1100" b="0" dirty="0">
+                          <a:solidFill>
+                            <a:srgbClr val="595959"/>
+                          </a:solidFill>
+                        </a:rPr>
+                        <a:t>,</a:t>
+                      </a:r>
+                      <a:r>
+                        <a:rPr lang="ko-KR" altLang="en-US" sz="1100" b="0" dirty="0">
+                          <a:solidFill>
+                            <a:srgbClr val="595959"/>
+                          </a:solidFill>
+                        </a:rPr>
+                        <a:t> 공지사항 등록</a:t>
+                      </a:r>
+                    </a:p>
+                  </a:txBody>
+                  <a:tcPr marL="80047" marR="80047" marT="40023" marB="40023" anchor="ctr">
+                    <a:lnL w="12700" cap="flat" cmpd="sng" algn="ctr">
+                      <a:solidFill>
+                        <a:srgbClr val="C5C5C5"/>
+                      </a:solidFill>
+                      <a:prstDash val="solid"/>
+                      <a:round/>
+                      <a:headEnd type="none" w="med" len="med"/>
+                      <a:tailEnd type="none" w="med" len="med"/>
+                    </a:lnL>
+                    <a:lnR w="12700" cap="flat" cmpd="sng" algn="ctr">
+                      <a:solidFill>
+                        <a:srgbClr val="C5C5C5"/>
+                      </a:solidFill>
+                      <a:prstDash val="solid"/>
+                      <a:round/>
+                      <a:headEnd type="none" w="med" len="med"/>
+                      <a:tailEnd type="none" w="med" len="med"/>
+                    </a:lnR>
+                    <a:lnT w="12700" cap="flat" cmpd="sng" algn="ctr">
+                      <a:solidFill>
+                        <a:srgbClr val="C5C5C5"/>
+                      </a:solidFill>
+                      <a:prstDash val="solid"/>
+                      <a:round/>
+                      <a:headEnd type="none" w="med" len="med"/>
+                      <a:tailEnd type="none" w="med" len="med"/>
+                    </a:lnT>
+                    <a:lnB w="12700" cap="flat" cmpd="sng" algn="ctr">
+                      <a:solidFill>
+                        <a:srgbClr val="C5C5C5"/>
+                      </a:solidFill>
+                      <a:prstDash val="solid"/>
+                      <a:round/>
+                      <a:headEnd type="none" w="med" len="med"/>
+                      <a:tailEnd type="none" w="med" len="med"/>
+                    </a:lnB>
+                    <a:noFill/>
+                  </a:tcPr>
+                </a:tc>
+                <a:extLst>
+                  <a:ext uri="{0D108BD9-81ED-4DB2-BD59-A6C34878D82A}">
+                    <a16:rowId xmlns:a16="http://schemas.microsoft.com/office/drawing/2014/main" val="2722233368"/>
+                  </a:ext>
+                </a:extLst>
+              </a:tr>
+              <a:tr h="267921">
+                <a:tc vMerge="1">
+                  <a:txBody>
+                    <a:bodyPr/>
+                    <a:lstStyle/>
+                    <a:p>
+                      <a:pPr algn="ctr"/>
+                      <a:endParaRPr lang="ko-Kore-KR" altLang="en-US" sz="1100" dirty="0">
+                        <a:solidFill>
+                          <a:srgbClr val="595959"/>
+                        </a:solidFill>
+                      </a:endParaRPr>
+                    </a:p>
+                  </a:txBody>
+                  <a:tcPr marL="80047" marR="80047" marT="40023" marB="40023" anchor="ctr">
+                    <a:lnL w="12700" cap="flat" cmpd="sng" algn="ctr">
+                      <a:solidFill>
+                        <a:srgbClr val="C5C5C5"/>
+                      </a:solidFill>
+                      <a:prstDash val="solid"/>
+                      <a:round/>
+                      <a:headEnd type="none" w="med" len="med"/>
+                      <a:tailEnd type="none" w="med" len="med"/>
+                    </a:lnL>
+                    <a:lnR w="12700" cap="flat" cmpd="sng" algn="ctr">
+                      <a:solidFill>
+                        <a:srgbClr val="C5C5C5"/>
+                      </a:solidFill>
+                      <a:prstDash val="solid"/>
+                      <a:round/>
+                      <a:headEnd type="none" w="med" len="med"/>
+                      <a:tailEnd type="none" w="med" len="med"/>
+                    </a:lnR>
+                    <a:lnT w="12700" cap="flat" cmpd="sng" algn="ctr">
+                      <a:solidFill>
+                        <a:srgbClr val="C5C5C5"/>
+                      </a:solidFill>
+                      <a:prstDash val="solid"/>
+                      <a:round/>
+                      <a:headEnd type="none" w="med" len="med"/>
+                      <a:tailEnd type="none" w="med" len="med"/>
+                    </a:lnT>
+                    <a:lnB w="12700" cap="flat" cmpd="sng" algn="ctr">
+                      <a:solidFill>
+                        <a:srgbClr val="C5C5C5"/>
+                      </a:solidFill>
+                      <a:prstDash val="solid"/>
+                      <a:round/>
+                      <a:headEnd type="none" w="med" len="med"/>
+                      <a:tailEnd type="none" w="med" len="med"/>
+                    </a:lnB>
+                    <a:noFill/>
+                  </a:tcPr>
+                </a:tc>
+                <a:tc>
+                  <a:txBody>
+                    <a:bodyPr/>
+                    <a:lstStyle/>
+                    <a:p>
+                      <a:pPr algn="ctr"/>
+                      <a:r>
+                        <a:rPr lang="ko-Kore-KR" altLang="en-US" sz="1200" dirty="0">
+                          <a:solidFill>
+                            <a:srgbClr val="595959"/>
+                          </a:solidFill>
+                        </a:rPr>
+                        <a:t>트랜잭션</a:t>
+                      </a:r>
+                      <a:r>
+                        <a:rPr lang="ko-KR" altLang="en-US" sz="1200" dirty="0">
+                          <a:solidFill>
+                            <a:srgbClr val="595959"/>
+                          </a:solidFill>
+                        </a:rPr>
+                        <a:t> </a:t>
+                      </a:r>
+                      <a:r>
+                        <a:rPr lang="ko-Kore-KR" altLang="en-US" sz="1200" dirty="0">
+                          <a:solidFill>
+                            <a:srgbClr val="595959"/>
+                          </a:solidFill>
+                        </a:rPr>
+                        <a:t>로그</a:t>
+                      </a:r>
+                      <a:r>
+                        <a:rPr lang="ko-KR" altLang="en-US" sz="1200" dirty="0">
+                          <a:solidFill>
+                            <a:srgbClr val="595959"/>
+                          </a:solidFill>
+                        </a:rPr>
+                        <a:t> 모니터링</a:t>
+                      </a:r>
+                      <a:endParaRPr lang="ko-Kore-KR" altLang="en-US" sz="1200" dirty="0">
+                        <a:solidFill>
+                          <a:srgbClr val="595959"/>
+                        </a:solidFill>
+                      </a:endParaRPr>
+                    </a:p>
+                  </a:txBody>
+                  <a:tcPr marL="80047" marR="80047" marT="40023" marB="40023" anchor="ctr">
+                    <a:lnL w="12700" cap="flat" cmpd="sng" algn="ctr">
+                      <a:solidFill>
+                        <a:srgbClr val="C5C5C5"/>
+                      </a:solidFill>
+                      <a:prstDash val="solid"/>
+                      <a:round/>
+                      <a:headEnd type="none" w="med" len="med"/>
+                      <a:tailEnd type="none" w="med" len="med"/>
+                    </a:lnL>
+                    <a:lnR w="12700" cap="flat" cmpd="sng" algn="ctr">
+                      <a:solidFill>
+                        <a:srgbClr val="C5C5C5"/>
+                      </a:solidFill>
+                      <a:prstDash val="solid"/>
+                      <a:round/>
+                      <a:headEnd type="none" w="med" len="med"/>
+                      <a:tailEnd type="none" w="med" len="med"/>
+                    </a:lnR>
+                    <a:lnT w="12700" cap="flat" cmpd="sng" algn="ctr">
+                      <a:solidFill>
+                        <a:srgbClr val="C5C5C5"/>
+                      </a:solidFill>
+                      <a:prstDash val="solid"/>
+                      <a:round/>
+                      <a:headEnd type="none" w="med" len="med"/>
+                      <a:tailEnd type="none" w="med" len="med"/>
+                    </a:lnT>
+                    <a:lnB w="12700" cap="flat" cmpd="sng" algn="ctr">
+                      <a:solidFill>
+                        <a:srgbClr val="C5C5C5"/>
+                      </a:solidFill>
+                      <a:prstDash val="solid"/>
+                      <a:round/>
+                      <a:headEnd type="none" w="med" len="med"/>
+                      <a:tailEnd type="none" w="med" len="med"/>
+                    </a:lnB>
+                    <a:noFill/>
+                  </a:tcPr>
+                </a:tc>
+                <a:tc>
+                  <a:txBody>
+                    <a:bodyPr/>
+                    <a:lstStyle/>
+                    <a:p>
+                      <a:pPr marL="0" marR="0" lvl="0" indent="0" algn="l" defTabSz="914400" rtl="0" eaLnBrk="1" fontAlgn="auto" latinLnBrk="1" hangingPunct="1">
+                        <a:lnSpc>
+                          <a:spcPct val="100000"/>
+                        </a:lnSpc>
+                        <a:spcBef>
+                          <a:spcPts val="0"/>
+                        </a:spcBef>
+                        <a:spcAft>
+                          <a:spcPts val="0"/>
+                        </a:spcAft>
+                        <a:buClrTx/>
+                        <a:buSzTx/>
+                        <a:buFontTx/>
+                        <a:buNone/>
+                        <a:tabLst/>
+                        <a:defRPr/>
+                      </a:pPr>
+                      <a:r>
+                        <a:rPr lang="ko-KR" altLang="en-US" sz="1100" b="0" dirty="0">
+                          <a:solidFill>
+                            <a:srgbClr val="595959"/>
+                          </a:solidFill>
+                        </a:rPr>
+                        <a:t>매매</a:t>
+                      </a:r>
+                      <a:r>
+                        <a:rPr lang="en-US" altLang="ko-KR" sz="1100" b="0" dirty="0">
+                          <a:solidFill>
+                            <a:srgbClr val="595959"/>
+                          </a:solidFill>
+                        </a:rPr>
+                        <a:t>,</a:t>
+                      </a:r>
+                      <a:r>
+                        <a:rPr lang="ko-KR" altLang="en-US" sz="1100" b="0" dirty="0">
+                          <a:solidFill>
+                            <a:srgbClr val="595959"/>
+                          </a:solidFill>
+                        </a:rPr>
+                        <a:t> 시스템 예외 로그 등 모니터링</a:t>
+                      </a:r>
+                    </a:p>
+                  </a:txBody>
+                  <a:tcPr marL="80047" marR="80047" marT="40023" marB="40023" anchor="ctr">
+                    <a:lnL w="12700" cap="flat" cmpd="sng" algn="ctr">
+                      <a:solidFill>
+                        <a:srgbClr val="C5C5C5"/>
+                      </a:solidFill>
+                      <a:prstDash val="solid"/>
+                      <a:round/>
+                      <a:headEnd type="none" w="med" len="med"/>
+                      <a:tailEnd type="none" w="med" len="med"/>
+                    </a:lnL>
+                    <a:lnR w="12700" cap="flat" cmpd="sng" algn="ctr">
+                      <a:solidFill>
+                        <a:srgbClr val="C5C5C5"/>
+                      </a:solidFill>
+                      <a:prstDash val="solid"/>
+                      <a:round/>
+                      <a:headEnd type="none" w="med" len="med"/>
+                      <a:tailEnd type="none" w="med" len="med"/>
+                    </a:lnR>
+                    <a:lnT w="12700" cap="flat" cmpd="sng" algn="ctr">
+                      <a:solidFill>
+                        <a:srgbClr val="C5C5C5"/>
+                      </a:solidFill>
+                      <a:prstDash val="solid"/>
+                      <a:round/>
+                      <a:headEnd type="none" w="med" len="med"/>
+                      <a:tailEnd type="none" w="med" len="med"/>
+                    </a:lnT>
+                    <a:lnB w="12700" cap="flat" cmpd="sng" algn="ctr">
+                      <a:solidFill>
+                        <a:srgbClr val="C5C5C5"/>
+                      </a:solidFill>
+                      <a:prstDash val="solid"/>
+                      <a:round/>
+                      <a:headEnd type="none" w="med" len="med"/>
+                      <a:tailEnd type="none" w="med" len="med"/>
+                    </a:lnB>
+                    <a:noFill/>
+                  </a:tcPr>
+                </a:tc>
+                <a:extLst>
+                  <a:ext uri="{0D108BD9-81ED-4DB2-BD59-A6C34878D82A}">
+                    <a16:rowId xmlns:a16="http://schemas.microsoft.com/office/drawing/2014/main" val="2021698674"/>
+                  </a:ext>
+                </a:extLst>
+              </a:tr>
+              <a:tr h="267921">
+                <a:tc vMerge="1">
+                  <a:txBody>
+                    <a:bodyPr/>
+                    <a:lstStyle/>
+                    <a:p>
+                      <a:pPr algn="ctr"/>
+                      <a:endParaRPr lang="ko-Kore-KR" altLang="en-US" sz="1100" dirty="0">
+                        <a:solidFill>
+                          <a:srgbClr val="595959"/>
+                        </a:solidFill>
+                      </a:endParaRPr>
+                    </a:p>
+                  </a:txBody>
+                  <a:tcPr marL="80047" marR="80047" marT="40023" marB="40023" anchor="ctr">
+                    <a:lnL w="12700" cap="flat" cmpd="sng" algn="ctr">
+                      <a:solidFill>
+                        <a:srgbClr val="C5C5C5"/>
+                      </a:solidFill>
+                      <a:prstDash val="solid"/>
+                      <a:round/>
+                      <a:headEnd type="none" w="med" len="med"/>
+                      <a:tailEnd type="none" w="med" len="med"/>
+                    </a:lnL>
+                    <a:lnR w="12700" cap="flat" cmpd="sng" algn="ctr">
+                      <a:solidFill>
+                        <a:srgbClr val="C5C5C5"/>
+                      </a:solidFill>
+                      <a:prstDash val="solid"/>
+                      <a:round/>
+                      <a:headEnd type="none" w="med" len="med"/>
+                      <a:tailEnd type="none" w="med" len="med"/>
+                    </a:lnR>
+                    <a:lnT w="12700" cap="flat" cmpd="sng" algn="ctr">
+                      <a:solidFill>
+                        <a:srgbClr val="C5C5C5"/>
+                      </a:solidFill>
+                      <a:prstDash val="solid"/>
+                      <a:round/>
+                      <a:headEnd type="none" w="med" len="med"/>
+                      <a:tailEnd type="none" w="med" len="med"/>
+                    </a:lnT>
+                    <a:lnB w="12700" cap="flat" cmpd="sng" algn="ctr">
+                      <a:solidFill>
+                        <a:srgbClr val="C5C5C5"/>
+                      </a:solidFill>
+                      <a:prstDash val="solid"/>
+                      <a:round/>
+                      <a:headEnd type="none" w="med" len="med"/>
+                      <a:tailEnd type="none" w="med" len="med"/>
+                    </a:lnB>
+                    <a:noFill/>
+                  </a:tcPr>
+                </a:tc>
+                <a:tc>
+                  <a:txBody>
+                    <a:bodyPr/>
+                    <a:lstStyle/>
+                    <a:p>
+                      <a:pPr algn="ctr"/>
+                      <a:r>
+                        <a:rPr lang="ko-Kore-KR" altLang="en-US" sz="1200" dirty="0">
+                          <a:solidFill>
+                            <a:srgbClr val="595959"/>
+                          </a:solidFill>
+                        </a:rPr>
+                        <a:t>수익</a:t>
+                      </a:r>
+                      <a:r>
+                        <a:rPr lang="ko-KR" altLang="en-US" sz="1200" dirty="0">
+                          <a:solidFill>
+                            <a:srgbClr val="595959"/>
+                          </a:solidFill>
+                        </a:rPr>
+                        <a:t> 현황 확인</a:t>
+                      </a:r>
+                      <a:endParaRPr lang="ko-Kore-KR" altLang="en-US" sz="1200" dirty="0">
+                        <a:solidFill>
+                          <a:srgbClr val="595959"/>
+                        </a:solidFill>
+                      </a:endParaRPr>
+                    </a:p>
+                  </a:txBody>
+                  <a:tcPr marL="80047" marR="80047" marT="40023" marB="40023" anchor="ctr">
+                    <a:lnL w="12700" cap="flat" cmpd="sng" algn="ctr">
+                      <a:solidFill>
+                        <a:srgbClr val="C5C5C5"/>
+                      </a:solidFill>
+                      <a:prstDash val="solid"/>
+                      <a:round/>
+                      <a:headEnd type="none" w="med" len="med"/>
+                      <a:tailEnd type="none" w="med" len="med"/>
+                    </a:lnL>
+                    <a:lnR w="12700" cap="flat" cmpd="sng" algn="ctr">
+                      <a:solidFill>
+                        <a:srgbClr val="C5C5C5"/>
+                      </a:solidFill>
+                      <a:prstDash val="solid"/>
+                      <a:round/>
+                      <a:headEnd type="none" w="med" len="med"/>
+                      <a:tailEnd type="none" w="med" len="med"/>
+                    </a:lnR>
+                    <a:lnT w="12700" cap="flat" cmpd="sng" algn="ctr">
+                      <a:solidFill>
+                        <a:srgbClr val="C5C5C5"/>
+                      </a:solidFill>
+                      <a:prstDash val="solid"/>
+                      <a:round/>
+                      <a:headEnd type="none" w="med" len="med"/>
+                      <a:tailEnd type="none" w="med" len="med"/>
+                    </a:lnT>
+                    <a:lnB w="12700" cap="flat" cmpd="sng" algn="ctr">
+                      <a:solidFill>
+                        <a:srgbClr val="C5C5C5"/>
+                      </a:solidFill>
+                      <a:prstDash val="solid"/>
+                      <a:round/>
+                      <a:headEnd type="none" w="med" len="med"/>
+                      <a:tailEnd type="none" w="med" len="med"/>
+                    </a:lnB>
+                    <a:noFill/>
+                  </a:tcPr>
+                </a:tc>
+                <a:tc>
+                  <a:txBody>
+                    <a:bodyPr/>
+                    <a:lstStyle/>
+                    <a:p>
+                      <a:pPr marL="0" marR="0" lvl="0" indent="0" algn="l" defTabSz="914400" rtl="0" eaLnBrk="1" fontAlgn="auto" latinLnBrk="1" hangingPunct="1">
+                        <a:lnSpc>
+                          <a:spcPct val="100000"/>
+                        </a:lnSpc>
+                        <a:spcBef>
+                          <a:spcPts val="0"/>
+                        </a:spcBef>
+                        <a:spcAft>
+                          <a:spcPts val="0"/>
+                        </a:spcAft>
+                        <a:buClrTx/>
+                        <a:buSzTx/>
+                        <a:buFontTx/>
+                        <a:buNone/>
+                        <a:tabLst/>
+                        <a:defRPr/>
+                      </a:pPr>
+                      <a:r>
+                        <a:rPr lang="ko-KR" altLang="en-US" sz="1100" b="0" dirty="0">
+                          <a:solidFill>
+                            <a:srgbClr val="595959"/>
+                          </a:solidFill>
+                        </a:rPr>
+                        <a:t>거래 수수료 등 서비스 수익 현황</a:t>
+                      </a:r>
+                    </a:p>
+                  </a:txBody>
+                  <a:tcPr marL="80047" marR="80047" marT="40023" marB="40023" anchor="ctr">
+                    <a:lnL w="12700" cap="flat" cmpd="sng" algn="ctr">
+                      <a:solidFill>
+                        <a:srgbClr val="C5C5C5"/>
+                      </a:solidFill>
+                      <a:prstDash val="solid"/>
+                      <a:round/>
+                      <a:headEnd type="none" w="med" len="med"/>
+                      <a:tailEnd type="none" w="med" len="med"/>
+                    </a:lnL>
+                    <a:lnR w="12700" cap="flat" cmpd="sng" algn="ctr">
+                      <a:solidFill>
+                        <a:srgbClr val="C5C5C5"/>
+                      </a:solidFill>
+                      <a:prstDash val="solid"/>
+                      <a:round/>
+                      <a:headEnd type="none" w="med" len="med"/>
+                      <a:tailEnd type="none" w="med" len="med"/>
+                    </a:lnR>
+                    <a:lnT w="12700" cap="flat" cmpd="sng" algn="ctr">
+                      <a:solidFill>
+                        <a:srgbClr val="C5C5C5"/>
+                      </a:solidFill>
+                      <a:prstDash val="solid"/>
+                      <a:round/>
+                      <a:headEnd type="none" w="med" len="med"/>
+                      <a:tailEnd type="none" w="med" len="med"/>
+                    </a:lnT>
+                    <a:lnB w="12700" cap="flat" cmpd="sng" algn="ctr">
+                      <a:solidFill>
+                        <a:srgbClr val="C5C5C5"/>
+                      </a:solidFill>
+                      <a:prstDash val="solid"/>
+                      <a:round/>
+                      <a:headEnd type="none" w="med" len="med"/>
+                      <a:tailEnd type="none" w="med" len="med"/>
+                    </a:lnB>
+                    <a:noFill/>
+                  </a:tcPr>
+                </a:tc>
+                <a:extLst>
+                  <a:ext uri="{0D108BD9-81ED-4DB2-BD59-A6C34878D82A}">
+                    <a16:rowId xmlns:a16="http://schemas.microsoft.com/office/drawing/2014/main" val="3402357842"/>
+                  </a:ext>
+                </a:extLst>
+              </a:tr>
+              <a:tr h="267921">
+                <a:tc rowSpan="2">
+                  <a:txBody>
+                    <a:bodyPr/>
+                    <a:lstStyle/>
+                    <a:p>
+                      <a:pPr algn="ctr"/>
+                      <a:r>
+                        <a:rPr lang="ko-Kore-KR" altLang="en-US" sz="1200" b="1" dirty="0">
+                          <a:solidFill>
+                            <a:srgbClr val="595959"/>
+                          </a:solidFill>
+                        </a:rPr>
+                        <a:t>기타</a:t>
+                      </a:r>
+                    </a:p>
+                  </a:txBody>
+                  <a:tcPr marL="80047" marR="80047" marT="40023" marB="40023" anchor="ctr">
+                    <a:lnL w="12700" cap="flat" cmpd="sng" algn="ctr">
+                      <a:solidFill>
+                        <a:srgbClr val="C5C5C5"/>
+                      </a:solidFill>
+                      <a:prstDash val="solid"/>
+                      <a:round/>
+                      <a:headEnd type="none" w="med" len="med"/>
+                      <a:tailEnd type="none" w="med" len="med"/>
+                    </a:lnL>
+                    <a:lnR w="12700" cap="flat" cmpd="sng" algn="ctr">
+                      <a:solidFill>
+                        <a:srgbClr val="C5C5C5"/>
+                      </a:solidFill>
+                      <a:prstDash val="solid"/>
+                      <a:round/>
+                      <a:headEnd type="none" w="med" len="med"/>
+                      <a:tailEnd type="none" w="med" len="med"/>
+                    </a:lnR>
+                    <a:lnT w="12700" cap="flat" cmpd="sng" algn="ctr">
+                      <a:solidFill>
+                        <a:srgbClr val="C5C5C5"/>
+                      </a:solidFill>
+                      <a:prstDash val="solid"/>
+                      <a:round/>
+                      <a:headEnd type="none" w="med" len="med"/>
+                      <a:tailEnd type="none" w="med" len="med"/>
+                    </a:lnT>
+                    <a:lnB w="12700" cap="flat" cmpd="sng" algn="ctr">
+                      <a:solidFill>
+                        <a:srgbClr val="C5C5C5"/>
+                      </a:solidFill>
+                      <a:prstDash val="solid"/>
+                      <a:round/>
+                      <a:headEnd type="none" w="med" len="med"/>
+                      <a:tailEnd type="none" w="med" len="med"/>
+                    </a:lnB>
+                    <a:noFill/>
+                  </a:tcPr>
+                </a:tc>
+                <a:tc>
+                  <a:txBody>
+                    <a:bodyPr/>
+                    <a:lstStyle/>
+                    <a:p>
+                      <a:pPr algn="ctr"/>
+                      <a:r>
+                        <a:rPr lang="ko-Kore-KR" altLang="en-US" sz="1200" dirty="0">
+                          <a:solidFill>
+                            <a:srgbClr val="595959"/>
+                          </a:solidFill>
+                        </a:rPr>
+                        <a:t>안드로이드</a:t>
+                      </a:r>
+                      <a:r>
+                        <a:rPr lang="ko-KR" altLang="en-US" sz="1200" dirty="0">
+                          <a:solidFill>
+                            <a:srgbClr val="595959"/>
+                          </a:solidFill>
+                        </a:rPr>
+                        <a:t> 앱</a:t>
+                      </a:r>
+                      <a:endParaRPr lang="ko-Kore-KR" altLang="en-US" sz="1200" dirty="0">
+                        <a:solidFill>
+                          <a:srgbClr val="595959"/>
+                        </a:solidFill>
+                      </a:endParaRPr>
+                    </a:p>
+                  </a:txBody>
+                  <a:tcPr marL="80047" marR="80047" marT="40023" marB="40023" anchor="ctr">
+                    <a:lnL w="12700" cap="flat" cmpd="sng" algn="ctr">
+                      <a:solidFill>
+                        <a:srgbClr val="C5C5C5"/>
+                      </a:solidFill>
+                      <a:prstDash val="solid"/>
+                      <a:round/>
+                      <a:headEnd type="none" w="med" len="med"/>
+                      <a:tailEnd type="none" w="med" len="med"/>
+                    </a:lnL>
+                    <a:lnR w="12700" cap="flat" cmpd="sng" algn="ctr">
+                      <a:solidFill>
+                        <a:srgbClr val="C5C5C5"/>
+                      </a:solidFill>
+                      <a:prstDash val="solid"/>
+                      <a:round/>
+                      <a:headEnd type="none" w="med" len="med"/>
+                      <a:tailEnd type="none" w="med" len="med"/>
+                    </a:lnR>
+                    <a:lnT w="12700" cap="flat" cmpd="sng" algn="ctr">
+                      <a:solidFill>
+                        <a:srgbClr val="C5C5C5"/>
+                      </a:solidFill>
+                      <a:prstDash val="solid"/>
+                      <a:round/>
+                      <a:headEnd type="none" w="med" len="med"/>
+                      <a:tailEnd type="none" w="med" len="med"/>
+                    </a:lnT>
+                    <a:lnB w="12700" cap="flat" cmpd="sng" algn="ctr">
+                      <a:solidFill>
+                        <a:srgbClr val="C5C5C5"/>
+                      </a:solidFill>
+                      <a:prstDash val="solid"/>
+                      <a:round/>
+                      <a:headEnd type="none" w="med" len="med"/>
+                      <a:tailEnd type="none" w="med" len="med"/>
+                    </a:lnB>
+                    <a:noFill/>
+                  </a:tcPr>
+                </a:tc>
+                <a:tc>
+                  <a:txBody>
+                    <a:bodyPr/>
+                    <a:lstStyle/>
+                    <a:p>
+                      <a:pPr marL="0" marR="0" lvl="0" indent="0" algn="l" defTabSz="914400" rtl="0" eaLnBrk="1" fontAlgn="auto" latinLnBrk="1" hangingPunct="1">
+                        <a:lnSpc>
+                          <a:spcPct val="100000"/>
+                        </a:lnSpc>
+                        <a:spcBef>
+                          <a:spcPts val="0"/>
+                        </a:spcBef>
+                        <a:spcAft>
+                          <a:spcPts val="0"/>
+                        </a:spcAft>
+                        <a:buClrTx/>
+                        <a:buSzTx/>
+                        <a:buFontTx/>
+                        <a:buNone/>
+                        <a:tabLst/>
+                        <a:defRPr/>
+                      </a:pPr>
+                      <a:r>
+                        <a:rPr lang="ko-Kore-KR" altLang="en-US" sz="1100" dirty="0">
+                          <a:solidFill>
+                            <a:srgbClr val="595959"/>
+                          </a:solidFill>
+                        </a:rPr>
+                        <a:t>웹</a:t>
+                      </a:r>
+                      <a:r>
+                        <a:rPr lang="ko-KR" altLang="en-US" sz="1100" dirty="0">
+                          <a:solidFill>
+                            <a:srgbClr val="595959"/>
+                          </a:solidFill>
+                        </a:rPr>
+                        <a:t> 뷰 및 </a:t>
+                      </a:r>
+                      <a:r>
+                        <a:rPr lang="ko-Kore-KR" altLang="en-US" sz="1100" dirty="0">
+                          <a:solidFill>
+                            <a:srgbClr val="595959"/>
+                          </a:solidFill>
+                        </a:rPr>
+                        <a:t>배당금</a:t>
+                      </a:r>
+                      <a:r>
+                        <a:rPr lang="ko-KR" altLang="en-US" sz="1100" dirty="0">
+                          <a:solidFill>
+                            <a:srgbClr val="595959"/>
+                          </a:solidFill>
+                        </a:rPr>
+                        <a:t> 지급</a:t>
+                      </a:r>
+                      <a:r>
+                        <a:rPr lang="en-US" altLang="ko-KR" sz="1100" dirty="0">
+                          <a:solidFill>
+                            <a:srgbClr val="595959"/>
+                          </a:solidFill>
+                        </a:rPr>
+                        <a:t>,</a:t>
+                      </a:r>
+                      <a:r>
+                        <a:rPr lang="ko-KR" altLang="en-US" sz="1100" dirty="0">
+                          <a:solidFill>
+                            <a:srgbClr val="595959"/>
+                          </a:solidFill>
+                        </a:rPr>
+                        <a:t> 매각 완료 시 안드로이드 앱 푸시 알림 기능</a:t>
+                      </a:r>
+                      <a:endParaRPr lang="ko-Kore-KR" altLang="en-US" sz="1100" dirty="0">
+                        <a:solidFill>
+                          <a:srgbClr val="595959"/>
+                        </a:solidFill>
+                      </a:endParaRPr>
+                    </a:p>
+                  </a:txBody>
+                  <a:tcPr marL="80047" marR="80047" marT="40023" marB="40023" anchor="ctr">
+                    <a:lnL w="12700" cap="flat" cmpd="sng" algn="ctr">
+                      <a:solidFill>
+                        <a:srgbClr val="C5C5C5"/>
+                      </a:solidFill>
+                      <a:prstDash val="solid"/>
+                      <a:round/>
+                      <a:headEnd type="none" w="med" len="med"/>
+                      <a:tailEnd type="none" w="med" len="med"/>
+                    </a:lnL>
+                    <a:lnR w="12700" cap="flat" cmpd="sng" algn="ctr">
+                      <a:solidFill>
+                        <a:srgbClr val="C5C5C5"/>
+                      </a:solidFill>
+                      <a:prstDash val="solid"/>
+                      <a:round/>
+                      <a:headEnd type="none" w="med" len="med"/>
+                      <a:tailEnd type="none" w="med" len="med"/>
+                    </a:lnR>
+                    <a:lnT w="12700" cap="flat" cmpd="sng" algn="ctr">
+                      <a:solidFill>
+                        <a:srgbClr val="C5C5C5"/>
+                      </a:solidFill>
+                      <a:prstDash val="solid"/>
+                      <a:round/>
+                      <a:headEnd type="none" w="med" len="med"/>
+                      <a:tailEnd type="none" w="med" len="med"/>
+                    </a:lnT>
+                    <a:lnB w="12700" cap="flat" cmpd="sng" algn="ctr">
+                      <a:solidFill>
+                        <a:srgbClr val="C5C5C5"/>
+                      </a:solidFill>
+                      <a:prstDash val="solid"/>
+                      <a:round/>
+                      <a:headEnd type="none" w="med" len="med"/>
+                      <a:tailEnd type="none" w="med" len="med"/>
+                    </a:lnB>
+                    <a:noFill/>
+                  </a:tcPr>
+                </a:tc>
+                <a:extLst>
+                  <a:ext uri="{0D108BD9-81ED-4DB2-BD59-A6C34878D82A}">
+                    <a16:rowId xmlns:a16="http://schemas.microsoft.com/office/drawing/2014/main" val="1372542076"/>
+                  </a:ext>
+                </a:extLst>
+              </a:tr>
+              <a:tr h="449256">
+                <a:tc vMerge="1">
+                  <a:txBody>
+                    <a:bodyPr/>
+                    <a:lstStyle/>
+                    <a:p>
+                      <a:pPr algn="ctr"/>
+                      <a:r>
+                        <a:rPr lang="ko-Kore-KR" altLang="en-US" sz="1100" dirty="0">
+                          <a:solidFill>
+                            <a:srgbClr val="595959"/>
+                          </a:solidFill>
+                        </a:rPr>
+                        <a:t>기타</a:t>
+                      </a:r>
+                    </a:p>
+                  </a:txBody>
+                  <a:tcPr marL="80047" marR="80047" marT="40023" marB="40023" anchor="ctr">
+                    <a:lnL w="12700" cap="flat" cmpd="sng" algn="ctr">
+                      <a:solidFill>
+                        <a:srgbClr val="C5C5C5"/>
+                      </a:solidFill>
+                      <a:prstDash val="solid"/>
+                      <a:round/>
+                      <a:headEnd type="none" w="med" len="med"/>
+                      <a:tailEnd type="none" w="med" len="med"/>
+                    </a:lnL>
+                    <a:lnR w="12700" cap="flat" cmpd="sng" algn="ctr">
+                      <a:solidFill>
+                        <a:srgbClr val="C5C5C5"/>
+                      </a:solidFill>
+                      <a:prstDash val="solid"/>
+                      <a:round/>
+                      <a:headEnd type="none" w="med" len="med"/>
+                      <a:tailEnd type="none" w="med" len="med"/>
+                    </a:lnR>
+                    <a:lnT w="12700" cap="flat" cmpd="sng" algn="ctr">
+                      <a:solidFill>
+                        <a:srgbClr val="C5C5C5"/>
+                      </a:solidFill>
+                      <a:prstDash val="solid"/>
+                      <a:round/>
+                      <a:headEnd type="none" w="med" len="med"/>
+                      <a:tailEnd type="none" w="med" len="med"/>
+                    </a:lnT>
+                    <a:lnB w="12700" cap="flat" cmpd="sng" algn="ctr">
+                      <a:solidFill>
+                        <a:srgbClr val="C5C5C5"/>
+                      </a:solidFill>
+                      <a:prstDash val="solid"/>
+                      <a:round/>
+                      <a:headEnd type="none" w="med" len="med"/>
+                      <a:tailEnd type="none" w="med" len="med"/>
+                    </a:lnB>
+                    <a:noFill/>
+                  </a:tcPr>
+                </a:tc>
+                <a:tc>
+                  <a:txBody>
+                    <a:bodyPr/>
+                    <a:lstStyle/>
+                    <a:p>
+                      <a:pPr algn="ctr"/>
+                      <a:r>
+                        <a:rPr lang="ko-Kore-KR" altLang="en-US" sz="1200" dirty="0">
+                          <a:solidFill>
+                            <a:srgbClr val="595959"/>
+                          </a:solidFill>
+                        </a:rPr>
+                        <a:t>시스템</a:t>
+                      </a:r>
+                      <a:r>
+                        <a:rPr lang="ko-KR" altLang="en-US" sz="1200" dirty="0">
+                          <a:solidFill>
+                            <a:srgbClr val="595959"/>
+                          </a:solidFill>
+                        </a:rPr>
+                        <a:t> </a:t>
+                      </a:r>
+                      <a:r>
+                        <a:rPr lang="ko-Kore-KR" altLang="en-US" sz="1200" dirty="0">
+                          <a:solidFill>
+                            <a:srgbClr val="595959"/>
+                          </a:solidFill>
+                        </a:rPr>
+                        <a:t>로깅</a:t>
+                      </a:r>
+                    </a:p>
+                  </a:txBody>
+                  <a:tcPr marL="80047" marR="80047" marT="40023" marB="40023" anchor="ctr">
+                    <a:lnL w="12700" cap="flat" cmpd="sng" algn="ctr">
+                      <a:solidFill>
+                        <a:srgbClr val="C5C5C5"/>
+                      </a:solidFill>
+                      <a:prstDash val="solid"/>
+                      <a:round/>
+                      <a:headEnd type="none" w="med" len="med"/>
+                      <a:tailEnd type="none" w="med" len="med"/>
+                    </a:lnL>
+                    <a:lnR w="12700" cap="flat" cmpd="sng" algn="ctr">
+                      <a:solidFill>
+                        <a:srgbClr val="C5C5C5"/>
+                      </a:solidFill>
+                      <a:prstDash val="solid"/>
+                      <a:round/>
+                      <a:headEnd type="none" w="med" len="med"/>
+                      <a:tailEnd type="none" w="med" len="med"/>
+                    </a:lnR>
+                    <a:lnT w="12700" cap="flat" cmpd="sng" algn="ctr">
+                      <a:solidFill>
+                        <a:srgbClr val="C5C5C5"/>
+                      </a:solidFill>
+                      <a:prstDash val="solid"/>
+                      <a:round/>
+                      <a:headEnd type="none" w="med" len="med"/>
+                      <a:tailEnd type="none" w="med" len="med"/>
+                    </a:lnT>
+                    <a:lnB w="12700" cap="flat" cmpd="sng" algn="ctr">
+                      <a:solidFill>
+                        <a:srgbClr val="C5C5C5"/>
+                      </a:solidFill>
+                      <a:prstDash val="solid"/>
+                      <a:round/>
+                      <a:headEnd type="none" w="med" len="med"/>
+                      <a:tailEnd type="none" w="med" len="med"/>
+                    </a:lnB>
+                    <a:noFill/>
+                  </a:tcPr>
+                </a:tc>
+                <a:tc>
+                  <a:txBody>
+                    <a:bodyPr/>
+                    <a:lstStyle/>
+                    <a:p>
+                      <a:pPr algn="l"/>
+                      <a:r>
+                        <a:rPr lang="ko-Kore-KR" altLang="en-US" sz="1100" dirty="0">
+                          <a:solidFill>
+                            <a:srgbClr val="595959"/>
+                          </a:solidFill>
+                        </a:rPr>
+                        <a:t>전체</a:t>
+                      </a:r>
+                      <a:r>
+                        <a:rPr lang="ko-KR" altLang="en-US" sz="1100" dirty="0">
+                          <a:solidFill>
+                            <a:srgbClr val="595959"/>
+                          </a:solidFill>
+                        </a:rPr>
+                        <a:t> 시스템 발생 예외</a:t>
+                      </a:r>
+                      <a:r>
+                        <a:rPr lang="en-US" altLang="ko-KR" sz="1100" dirty="0">
+                          <a:solidFill>
+                            <a:srgbClr val="595959"/>
+                          </a:solidFill>
+                        </a:rPr>
+                        <a:t> </a:t>
+                      </a:r>
+                      <a:r>
+                        <a:rPr lang="ko-KR" altLang="en-US" sz="1100" dirty="0">
+                          <a:solidFill>
+                            <a:srgbClr val="595959"/>
+                          </a:solidFill>
+                        </a:rPr>
+                        <a:t>로그 테이블 기록 및 저장</a:t>
+                      </a:r>
+                      <a:br>
+                        <a:rPr lang="en-US" altLang="ko-KR" sz="1100" dirty="0">
+                          <a:solidFill>
+                            <a:srgbClr val="595959"/>
+                          </a:solidFill>
+                        </a:rPr>
+                      </a:br>
+                      <a:r>
+                        <a:rPr lang="en-US" altLang="ko-KR" sz="1100" dirty="0">
+                          <a:solidFill>
+                            <a:srgbClr val="595959"/>
+                          </a:solidFill>
+                        </a:rPr>
+                        <a:t>-</a:t>
+                      </a:r>
+                      <a:r>
+                        <a:rPr lang="ko-KR" altLang="en-US" sz="1100" dirty="0">
+                          <a:solidFill>
+                            <a:srgbClr val="595959"/>
+                          </a:solidFill>
+                        </a:rPr>
+                        <a:t> 하나</a:t>
+                      </a:r>
+                      <a:r>
+                        <a:rPr lang="en-US" altLang="ko-KR" sz="1100" dirty="0">
+                          <a:solidFill>
+                            <a:srgbClr val="595959"/>
+                          </a:solidFill>
+                        </a:rPr>
+                        <a:t>1PIECE</a:t>
+                      </a:r>
+                      <a:r>
+                        <a:rPr lang="ko-KR" altLang="en-US" sz="1100" dirty="0">
+                          <a:solidFill>
+                            <a:srgbClr val="595959"/>
+                          </a:solidFill>
+                        </a:rPr>
+                        <a:t> 예외 로그</a:t>
+                      </a:r>
+                      <a:r>
+                        <a:rPr lang="en-US" altLang="ko-KR" sz="1100" dirty="0">
+                          <a:solidFill>
+                            <a:srgbClr val="595959"/>
+                          </a:solidFill>
+                        </a:rPr>
+                        <a:t>,</a:t>
+                      </a:r>
+                      <a:r>
+                        <a:rPr lang="ko-KR" altLang="en-US" sz="1100" dirty="0">
+                          <a:solidFill>
+                            <a:srgbClr val="595959"/>
+                          </a:solidFill>
+                        </a:rPr>
+                        <a:t> 은행 예외 로그</a:t>
+                      </a:r>
+                      <a:endParaRPr lang="en-US" altLang="ko-KR" sz="1100" dirty="0">
+                        <a:solidFill>
+                          <a:srgbClr val="595959"/>
+                        </a:solidFill>
+                      </a:endParaRPr>
+                    </a:p>
+                  </a:txBody>
+                  <a:tcPr marL="80047" marR="80047" marT="40023" marB="40023" anchor="ctr">
                     <a:lnL w="12700" cap="flat" cmpd="sng" algn="ctr">
                       <a:solidFill>
                         <a:srgbClr val="C5C5C5"/>
